--- a/Stock Market Analysis.pptx
+++ b/Stock Market Analysis.pptx
@@ -136,7 +136,7 @@
   <pc:docChgLst>
     <pc:chgData name="Gabriel Allen" userId="c7c74c84cd207ce6" providerId="LiveId" clId="{BD585F1B-4D9A-4C89-9F76-E500BE26A5CA}"/>
     <pc:docChg chg="undo redo custSel addSld delSld modSld sldOrd">
-      <pc:chgData name="Gabriel Allen" userId="c7c74c84cd207ce6" providerId="LiveId" clId="{BD585F1B-4D9A-4C89-9F76-E500BE26A5CA}" dt="2021-02-01T22:26:38.372" v="2378" actId="2711"/>
+      <pc:chgData name="Gabriel Allen" userId="c7c74c84cd207ce6" providerId="LiveId" clId="{BD585F1B-4D9A-4C89-9F76-E500BE26A5CA}" dt="2021-02-02T05:11:29.821" v="2548" actId="33524"/>
       <pc:docMkLst>
         <pc:docMk/>
       </pc:docMkLst>
@@ -415,7 +415,7 @@
         </pc:picChg>
       </pc:sldChg>
       <pc:sldChg chg="addSp delSp modSp new mod ord">
-        <pc:chgData name="Gabriel Allen" userId="c7c74c84cd207ce6" providerId="LiveId" clId="{BD585F1B-4D9A-4C89-9F76-E500BE26A5CA}" dt="2021-02-01T21:32:20.416" v="644" actId="1076"/>
+        <pc:chgData name="Gabriel Allen" userId="c7c74c84cd207ce6" providerId="LiveId" clId="{BD585F1B-4D9A-4C89-9F76-E500BE26A5CA}" dt="2021-02-02T05:11:29.821" v="2548" actId="33524"/>
         <pc:sldMkLst>
           <pc:docMk/>
           <pc:sldMk cId="1366965708" sldId="296"/>
@@ -429,7 +429,7 @@
           </ac:spMkLst>
         </pc:spChg>
         <pc:spChg chg="mod">
-          <ac:chgData name="Gabriel Allen" userId="c7c74c84cd207ce6" providerId="LiveId" clId="{BD585F1B-4D9A-4C89-9F76-E500BE26A5CA}" dt="2021-02-01T21:20:57.498" v="621" actId="20577"/>
+          <ac:chgData name="Gabriel Allen" userId="c7c74c84cd207ce6" providerId="LiveId" clId="{BD585F1B-4D9A-4C89-9F76-E500BE26A5CA}" dt="2021-02-02T05:11:29.821" v="2548" actId="33524"/>
           <ac:spMkLst>
             <pc:docMk/>
             <pc:sldMk cId="1366965708" sldId="296"/>
@@ -4827,16 +4827,16 @@
                 </a:solidFill>
                 <a:effectLst/>
               </a:rPr>
-              <a:t>), have underperformed the broader market over the past year. IHE has provided a total return of 16.3% over the last 12 months, below the Russell 1000's total return of 21.9%, as of December 2, 2020.</a:t>
-            </a:r>
-            <a:r>
-              <a:rPr lang="en-US" b="0" i="0" u="none" strike="noStrike" baseline="30000" dirty="0">
+              <a:t>), have underperformed the broader market over the past year. IHE has provided a total return of 16.3% over the last 12 months, below the Russell 1000's total return of 21.9%, as of December 2, 2020. All information outlined in this presentation is current as of February 1</a:t>
+            </a:r>
+            <a:r>
+              <a:rPr lang="en-US" b="0" i="0" baseline="30000" dirty="0">
                 <a:solidFill>
-                  <a:srgbClr val="0000EE"/>
+                  <a:srgbClr val="111111"/>
                 </a:solidFill>
                 <a:effectLst/>
               </a:rPr>
-              <a:t>1</a:t>
+              <a:t>st</a:t>
             </a:r>
             <a:r>
               <a:rPr lang="en-US" b="0" i="0" dirty="0">
@@ -4845,7 +4845,7 @@
                 </a:solidFill>
                 <a:effectLst/>
               </a:rPr>
-              <a:t>﻿ All statistics in the tables below are as of December 3.</a:t>
+              <a:t>, 2021.</a:t>
             </a:r>
           </a:p>
           <a:p>
@@ -13166,15 +13166,6 @@
 </file>
 
 <file path=customXml/item2.xml><?xml version="1.0" encoding="utf-8"?>
-<?mso-contentType ?>
-<FormTemplates xmlns="http://schemas.microsoft.com/sharepoint/v3/contenttype/forms">
-  <Display>DocumentLibraryForm</Display>
-  <Edit>DocumentLibraryForm</Edit>
-  <New>DocumentLibraryForm</New>
-</FormTemplates>
-</file>
-
-<file path=customXml/item3.xml><?xml version="1.0" encoding="utf-8"?>
 <ct:contentTypeSchema xmlns:ct="http://schemas.microsoft.com/office/2006/metadata/contentType" xmlns:ma="http://schemas.microsoft.com/office/2006/metadata/properties/metaAttributes" ct:_="" ma:_="" ma:contentTypeName="Document" ma:contentTypeID="0x01010079F111ED35F8CC479449609E8A0923A6" ma:contentTypeVersion="12" ma:contentTypeDescription="Create a new document." ma:contentTypeScope="" ma:versionID="a410dd7f93c95333ffa1b60ed6adedd1">
   <xsd:schema xmlns:xsd="http://www.w3.org/2001/XMLSchema" xmlns:xs="http://www.w3.org/2001/XMLSchema" xmlns:p="http://schemas.microsoft.com/office/2006/metadata/properties" xmlns:ns2="71af3243-3dd4-4a8d-8c0d-dd76da1f02a5" xmlns:ns3="16c05727-aa75-4e4a-9b5f-8a80a1165891" targetNamespace="http://schemas.microsoft.com/office/2006/metadata/properties" ma:root="true" ma:fieldsID="a936d9baba76aa3866493feff160faab" ns2:_="" ns3:_="">
     <xsd:import namespace="71af3243-3dd4-4a8d-8c0d-dd76da1f02a5"/>
@@ -13395,6 +13386,15 @@
 </ct:contentTypeSchema>
 </file>
 
+<file path=customXml/item3.xml><?xml version="1.0" encoding="utf-8"?>
+<?mso-contentType ?>
+<FormTemplates xmlns="http://schemas.microsoft.com/sharepoint/v3/contenttype/forms">
+  <Display>DocumentLibraryForm</Display>
+  <Edit>DocumentLibraryForm</Edit>
+  <New>DocumentLibraryForm</New>
+</FormTemplates>
+</file>
+
 <file path=customXml/itemProps1.xml><?xml version="1.0" encoding="utf-8"?>
 <ds:datastoreItem xmlns:ds="http://schemas.openxmlformats.org/officeDocument/2006/customXml" ds:itemID="{FBD2D995-20F0-4C14-BF62-1248AB4B484D}">
   <ds:schemaRefs>
@@ -13406,14 +13406,6 @@
 </file>
 
 <file path=customXml/itemProps2.xml><?xml version="1.0" encoding="utf-8"?>
-<ds:datastoreItem xmlns:ds="http://schemas.openxmlformats.org/officeDocument/2006/customXml" ds:itemID="{BB3242A4-1E6A-4E02-809C-4A24066EC01D}">
-  <ds:schemaRefs>
-    <ds:schemaRef ds:uri="http://schemas.microsoft.com/sharepoint/v3/contenttype/forms"/>
-  </ds:schemaRefs>
-</ds:datastoreItem>
-</file>
-
-<file path=customXml/itemProps3.xml><?xml version="1.0" encoding="utf-8"?>
 <ds:datastoreItem xmlns:ds="http://schemas.openxmlformats.org/officeDocument/2006/customXml" ds:itemID="{965255AC-12AC-4323-AA35-9BAC798B66BD}">
   <ds:schemaRefs>
     <ds:schemaRef ds:uri="http://schemas.microsoft.com/office/2006/metadata/contentType"/>
@@ -13430,4 +13422,12 @@
     <ds:schemaRef ds:uri="http://schemas.microsoft.com/internal/obd"/>
   </ds:schemaRefs>
 </ds:datastoreItem>
+</file>
+
+<file path=customXml/itemProps3.xml><?xml version="1.0" encoding="utf-8"?>
+<ds:datastoreItem xmlns:ds="http://schemas.openxmlformats.org/officeDocument/2006/customXml" ds:itemID="{BB3242A4-1E6A-4E02-809C-4A24066EC01D}">
+  <ds:schemaRefs>
+    <ds:schemaRef ds:uri="http://schemas.microsoft.com/sharepoint/v3/contenttype/forms"/>
+  </ds:schemaRefs>
+</ds:datastoreItem>
 </file>
--- a/Stock Market Analysis.pptx
+++ b/Stock Market Analysis.pptx
@@ -126,7 +126,7 @@
 <file path=ppt/revisionInfo.xml><?xml version="1.0" encoding="utf-8"?>
 <p1510:revInfo xmlns:a="http://schemas.openxmlformats.org/drawingml/2006/main" xmlns:r="http://schemas.openxmlformats.org/officeDocument/2006/relationships" xmlns:p1510="http://schemas.microsoft.com/office/powerpoint/2015/10/main">
   <p1510:revLst>
-    <p1510:client id="{BD585F1B-4D9A-4C89-9F76-E500BE26A5CA}" v="26" dt="2021-02-01T22:26:03.338"/>
+    <p1510:client id="{BD585F1B-4D9A-4C89-9F76-E500BE26A5CA}" v="27" dt="2021-02-02T16:05:41.011"/>
   </p1510:revLst>
 </p1510:revInfo>
 </file>
@@ -136,7 +136,7 @@
   <pc:docChgLst>
     <pc:chgData name="Gabriel Allen" userId="c7c74c84cd207ce6" providerId="LiveId" clId="{BD585F1B-4D9A-4C89-9F76-E500BE26A5CA}"/>
     <pc:docChg chg="undo redo custSel addSld delSld modSld sldOrd">
-      <pc:chgData name="Gabriel Allen" userId="c7c74c84cd207ce6" providerId="LiveId" clId="{BD585F1B-4D9A-4C89-9F76-E500BE26A5CA}" dt="2021-02-02T05:11:29.821" v="2548" actId="33524"/>
+      <pc:chgData name="Gabriel Allen" userId="c7c74c84cd207ce6" providerId="LiveId" clId="{BD585F1B-4D9A-4C89-9F76-E500BE26A5CA}" dt="2021-02-02T16:05:55.064" v="2392" actId="1076"/>
       <pc:docMkLst>
         <pc:docMk/>
       </pc:docMkLst>
@@ -218,7 +218,7 @@
         </pc:picChg>
       </pc:sldChg>
       <pc:sldChg chg="addSp delSp modSp mod">
-        <pc:chgData name="Gabriel Allen" userId="c7c74c84cd207ce6" providerId="LiveId" clId="{BD585F1B-4D9A-4C89-9F76-E500BE26A5CA}" dt="2021-02-01T21:53:03.993" v="1429" actId="1076"/>
+        <pc:chgData name="Gabriel Allen" userId="c7c74c84cd207ce6" providerId="LiveId" clId="{BD585F1B-4D9A-4C89-9F76-E500BE26A5CA}" dt="2021-02-02T16:05:55.064" v="2392" actId="1076"/>
         <pc:sldMkLst>
           <pc:docMk/>
           <pc:sldMk cId="2890125927" sldId="293"/>
@@ -264,6 +264,14 @@
           </ac:spMkLst>
         </pc:spChg>
         <pc:picChg chg="add mod">
+          <ac:chgData name="Gabriel Allen" userId="c7c74c84cd207ce6" providerId="LiveId" clId="{BD585F1B-4D9A-4C89-9F76-E500BE26A5CA}" dt="2021-02-02T16:05:55.064" v="2392" actId="1076"/>
+          <ac:picMkLst>
+            <pc:docMk/>
+            <pc:sldMk cId="2890125927" sldId="293"/>
+            <ac:picMk id="6" creationId="{5BEC89EF-6A84-48B9-9A12-99444A63933F}"/>
+          </ac:picMkLst>
+        </pc:picChg>
+        <pc:picChg chg="add mod">
           <ac:chgData name="Gabriel Allen" userId="c7c74c84cd207ce6" providerId="LiveId" clId="{BD585F1B-4D9A-4C89-9F76-E500BE26A5CA}" dt="2021-02-01T21:49:27.520" v="1372" actId="1076"/>
           <ac:picMkLst>
             <pc:docMk/>
@@ -271,8 +279,8 @@
             <ac:picMk id="8" creationId="{A63B1649-E9ED-427B-8258-F8A65F73F5D1}"/>
           </ac:picMkLst>
         </pc:picChg>
-        <pc:picChg chg="add mod">
-          <ac:chgData name="Gabriel Allen" userId="c7c74c84cd207ce6" providerId="LiveId" clId="{BD585F1B-4D9A-4C89-9F76-E500BE26A5CA}" dt="2021-02-01T21:53:03.993" v="1429" actId="1076"/>
+        <pc:picChg chg="add del mod">
+          <ac:chgData name="Gabriel Allen" userId="c7c74c84cd207ce6" providerId="LiveId" clId="{BD585F1B-4D9A-4C89-9F76-E500BE26A5CA}" dt="2021-02-02T16:05:38.277" v="2385" actId="478"/>
           <ac:picMkLst>
             <pc:docMk/>
             <pc:sldMk cId="2890125927" sldId="293"/>
@@ -415,7 +423,7 @@
         </pc:picChg>
       </pc:sldChg>
       <pc:sldChg chg="addSp delSp modSp new mod ord">
-        <pc:chgData name="Gabriel Allen" userId="c7c74c84cd207ce6" providerId="LiveId" clId="{BD585F1B-4D9A-4C89-9F76-E500BE26A5CA}" dt="2021-02-02T05:11:29.821" v="2548" actId="33524"/>
+        <pc:chgData name="Gabriel Allen" userId="c7c74c84cd207ce6" providerId="LiveId" clId="{BD585F1B-4D9A-4C89-9F76-E500BE26A5CA}" dt="2021-02-02T15:52:56.850" v="2383" actId="2711"/>
         <pc:sldMkLst>
           <pc:docMk/>
           <pc:sldMk cId="1366965708" sldId="296"/>
@@ -429,7 +437,7 @@
           </ac:spMkLst>
         </pc:spChg>
         <pc:spChg chg="mod">
-          <ac:chgData name="Gabriel Allen" userId="c7c74c84cd207ce6" providerId="LiveId" clId="{BD585F1B-4D9A-4C89-9F76-E500BE26A5CA}" dt="2021-02-02T05:11:29.821" v="2548" actId="33524"/>
+          <ac:chgData name="Gabriel Allen" userId="c7c74c84cd207ce6" providerId="LiveId" clId="{BD585F1B-4D9A-4C89-9F76-E500BE26A5CA}" dt="2021-02-02T15:52:56.850" v="2383" actId="2711"/>
           <ac:spMkLst>
             <pc:docMk/>
             <pc:sldMk cId="1366965708" sldId="296"/>
@@ -643,7 +651,7 @@
         </pc:picChg>
       </pc:sldChg>
       <pc:sldChg chg="modSp new mod">
-        <pc:chgData name="Gabriel Allen" userId="c7c74c84cd207ce6" providerId="LiveId" clId="{BD585F1B-4D9A-4C89-9F76-E500BE26A5CA}" dt="2021-02-01T22:23:05.455" v="2320" actId="20577"/>
+        <pc:chgData name="Gabriel Allen" userId="c7c74c84cd207ce6" providerId="LiveId" clId="{BD585F1B-4D9A-4C89-9F76-E500BE26A5CA}" dt="2021-02-02T15:53:26.984" v="2384" actId="2711"/>
         <pc:sldMkLst>
           <pc:docMk/>
           <pc:sldMk cId="208162295" sldId="300"/>
@@ -662,6 +670,14 @@
             <pc:docMk/>
             <pc:sldMk cId="208162295" sldId="300"/>
             <ac:spMk id="3" creationId="{3AAB4ADA-75CB-4087-9BCE-CFDC26BD48D1}"/>
+          </ac:spMkLst>
+        </pc:spChg>
+        <pc:spChg chg="mod">
+          <ac:chgData name="Gabriel Allen" userId="c7c74c84cd207ce6" providerId="LiveId" clId="{BD585F1B-4D9A-4C89-9F76-E500BE26A5CA}" dt="2021-02-02T15:53:26.984" v="2384" actId="2711"/>
+          <ac:spMkLst>
+            <pc:docMk/>
+            <pc:sldMk cId="208162295" sldId="300"/>
+            <ac:spMk id="5" creationId="{9F678966-F9CB-4160-8E51-7EE251149C3A}"/>
           </ac:spMkLst>
         </pc:spChg>
       </pc:sldChg>
@@ -938,7 +954,7 @@
           <a:p>
             <a:fld id="{ED291B17-9318-49DB-B28B-6E5994AE9581}" type="datetime1">
               <a:rPr lang="en-US" smtClean="0"/>
-              <a:t>2/1/2021</a:t>
+              <a:t>2/2/2021</a:t>
             </a:fld>
             <a:endParaRPr lang="en-US" dirty="0"/>
           </a:p>
@@ -1136,7 +1152,7 @@
           <a:p>
             <a:fld id="{78DD82B9-B8EE-4375-B6FF-88FA6ABB15D9}" type="datetime1">
               <a:rPr lang="en-US" smtClean="0"/>
-              <a:t>2/1/2021</a:t>
+              <a:t>2/2/2021</a:t>
             </a:fld>
             <a:endParaRPr lang="en-US" dirty="0"/>
           </a:p>
@@ -1448,7 +1464,7 @@
           <a:p>
             <a:fld id="{B2497495-0637-405E-AE64-5CC7506D51F5}" type="datetime1">
               <a:rPr lang="en-US" smtClean="0"/>
-              <a:t>2/1/2021</a:t>
+              <a:t>2/2/2021</a:t>
             </a:fld>
             <a:endParaRPr lang="en-US" dirty="0"/>
           </a:p>
@@ -1701,7 +1717,7 @@
           <a:p>
             <a:fld id="{7BFFD690-9426-415D-8B65-26881E07B2D4}" type="datetime1">
               <a:rPr lang="en-US" smtClean="0"/>
-              <a:t>2/1/2021</a:t>
+              <a:t>2/2/2021</a:t>
             </a:fld>
             <a:endParaRPr lang="en-US" dirty="0"/>
           </a:p>
@@ -2123,7 +2139,7 @@
           <a:p>
             <a:fld id="{04C4989A-474C-40DE-95B9-011C28B71673}" type="datetime1">
               <a:rPr lang="en-US" smtClean="0"/>
-              <a:t>2/1/2021</a:t>
+              <a:t>2/2/2021</a:t>
             </a:fld>
             <a:endParaRPr lang="en-US" dirty="0"/>
           </a:p>
@@ -2246,7 +2262,7 @@
           <a:p>
             <a:fld id="{5DB4ED54-5B5E-4A04-93D3-5772E3CE3818}" type="datetime1">
               <a:rPr lang="en-US" smtClean="0"/>
-              <a:t>2/1/2021</a:t>
+              <a:t>2/2/2021</a:t>
             </a:fld>
             <a:endParaRPr lang="en-US" dirty="0"/>
           </a:p>
@@ -2341,7 +2357,7 @@
           <a:p>
             <a:fld id="{4EDE50D6-574B-40AF-946F-D52A04ADE379}" type="datetime1">
               <a:rPr lang="en-US" smtClean="0"/>
-              <a:t>2/1/2021</a:t>
+              <a:t>2/2/2021</a:t>
             </a:fld>
             <a:endParaRPr lang="en-US" dirty="0"/>
           </a:p>
@@ -2718,7 +2734,7 @@
           <a:p>
             <a:fld id="{D82884F1-FFEA-405F-9602-3DCA865EDA4E}" type="datetime1">
               <a:rPr lang="en-US" smtClean="0"/>
-              <a:t>2/1/2021</a:t>
+              <a:t>2/2/2021</a:t>
             </a:fld>
             <a:endParaRPr lang="en-US" dirty="0"/>
           </a:p>
@@ -3011,7 +3027,7 @@
           <a:p>
             <a:fld id="{7E18DB4A-8810-4A10-AD5C-D5E2C667F5B3}" type="datetime1">
               <a:rPr lang="en-US" smtClean="0"/>
-              <a:t>2/1/2021</a:t>
+              <a:t>2/2/2021</a:t>
             </a:fld>
             <a:endParaRPr lang="en-US" dirty="0"/>
           </a:p>
@@ -3226,7 +3242,7 @@
           <a:p>
             <a:fld id="{ED291B17-9318-49DB-B28B-6E5994AE9581}" type="datetime1">
               <a:rPr lang="en-US" smtClean="0"/>
-              <a:t>2/1/2021</a:t>
+              <a:t>2/2/2021</a:t>
             </a:fld>
             <a:endParaRPr lang="en-US" dirty="0"/>
           </a:p>
@@ -4335,53 +4351,2757 @@
           <a:p>
             <a:r>
               <a:rPr lang="en-US" dirty="0"/>
-              <a:t>Return estimation</a:t>
+              <a:t>ROI </a:t>
             </a:r>
           </a:p>
         </p:txBody>
       </p:sp>
       <p:sp>
         <p:nvSpPr>
-          <p:cNvPr id="3" name="Content Placeholder 2">
+          <p:cNvPr id="5" name="Content Placeholder 2">
             <a:extLst>
               <a:ext uri="{FF2B5EF4-FFF2-40B4-BE49-F238E27FC236}">
-                <a16:creationId xmlns:a16="http://schemas.microsoft.com/office/drawing/2014/main" id="{3AAB4ADA-75CB-4087-9BCE-CFDC26BD48D1}"/>
+                <a16:creationId xmlns:a16="http://schemas.microsoft.com/office/drawing/2014/main" id="{9F678966-F9CB-4160-8E51-7EE251149C3A}"/>
               </a:ext>
             </a:extLst>
           </p:cNvPr>
-          <p:cNvSpPr>
-            <a:spLocks noGrp="1"/>
+          <p:cNvSpPr txBox="1">
+            <a:spLocks/>
           </p:cNvSpPr>
-          <p:nvPr>
-            <p:ph idx="1"/>
-          </p:nvPr>
+          <p:nvPr/>
         </p:nvSpPr>
-        <p:spPr/>
+        <p:spPr>
+          <a:xfrm>
+            <a:off x="581192" y="1890875"/>
+            <a:ext cx="11029615" cy="1382412"/>
+          </a:xfrm>
+          <a:prstGeom prst="rect">
+            <a:avLst/>
+          </a:prstGeom>
+        </p:spPr>
         <p:txBody>
-          <a:bodyPr/>
-          <a:lstStyle/>
+          <a:bodyPr vert="horz" lIns="91440" tIns="45720" rIns="91440" bIns="45720" rtlCol="0" anchor="ctr">
+            <a:normAutofit fontScale="85000" lnSpcReduction="10000"/>
+          </a:bodyPr>
+          <a:lstStyle>
+            <a:lvl1pPr marL="306000" indent="-306000" algn="l" defTabSz="457200" rtl="0" eaLnBrk="1" latinLnBrk="0" hangingPunct="1">
+              <a:lnSpc>
+                <a:spcPct val="110000"/>
+              </a:lnSpc>
+              <a:spcBef>
+                <a:spcPct val="20000"/>
+              </a:spcBef>
+              <a:spcAft>
+                <a:spcPts val="600"/>
+              </a:spcAft>
+              <a:buClr>
+                <a:schemeClr val="accent1"/>
+              </a:buClr>
+              <a:buSzPct val="92000"/>
+              <a:buFont typeface="Wingdings 2" panose="05020102010507070707" pitchFamily="18" charset="2"/>
+              <a:buChar char=""/>
+              <a:defRPr sz="1700" kern="1200">
+                <a:solidFill>
+                  <a:schemeClr val="tx1">
+                    <a:lumMod val="75000"/>
+                    <a:lumOff val="25000"/>
+                  </a:schemeClr>
+                </a:solidFill>
+                <a:latin typeface="+mn-lt"/>
+                <a:ea typeface="+mn-ea"/>
+                <a:cs typeface="+mn-cs"/>
+              </a:defRPr>
+            </a:lvl1pPr>
+            <a:lvl2pPr marL="630000" indent="-306000" algn="l" defTabSz="457200" rtl="0" eaLnBrk="1" latinLnBrk="0" hangingPunct="1">
+              <a:spcBef>
+                <a:spcPct val="20000"/>
+              </a:spcBef>
+              <a:spcAft>
+                <a:spcPts val="600"/>
+              </a:spcAft>
+              <a:buClr>
+                <a:schemeClr val="accent1"/>
+              </a:buClr>
+              <a:buSzPct val="92000"/>
+              <a:buFont typeface="Wingdings 2" panose="05020102010507070707" pitchFamily="18" charset="2"/>
+              <a:buChar char=""/>
+              <a:defRPr sz="1400" kern="1200">
+                <a:solidFill>
+                  <a:schemeClr val="tx1">
+                    <a:lumMod val="75000"/>
+                    <a:lumOff val="25000"/>
+                  </a:schemeClr>
+                </a:solidFill>
+                <a:latin typeface="+mn-lt"/>
+                <a:ea typeface="+mn-ea"/>
+                <a:cs typeface="+mn-cs"/>
+              </a:defRPr>
+            </a:lvl2pPr>
+            <a:lvl3pPr marL="900000" indent="-270000" algn="l" defTabSz="457200" rtl="0" eaLnBrk="1" latinLnBrk="0" hangingPunct="1">
+              <a:spcBef>
+                <a:spcPct val="20000"/>
+              </a:spcBef>
+              <a:spcAft>
+                <a:spcPts val="600"/>
+              </a:spcAft>
+              <a:buClr>
+                <a:schemeClr val="accent1"/>
+              </a:buClr>
+              <a:buSzPct val="92000"/>
+              <a:buFont typeface="Wingdings 2" panose="05020102010507070707" pitchFamily="18" charset="2"/>
+              <a:buChar char=""/>
+              <a:defRPr sz="1300" kern="1200">
+                <a:solidFill>
+                  <a:schemeClr val="tx1">
+                    <a:lumMod val="75000"/>
+                    <a:lumOff val="25000"/>
+                  </a:schemeClr>
+                </a:solidFill>
+                <a:latin typeface="+mn-lt"/>
+                <a:ea typeface="+mn-ea"/>
+                <a:cs typeface="+mn-cs"/>
+              </a:defRPr>
+            </a:lvl3pPr>
+            <a:lvl4pPr marL="1242000" indent="-234000" algn="l" defTabSz="457200" rtl="0" eaLnBrk="1" latinLnBrk="0" hangingPunct="1">
+              <a:spcBef>
+                <a:spcPct val="20000"/>
+              </a:spcBef>
+              <a:spcAft>
+                <a:spcPts val="600"/>
+              </a:spcAft>
+              <a:buClr>
+                <a:schemeClr val="accent1"/>
+              </a:buClr>
+              <a:buSzPct val="92000"/>
+              <a:buFont typeface="Wingdings 2" panose="05020102010507070707" pitchFamily="18" charset="2"/>
+              <a:buChar char=""/>
+              <a:defRPr sz="1100" kern="1200">
+                <a:solidFill>
+                  <a:schemeClr val="tx1">
+                    <a:lumMod val="75000"/>
+                    <a:lumOff val="25000"/>
+                  </a:schemeClr>
+                </a:solidFill>
+                <a:latin typeface="+mn-lt"/>
+                <a:ea typeface="+mn-ea"/>
+                <a:cs typeface="+mn-cs"/>
+              </a:defRPr>
+            </a:lvl4pPr>
+            <a:lvl5pPr marL="1602000" indent="-234000" algn="l" defTabSz="457200" rtl="0" eaLnBrk="1" latinLnBrk="0" hangingPunct="1">
+              <a:spcBef>
+                <a:spcPct val="20000"/>
+              </a:spcBef>
+              <a:spcAft>
+                <a:spcPts val="600"/>
+              </a:spcAft>
+              <a:buClr>
+                <a:schemeClr val="accent1"/>
+              </a:buClr>
+              <a:buSzPct val="92000"/>
+              <a:buFont typeface="Wingdings 2" panose="05020102010507070707" pitchFamily="18" charset="2"/>
+              <a:buChar char=""/>
+              <a:defRPr sz="1100" kern="1200">
+                <a:solidFill>
+                  <a:schemeClr val="tx1">
+                    <a:lumMod val="75000"/>
+                    <a:lumOff val="25000"/>
+                  </a:schemeClr>
+                </a:solidFill>
+                <a:latin typeface="+mn-lt"/>
+                <a:ea typeface="+mn-ea"/>
+                <a:cs typeface="+mn-cs"/>
+              </a:defRPr>
+            </a:lvl5pPr>
+            <a:lvl6pPr marL="1900000" indent="-228600" algn="l" defTabSz="457200" rtl="0" eaLnBrk="1" latinLnBrk="0" hangingPunct="1">
+              <a:spcBef>
+                <a:spcPct val="20000"/>
+              </a:spcBef>
+              <a:spcAft>
+                <a:spcPts val="600"/>
+              </a:spcAft>
+              <a:buClr>
+                <a:schemeClr val="accent2"/>
+              </a:buClr>
+              <a:buSzPct val="92000"/>
+              <a:buFont typeface="Wingdings 2" panose="05020102010507070707" pitchFamily="18" charset="2"/>
+              <a:buChar char=""/>
+              <a:defRPr sz="1200" kern="1200">
+                <a:solidFill>
+                  <a:schemeClr val="tx2"/>
+                </a:solidFill>
+                <a:latin typeface="+mn-lt"/>
+                <a:ea typeface="+mn-ea"/>
+                <a:cs typeface="+mn-cs"/>
+              </a:defRPr>
+            </a:lvl6pPr>
+            <a:lvl7pPr marL="2200000" indent="-228600" algn="l" defTabSz="457200" rtl="0" eaLnBrk="1" latinLnBrk="0" hangingPunct="1">
+              <a:spcBef>
+                <a:spcPct val="20000"/>
+              </a:spcBef>
+              <a:spcAft>
+                <a:spcPts val="600"/>
+              </a:spcAft>
+              <a:buClr>
+                <a:schemeClr val="accent2"/>
+              </a:buClr>
+              <a:buSzPct val="92000"/>
+              <a:buFont typeface="Wingdings 2" panose="05020102010507070707" pitchFamily="18" charset="2"/>
+              <a:buChar char=""/>
+              <a:defRPr sz="1200" kern="1200">
+                <a:solidFill>
+                  <a:schemeClr val="tx2"/>
+                </a:solidFill>
+                <a:latin typeface="+mn-lt"/>
+                <a:ea typeface="+mn-ea"/>
+                <a:cs typeface="+mn-cs"/>
+              </a:defRPr>
+            </a:lvl7pPr>
+            <a:lvl8pPr marL="2500000" indent="-228600" algn="l" defTabSz="457200" rtl="0" eaLnBrk="1" latinLnBrk="0" hangingPunct="1">
+              <a:spcBef>
+                <a:spcPct val="20000"/>
+              </a:spcBef>
+              <a:spcAft>
+                <a:spcPts val="600"/>
+              </a:spcAft>
+              <a:buClr>
+                <a:schemeClr val="accent2"/>
+              </a:buClr>
+              <a:buSzPct val="92000"/>
+              <a:buFont typeface="Wingdings 2" panose="05020102010507070707" pitchFamily="18" charset="2"/>
+              <a:buChar char=""/>
+              <a:defRPr sz="1200" kern="1200">
+                <a:solidFill>
+                  <a:schemeClr val="tx2"/>
+                </a:solidFill>
+                <a:latin typeface="+mn-lt"/>
+                <a:ea typeface="+mn-ea"/>
+                <a:cs typeface="+mn-cs"/>
+              </a:defRPr>
+            </a:lvl8pPr>
+            <a:lvl9pPr marL="2800000" indent="-228600" algn="l" defTabSz="457200" rtl="0" eaLnBrk="1" latinLnBrk="0" hangingPunct="1">
+              <a:spcBef>
+                <a:spcPct val="20000"/>
+              </a:spcBef>
+              <a:spcAft>
+                <a:spcPts val="600"/>
+              </a:spcAft>
+              <a:buClr>
+                <a:schemeClr val="accent2"/>
+              </a:buClr>
+              <a:buSzPct val="92000"/>
+              <a:buFont typeface="Wingdings 2" panose="05020102010507070707" pitchFamily="18" charset="2"/>
+              <a:buChar char=""/>
+              <a:defRPr sz="1200" kern="1200">
+                <a:solidFill>
+                  <a:schemeClr val="tx2"/>
+                </a:solidFill>
+                <a:latin typeface="+mn-lt"/>
+                <a:ea typeface="+mn-ea"/>
+                <a:cs typeface="+mn-cs"/>
+              </a:defRPr>
+            </a:lvl9pPr>
+          </a:lstStyle>
           <a:p>
+            <a:pPr algn="l"/>
             <a:r>
-              <a:rPr lang="en-US" dirty="0"/>
-              <a:t>INSERT TABLE</a:t>
+              <a:rPr lang="en-US" dirty="0">
+                <a:solidFill>
+                  <a:srgbClr val="111111"/>
+                </a:solidFill>
+                <a:hlinkClick r:id="rId2"/>
+              </a:rPr>
+              <a:t>Return on Investment (ROI)</a:t>
+            </a:r>
+            <a:r>
+              <a:rPr lang="en-US" dirty="0">
+                <a:solidFill>
+                  <a:srgbClr val="111111"/>
+                </a:solidFill>
+              </a:rPr>
+              <a:t> </a:t>
+            </a:r>
+            <a:r>
+              <a:rPr lang="en-US" b="0" i="0" dirty="0">
+                <a:solidFill>
+                  <a:srgbClr val="111111"/>
+                </a:solidFill>
+                <a:effectLst/>
+              </a:rPr>
+              <a:t>is a performance measure used to evaluate the efficiency of an investment or compare the efficiency of a number of different investments. ROI tries to directly measure the amount of return on a particular investment, relative to the investment’s cost. </a:t>
             </a:r>
           </a:p>
           <a:p>
-            <a:pPr lvl="1"/>
+            <a:pPr algn="l"/>
             <a:r>
-              <a:rPr lang="en-US" dirty="0"/>
-              <a:t>Compare 1-year, 3-year, 5-year return </a:t>
+              <a:rPr lang="en-US" b="0" i="0" dirty="0">
+                <a:solidFill>
+                  <a:srgbClr val="111111"/>
+                </a:solidFill>
+                <a:effectLst/>
+              </a:rPr>
+              <a:t>To calculate ROI, the benefit (or return) of an investment is divided by the cost of the investment. The result is expressed as a percentage or a ratio. </a:t>
             </a:r>
           </a:p>
           <a:p>
-            <a:pPr lvl="1"/>
-            <a:r>
-              <a:rPr lang="en-US" dirty="0"/>
-              <a:t>JNJ, PFE, LLY, SPY(?)</a:t>
-            </a:r>
+            <a:pPr algn="l"/>
+            <a:endParaRPr lang="en-US" b="0" i="0" dirty="0">
+              <a:solidFill>
+                <a:srgbClr val="111111"/>
+              </a:solidFill>
+              <a:effectLst/>
+              <a:latin typeface="SourceSansPro"/>
+            </a:endParaRPr>
           </a:p>
         </p:txBody>
       </p:sp>
+      <p:graphicFrame>
+        <p:nvGraphicFramePr>
+          <p:cNvPr id="10" name="Content Placeholder 9">
+            <a:extLst>
+              <a:ext uri="{FF2B5EF4-FFF2-40B4-BE49-F238E27FC236}">
+                <a16:creationId xmlns:a16="http://schemas.microsoft.com/office/drawing/2014/main" id="{547377B5-69E3-4E27-AFAF-57067C4458FE}"/>
+              </a:ext>
+            </a:extLst>
+          </p:cNvPr>
+          <p:cNvGraphicFramePr>
+            <a:graphicFrameLocks noGrp="1"/>
+          </p:cNvGraphicFramePr>
+          <p:nvPr>
+            <p:ph idx="1"/>
+            <p:extLst>
+              <p:ext uri="{D42A27DB-BD31-4B8C-83A1-F6EECF244321}">
+                <p14:modId xmlns:p14="http://schemas.microsoft.com/office/powerpoint/2010/main" val="820991"/>
+              </p:ext>
+            </p:extLst>
+          </p:nvPr>
+        </p:nvGraphicFramePr>
+        <p:xfrm>
+          <a:off x="844826" y="3273287"/>
+          <a:ext cx="10502346" cy="2034167"/>
+        </p:xfrm>
+        <a:graphic>
+          <a:graphicData uri="http://schemas.openxmlformats.org/drawingml/2006/table">
+            <a:tbl>
+              <a:tblPr/>
+              <a:tblGrid>
+                <a:gridCol w="819341">
+                  <a:extLst>
+                    <a:ext uri="{9D8B030D-6E8A-4147-A177-3AD203B41FA5}">
+                      <a16:colId xmlns:a16="http://schemas.microsoft.com/office/drawing/2014/main" val="360954540"/>
+                    </a:ext>
+                  </a:extLst>
+                </a:gridCol>
+                <a:gridCol w="1582151">
+                  <a:extLst>
+                    <a:ext uri="{9D8B030D-6E8A-4147-A177-3AD203B41FA5}">
+                      <a16:colId xmlns:a16="http://schemas.microsoft.com/office/drawing/2014/main" val="3897559737"/>
+                    </a:ext>
+                  </a:extLst>
+                </a:gridCol>
+                <a:gridCol w="1400989">
+                  <a:extLst>
+                    <a:ext uri="{9D8B030D-6E8A-4147-A177-3AD203B41FA5}">
+                      <a16:colId xmlns:a16="http://schemas.microsoft.com/office/drawing/2014/main" val="2444204420"/>
+                    </a:ext>
+                  </a:extLst>
+                </a:gridCol>
+                <a:gridCol w="1582151">
+                  <a:extLst>
+                    <a:ext uri="{9D8B030D-6E8A-4147-A177-3AD203B41FA5}">
+                      <a16:colId xmlns:a16="http://schemas.microsoft.com/office/drawing/2014/main" val="2017179937"/>
+                    </a:ext>
+                  </a:extLst>
+                </a:gridCol>
+                <a:gridCol w="1755263">
+                  <a:extLst>
+                    <a:ext uri="{9D8B030D-6E8A-4147-A177-3AD203B41FA5}">
+                      <a16:colId xmlns:a16="http://schemas.microsoft.com/office/drawing/2014/main" val="405345554"/>
+                    </a:ext>
+                  </a:extLst>
+                </a:gridCol>
+                <a:gridCol w="1195671">
+                  <a:extLst>
+                    <a:ext uri="{9D8B030D-6E8A-4147-A177-3AD203B41FA5}">
+                      <a16:colId xmlns:a16="http://schemas.microsoft.com/office/drawing/2014/main" val="2166326941"/>
+                    </a:ext>
+                  </a:extLst>
+                </a:gridCol>
+                <a:gridCol w="1002433">
+                  <a:extLst>
+                    <a:ext uri="{9D8B030D-6E8A-4147-A177-3AD203B41FA5}">
+                      <a16:colId xmlns:a16="http://schemas.microsoft.com/office/drawing/2014/main" val="2867268976"/>
+                    </a:ext>
+                  </a:extLst>
+                </a:gridCol>
+                <a:gridCol w="1164347">
+                  <a:extLst>
+                    <a:ext uri="{9D8B030D-6E8A-4147-A177-3AD203B41FA5}">
+                      <a16:colId xmlns:a16="http://schemas.microsoft.com/office/drawing/2014/main" val="1927446685"/>
+                    </a:ext>
+                  </a:extLst>
+                </a:gridCol>
+              </a:tblGrid>
+              <a:tr h="245305">
+                <a:tc>
+                  <a:txBody>
+                    <a:bodyPr/>
+                    <a:lstStyle/>
+                    <a:p>
+                      <a:pPr algn="l" rtl="0" fontAlgn="b"/>
+                      <a:r>
+                        <a:rPr lang="en-US" sz="1400" b="1" i="0" u="none" strike="noStrike" dirty="0">
+                          <a:solidFill>
+                            <a:srgbClr val="FFFFFF"/>
+                          </a:solidFill>
+                          <a:effectLst/>
+                          <a:latin typeface="Calibri" panose="020F0502020204030204" pitchFamily="34" charset="0"/>
+                        </a:rPr>
+                        <a:t>Symbol</a:t>
+                      </a:r>
+                    </a:p>
+                  </a:txBody>
+                  <a:tcPr marL="9525" marR="9525" marT="9525" marB="0" anchor="b">
+                    <a:lnL>
+                      <a:noFill/>
+                    </a:lnL>
+                    <a:lnR w="6350" cap="flat" cmpd="sng" algn="ctr">
+                      <a:solidFill>
+                        <a:srgbClr val="FFFFFF"/>
+                      </a:solidFill>
+                      <a:prstDash val="solid"/>
+                      <a:round/>
+                      <a:headEnd type="none" w="med" len="med"/>
+                      <a:tailEnd type="none" w="med" len="med"/>
+                    </a:lnR>
+                    <a:lnT>
+                      <a:noFill/>
+                    </a:lnT>
+                    <a:lnB w="6350" cap="flat" cmpd="sng" algn="ctr">
+                      <a:solidFill>
+                        <a:srgbClr val="FFFFFF"/>
+                      </a:solidFill>
+                      <a:prstDash val="solid"/>
+                      <a:round/>
+                      <a:headEnd type="none" w="med" len="med"/>
+                      <a:tailEnd type="none" w="med" len="med"/>
+                    </a:lnB>
+                    <a:solidFill>
+                      <a:srgbClr val="5B9BD5"/>
+                    </a:solidFill>
+                  </a:tcPr>
+                </a:tc>
+                <a:tc>
+                  <a:txBody>
+                    <a:bodyPr/>
+                    <a:lstStyle/>
+                    <a:p>
+                      <a:pPr algn="l" rtl="0" fontAlgn="b"/>
+                      <a:r>
+                        <a:rPr lang="en-US" sz="1400" b="1" i="0" u="none" strike="noStrike">
+                          <a:solidFill>
+                            <a:srgbClr val="FFFFFF"/>
+                          </a:solidFill>
+                          <a:effectLst/>
+                          <a:latin typeface="Calibri" panose="020F0502020204030204" pitchFamily="34" charset="0"/>
+                        </a:rPr>
+                        <a:t>Security</a:t>
+                      </a:r>
+                    </a:p>
+                  </a:txBody>
+                  <a:tcPr marL="9525" marR="9525" marT="9525" marB="0" anchor="b">
+                    <a:lnL w="6350" cap="flat" cmpd="sng" algn="ctr">
+                      <a:solidFill>
+                        <a:srgbClr val="FFFFFF"/>
+                      </a:solidFill>
+                      <a:prstDash val="solid"/>
+                      <a:round/>
+                      <a:headEnd type="none" w="med" len="med"/>
+                      <a:tailEnd type="none" w="med" len="med"/>
+                    </a:lnL>
+                    <a:lnR w="6350" cap="flat" cmpd="sng" algn="ctr">
+                      <a:solidFill>
+                        <a:srgbClr val="FFFFFF"/>
+                      </a:solidFill>
+                      <a:prstDash val="solid"/>
+                      <a:round/>
+                      <a:headEnd type="none" w="med" len="med"/>
+                      <a:tailEnd type="none" w="med" len="med"/>
+                    </a:lnR>
+                    <a:lnT>
+                      <a:noFill/>
+                    </a:lnT>
+                    <a:lnB w="6350" cap="flat" cmpd="sng" algn="ctr">
+                      <a:solidFill>
+                        <a:srgbClr val="FFFFFF"/>
+                      </a:solidFill>
+                      <a:prstDash val="solid"/>
+                      <a:round/>
+                      <a:headEnd type="none" w="med" len="med"/>
+                      <a:tailEnd type="none" w="med" len="med"/>
+                    </a:lnB>
+                    <a:solidFill>
+                      <a:srgbClr val="5B9BD5"/>
+                    </a:solidFill>
+                  </a:tcPr>
+                </a:tc>
+                <a:tc>
+                  <a:txBody>
+                    <a:bodyPr/>
+                    <a:lstStyle/>
+                    <a:p>
+                      <a:pPr algn="l" rtl="0" fontAlgn="b"/>
+                      <a:r>
+                        <a:rPr lang="en-US" sz="1400" b="1" i="0" u="none" strike="noStrike">
+                          <a:solidFill>
+                            <a:srgbClr val="FFFFFF"/>
+                          </a:solidFill>
+                          <a:effectLst/>
+                          <a:latin typeface="Calibri" panose="020F0502020204030204" pitchFamily="34" charset="0"/>
+                        </a:rPr>
+                        <a:t>1/4/2016 Price ($)</a:t>
+                      </a:r>
+                    </a:p>
+                  </a:txBody>
+                  <a:tcPr marL="9525" marR="9525" marT="9525" marB="0" anchor="b">
+                    <a:lnL w="6350" cap="flat" cmpd="sng" algn="ctr">
+                      <a:solidFill>
+                        <a:srgbClr val="FFFFFF"/>
+                      </a:solidFill>
+                      <a:prstDash val="solid"/>
+                      <a:round/>
+                      <a:headEnd type="none" w="med" len="med"/>
+                      <a:tailEnd type="none" w="med" len="med"/>
+                    </a:lnL>
+                    <a:lnR w="6350" cap="flat" cmpd="sng" algn="ctr">
+                      <a:solidFill>
+                        <a:srgbClr val="FFFFFF"/>
+                      </a:solidFill>
+                      <a:prstDash val="solid"/>
+                      <a:round/>
+                      <a:headEnd type="none" w="med" len="med"/>
+                      <a:tailEnd type="none" w="med" len="med"/>
+                    </a:lnR>
+                    <a:lnT>
+                      <a:noFill/>
+                    </a:lnT>
+                    <a:lnB w="6350" cap="flat" cmpd="sng" algn="ctr">
+                      <a:solidFill>
+                        <a:srgbClr val="FFFFFF"/>
+                      </a:solidFill>
+                      <a:prstDash val="solid"/>
+                      <a:round/>
+                      <a:headEnd type="none" w="med" len="med"/>
+                      <a:tailEnd type="none" w="med" len="med"/>
+                    </a:lnB>
+                    <a:solidFill>
+                      <a:srgbClr val="5B9BD5"/>
+                    </a:solidFill>
+                  </a:tcPr>
+                </a:tc>
+                <a:tc>
+                  <a:txBody>
+                    <a:bodyPr/>
+                    <a:lstStyle/>
+                    <a:p>
+                      <a:pPr algn="l" rtl="0" fontAlgn="b"/>
+                      <a:r>
+                        <a:rPr lang="en-US" sz="1400" b="1" i="0" u="none" strike="noStrike">
+                          <a:solidFill>
+                            <a:srgbClr val="FFFFFF"/>
+                          </a:solidFill>
+                          <a:effectLst/>
+                          <a:latin typeface="Calibri" panose="020F0502020204030204" pitchFamily="34" charset="0"/>
+                        </a:rPr>
+                        <a:t>12/30/2020 Price ($)</a:t>
+                      </a:r>
+                    </a:p>
+                  </a:txBody>
+                  <a:tcPr marL="9525" marR="9525" marT="9525" marB="0" anchor="b">
+                    <a:lnL w="6350" cap="flat" cmpd="sng" algn="ctr">
+                      <a:solidFill>
+                        <a:srgbClr val="FFFFFF"/>
+                      </a:solidFill>
+                      <a:prstDash val="solid"/>
+                      <a:round/>
+                      <a:headEnd type="none" w="med" len="med"/>
+                      <a:tailEnd type="none" w="med" len="med"/>
+                    </a:lnL>
+                    <a:lnR w="6350" cap="flat" cmpd="sng" algn="ctr">
+                      <a:solidFill>
+                        <a:srgbClr val="FFFFFF"/>
+                      </a:solidFill>
+                      <a:prstDash val="solid"/>
+                      <a:round/>
+                      <a:headEnd type="none" w="med" len="med"/>
+                      <a:tailEnd type="none" w="med" len="med"/>
+                    </a:lnR>
+                    <a:lnT>
+                      <a:noFill/>
+                    </a:lnT>
+                    <a:lnB w="6350" cap="flat" cmpd="sng" algn="ctr">
+                      <a:solidFill>
+                        <a:srgbClr val="FFFFFF"/>
+                      </a:solidFill>
+                      <a:prstDash val="solid"/>
+                      <a:round/>
+                      <a:headEnd type="none" w="med" len="med"/>
+                      <a:tailEnd type="none" w="med" len="med"/>
+                    </a:lnB>
+                    <a:solidFill>
+                      <a:srgbClr val="5B9BD5"/>
+                    </a:solidFill>
+                  </a:tcPr>
+                </a:tc>
+                <a:tc>
+                  <a:txBody>
+                    <a:bodyPr/>
+                    <a:lstStyle/>
+                    <a:p>
+                      <a:pPr algn="l" rtl="0" fontAlgn="b"/>
+                      <a:r>
+                        <a:rPr lang="en-US" sz="1400" b="1" i="0" u="none" strike="noStrike">
+                          <a:solidFill>
+                            <a:srgbClr val="FFFFFF"/>
+                          </a:solidFill>
+                          <a:effectLst/>
+                          <a:latin typeface="Calibri" panose="020F0502020204030204" pitchFamily="34" charset="0"/>
+                        </a:rPr>
+                        <a:t>5yr Avg Div Yield </a:t>
+                      </a:r>
+                    </a:p>
+                  </a:txBody>
+                  <a:tcPr marL="9525" marR="9525" marT="9525" marB="0" anchor="b">
+                    <a:lnL w="6350" cap="flat" cmpd="sng" algn="ctr">
+                      <a:solidFill>
+                        <a:srgbClr val="FFFFFF"/>
+                      </a:solidFill>
+                      <a:prstDash val="solid"/>
+                      <a:round/>
+                      <a:headEnd type="none" w="med" len="med"/>
+                      <a:tailEnd type="none" w="med" len="med"/>
+                    </a:lnL>
+                    <a:lnR w="6350" cap="flat" cmpd="sng" algn="ctr">
+                      <a:solidFill>
+                        <a:srgbClr val="FFFFFF"/>
+                      </a:solidFill>
+                      <a:prstDash val="solid"/>
+                      <a:round/>
+                      <a:headEnd type="none" w="med" len="med"/>
+                      <a:tailEnd type="none" w="med" len="med"/>
+                    </a:lnR>
+                    <a:lnT>
+                      <a:noFill/>
+                    </a:lnT>
+                    <a:lnB w="6350" cap="flat" cmpd="sng" algn="ctr">
+                      <a:solidFill>
+                        <a:srgbClr val="FFFFFF"/>
+                      </a:solidFill>
+                      <a:prstDash val="solid"/>
+                      <a:round/>
+                      <a:headEnd type="none" w="med" len="med"/>
+                      <a:tailEnd type="none" w="med" len="med"/>
+                    </a:lnB>
+                    <a:solidFill>
+                      <a:srgbClr val="5B9BD5"/>
+                    </a:solidFill>
+                  </a:tcPr>
+                </a:tc>
+                <a:tc>
+                  <a:txBody>
+                    <a:bodyPr/>
+                    <a:lstStyle/>
+                    <a:p>
+                      <a:pPr algn="l" rtl="0" fontAlgn="b"/>
+                      <a:r>
+                        <a:rPr lang="en-US" sz="1400" b="1" i="0" u="none" strike="noStrike">
+                          <a:solidFill>
+                            <a:srgbClr val="FFFFFF"/>
+                          </a:solidFill>
+                          <a:effectLst/>
+                          <a:latin typeface="Calibri" panose="020F0502020204030204" pitchFamily="34" charset="0"/>
+                        </a:rPr>
+                        <a:t>1 Year ROI</a:t>
+                      </a:r>
+                    </a:p>
+                  </a:txBody>
+                  <a:tcPr marL="9525" marR="9525" marT="9525" marB="0" anchor="b">
+                    <a:lnL w="6350" cap="flat" cmpd="sng" algn="ctr">
+                      <a:solidFill>
+                        <a:srgbClr val="FFFFFF"/>
+                      </a:solidFill>
+                      <a:prstDash val="solid"/>
+                      <a:round/>
+                      <a:headEnd type="none" w="med" len="med"/>
+                      <a:tailEnd type="none" w="med" len="med"/>
+                    </a:lnL>
+                    <a:lnR w="6350" cap="flat" cmpd="sng" algn="ctr">
+                      <a:solidFill>
+                        <a:srgbClr val="FFFFFF"/>
+                      </a:solidFill>
+                      <a:prstDash val="solid"/>
+                      <a:round/>
+                      <a:headEnd type="none" w="med" len="med"/>
+                      <a:tailEnd type="none" w="med" len="med"/>
+                    </a:lnR>
+                    <a:lnT>
+                      <a:noFill/>
+                    </a:lnT>
+                    <a:lnB w="6350" cap="flat" cmpd="sng" algn="ctr">
+                      <a:solidFill>
+                        <a:srgbClr val="FFFFFF"/>
+                      </a:solidFill>
+                      <a:prstDash val="solid"/>
+                      <a:round/>
+                      <a:headEnd type="none" w="med" len="med"/>
+                      <a:tailEnd type="none" w="med" len="med"/>
+                    </a:lnB>
+                    <a:solidFill>
+                      <a:srgbClr val="5B9BD5"/>
+                    </a:solidFill>
+                  </a:tcPr>
+                </a:tc>
+                <a:tc>
+                  <a:txBody>
+                    <a:bodyPr/>
+                    <a:lstStyle/>
+                    <a:p>
+                      <a:pPr algn="l" rtl="0" fontAlgn="b"/>
+                      <a:r>
+                        <a:rPr lang="en-US" sz="1400" b="1" i="0" u="none" strike="noStrike">
+                          <a:solidFill>
+                            <a:srgbClr val="FFFFFF"/>
+                          </a:solidFill>
+                          <a:effectLst/>
+                          <a:latin typeface="Calibri" panose="020F0502020204030204" pitchFamily="34" charset="0"/>
+                        </a:rPr>
+                        <a:t>3 Year ROI</a:t>
+                      </a:r>
+                    </a:p>
+                  </a:txBody>
+                  <a:tcPr marL="9525" marR="9525" marT="9525" marB="0" anchor="b">
+                    <a:lnL w="6350" cap="flat" cmpd="sng" algn="ctr">
+                      <a:solidFill>
+                        <a:srgbClr val="FFFFFF"/>
+                      </a:solidFill>
+                      <a:prstDash val="solid"/>
+                      <a:round/>
+                      <a:headEnd type="none" w="med" len="med"/>
+                      <a:tailEnd type="none" w="med" len="med"/>
+                    </a:lnL>
+                    <a:lnR w="6350" cap="flat" cmpd="sng" algn="ctr">
+                      <a:solidFill>
+                        <a:srgbClr val="FFFFFF"/>
+                      </a:solidFill>
+                      <a:prstDash val="solid"/>
+                      <a:round/>
+                      <a:headEnd type="none" w="med" len="med"/>
+                      <a:tailEnd type="none" w="med" len="med"/>
+                    </a:lnR>
+                    <a:lnT>
+                      <a:noFill/>
+                    </a:lnT>
+                    <a:lnB w="6350" cap="flat" cmpd="sng" algn="ctr">
+                      <a:solidFill>
+                        <a:srgbClr val="FFFFFF"/>
+                      </a:solidFill>
+                      <a:prstDash val="solid"/>
+                      <a:round/>
+                      <a:headEnd type="none" w="med" len="med"/>
+                      <a:tailEnd type="none" w="med" len="med"/>
+                    </a:lnB>
+                    <a:solidFill>
+                      <a:srgbClr val="5B9BD5"/>
+                    </a:solidFill>
+                  </a:tcPr>
+                </a:tc>
+                <a:tc>
+                  <a:txBody>
+                    <a:bodyPr/>
+                    <a:lstStyle/>
+                    <a:p>
+                      <a:pPr algn="l" rtl="0" fontAlgn="b"/>
+                      <a:r>
+                        <a:rPr lang="en-US" sz="1400" b="1" i="0" u="none" strike="noStrike">
+                          <a:solidFill>
+                            <a:srgbClr val="FFFFFF"/>
+                          </a:solidFill>
+                          <a:effectLst/>
+                          <a:latin typeface="Calibri" panose="020F0502020204030204" pitchFamily="34" charset="0"/>
+                        </a:rPr>
+                        <a:t>5 Year ROI</a:t>
+                      </a:r>
+                    </a:p>
+                  </a:txBody>
+                  <a:tcPr marL="9525" marR="9525" marT="9525" marB="0" anchor="b">
+                    <a:lnL w="6350" cap="flat" cmpd="sng" algn="ctr">
+                      <a:solidFill>
+                        <a:srgbClr val="FFFFFF"/>
+                      </a:solidFill>
+                      <a:prstDash val="solid"/>
+                      <a:round/>
+                      <a:headEnd type="none" w="med" len="med"/>
+                      <a:tailEnd type="none" w="med" len="med"/>
+                    </a:lnL>
+                    <a:lnR w="6350" cap="flat" cmpd="sng" algn="ctr">
+                      <a:solidFill>
+                        <a:srgbClr val="FFFFFF"/>
+                      </a:solidFill>
+                      <a:prstDash val="solid"/>
+                      <a:round/>
+                      <a:headEnd type="none" w="med" len="med"/>
+                      <a:tailEnd type="none" w="med" len="med"/>
+                    </a:lnR>
+                    <a:lnT>
+                      <a:noFill/>
+                    </a:lnT>
+                    <a:lnB w="6350" cap="flat" cmpd="sng" algn="ctr">
+                      <a:solidFill>
+                        <a:srgbClr val="FFFFFF"/>
+                      </a:solidFill>
+                      <a:prstDash val="solid"/>
+                      <a:round/>
+                      <a:headEnd type="none" w="med" len="med"/>
+                      <a:tailEnd type="none" w="med" len="med"/>
+                    </a:lnB>
+                    <a:solidFill>
+                      <a:srgbClr val="5B9BD5"/>
+                    </a:solidFill>
+                  </a:tcPr>
+                </a:tc>
+                <a:extLst>
+                  <a:ext uri="{0D108BD9-81ED-4DB2-BD59-A6C34878D82A}">
+                    <a16:rowId xmlns:a16="http://schemas.microsoft.com/office/drawing/2014/main" val="2405472925"/>
+                  </a:ext>
+                </a:extLst>
+              </a:tr>
+              <a:tr h="0">
+                <a:tc>
+                  <a:txBody>
+                    <a:bodyPr/>
+                    <a:lstStyle/>
+                    <a:p>
+                      <a:pPr algn="l" rtl="0" fontAlgn="b"/>
+                      <a:r>
+                        <a:rPr lang="en-US" sz="1400" b="1" i="0" u="none" strike="noStrike" dirty="0">
+                          <a:solidFill>
+                            <a:srgbClr val="000000"/>
+                          </a:solidFill>
+                          <a:effectLst/>
+                          <a:latin typeface="Calibri" panose="020F0502020204030204" pitchFamily="34" charset="0"/>
+                        </a:rPr>
+                        <a:t>JNJ</a:t>
+                      </a:r>
+                    </a:p>
+                  </a:txBody>
+                  <a:tcPr marL="9525" marR="9525" marT="9525" marB="0" anchor="b">
+                    <a:lnL>
+                      <a:noFill/>
+                    </a:lnL>
+                    <a:lnR w="6350" cap="flat" cmpd="sng" algn="ctr">
+                      <a:solidFill>
+                        <a:srgbClr val="FFFFFF"/>
+                      </a:solidFill>
+                      <a:prstDash val="solid"/>
+                      <a:round/>
+                      <a:headEnd type="none" w="med" len="med"/>
+                      <a:tailEnd type="none" w="med" len="med"/>
+                    </a:lnR>
+                    <a:lnT w="6350" cap="flat" cmpd="sng" algn="ctr">
+                      <a:solidFill>
+                        <a:srgbClr val="FFFFFF"/>
+                      </a:solidFill>
+                      <a:prstDash val="solid"/>
+                      <a:round/>
+                      <a:headEnd type="none" w="med" len="med"/>
+                      <a:tailEnd type="none" w="med" len="med"/>
+                    </a:lnT>
+                    <a:lnB w="6350" cap="flat" cmpd="sng" algn="ctr">
+                      <a:solidFill>
+                        <a:srgbClr val="FFFFFF"/>
+                      </a:solidFill>
+                      <a:prstDash val="solid"/>
+                      <a:round/>
+                      <a:headEnd type="none" w="med" len="med"/>
+                      <a:tailEnd type="none" w="med" len="med"/>
+                    </a:lnB>
+                    <a:solidFill>
+                      <a:srgbClr val="BDD7EE"/>
+                    </a:solidFill>
+                  </a:tcPr>
+                </a:tc>
+                <a:tc>
+                  <a:txBody>
+                    <a:bodyPr/>
+                    <a:lstStyle/>
+                    <a:p>
+                      <a:pPr algn="l" rtl="0" fontAlgn="b"/>
+                      <a:r>
+                        <a:rPr lang="en-US" sz="1400" b="1" i="0" u="none" strike="noStrike" dirty="0">
+                          <a:solidFill>
+                            <a:srgbClr val="000000"/>
+                          </a:solidFill>
+                          <a:effectLst/>
+                          <a:latin typeface="Calibri" panose="020F0502020204030204" pitchFamily="34" charset="0"/>
+                        </a:rPr>
+                        <a:t>Johnson &amp; Johnson</a:t>
+                      </a:r>
+                    </a:p>
+                  </a:txBody>
+                  <a:tcPr marL="9525" marR="9525" marT="9525" marB="0" anchor="b">
+                    <a:lnL w="6350" cap="flat" cmpd="sng" algn="ctr">
+                      <a:solidFill>
+                        <a:srgbClr val="FFFFFF"/>
+                      </a:solidFill>
+                      <a:prstDash val="solid"/>
+                      <a:round/>
+                      <a:headEnd type="none" w="med" len="med"/>
+                      <a:tailEnd type="none" w="med" len="med"/>
+                    </a:lnL>
+                    <a:lnR w="6350" cap="flat" cmpd="sng" algn="ctr">
+                      <a:solidFill>
+                        <a:srgbClr val="FFFFFF"/>
+                      </a:solidFill>
+                      <a:prstDash val="solid"/>
+                      <a:round/>
+                      <a:headEnd type="none" w="med" len="med"/>
+                      <a:tailEnd type="none" w="med" len="med"/>
+                    </a:lnR>
+                    <a:lnT w="6350" cap="flat" cmpd="sng" algn="ctr">
+                      <a:solidFill>
+                        <a:srgbClr val="FFFFFF"/>
+                      </a:solidFill>
+                      <a:prstDash val="solid"/>
+                      <a:round/>
+                      <a:headEnd type="none" w="med" len="med"/>
+                      <a:tailEnd type="none" w="med" len="med"/>
+                    </a:lnT>
+                    <a:lnB w="6350" cap="flat" cmpd="sng" algn="ctr">
+                      <a:solidFill>
+                        <a:srgbClr val="FFFFFF"/>
+                      </a:solidFill>
+                      <a:prstDash val="solid"/>
+                      <a:round/>
+                      <a:headEnd type="none" w="med" len="med"/>
+                      <a:tailEnd type="none" w="med" len="med"/>
+                    </a:lnB>
+                    <a:solidFill>
+                      <a:srgbClr val="BDD7EE"/>
+                    </a:solidFill>
+                  </a:tcPr>
+                </a:tc>
+                <a:tc>
+                  <a:txBody>
+                    <a:bodyPr/>
+                    <a:lstStyle/>
+                    <a:p>
+                      <a:pPr algn="r" rtl="0" fontAlgn="b"/>
+                      <a:r>
+                        <a:rPr lang="en-US" sz="1400" b="1" i="0" u="none" strike="noStrike">
+                          <a:solidFill>
+                            <a:srgbClr val="000000"/>
+                          </a:solidFill>
+                          <a:effectLst/>
+                          <a:latin typeface="Calibri" panose="020F0502020204030204" pitchFamily="34" charset="0"/>
+                        </a:rPr>
+                        <a:t>                       100.48 </a:t>
+                      </a:r>
+                    </a:p>
+                  </a:txBody>
+                  <a:tcPr marL="9525" marR="9525" marT="9525" marB="0" anchor="b">
+                    <a:lnL w="6350" cap="flat" cmpd="sng" algn="ctr">
+                      <a:solidFill>
+                        <a:srgbClr val="FFFFFF"/>
+                      </a:solidFill>
+                      <a:prstDash val="solid"/>
+                      <a:round/>
+                      <a:headEnd type="none" w="med" len="med"/>
+                      <a:tailEnd type="none" w="med" len="med"/>
+                    </a:lnL>
+                    <a:lnR w="6350" cap="flat" cmpd="sng" algn="ctr">
+                      <a:solidFill>
+                        <a:srgbClr val="FFFFFF"/>
+                      </a:solidFill>
+                      <a:prstDash val="solid"/>
+                      <a:round/>
+                      <a:headEnd type="none" w="med" len="med"/>
+                      <a:tailEnd type="none" w="med" len="med"/>
+                    </a:lnR>
+                    <a:lnT w="6350" cap="flat" cmpd="sng" algn="ctr">
+                      <a:solidFill>
+                        <a:srgbClr val="FFFFFF"/>
+                      </a:solidFill>
+                      <a:prstDash val="solid"/>
+                      <a:round/>
+                      <a:headEnd type="none" w="med" len="med"/>
+                      <a:tailEnd type="none" w="med" len="med"/>
+                    </a:lnT>
+                    <a:lnB w="6350" cap="flat" cmpd="sng" algn="ctr">
+                      <a:solidFill>
+                        <a:srgbClr val="FFFFFF"/>
+                      </a:solidFill>
+                      <a:prstDash val="solid"/>
+                      <a:round/>
+                      <a:headEnd type="none" w="med" len="med"/>
+                      <a:tailEnd type="none" w="med" len="med"/>
+                    </a:lnB>
+                    <a:solidFill>
+                      <a:srgbClr val="BDD7EE"/>
+                    </a:solidFill>
+                  </a:tcPr>
+                </a:tc>
+                <a:tc>
+                  <a:txBody>
+                    <a:bodyPr/>
+                    <a:lstStyle/>
+                    <a:p>
+                      <a:pPr algn="r" rtl="0" fontAlgn="b"/>
+                      <a:r>
+                        <a:rPr lang="en-US" sz="1400" b="1" i="0" u="none" strike="noStrike">
+                          <a:solidFill>
+                            <a:srgbClr val="000000"/>
+                          </a:solidFill>
+                          <a:effectLst/>
+                          <a:latin typeface="Calibri" panose="020F0502020204030204" pitchFamily="34" charset="0"/>
+                        </a:rPr>
+                        <a:t>                            156.05 </a:t>
+                      </a:r>
+                    </a:p>
+                  </a:txBody>
+                  <a:tcPr marL="9525" marR="9525" marT="9525" marB="0" anchor="b">
+                    <a:lnL w="6350" cap="flat" cmpd="sng" algn="ctr">
+                      <a:solidFill>
+                        <a:srgbClr val="FFFFFF"/>
+                      </a:solidFill>
+                      <a:prstDash val="solid"/>
+                      <a:round/>
+                      <a:headEnd type="none" w="med" len="med"/>
+                      <a:tailEnd type="none" w="med" len="med"/>
+                    </a:lnL>
+                    <a:lnR w="6350" cap="flat" cmpd="sng" algn="ctr">
+                      <a:solidFill>
+                        <a:srgbClr val="FFFFFF"/>
+                      </a:solidFill>
+                      <a:prstDash val="solid"/>
+                      <a:round/>
+                      <a:headEnd type="none" w="med" len="med"/>
+                      <a:tailEnd type="none" w="med" len="med"/>
+                    </a:lnR>
+                    <a:lnT w="6350" cap="flat" cmpd="sng" algn="ctr">
+                      <a:solidFill>
+                        <a:srgbClr val="FFFFFF"/>
+                      </a:solidFill>
+                      <a:prstDash val="solid"/>
+                      <a:round/>
+                      <a:headEnd type="none" w="med" len="med"/>
+                      <a:tailEnd type="none" w="med" len="med"/>
+                    </a:lnT>
+                    <a:lnB w="6350" cap="flat" cmpd="sng" algn="ctr">
+                      <a:solidFill>
+                        <a:srgbClr val="FFFFFF"/>
+                      </a:solidFill>
+                      <a:prstDash val="solid"/>
+                      <a:round/>
+                      <a:headEnd type="none" w="med" len="med"/>
+                      <a:tailEnd type="none" w="med" len="med"/>
+                    </a:lnB>
+                    <a:solidFill>
+                      <a:srgbClr val="BDD7EE"/>
+                    </a:solidFill>
+                  </a:tcPr>
+                </a:tc>
+                <a:tc>
+                  <a:txBody>
+                    <a:bodyPr/>
+                    <a:lstStyle/>
+                    <a:p>
+                      <a:pPr algn="r" rtl="0" fontAlgn="b"/>
+                      <a:r>
+                        <a:rPr lang="en-US" sz="1400" b="1" i="0" u="none" strike="noStrike">
+                          <a:solidFill>
+                            <a:srgbClr val="000000"/>
+                          </a:solidFill>
+                          <a:effectLst/>
+                          <a:latin typeface="Calibri" panose="020F0502020204030204" pitchFamily="34" charset="0"/>
+                        </a:rPr>
+                        <a:t>2.6%</a:t>
+                      </a:r>
+                    </a:p>
+                  </a:txBody>
+                  <a:tcPr marL="9525" marR="9525" marT="9525" marB="0" anchor="b">
+                    <a:lnL w="6350" cap="flat" cmpd="sng" algn="ctr">
+                      <a:solidFill>
+                        <a:srgbClr val="FFFFFF"/>
+                      </a:solidFill>
+                      <a:prstDash val="solid"/>
+                      <a:round/>
+                      <a:headEnd type="none" w="med" len="med"/>
+                      <a:tailEnd type="none" w="med" len="med"/>
+                    </a:lnL>
+                    <a:lnR w="6350" cap="flat" cmpd="sng" algn="ctr">
+                      <a:solidFill>
+                        <a:srgbClr val="FFFFFF"/>
+                      </a:solidFill>
+                      <a:prstDash val="solid"/>
+                      <a:round/>
+                      <a:headEnd type="none" w="med" len="med"/>
+                      <a:tailEnd type="none" w="med" len="med"/>
+                    </a:lnR>
+                    <a:lnT w="6350" cap="flat" cmpd="sng" algn="ctr">
+                      <a:solidFill>
+                        <a:srgbClr val="FFFFFF"/>
+                      </a:solidFill>
+                      <a:prstDash val="solid"/>
+                      <a:round/>
+                      <a:headEnd type="none" w="med" len="med"/>
+                      <a:tailEnd type="none" w="med" len="med"/>
+                    </a:lnT>
+                    <a:lnB w="6350" cap="flat" cmpd="sng" algn="ctr">
+                      <a:solidFill>
+                        <a:srgbClr val="FFFFFF"/>
+                      </a:solidFill>
+                      <a:prstDash val="solid"/>
+                      <a:round/>
+                      <a:headEnd type="none" w="med" len="med"/>
+                      <a:tailEnd type="none" w="med" len="med"/>
+                    </a:lnB>
+                    <a:solidFill>
+                      <a:srgbClr val="BDD7EE"/>
+                    </a:solidFill>
+                  </a:tcPr>
+                </a:tc>
+                <a:tc>
+                  <a:txBody>
+                    <a:bodyPr/>
+                    <a:lstStyle/>
+                    <a:p>
+                      <a:pPr algn="r" rtl="0" fontAlgn="b"/>
+                      <a:r>
+                        <a:rPr lang="en-US" sz="1400" b="1" i="0" u="none" strike="noStrike">
+                          <a:solidFill>
+                            <a:srgbClr val="000000"/>
+                          </a:solidFill>
+                          <a:effectLst/>
+                          <a:latin typeface="Calibri" panose="020F0502020204030204" pitchFamily="34" charset="0"/>
+                        </a:rPr>
+                        <a:t>18.3%</a:t>
+                      </a:r>
+                    </a:p>
+                  </a:txBody>
+                  <a:tcPr marL="9525" marR="9525" marT="9525" marB="0" anchor="b">
+                    <a:lnL w="6350" cap="flat" cmpd="sng" algn="ctr">
+                      <a:solidFill>
+                        <a:srgbClr val="FFFFFF"/>
+                      </a:solidFill>
+                      <a:prstDash val="solid"/>
+                      <a:round/>
+                      <a:headEnd type="none" w="med" len="med"/>
+                      <a:tailEnd type="none" w="med" len="med"/>
+                    </a:lnL>
+                    <a:lnR w="6350" cap="flat" cmpd="sng" algn="ctr">
+                      <a:solidFill>
+                        <a:srgbClr val="FFFFFF"/>
+                      </a:solidFill>
+                      <a:prstDash val="solid"/>
+                      <a:round/>
+                      <a:headEnd type="none" w="med" len="med"/>
+                      <a:tailEnd type="none" w="med" len="med"/>
+                    </a:lnR>
+                    <a:lnT w="6350" cap="flat" cmpd="sng" algn="ctr">
+                      <a:solidFill>
+                        <a:srgbClr val="FFFFFF"/>
+                      </a:solidFill>
+                      <a:prstDash val="solid"/>
+                      <a:round/>
+                      <a:headEnd type="none" w="med" len="med"/>
+                      <a:tailEnd type="none" w="med" len="med"/>
+                    </a:lnT>
+                    <a:lnB w="6350" cap="flat" cmpd="sng" algn="ctr">
+                      <a:solidFill>
+                        <a:srgbClr val="FFFFFF"/>
+                      </a:solidFill>
+                      <a:prstDash val="solid"/>
+                      <a:round/>
+                      <a:headEnd type="none" w="med" len="med"/>
+                      <a:tailEnd type="none" w="med" len="med"/>
+                    </a:lnB>
+                    <a:solidFill>
+                      <a:srgbClr val="BDD7EE"/>
+                    </a:solidFill>
+                  </a:tcPr>
+                </a:tc>
+                <a:tc>
+                  <a:txBody>
+                    <a:bodyPr/>
+                    <a:lstStyle/>
+                    <a:p>
+                      <a:pPr algn="r" rtl="0" fontAlgn="b"/>
+                      <a:r>
+                        <a:rPr lang="en-US" sz="1400" b="1" i="0" u="none" strike="noStrike">
+                          <a:solidFill>
+                            <a:srgbClr val="000000"/>
+                          </a:solidFill>
+                          <a:effectLst/>
+                          <a:latin typeface="Calibri" panose="020F0502020204030204" pitchFamily="34" charset="0"/>
+                        </a:rPr>
+                        <a:t>37.2%</a:t>
+                      </a:r>
+                    </a:p>
+                  </a:txBody>
+                  <a:tcPr marL="9525" marR="9525" marT="9525" marB="0" anchor="b">
+                    <a:lnL w="6350" cap="flat" cmpd="sng" algn="ctr">
+                      <a:solidFill>
+                        <a:srgbClr val="FFFFFF"/>
+                      </a:solidFill>
+                      <a:prstDash val="solid"/>
+                      <a:round/>
+                      <a:headEnd type="none" w="med" len="med"/>
+                      <a:tailEnd type="none" w="med" len="med"/>
+                    </a:lnL>
+                    <a:lnR w="6350" cap="flat" cmpd="sng" algn="ctr">
+                      <a:solidFill>
+                        <a:srgbClr val="FFFFFF"/>
+                      </a:solidFill>
+                      <a:prstDash val="solid"/>
+                      <a:round/>
+                      <a:headEnd type="none" w="med" len="med"/>
+                      <a:tailEnd type="none" w="med" len="med"/>
+                    </a:lnR>
+                    <a:lnT w="6350" cap="flat" cmpd="sng" algn="ctr">
+                      <a:solidFill>
+                        <a:srgbClr val="FFFFFF"/>
+                      </a:solidFill>
+                      <a:prstDash val="solid"/>
+                      <a:round/>
+                      <a:headEnd type="none" w="med" len="med"/>
+                      <a:tailEnd type="none" w="med" len="med"/>
+                    </a:lnT>
+                    <a:lnB w="6350" cap="flat" cmpd="sng" algn="ctr">
+                      <a:solidFill>
+                        <a:srgbClr val="FFFFFF"/>
+                      </a:solidFill>
+                      <a:prstDash val="solid"/>
+                      <a:round/>
+                      <a:headEnd type="none" w="med" len="med"/>
+                      <a:tailEnd type="none" w="med" len="med"/>
+                    </a:lnB>
+                    <a:solidFill>
+                      <a:srgbClr val="BDD7EE"/>
+                    </a:solidFill>
+                  </a:tcPr>
+                </a:tc>
+                <a:tc>
+                  <a:txBody>
+                    <a:bodyPr/>
+                    <a:lstStyle/>
+                    <a:p>
+                      <a:pPr algn="r" rtl="0" fontAlgn="b"/>
+                      <a:r>
+                        <a:rPr lang="en-US" sz="1400" b="1" i="0" u="none" strike="noStrike">
+                          <a:solidFill>
+                            <a:srgbClr val="000000"/>
+                          </a:solidFill>
+                          <a:effectLst/>
+                          <a:latin typeface="Calibri" panose="020F0502020204030204" pitchFamily="34" charset="0"/>
+                        </a:rPr>
+                        <a:t>73.2%</a:t>
+                      </a:r>
+                    </a:p>
+                  </a:txBody>
+                  <a:tcPr marL="9525" marR="9525" marT="9525" marB="0" anchor="b">
+                    <a:lnL w="6350" cap="flat" cmpd="sng" algn="ctr">
+                      <a:solidFill>
+                        <a:srgbClr val="FFFFFF"/>
+                      </a:solidFill>
+                      <a:prstDash val="solid"/>
+                      <a:round/>
+                      <a:headEnd type="none" w="med" len="med"/>
+                      <a:tailEnd type="none" w="med" len="med"/>
+                    </a:lnL>
+                    <a:lnR w="6350" cap="flat" cmpd="sng" algn="ctr">
+                      <a:solidFill>
+                        <a:srgbClr val="FFFFFF"/>
+                      </a:solidFill>
+                      <a:prstDash val="solid"/>
+                      <a:round/>
+                      <a:headEnd type="none" w="med" len="med"/>
+                      <a:tailEnd type="none" w="med" len="med"/>
+                    </a:lnR>
+                    <a:lnT w="6350" cap="flat" cmpd="sng" algn="ctr">
+                      <a:solidFill>
+                        <a:srgbClr val="FFFFFF"/>
+                      </a:solidFill>
+                      <a:prstDash val="solid"/>
+                      <a:round/>
+                      <a:headEnd type="none" w="med" len="med"/>
+                      <a:tailEnd type="none" w="med" len="med"/>
+                    </a:lnT>
+                    <a:lnB w="6350" cap="flat" cmpd="sng" algn="ctr">
+                      <a:solidFill>
+                        <a:srgbClr val="FFFFFF"/>
+                      </a:solidFill>
+                      <a:prstDash val="solid"/>
+                      <a:round/>
+                      <a:headEnd type="none" w="med" len="med"/>
+                      <a:tailEnd type="none" w="med" len="med"/>
+                    </a:lnB>
+                    <a:solidFill>
+                      <a:srgbClr val="BDD7EE"/>
+                    </a:solidFill>
+                  </a:tcPr>
+                </a:tc>
+                <a:extLst>
+                  <a:ext uri="{0D108BD9-81ED-4DB2-BD59-A6C34878D82A}">
+                    <a16:rowId xmlns:a16="http://schemas.microsoft.com/office/drawing/2014/main" val="3416174512"/>
+                  </a:ext>
+                </a:extLst>
+              </a:tr>
+              <a:tr h="148724">
+                <a:tc>
+                  <a:txBody>
+                    <a:bodyPr/>
+                    <a:lstStyle/>
+                    <a:p>
+                      <a:pPr algn="l" rtl="0" fontAlgn="b"/>
+                      <a:r>
+                        <a:rPr lang="en-US" sz="1400" b="1" i="0" u="none" strike="noStrike">
+                          <a:solidFill>
+                            <a:srgbClr val="000000"/>
+                          </a:solidFill>
+                          <a:effectLst/>
+                          <a:latin typeface="Calibri" panose="020F0502020204030204" pitchFamily="34" charset="0"/>
+                        </a:rPr>
+                        <a:t>PFE</a:t>
+                      </a:r>
+                    </a:p>
+                  </a:txBody>
+                  <a:tcPr marL="9525" marR="9525" marT="9525" marB="0" anchor="b">
+                    <a:lnL>
+                      <a:noFill/>
+                    </a:lnL>
+                    <a:lnR w="6350" cap="flat" cmpd="sng" algn="ctr">
+                      <a:solidFill>
+                        <a:srgbClr val="FFFFFF"/>
+                      </a:solidFill>
+                      <a:prstDash val="solid"/>
+                      <a:round/>
+                      <a:headEnd type="none" w="med" len="med"/>
+                      <a:tailEnd type="none" w="med" len="med"/>
+                    </a:lnR>
+                    <a:lnT w="6350" cap="flat" cmpd="sng" algn="ctr">
+                      <a:solidFill>
+                        <a:srgbClr val="FFFFFF"/>
+                      </a:solidFill>
+                      <a:prstDash val="solid"/>
+                      <a:round/>
+                      <a:headEnd type="none" w="med" len="med"/>
+                      <a:tailEnd type="none" w="med" len="med"/>
+                    </a:lnT>
+                    <a:lnB w="6350" cap="flat" cmpd="sng" algn="ctr">
+                      <a:solidFill>
+                        <a:srgbClr val="FFFFFF"/>
+                      </a:solidFill>
+                      <a:prstDash val="solid"/>
+                      <a:round/>
+                      <a:headEnd type="none" w="med" len="med"/>
+                      <a:tailEnd type="none" w="med" len="med"/>
+                    </a:lnB>
+                    <a:solidFill>
+                      <a:srgbClr val="DDEBF7"/>
+                    </a:solidFill>
+                  </a:tcPr>
+                </a:tc>
+                <a:tc>
+                  <a:txBody>
+                    <a:bodyPr/>
+                    <a:lstStyle/>
+                    <a:p>
+                      <a:pPr algn="l" rtl="0" fontAlgn="b"/>
+                      <a:r>
+                        <a:rPr lang="en-US" sz="1400" b="1" i="0" u="none" strike="noStrike" dirty="0">
+                          <a:solidFill>
+                            <a:srgbClr val="000000"/>
+                          </a:solidFill>
+                          <a:effectLst/>
+                          <a:latin typeface="Calibri" panose="020F0502020204030204" pitchFamily="34" charset="0"/>
+                        </a:rPr>
+                        <a:t>Pfizer Inc.</a:t>
+                      </a:r>
+                    </a:p>
+                  </a:txBody>
+                  <a:tcPr marL="9525" marR="9525" marT="9525" marB="0" anchor="b">
+                    <a:lnL w="6350" cap="flat" cmpd="sng" algn="ctr">
+                      <a:solidFill>
+                        <a:srgbClr val="FFFFFF"/>
+                      </a:solidFill>
+                      <a:prstDash val="solid"/>
+                      <a:round/>
+                      <a:headEnd type="none" w="med" len="med"/>
+                      <a:tailEnd type="none" w="med" len="med"/>
+                    </a:lnL>
+                    <a:lnR w="6350" cap="flat" cmpd="sng" algn="ctr">
+                      <a:solidFill>
+                        <a:srgbClr val="FFFFFF"/>
+                      </a:solidFill>
+                      <a:prstDash val="solid"/>
+                      <a:round/>
+                      <a:headEnd type="none" w="med" len="med"/>
+                      <a:tailEnd type="none" w="med" len="med"/>
+                    </a:lnR>
+                    <a:lnT w="6350" cap="flat" cmpd="sng" algn="ctr">
+                      <a:solidFill>
+                        <a:srgbClr val="FFFFFF"/>
+                      </a:solidFill>
+                      <a:prstDash val="solid"/>
+                      <a:round/>
+                      <a:headEnd type="none" w="med" len="med"/>
+                      <a:tailEnd type="none" w="med" len="med"/>
+                    </a:lnT>
+                    <a:lnB w="6350" cap="flat" cmpd="sng" algn="ctr">
+                      <a:solidFill>
+                        <a:srgbClr val="FFFFFF"/>
+                      </a:solidFill>
+                      <a:prstDash val="solid"/>
+                      <a:round/>
+                      <a:headEnd type="none" w="med" len="med"/>
+                      <a:tailEnd type="none" w="med" len="med"/>
+                    </a:lnB>
+                    <a:solidFill>
+                      <a:srgbClr val="DDEBF7"/>
+                    </a:solidFill>
+                  </a:tcPr>
+                </a:tc>
+                <a:tc>
+                  <a:txBody>
+                    <a:bodyPr/>
+                    <a:lstStyle/>
+                    <a:p>
+                      <a:pPr algn="r" rtl="0" fontAlgn="b"/>
+                      <a:r>
+                        <a:rPr lang="en-US" sz="1400" b="1" i="0" u="none" strike="noStrike" dirty="0">
+                          <a:solidFill>
+                            <a:srgbClr val="000000"/>
+                          </a:solidFill>
+                          <a:effectLst/>
+                          <a:latin typeface="Calibri" panose="020F0502020204030204" pitchFamily="34" charset="0"/>
+                        </a:rPr>
+                        <a:t>                         30.31 </a:t>
+                      </a:r>
+                    </a:p>
+                  </a:txBody>
+                  <a:tcPr marL="9525" marR="9525" marT="9525" marB="0" anchor="b">
+                    <a:lnL w="6350" cap="flat" cmpd="sng" algn="ctr">
+                      <a:solidFill>
+                        <a:srgbClr val="FFFFFF"/>
+                      </a:solidFill>
+                      <a:prstDash val="solid"/>
+                      <a:round/>
+                      <a:headEnd type="none" w="med" len="med"/>
+                      <a:tailEnd type="none" w="med" len="med"/>
+                    </a:lnL>
+                    <a:lnR w="6350" cap="flat" cmpd="sng" algn="ctr">
+                      <a:solidFill>
+                        <a:srgbClr val="FFFFFF"/>
+                      </a:solidFill>
+                      <a:prstDash val="solid"/>
+                      <a:round/>
+                      <a:headEnd type="none" w="med" len="med"/>
+                      <a:tailEnd type="none" w="med" len="med"/>
+                    </a:lnR>
+                    <a:lnT w="6350" cap="flat" cmpd="sng" algn="ctr">
+                      <a:solidFill>
+                        <a:srgbClr val="FFFFFF"/>
+                      </a:solidFill>
+                      <a:prstDash val="solid"/>
+                      <a:round/>
+                      <a:headEnd type="none" w="med" len="med"/>
+                      <a:tailEnd type="none" w="med" len="med"/>
+                    </a:lnT>
+                    <a:lnB w="6350" cap="flat" cmpd="sng" algn="ctr">
+                      <a:solidFill>
+                        <a:srgbClr val="FFFFFF"/>
+                      </a:solidFill>
+                      <a:prstDash val="solid"/>
+                      <a:round/>
+                      <a:headEnd type="none" w="med" len="med"/>
+                      <a:tailEnd type="none" w="med" len="med"/>
+                    </a:lnB>
+                    <a:solidFill>
+                      <a:srgbClr val="DDEBF7"/>
+                    </a:solidFill>
+                  </a:tcPr>
+                </a:tc>
+                <a:tc>
+                  <a:txBody>
+                    <a:bodyPr/>
+                    <a:lstStyle/>
+                    <a:p>
+                      <a:pPr algn="r" rtl="0" fontAlgn="b"/>
+                      <a:r>
+                        <a:rPr lang="en-US" sz="1400" b="1" i="0" u="none" strike="noStrike">
+                          <a:solidFill>
+                            <a:srgbClr val="000000"/>
+                          </a:solidFill>
+                          <a:effectLst/>
+                          <a:latin typeface="Calibri" panose="020F0502020204030204" pitchFamily="34" charset="0"/>
+                        </a:rPr>
+                        <a:t>                              36.74 </a:t>
+                      </a:r>
+                    </a:p>
+                  </a:txBody>
+                  <a:tcPr marL="9525" marR="9525" marT="9525" marB="0" anchor="b">
+                    <a:lnL w="6350" cap="flat" cmpd="sng" algn="ctr">
+                      <a:solidFill>
+                        <a:srgbClr val="FFFFFF"/>
+                      </a:solidFill>
+                      <a:prstDash val="solid"/>
+                      <a:round/>
+                      <a:headEnd type="none" w="med" len="med"/>
+                      <a:tailEnd type="none" w="med" len="med"/>
+                    </a:lnL>
+                    <a:lnR w="6350" cap="flat" cmpd="sng" algn="ctr">
+                      <a:solidFill>
+                        <a:srgbClr val="FFFFFF"/>
+                      </a:solidFill>
+                      <a:prstDash val="solid"/>
+                      <a:round/>
+                      <a:headEnd type="none" w="med" len="med"/>
+                      <a:tailEnd type="none" w="med" len="med"/>
+                    </a:lnR>
+                    <a:lnT w="6350" cap="flat" cmpd="sng" algn="ctr">
+                      <a:solidFill>
+                        <a:srgbClr val="FFFFFF"/>
+                      </a:solidFill>
+                      <a:prstDash val="solid"/>
+                      <a:round/>
+                      <a:headEnd type="none" w="med" len="med"/>
+                      <a:tailEnd type="none" w="med" len="med"/>
+                    </a:lnT>
+                    <a:lnB w="6350" cap="flat" cmpd="sng" algn="ctr">
+                      <a:solidFill>
+                        <a:srgbClr val="FFFFFF"/>
+                      </a:solidFill>
+                      <a:prstDash val="solid"/>
+                      <a:round/>
+                      <a:headEnd type="none" w="med" len="med"/>
+                      <a:tailEnd type="none" w="med" len="med"/>
+                    </a:lnB>
+                    <a:solidFill>
+                      <a:srgbClr val="DDEBF7"/>
+                    </a:solidFill>
+                  </a:tcPr>
+                </a:tc>
+                <a:tc>
+                  <a:txBody>
+                    <a:bodyPr/>
+                    <a:lstStyle/>
+                    <a:p>
+                      <a:pPr algn="r" rtl="0" fontAlgn="b"/>
+                      <a:r>
+                        <a:rPr lang="en-US" sz="1400" b="1" i="0" u="none" strike="noStrike">
+                          <a:solidFill>
+                            <a:srgbClr val="000000"/>
+                          </a:solidFill>
+                          <a:effectLst/>
+                          <a:latin typeface="Calibri" panose="020F0502020204030204" pitchFamily="34" charset="0"/>
+                        </a:rPr>
+                        <a:t>3.7%</a:t>
+                      </a:r>
+                    </a:p>
+                  </a:txBody>
+                  <a:tcPr marL="9525" marR="9525" marT="9525" marB="0" anchor="b">
+                    <a:lnL w="6350" cap="flat" cmpd="sng" algn="ctr">
+                      <a:solidFill>
+                        <a:srgbClr val="FFFFFF"/>
+                      </a:solidFill>
+                      <a:prstDash val="solid"/>
+                      <a:round/>
+                      <a:headEnd type="none" w="med" len="med"/>
+                      <a:tailEnd type="none" w="med" len="med"/>
+                    </a:lnL>
+                    <a:lnR w="6350" cap="flat" cmpd="sng" algn="ctr">
+                      <a:solidFill>
+                        <a:srgbClr val="FFFFFF"/>
+                      </a:solidFill>
+                      <a:prstDash val="solid"/>
+                      <a:round/>
+                      <a:headEnd type="none" w="med" len="med"/>
+                      <a:tailEnd type="none" w="med" len="med"/>
+                    </a:lnR>
+                    <a:lnT w="6350" cap="flat" cmpd="sng" algn="ctr">
+                      <a:solidFill>
+                        <a:srgbClr val="FFFFFF"/>
+                      </a:solidFill>
+                      <a:prstDash val="solid"/>
+                      <a:round/>
+                      <a:headEnd type="none" w="med" len="med"/>
+                      <a:tailEnd type="none" w="med" len="med"/>
+                    </a:lnT>
+                    <a:lnB w="6350" cap="flat" cmpd="sng" algn="ctr">
+                      <a:solidFill>
+                        <a:srgbClr val="FFFFFF"/>
+                      </a:solidFill>
+                      <a:prstDash val="solid"/>
+                      <a:round/>
+                      <a:headEnd type="none" w="med" len="med"/>
+                      <a:tailEnd type="none" w="med" len="med"/>
+                    </a:lnB>
+                    <a:solidFill>
+                      <a:srgbClr val="DDEBF7"/>
+                    </a:solidFill>
+                  </a:tcPr>
+                </a:tc>
+                <a:tc>
+                  <a:txBody>
+                    <a:bodyPr/>
+                    <a:lstStyle/>
+                    <a:p>
+                      <a:pPr algn="r" rtl="0" fontAlgn="b"/>
+                      <a:r>
+                        <a:rPr lang="en-US" sz="1400" b="1" i="0" u="none" strike="noStrike">
+                          <a:solidFill>
+                            <a:srgbClr val="000000"/>
+                          </a:solidFill>
+                          <a:effectLst/>
+                          <a:latin typeface="Calibri" panose="020F0502020204030204" pitchFamily="34" charset="0"/>
+                        </a:rPr>
+                        <a:t>7.1%</a:t>
+                      </a:r>
+                    </a:p>
+                  </a:txBody>
+                  <a:tcPr marL="9525" marR="9525" marT="9525" marB="0" anchor="b">
+                    <a:lnL w="6350" cap="flat" cmpd="sng" algn="ctr">
+                      <a:solidFill>
+                        <a:srgbClr val="FFFFFF"/>
+                      </a:solidFill>
+                      <a:prstDash val="solid"/>
+                      <a:round/>
+                      <a:headEnd type="none" w="med" len="med"/>
+                      <a:tailEnd type="none" w="med" len="med"/>
+                    </a:lnL>
+                    <a:lnR w="6350" cap="flat" cmpd="sng" algn="ctr">
+                      <a:solidFill>
+                        <a:srgbClr val="FFFFFF"/>
+                      </a:solidFill>
+                      <a:prstDash val="solid"/>
+                      <a:round/>
+                      <a:headEnd type="none" w="med" len="med"/>
+                      <a:tailEnd type="none" w="med" len="med"/>
+                    </a:lnR>
+                    <a:lnT w="6350" cap="flat" cmpd="sng" algn="ctr">
+                      <a:solidFill>
+                        <a:srgbClr val="FFFFFF"/>
+                      </a:solidFill>
+                      <a:prstDash val="solid"/>
+                      <a:round/>
+                      <a:headEnd type="none" w="med" len="med"/>
+                      <a:tailEnd type="none" w="med" len="med"/>
+                    </a:lnT>
+                    <a:lnB w="6350" cap="flat" cmpd="sng" algn="ctr">
+                      <a:solidFill>
+                        <a:srgbClr val="FFFFFF"/>
+                      </a:solidFill>
+                      <a:prstDash val="solid"/>
+                      <a:round/>
+                      <a:headEnd type="none" w="med" len="med"/>
+                      <a:tailEnd type="none" w="med" len="med"/>
+                    </a:lnB>
+                    <a:solidFill>
+                      <a:srgbClr val="DDEBF7"/>
+                    </a:solidFill>
+                  </a:tcPr>
+                </a:tc>
+                <a:tc>
+                  <a:txBody>
+                    <a:bodyPr/>
+                    <a:lstStyle/>
+                    <a:p>
+                      <a:pPr algn="r" rtl="0" fontAlgn="b"/>
+                      <a:r>
+                        <a:rPr lang="en-US" sz="1400" b="1" i="0" u="none" strike="noStrike">
+                          <a:solidFill>
+                            <a:srgbClr val="000000"/>
+                          </a:solidFill>
+                          <a:effectLst/>
+                          <a:latin typeface="Calibri" panose="020F0502020204030204" pitchFamily="34" charset="0"/>
+                        </a:rPr>
+                        <a:t>48.2%</a:t>
+                      </a:r>
+                    </a:p>
+                  </a:txBody>
+                  <a:tcPr marL="9525" marR="9525" marT="9525" marB="0" anchor="b">
+                    <a:lnL w="6350" cap="flat" cmpd="sng" algn="ctr">
+                      <a:solidFill>
+                        <a:srgbClr val="FFFFFF"/>
+                      </a:solidFill>
+                      <a:prstDash val="solid"/>
+                      <a:round/>
+                      <a:headEnd type="none" w="med" len="med"/>
+                      <a:tailEnd type="none" w="med" len="med"/>
+                    </a:lnL>
+                    <a:lnR w="6350" cap="flat" cmpd="sng" algn="ctr">
+                      <a:solidFill>
+                        <a:srgbClr val="FFFFFF"/>
+                      </a:solidFill>
+                      <a:prstDash val="solid"/>
+                      <a:round/>
+                      <a:headEnd type="none" w="med" len="med"/>
+                      <a:tailEnd type="none" w="med" len="med"/>
+                    </a:lnR>
+                    <a:lnT w="6350" cap="flat" cmpd="sng" algn="ctr">
+                      <a:solidFill>
+                        <a:srgbClr val="FFFFFF"/>
+                      </a:solidFill>
+                      <a:prstDash val="solid"/>
+                      <a:round/>
+                      <a:headEnd type="none" w="med" len="med"/>
+                      <a:tailEnd type="none" w="med" len="med"/>
+                    </a:lnT>
+                    <a:lnB w="6350" cap="flat" cmpd="sng" algn="ctr">
+                      <a:solidFill>
+                        <a:srgbClr val="FFFFFF"/>
+                      </a:solidFill>
+                      <a:prstDash val="solid"/>
+                      <a:round/>
+                      <a:headEnd type="none" w="med" len="med"/>
+                      <a:tailEnd type="none" w="med" len="med"/>
+                    </a:lnB>
+                    <a:solidFill>
+                      <a:srgbClr val="DDEBF7"/>
+                    </a:solidFill>
+                  </a:tcPr>
+                </a:tc>
+                <a:tc>
+                  <a:txBody>
+                    <a:bodyPr/>
+                    <a:lstStyle/>
+                    <a:p>
+                      <a:pPr algn="r" rtl="0" fontAlgn="b"/>
+                      <a:r>
+                        <a:rPr lang="en-US" sz="1400" b="1" i="0" u="none" strike="noStrike">
+                          <a:solidFill>
+                            <a:srgbClr val="000000"/>
+                          </a:solidFill>
+                          <a:effectLst/>
+                          <a:latin typeface="Calibri" panose="020F0502020204030204" pitchFamily="34" charset="0"/>
+                        </a:rPr>
+                        <a:t>43.0%</a:t>
+                      </a:r>
+                    </a:p>
+                  </a:txBody>
+                  <a:tcPr marL="9525" marR="9525" marT="9525" marB="0" anchor="b">
+                    <a:lnL w="6350" cap="flat" cmpd="sng" algn="ctr">
+                      <a:solidFill>
+                        <a:srgbClr val="FFFFFF"/>
+                      </a:solidFill>
+                      <a:prstDash val="solid"/>
+                      <a:round/>
+                      <a:headEnd type="none" w="med" len="med"/>
+                      <a:tailEnd type="none" w="med" len="med"/>
+                    </a:lnL>
+                    <a:lnR w="6350" cap="flat" cmpd="sng" algn="ctr">
+                      <a:solidFill>
+                        <a:srgbClr val="FFFFFF"/>
+                      </a:solidFill>
+                      <a:prstDash val="solid"/>
+                      <a:round/>
+                      <a:headEnd type="none" w="med" len="med"/>
+                      <a:tailEnd type="none" w="med" len="med"/>
+                    </a:lnR>
+                    <a:lnT w="6350" cap="flat" cmpd="sng" algn="ctr">
+                      <a:solidFill>
+                        <a:srgbClr val="FFFFFF"/>
+                      </a:solidFill>
+                      <a:prstDash val="solid"/>
+                      <a:round/>
+                      <a:headEnd type="none" w="med" len="med"/>
+                      <a:tailEnd type="none" w="med" len="med"/>
+                    </a:lnT>
+                    <a:lnB w="6350" cap="flat" cmpd="sng" algn="ctr">
+                      <a:solidFill>
+                        <a:srgbClr val="FFFFFF"/>
+                      </a:solidFill>
+                      <a:prstDash val="solid"/>
+                      <a:round/>
+                      <a:headEnd type="none" w="med" len="med"/>
+                      <a:tailEnd type="none" w="med" len="med"/>
+                    </a:lnB>
+                    <a:solidFill>
+                      <a:srgbClr val="DDEBF7"/>
+                    </a:solidFill>
+                  </a:tcPr>
+                </a:tc>
+                <a:extLst>
+                  <a:ext uri="{0D108BD9-81ED-4DB2-BD59-A6C34878D82A}">
+                    <a16:rowId xmlns:a16="http://schemas.microsoft.com/office/drawing/2014/main" val="1757661006"/>
+                  </a:ext>
+                </a:extLst>
+              </a:tr>
+              <a:tr h="266612">
+                <a:tc>
+                  <a:txBody>
+                    <a:bodyPr/>
+                    <a:lstStyle/>
+                    <a:p>
+                      <a:pPr algn="l" rtl="0" fontAlgn="b"/>
+                      <a:r>
+                        <a:rPr lang="en-US" sz="1400" b="1" i="0" u="none" strike="noStrike">
+                          <a:solidFill>
+                            <a:srgbClr val="000000"/>
+                          </a:solidFill>
+                          <a:effectLst/>
+                          <a:latin typeface="Calibri" panose="020F0502020204030204" pitchFamily="34" charset="0"/>
+                        </a:rPr>
+                        <a:t>LLY</a:t>
+                      </a:r>
+                    </a:p>
+                  </a:txBody>
+                  <a:tcPr marL="9525" marR="9525" marT="9525" marB="0" anchor="b">
+                    <a:lnL>
+                      <a:noFill/>
+                    </a:lnL>
+                    <a:lnR w="6350" cap="flat" cmpd="sng" algn="ctr">
+                      <a:solidFill>
+                        <a:srgbClr val="FFFFFF"/>
+                      </a:solidFill>
+                      <a:prstDash val="solid"/>
+                      <a:round/>
+                      <a:headEnd type="none" w="med" len="med"/>
+                      <a:tailEnd type="none" w="med" len="med"/>
+                    </a:lnR>
+                    <a:lnT w="6350" cap="flat" cmpd="sng" algn="ctr">
+                      <a:solidFill>
+                        <a:srgbClr val="FFFFFF"/>
+                      </a:solidFill>
+                      <a:prstDash val="solid"/>
+                      <a:round/>
+                      <a:headEnd type="none" w="med" len="med"/>
+                      <a:tailEnd type="none" w="med" len="med"/>
+                    </a:lnT>
+                    <a:lnB w="6350" cap="flat" cmpd="sng" algn="ctr">
+                      <a:solidFill>
+                        <a:srgbClr val="FFFFFF"/>
+                      </a:solidFill>
+                      <a:prstDash val="solid"/>
+                      <a:round/>
+                      <a:headEnd type="none" w="med" len="med"/>
+                      <a:tailEnd type="none" w="med" len="med"/>
+                    </a:lnB>
+                    <a:solidFill>
+                      <a:srgbClr val="BDD7EE"/>
+                    </a:solidFill>
+                  </a:tcPr>
+                </a:tc>
+                <a:tc>
+                  <a:txBody>
+                    <a:bodyPr/>
+                    <a:lstStyle/>
+                    <a:p>
+                      <a:pPr algn="l" rtl="0" fontAlgn="b"/>
+                      <a:r>
+                        <a:rPr lang="en-US" sz="1400" b="1" i="0" u="none" strike="noStrike">
+                          <a:solidFill>
+                            <a:srgbClr val="000000"/>
+                          </a:solidFill>
+                          <a:effectLst/>
+                          <a:latin typeface="Calibri" panose="020F0502020204030204" pitchFamily="34" charset="0"/>
+                        </a:rPr>
+                        <a:t>Lilly (Eli) &amp; Co.</a:t>
+                      </a:r>
+                    </a:p>
+                  </a:txBody>
+                  <a:tcPr marL="9525" marR="9525" marT="9525" marB="0" anchor="b">
+                    <a:lnL w="6350" cap="flat" cmpd="sng" algn="ctr">
+                      <a:solidFill>
+                        <a:srgbClr val="FFFFFF"/>
+                      </a:solidFill>
+                      <a:prstDash val="solid"/>
+                      <a:round/>
+                      <a:headEnd type="none" w="med" len="med"/>
+                      <a:tailEnd type="none" w="med" len="med"/>
+                    </a:lnL>
+                    <a:lnR w="6350" cap="flat" cmpd="sng" algn="ctr">
+                      <a:solidFill>
+                        <a:srgbClr val="FFFFFF"/>
+                      </a:solidFill>
+                      <a:prstDash val="solid"/>
+                      <a:round/>
+                      <a:headEnd type="none" w="med" len="med"/>
+                      <a:tailEnd type="none" w="med" len="med"/>
+                    </a:lnR>
+                    <a:lnT w="6350" cap="flat" cmpd="sng" algn="ctr">
+                      <a:solidFill>
+                        <a:srgbClr val="FFFFFF"/>
+                      </a:solidFill>
+                      <a:prstDash val="solid"/>
+                      <a:round/>
+                      <a:headEnd type="none" w="med" len="med"/>
+                      <a:tailEnd type="none" w="med" len="med"/>
+                    </a:lnT>
+                    <a:lnB w="6350" cap="flat" cmpd="sng" algn="ctr">
+                      <a:solidFill>
+                        <a:srgbClr val="FFFFFF"/>
+                      </a:solidFill>
+                      <a:prstDash val="solid"/>
+                      <a:round/>
+                      <a:headEnd type="none" w="med" len="med"/>
+                      <a:tailEnd type="none" w="med" len="med"/>
+                    </a:lnB>
+                    <a:solidFill>
+                      <a:srgbClr val="BDD7EE"/>
+                    </a:solidFill>
+                  </a:tcPr>
+                </a:tc>
+                <a:tc>
+                  <a:txBody>
+                    <a:bodyPr/>
+                    <a:lstStyle/>
+                    <a:p>
+                      <a:pPr algn="r" rtl="0" fontAlgn="b"/>
+                      <a:r>
+                        <a:rPr lang="en-US" sz="1400" b="1" i="0" u="none" strike="noStrike" dirty="0">
+                          <a:solidFill>
+                            <a:srgbClr val="000000"/>
+                          </a:solidFill>
+                          <a:effectLst/>
+                          <a:latin typeface="Calibri" panose="020F0502020204030204" pitchFamily="34" charset="0"/>
+                        </a:rPr>
+                        <a:t>                         82.87 </a:t>
+                      </a:r>
+                    </a:p>
+                  </a:txBody>
+                  <a:tcPr marL="9525" marR="9525" marT="9525" marB="0" anchor="b">
+                    <a:lnL w="6350" cap="flat" cmpd="sng" algn="ctr">
+                      <a:solidFill>
+                        <a:srgbClr val="FFFFFF"/>
+                      </a:solidFill>
+                      <a:prstDash val="solid"/>
+                      <a:round/>
+                      <a:headEnd type="none" w="med" len="med"/>
+                      <a:tailEnd type="none" w="med" len="med"/>
+                    </a:lnL>
+                    <a:lnR w="6350" cap="flat" cmpd="sng" algn="ctr">
+                      <a:solidFill>
+                        <a:srgbClr val="FFFFFF"/>
+                      </a:solidFill>
+                      <a:prstDash val="solid"/>
+                      <a:round/>
+                      <a:headEnd type="none" w="med" len="med"/>
+                      <a:tailEnd type="none" w="med" len="med"/>
+                    </a:lnR>
+                    <a:lnT w="6350" cap="flat" cmpd="sng" algn="ctr">
+                      <a:solidFill>
+                        <a:srgbClr val="FFFFFF"/>
+                      </a:solidFill>
+                      <a:prstDash val="solid"/>
+                      <a:round/>
+                      <a:headEnd type="none" w="med" len="med"/>
+                      <a:tailEnd type="none" w="med" len="med"/>
+                    </a:lnT>
+                    <a:lnB w="6350" cap="flat" cmpd="sng" algn="ctr">
+                      <a:solidFill>
+                        <a:srgbClr val="FFFFFF"/>
+                      </a:solidFill>
+                      <a:prstDash val="solid"/>
+                      <a:round/>
+                      <a:headEnd type="none" w="med" len="med"/>
+                      <a:tailEnd type="none" w="med" len="med"/>
+                    </a:lnB>
+                    <a:solidFill>
+                      <a:srgbClr val="BDD7EE"/>
+                    </a:solidFill>
+                  </a:tcPr>
+                </a:tc>
+                <a:tc>
+                  <a:txBody>
+                    <a:bodyPr/>
+                    <a:lstStyle/>
+                    <a:p>
+                      <a:pPr algn="r" rtl="0" fontAlgn="b"/>
+                      <a:r>
+                        <a:rPr lang="en-US" sz="1400" b="1" i="0" u="none" strike="noStrike" dirty="0">
+                          <a:solidFill>
+                            <a:srgbClr val="000000"/>
+                          </a:solidFill>
+                          <a:effectLst/>
+                          <a:latin typeface="Calibri" panose="020F0502020204030204" pitchFamily="34" charset="0"/>
+                        </a:rPr>
+                        <a:t>                            167.01 </a:t>
+                      </a:r>
+                    </a:p>
+                  </a:txBody>
+                  <a:tcPr marL="9525" marR="9525" marT="9525" marB="0" anchor="b">
+                    <a:lnL w="6350" cap="flat" cmpd="sng" algn="ctr">
+                      <a:solidFill>
+                        <a:srgbClr val="FFFFFF"/>
+                      </a:solidFill>
+                      <a:prstDash val="solid"/>
+                      <a:round/>
+                      <a:headEnd type="none" w="med" len="med"/>
+                      <a:tailEnd type="none" w="med" len="med"/>
+                    </a:lnL>
+                    <a:lnR w="6350" cap="flat" cmpd="sng" algn="ctr">
+                      <a:solidFill>
+                        <a:srgbClr val="FFFFFF"/>
+                      </a:solidFill>
+                      <a:prstDash val="solid"/>
+                      <a:round/>
+                      <a:headEnd type="none" w="med" len="med"/>
+                      <a:tailEnd type="none" w="med" len="med"/>
+                    </a:lnR>
+                    <a:lnT w="6350" cap="flat" cmpd="sng" algn="ctr">
+                      <a:solidFill>
+                        <a:srgbClr val="FFFFFF"/>
+                      </a:solidFill>
+                      <a:prstDash val="solid"/>
+                      <a:round/>
+                      <a:headEnd type="none" w="med" len="med"/>
+                      <a:tailEnd type="none" w="med" len="med"/>
+                    </a:lnT>
+                    <a:lnB w="6350" cap="flat" cmpd="sng" algn="ctr">
+                      <a:solidFill>
+                        <a:srgbClr val="FFFFFF"/>
+                      </a:solidFill>
+                      <a:prstDash val="solid"/>
+                      <a:round/>
+                      <a:headEnd type="none" w="med" len="med"/>
+                      <a:tailEnd type="none" w="med" len="med"/>
+                    </a:lnB>
+                    <a:solidFill>
+                      <a:srgbClr val="BDD7EE"/>
+                    </a:solidFill>
+                  </a:tcPr>
+                </a:tc>
+                <a:tc>
+                  <a:txBody>
+                    <a:bodyPr/>
+                    <a:lstStyle/>
+                    <a:p>
+                      <a:pPr algn="r" rtl="0" fontAlgn="b"/>
+                      <a:r>
+                        <a:rPr lang="en-US" sz="1400" b="1" i="0" u="none" strike="noStrike">
+                          <a:solidFill>
+                            <a:srgbClr val="000000"/>
+                          </a:solidFill>
+                          <a:effectLst/>
+                          <a:latin typeface="Calibri" panose="020F0502020204030204" pitchFamily="34" charset="0"/>
+                        </a:rPr>
+                        <a:t>2.3%</a:t>
+                      </a:r>
+                    </a:p>
+                  </a:txBody>
+                  <a:tcPr marL="9525" marR="9525" marT="9525" marB="0" anchor="b">
+                    <a:lnL w="6350" cap="flat" cmpd="sng" algn="ctr">
+                      <a:solidFill>
+                        <a:srgbClr val="FFFFFF"/>
+                      </a:solidFill>
+                      <a:prstDash val="solid"/>
+                      <a:round/>
+                      <a:headEnd type="none" w="med" len="med"/>
+                      <a:tailEnd type="none" w="med" len="med"/>
+                    </a:lnL>
+                    <a:lnR w="6350" cap="flat" cmpd="sng" algn="ctr">
+                      <a:solidFill>
+                        <a:srgbClr val="FFFFFF"/>
+                      </a:solidFill>
+                      <a:prstDash val="solid"/>
+                      <a:round/>
+                      <a:headEnd type="none" w="med" len="med"/>
+                      <a:tailEnd type="none" w="med" len="med"/>
+                    </a:lnR>
+                    <a:lnT w="6350" cap="flat" cmpd="sng" algn="ctr">
+                      <a:solidFill>
+                        <a:srgbClr val="FFFFFF"/>
+                      </a:solidFill>
+                      <a:prstDash val="solid"/>
+                      <a:round/>
+                      <a:headEnd type="none" w="med" len="med"/>
+                      <a:tailEnd type="none" w="med" len="med"/>
+                    </a:lnT>
+                    <a:lnB w="6350" cap="flat" cmpd="sng" algn="ctr">
+                      <a:solidFill>
+                        <a:srgbClr val="FFFFFF"/>
+                      </a:solidFill>
+                      <a:prstDash val="solid"/>
+                      <a:round/>
+                      <a:headEnd type="none" w="med" len="med"/>
+                      <a:tailEnd type="none" w="med" len="med"/>
+                    </a:lnB>
+                    <a:solidFill>
+                      <a:srgbClr val="BDD7EE"/>
+                    </a:solidFill>
+                  </a:tcPr>
+                </a:tc>
+                <a:tc>
+                  <a:txBody>
+                    <a:bodyPr/>
+                    <a:lstStyle/>
+                    <a:p>
+                      <a:pPr algn="r" rtl="0" fontAlgn="b"/>
+                      <a:r>
+                        <a:rPr lang="en-US" sz="1400" b="1" i="0" u="none" strike="noStrike">
+                          <a:solidFill>
+                            <a:srgbClr val="000000"/>
+                          </a:solidFill>
+                          <a:effectLst/>
+                          <a:latin typeface="Calibri" panose="020F0502020204030204" pitchFamily="34" charset="0"/>
+                        </a:rPr>
+                        <a:t>-7.9%</a:t>
+                      </a:r>
+                    </a:p>
+                  </a:txBody>
+                  <a:tcPr marL="9525" marR="9525" marT="9525" marB="0" anchor="b">
+                    <a:lnL w="6350" cap="flat" cmpd="sng" algn="ctr">
+                      <a:solidFill>
+                        <a:srgbClr val="FFFFFF"/>
+                      </a:solidFill>
+                      <a:prstDash val="solid"/>
+                      <a:round/>
+                      <a:headEnd type="none" w="med" len="med"/>
+                      <a:tailEnd type="none" w="med" len="med"/>
+                    </a:lnL>
+                    <a:lnR w="6350" cap="flat" cmpd="sng" algn="ctr">
+                      <a:solidFill>
+                        <a:srgbClr val="FFFFFF"/>
+                      </a:solidFill>
+                      <a:prstDash val="solid"/>
+                      <a:round/>
+                      <a:headEnd type="none" w="med" len="med"/>
+                      <a:tailEnd type="none" w="med" len="med"/>
+                    </a:lnR>
+                    <a:lnT w="6350" cap="flat" cmpd="sng" algn="ctr">
+                      <a:solidFill>
+                        <a:srgbClr val="FFFFFF"/>
+                      </a:solidFill>
+                      <a:prstDash val="solid"/>
+                      <a:round/>
+                      <a:headEnd type="none" w="med" len="med"/>
+                      <a:tailEnd type="none" w="med" len="med"/>
+                    </a:lnT>
+                    <a:lnB w="6350" cap="flat" cmpd="sng" algn="ctr">
+                      <a:solidFill>
+                        <a:srgbClr val="FFFFFF"/>
+                      </a:solidFill>
+                      <a:prstDash val="solid"/>
+                      <a:round/>
+                      <a:headEnd type="none" w="med" len="med"/>
+                      <a:tailEnd type="none" w="med" len="med"/>
+                    </a:lnB>
+                    <a:solidFill>
+                      <a:srgbClr val="BDD7EE"/>
+                    </a:solidFill>
+                  </a:tcPr>
+                </a:tc>
+                <a:tc>
+                  <a:txBody>
+                    <a:bodyPr/>
+                    <a:lstStyle/>
+                    <a:p>
+                      <a:pPr algn="r" rtl="0" fontAlgn="b"/>
+                      <a:r>
+                        <a:rPr lang="en-US" sz="1400" b="1" i="0" u="none" strike="noStrike">
+                          <a:solidFill>
+                            <a:srgbClr val="000000"/>
+                          </a:solidFill>
+                          <a:effectLst/>
+                          <a:latin typeface="Calibri" panose="020F0502020204030204" pitchFamily="34" charset="0"/>
+                        </a:rPr>
+                        <a:t>46.2%</a:t>
+                      </a:r>
+                    </a:p>
+                  </a:txBody>
+                  <a:tcPr marL="9525" marR="9525" marT="9525" marB="0" anchor="b">
+                    <a:lnL w="6350" cap="flat" cmpd="sng" algn="ctr">
+                      <a:solidFill>
+                        <a:srgbClr val="FFFFFF"/>
+                      </a:solidFill>
+                      <a:prstDash val="solid"/>
+                      <a:round/>
+                      <a:headEnd type="none" w="med" len="med"/>
+                      <a:tailEnd type="none" w="med" len="med"/>
+                    </a:lnL>
+                    <a:lnR w="6350" cap="flat" cmpd="sng" algn="ctr">
+                      <a:solidFill>
+                        <a:srgbClr val="FFFFFF"/>
+                      </a:solidFill>
+                      <a:prstDash val="solid"/>
+                      <a:round/>
+                      <a:headEnd type="none" w="med" len="med"/>
+                      <a:tailEnd type="none" w="med" len="med"/>
+                    </a:lnR>
+                    <a:lnT w="6350" cap="flat" cmpd="sng" algn="ctr">
+                      <a:solidFill>
+                        <a:srgbClr val="FFFFFF"/>
+                      </a:solidFill>
+                      <a:prstDash val="solid"/>
+                      <a:round/>
+                      <a:headEnd type="none" w="med" len="med"/>
+                      <a:tailEnd type="none" w="med" len="med"/>
+                    </a:lnT>
+                    <a:lnB w="6350" cap="flat" cmpd="sng" algn="ctr">
+                      <a:solidFill>
+                        <a:srgbClr val="FFFFFF"/>
+                      </a:solidFill>
+                      <a:prstDash val="solid"/>
+                      <a:round/>
+                      <a:headEnd type="none" w="med" len="med"/>
+                      <a:tailEnd type="none" w="med" len="med"/>
+                    </a:lnB>
+                    <a:solidFill>
+                      <a:srgbClr val="BDD7EE"/>
+                    </a:solidFill>
+                  </a:tcPr>
+                </a:tc>
+                <a:tc>
+                  <a:txBody>
+                    <a:bodyPr/>
+                    <a:lstStyle/>
+                    <a:p>
+                      <a:pPr algn="r" rtl="0" fontAlgn="b"/>
+                      <a:r>
+                        <a:rPr lang="en-US" sz="1400" b="1" i="0" u="none" strike="noStrike">
+                          <a:solidFill>
+                            <a:srgbClr val="000000"/>
+                          </a:solidFill>
+                          <a:effectLst/>
+                          <a:latin typeface="Calibri" panose="020F0502020204030204" pitchFamily="34" charset="0"/>
+                        </a:rPr>
+                        <a:t>117.3%</a:t>
+                      </a:r>
+                    </a:p>
+                  </a:txBody>
+                  <a:tcPr marL="9525" marR="9525" marT="9525" marB="0" anchor="b">
+                    <a:lnL w="6350" cap="flat" cmpd="sng" algn="ctr">
+                      <a:solidFill>
+                        <a:srgbClr val="FFFFFF"/>
+                      </a:solidFill>
+                      <a:prstDash val="solid"/>
+                      <a:round/>
+                      <a:headEnd type="none" w="med" len="med"/>
+                      <a:tailEnd type="none" w="med" len="med"/>
+                    </a:lnL>
+                    <a:lnR w="6350" cap="flat" cmpd="sng" algn="ctr">
+                      <a:solidFill>
+                        <a:srgbClr val="FFFFFF"/>
+                      </a:solidFill>
+                      <a:prstDash val="solid"/>
+                      <a:round/>
+                      <a:headEnd type="none" w="med" len="med"/>
+                      <a:tailEnd type="none" w="med" len="med"/>
+                    </a:lnR>
+                    <a:lnT w="6350" cap="flat" cmpd="sng" algn="ctr">
+                      <a:solidFill>
+                        <a:srgbClr val="FFFFFF"/>
+                      </a:solidFill>
+                      <a:prstDash val="solid"/>
+                      <a:round/>
+                      <a:headEnd type="none" w="med" len="med"/>
+                      <a:tailEnd type="none" w="med" len="med"/>
+                    </a:lnT>
+                    <a:lnB w="6350" cap="flat" cmpd="sng" algn="ctr">
+                      <a:solidFill>
+                        <a:srgbClr val="FFFFFF"/>
+                      </a:solidFill>
+                      <a:prstDash val="solid"/>
+                      <a:round/>
+                      <a:headEnd type="none" w="med" len="med"/>
+                      <a:tailEnd type="none" w="med" len="med"/>
+                    </a:lnB>
+                    <a:solidFill>
+                      <a:srgbClr val="BDD7EE"/>
+                    </a:solidFill>
+                  </a:tcPr>
+                </a:tc>
+                <a:extLst>
+                  <a:ext uri="{0D108BD9-81ED-4DB2-BD59-A6C34878D82A}">
+                    <a16:rowId xmlns:a16="http://schemas.microsoft.com/office/drawing/2014/main" val="187217038"/>
+                  </a:ext>
+                </a:extLst>
+              </a:tr>
+              <a:tr h="480127">
+                <a:tc>
+                  <a:txBody>
+                    <a:bodyPr/>
+                    <a:lstStyle/>
+                    <a:p>
+                      <a:pPr algn="l" rtl="0" fontAlgn="b"/>
+                      <a:r>
+                        <a:rPr lang="en-US" sz="1400" b="1" i="0" u="none" strike="noStrike">
+                          <a:solidFill>
+                            <a:srgbClr val="000000"/>
+                          </a:solidFill>
+                          <a:effectLst/>
+                          <a:latin typeface="Calibri" panose="020F0502020204030204" pitchFamily="34" charset="0"/>
+                        </a:rPr>
+                        <a:t>SPY</a:t>
+                      </a:r>
+                    </a:p>
+                  </a:txBody>
+                  <a:tcPr marL="9525" marR="9525" marT="9525" marB="0" anchor="b">
+                    <a:lnL>
+                      <a:noFill/>
+                    </a:lnL>
+                    <a:lnR w="6350" cap="flat" cmpd="sng" algn="ctr">
+                      <a:solidFill>
+                        <a:srgbClr val="FFFFFF"/>
+                      </a:solidFill>
+                      <a:prstDash val="solid"/>
+                      <a:round/>
+                      <a:headEnd type="none" w="med" len="med"/>
+                      <a:tailEnd type="none" w="med" len="med"/>
+                    </a:lnR>
+                    <a:lnT w="6350" cap="flat" cmpd="sng" algn="ctr">
+                      <a:solidFill>
+                        <a:srgbClr val="FFFFFF"/>
+                      </a:solidFill>
+                      <a:prstDash val="solid"/>
+                      <a:round/>
+                      <a:headEnd type="none" w="med" len="med"/>
+                      <a:tailEnd type="none" w="med" len="med"/>
+                    </a:lnT>
+                    <a:lnB w="6350" cap="flat" cmpd="sng" algn="ctr">
+                      <a:solidFill>
+                        <a:srgbClr val="FFFFFF"/>
+                      </a:solidFill>
+                      <a:prstDash val="solid"/>
+                      <a:round/>
+                      <a:headEnd type="none" w="med" len="med"/>
+                      <a:tailEnd type="none" w="med" len="med"/>
+                    </a:lnB>
+                    <a:solidFill>
+                      <a:srgbClr val="DDEBF7"/>
+                    </a:solidFill>
+                  </a:tcPr>
+                </a:tc>
+                <a:tc>
+                  <a:txBody>
+                    <a:bodyPr/>
+                    <a:lstStyle/>
+                    <a:p>
+                      <a:pPr algn="l" rtl="0" fontAlgn="b"/>
+                      <a:r>
+                        <a:rPr lang="nl-NL" sz="1400" b="1" i="0" u="none" strike="noStrike">
+                          <a:solidFill>
+                            <a:srgbClr val="000000"/>
+                          </a:solidFill>
+                          <a:effectLst/>
+                          <a:latin typeface="Calibri" panose="020F0502020204030204" pitchFamily="34" charset="0"/>
+                        </a:rPr>
+                        <a:t>SPDR S&amp;P 500 ETF</a:t>
+                      </a:r>
+                    </a:p>
+                  </a:txBody>
+                  <a:tcPr marL="9525" marR="9525" marT="9525" marB="0" anchor="b">
+                    <a:lnL w="6350" cap="flat" cmpd="sng" algn="ctr">
+                      <a:solidFill>
+                        <a:srgbClr val="FFFFFF"/>
+                      </a:solidFill>
+                      <a:prstDash val="solid"/>
+                      <a:round/>
+                      <a:headEnd type="none" w="med" len="med"/>
+                      <a:tailEnd type="none" w="med" len="med"/>
+                    </a:lnL>
+                    <a:lnR w="6350" cap="flat" cmpd="sng" algn="ctr">
+                      <a:solidFill>
+                        <a:srgbClr val="FFFFFF"/>
+                      </a:solidFill>
+                      <a:prstDash val="solid"/>
+                      <a:round/>
+                      <a:headEnd type="none" w="med" len="med"/>
+                      <a:tailEnd type="none" w="med" len="med"/>
+                    </a:lnR>
+                    <a:lnT w="6350" cap="flat" cmpd="sng" algn="ctr">
+                      <a:solidFill>
+                        <a:srgbClr val="FFFFFF"/>
+                      </a:solidFill>
+                      <a:prstDash val="solid"/>
+                      <a:round/>
+                      <a:headEnd type="none" w="med" len="med"/>
+                      <a:tailEnd type="none" w="med" len="med"/>
+                    </a:lnT>
+                    <a:lnB w="6350" cap="flat" cmpd="sng" algn="ctr">
+                      <a:solidFill>
+                        <a:srgbClr val="FFFFFF"/>
+                      </a:solidFill>
+                      <a:prstDash val="solid"/>
+                      <a:round/>
+                      <a:headEnd type="none" w="med" len="med"/>
+                      <a:tailEnd type="none" w="med" len="med"/>
+                    </a:lnB>
+                    <a:solidFill>
+                      <a:srgbClr val="DDEBF7"/>
+                    </a:solidFill>
+                  </a:tcPr>
+                </a:tc>
+                <a:tc>
+                  <a:txBody>
+                    <a:bodyPr/>
+                    <a:lstStyle/>
+                    <a:p>
+                      <a:pPr algn="r" rtl="0" fontAlgn="b"/>
+                      <a:r>
+                        <a:rPr lang="en-US" sz="1400" b="1" i="0" u="none" strike="noStrike">
+                          <a:solidFill>
+                            <a:srgbClr val="000000"/>
+                          </a:solidFill>
+                          <a:effectLst/>
+                          <a:latin typeface="Calibri" panose="020F0502020204030204" pitchFamily="34" charset="0"/>
+                        </a:rPr>
+                        <a:t>                       200.49 </a:t>
+                      </a:r>
+                    </a:p>
+                  </a:txBody>
+                  <a:tcPr marL="9525" marR="9525" marT="9525" marB="0" anchor="b">
+                    <a:lnL w="6350" cap="flat" cmpd="sng" algn="ctr">
+                      <a:solidFill>
+                        <a:srgbClr val="FFFFFF"/>
+                      </a:solidFill>
+                      <a:prstDash val="solid"/>
+                      <a:round/>
+                      <a:headEnd type="none" w="med" len="med"/>
+                      <a:tailEnd type="none" w="med" len="med"/>
+                    </a:lnL>
+                    <a:lnR w="6350" cap="flat" cmpd="sng" algn="ctr">
+                      <a:solidFill>
+                        <a:srgbClr val="FFFFFF"/>
+                      </a:solidFill>
+                      <a:prstDash val="solid"/>
+                      <a:round/>
+                      <a:headEnd type="none" w="med" len="med"/>
+                      <a:tailEnd type="none" w="med" len="med"/>
+                    </a:lnR>
+                    <a:lnT w="6350" cap="flat" cmpd="sng" algn="ctr">
+                      <a:solidFill>
+                        <a:srgbClr val="FFFFFF"/>
+                      </a:solidFill>
+                      <a:prstDash val="solid"/>
+                      <a:round/>
+                      <a:headEnd type="none" w="med" len="med"/>
+                      <a:tailEnd type="none" w="med" len="med"/>
+                    </a:lnT>
+                    <a:lnB w="6350" cap="flat" cmpd="sng" algn="ctr">
+                      <a:solidFill>
+                        <a:srgbClr val="FFFFFF"/>
+                      </a:solidFill>
+                      <a:prstDash val="solid"/>
+                      <a:round/>
+                      <a:headEnd type="none" w="med" len="med"/>
+                      <a:tailEnd type="none" w="med" len="med"/>
+                    </a:lnB>
+                    <a:solidFill>
+                      <a:srgbClr val="DDEBF7"/>
+                    </a:solidFill>
+                  </a:tcPr>
+                </a:tc>
+                <a:tc>
+                  <a:txBody>
+                    <a:bodyPr/>
+                    <a:lstStyle/>
+                    <a:p>
+                      <a:pPr algn="r" rtl="0" fontAlgn="b"/>
+                      <a:r>
+                        <a:rPr lang="en-US" sz="1400" b="1" i="0" u="none" strike="noStrike" dirty="0">
+                          <a:solidFill>
+                            <a:srgbClr val="000000"/>
+                          </a:solidFill>
+                          <a:effectLst/>
+                          <a:latin typeface="Calibri" panose="020F0502020204030204" pitchFamily="34" charset="0"/>
+                        </a:rPr>
+                        <a:t>                            365.57 </a:t>
+                      </a:r>
+                    </a:p>
+                  </a:txBody>
+                  <a:tcPr marL="9525" marR="9525" marT="9525" marB="0" anchor="b">
+                    <a:lnL w="6350" cap="flat" cmpd="sng" algn="ctr">
+                      <a:solidFill>
+                        <a:srgbClr val="FFFFFF"/>
+                      </a:solidFill>
+                      <a:prstDash val="solid"/>
+                      <a:round/>
+                      <a:headEnd type="none" w="med" len="med"/>
+                      <a:tailEnd type="none" w="med" len="med"/>
+                    </a:lnL>
+                    <a:lnR w="6350" cap="flat" cmpd="sng" algn="ctr">
+                      <a:solidFill>
+                        <a:srgbClr val="FFFFFF"/>
+                      </a:solidFill>
+                      <a:prstDash val="solid"/>
+                      <a:round/>
+                      <a:headEnd type="none" w="med" len="med"/>
+                      <a:tailEnd type="none" w="med" len="med"/>
+                    </a:lnR>
+                    <a:lnT w="6350" cap="flat" cmpd="sng" algn="ctr">
+                      <a:solidFill>
+                        <a:srgbClr val="FFFFFF"/>
+                      </a:solidFill>
+                      <a:prstDash val="solid"/>
+                      <a:round/>
+                      <a:headEnd type="none" w="med" len="med"/>
+                      <a:tailEnd type="none" w="med" len="med"/>
+                    </a:lnT>
+                    <a:lnB w="6350" cap="flat" cmpd="sng" algn="ctr">
+                      <a:solidFill>
+                        <a:srgbClr val="FFFFFF"/>
+                      </a:solidFill>
+                      <a:prstDash val="solid"/>
+                      <a:round/>
+                      <a:headEnd type="none" w="med" len="med"/>
+                      <a:tailEnd type="none" w="med" len="med"/>
+                    </a:lnB>
+                    <a:solidFill>
+                      <a:srgbClr val="DDEBF7"/>
+                    </a:solidFill>
+                  </a:tcPr>
+                </a:tc>
+                <a:tc>
+                  <a:txBody>
+                    <a:bodyPr/>
+                    <a:lstStyle/>
+                    <a:p>
+                      <a:pPr algn="r" rtl="0" fontAlgn="b"/>
+                      <a:r>
+                        <a:rPr lang="en-US" sz="1400" b="1" i="0" u="none" strike="noStrike" dirty="0">
+                          <a:solidFill>
+                            <a:srgbClr val="000000"/>
+                          </a:solidFill>
+                          <a:effectLst/>
+                          <a:latin typeface="Calibri" panose="020F0502020204030204" pitchFamily="34" charset="0"/>
+                        </a:rPr>
+                        <a:t>N/A</a:t>
+                      </a:r>
+                    </a:p>
+                  </a:txBody>
+                  <a:tcPr marL="9525" marR="9525" marT="9525" marB="0" anchor="b">
+                    <a:lnL w="6350" cap="flat" cmpd="sng" algn="ctr">
+                      <a:solidFill>
+                        <a:srgbClr val="FFFFFF"/>
+                      </a:solidFill>
+                      <a:prstDash val="solid"/>
+                      <a:round/>
+                      <a:headEnd type="none" w="med" len="med"/>
+                      <a:tailEnd type="none" w="med" len="med"/>
+                    </a:lnL>
+                    <a:lnR w="6350" cap="flat" cmpd="sng" algn="ctr">
+                      <a:solidFill>
+                        <a:srgbClr val="FFFFFF"/>
+                      </a:solidFill>
+                      <a:prstDash val="solid"/>
+                      <a:round/>
+                      <a:headEnd type="none" w="med" len="med"/>
+                      <a:tailEnd type="none" w="med" len="med"/>
+                    </a:lnR>
+                    <a:lnT w="6350" cap="flat" cmpd="sng" algn="ctr">
+                      <a:solidFill>
+                        <a:srgbClr val="FFFFFF"/>
+                      </a:solidFill>
+                      <a:prstDash val="solid"/>
+                      <a:round/>
+                      <a:headEnd type="none" w="med" len="med"/>
+                      <a:tailEnd type="none" w="med" len="med"/>
+                    </a:lnT>
+                    <a:lnB w="6350" cap="flat" cmpd="sng" algn="ctr">
+                      <a:solidFill>
+                        <a:srgbClr val="FFFFFF"/>
+                      </a:solidFill>
+                      <a:prstDash val="solid"/>
+                      <a:round/>
+                      <a:headEnd type="none" w="med" len="med"/>
+                      <a:tailEnd type="none" w="med" len="med"/>
+                    </a:lnB>
+                    <a:solidFill>
+                      <a:srgbClr val="DDEBF7"/>
+                    </a:solidFill>
+                  </a:tcPr>
+                </a:tc>
+                <a:tc>
+                  <a:txBody>
+                    <a:bodyPr/>
+                    <a:lstStyle/>
+                    <a:p>
+                      <a:pPr algn="r" rtl="0" fontAlgn="b"/>
+                      <a:r>
+                        <a:rPr lang="en-US" sz="1400" b="1" i="0" u="none" strike="noStrike" dirty="0">
+                          <a:solidFill>
+                            <a:srgbClr val="000000"/>
+                          </a:solidFill>
+                          <a:effectLst/>
+                          <a:latin typeface="Calibri" panose="020F0502020204030204" pitchFamily="34" charset="0"/>
+                        </a:rPr>
+                        <a:t>12.2%</a:t>
+                      </a:r>
+                    </a:p>
+                  </a:txBody>
+                  <a:tcPr marL="9525" marR="9525" marT="9525" marB="0" anchor="b">
+                    <a:lnL w="6350" cap="flat" cmpd="sng" algn="ctr">
+                      <a:solidFill>
+                        <a:srgbClr val="FFFFFF"/>
+                      </a:solidFill>
+                      <a:prstDash val="solid"/>
+                      <a:round/>
+                      <a:headEnd type="none" w="med" len="med"/>
+                      <a:tailEnd type="none" w="med" len="med"/>
+                    </a:lnL>
+                    <a:lnR w="6350" cap="flat" cmpd="sng" algn="ctr">
+                      <a:solidFill>
+                        <a:srgbClr val="FFFFFF"/>
+                      </a:solidFill>
+                      <a:prstDash val="solid"/>
+                      <a:round/>
+                      <a:headEnd type="none" w="med" len="med"/>
+                      <a:tailEnd type="none" w="med" len="med"/>
+                    </a:lnR>
+                    <a:lnT w="6350" cap="flat" cmpd="sng" algn="ctr">
+                      <a:solidFill>
+                        <a:srgbClr val="FFFFFF"/>
+                      </a:solidFill>
+                      <a:prstDash val="solid"/>
+                      <a:round/>
+                      <a:headEnd type="none" w="med" len="med"/>
+                      <a:tailEnd type="none" w="med" len="med"/>
+                    </a:lnT>
+                    <a:lnB w="6350" cap="flat" cmpd="sng" algn="ctr">
+                      <a:solidFill>
+                        <a:srgbClr val="FFFFFF"/>
+                      </a:solidFill>
+                      <a:prstDash val="solid"/>
+                      <a:round/>
+                      <a:headEnd type="none" w="med" len="med"/>
+                      <a:tailEnd type="none" w="med" len="med"/>
+                    </a:lnB>
+                    <a:solidFill>
+                      <a:srgbClr val="DDEBF7"/>
+                    </a:solidFill>
+                  </a:tcPr>
+                </a:tc>
+                <a:tc>
+                  <a:txBody>
+                    <a:bodyPr/>
+                    <a:lstStyle/>
+                    <a:p>
+                      <a:pPr algn="r" rtl="0" fontAlgn="b"/>
+                      <a:r>
+                        <a:rPr lang="en-US" sz="1400" b="1" i="0" u="none" strike="noStrike" dirty="0">
+                          <a:solidFill>
+                            <a:srgbClr val="000000"/>
+                          </a:solidFill>
+                          <a:effectLst/>
+                          <a:latin typeface="Calibri" panose="020F0502020204030204" pitchFamily="34" charset="0"/>
+                        </a:rPr>
+                        <a:t>22.7%</a:t>
+                      </a:r>
+                    </a:p>
+                  </a:txBody>
+                  <a:tcPr marL="9525" marR="9525" marT="9525" marB="0" anchor="b">
+                    <a:lnL w="6350" cap="flat" cmpd="sng" algn="ctr">
+                      <a:solidFill>
+                        <a:srgbClr val="FFFFFF"/>
+                      </a:solidFill>
+                      <a:prstDash val="solid"/>
+                      <a:round/>
+                      <a:headEnd type="none" w="med" len="med"/>
+                      <a:tailEnd type="none" w="med" len="med"/>
+                    </a:lnL>
+                    <a:lnR w="6350" cap="flat" cmpd="sng" algn="ctr">
+                      <a:solidFill>
+                        <a:srgbClr val="FFFFFF"/>
+                      </a:solidFill>
+                      <a:prstDash val="solid"/>
+                      <a:round/>
+                      <a:headEnd type="none" w="med" len="med"/>
+                      <a:tailEnd type="none" w="med" len="med"/>
+                    </a:lnR>
+                    <a:lnT w="6350" cap="flat" cmpd="sng" algn="ctr">
+                      <a:solidFill>
+                        <a:srgbClr val="FFFFFF"/>
+                      </a:solidFill>
+                      <a:prstDash val="solid"/>
+                      <a:round/>
+                      <a:headEnd type="none" w="med" len="med"/>
+                      <a:tailEnd type="none" w="med" len="med"/>
+                    </a:lnT>
+                    <a:lnB w="6350" cap="flat" cmpd="sng" algn="ctr">
+                      <a:solidFill>
+                        <a:srgbClr val="FFFFFF"/>
+                      </a:solidFill>
+                      <a:prstDash val="solid"/>
+                      <a:round/>
+                      <a:headEnd type="none" w="med" len="med"/>
+                      <a:tailEnd type="none" w="med" len="med"/>
+                    </a:lnB>
+                    <a:solidFill>
+                      <a:srgbClr val="DDEBF7"/>
+                    </a:solidFill>
+                  </a:tcPr>
+                </a:tc>
+                <a:tc>
+                  <a:txBody>
+                    <a:bodyPr/>
+                    <a:lstStyle/>
+                    <a:p>
+                      <a:pPr algn="r" rtl="0" fontAlgn="b"/>
+                      <a:r>
+                        <a:rPr lang="en-US" sz="1400" b="1" i="0" u="none" strike="noStrike" dirty="0">
+                          <a:solidFill>
+                            <a:srgbClr val="000000"/>
+                          </a:solidFill>
+                          <a:effectLst/>
+                          <a:latin typeface="Calibri" panose="020F0502020204030204" pitchFamily="34" charset="0"/>
+                        </a:rPr>
+                        <a:t>82.3%</a:t>
+                      </a:r>
+                    </a:p>
+                  </a:txBody>
+                  <a:tcPr marL="9525" marR="9525" marT="9525" marB="0" anchor="b">
+                    <a:lnL w="6350" cap="flat" cmpd="sng" algn="ctr">
+                      <a:solidFill>
+                        <a:srgbClr val="FFFFFF"/>
+                      </a:solidFill>
+                      <a:prstDash val="solid"/>
+                      <a:round/>
+                      <a:headEnd type="none" w="med" len="med"/>
+                      <a:tailEnd type="none" w="med" len="med"/>
+                    </a:lnL>
+                    <a:lnR w="6350" cap="flat" cmpd="sng" algn="ctr">
+                      <a:solidFill>
+                        <a:srgbClr val="FFFFFF"/>
+                      </a:solidFill>
+                      <a:prstDash val="solid"/>
+                      <a:round/>
+                      <a:headEnd type="none" w="med" len="med"/>
+                      <a:tailEnd type="none" w="med" len="med"/>
+                    </a:lnR>
+                    <a:lnT w="6350" cap="flat" cmpd="sng" algn="ctr">
+                      <a:solidFill>
+                        <a:srgbClr val="FFFFFF"/>
+                      </a:solidFill>
+                      <a:prstDash val="solid"/>
+                      <a:round/>
+                      <a:headEnd type="none" w="med" len="med"/>
+                      <a:tailEnd type="none" w="med" len="med"/>
+                    </a:lnT>
+                    <a:lnB w="6350" cap="flat" cmpd="sng" algn="ctr">
+                      <a:solidFill>
+                        <a:srgbClr val="FFFFFF"/>
+                      </a:solidFill>
+                      <a:prstDash val="solid"/>
+                      <a:round/>
+                      <a:headEnd type="none" w="med" len="med"/>
+                      <a:tailEnd type="none" w="med" len="med"/>
+                    </a:lnB>
+                    <a:solidFill>
+                      <a:srgbClr val="DDEBF7"/>
+                    </a:solidFill>
+                  </a:tcPr>
+                </a:tc>
+                <a:extLst>
+                  <a:ext uri="{0D108BD9-81ED-4DB2-BD59-A6C34878D82A}">
+                    <a16:rowId xmlns:a16="http://schemas.microsoft.com/office/drawing/2014/main" val="1639943731"/>
+                  </a:ext>
+                </a:extLst>
+              </a:tr>
+            </a:tbl>
+          </a:graphicData>
+        </a:graphic>
+      </p:graphicFrame>
     </p:spTree>
     <p:extLst>
       <p:ext uri="{BB962C8B-B14F-4D97-AF65-F5344CB8AC3E}">
@@ -4772,7 +7492,7 @@
           <a:lstStyle/>
           <a:p>
             <a:r>
-              <a:rPr lang="en-US" b="0" i="0" dirty="0">
+              <a:rPr lang="en-US" i="0" dirty="0">
                 <a:solidFill>
                   <a:srgbClr val="111111"/>
                 </a:solidFill>
@@ -4781,7 +7501,7 @@
               <a:t>The pharmaceutical industry is part of the larger healthcare sector. Companies in the </a:t>
             </a:r>
             <a:r>
-              <a:rPr lang="en-US" b="0" i="0" u="sng" dirty="0">
+              <a:rPr lang="en-US" i="0" u="sng" dirty="0">
                 <a:solidFill>
                   <a:srgbClr val="2C40D0"/>
                 </a:solidFill>
@@ -4791,7 +7511,7 @@
               <a:t>pharmaceutical</a:t>
             </a:r>
             <a:r>
-              <a:rPr lang="en-US" b="0" i="0" dirty="0">
+              <a:rPr lang="en-US" i="0" dirty="0">
                 <a:solidFill>
                   <a:srgbClr val="111111"/>
                 </a:solidFill>
@@ -4802,7 +7522,7 @@
           </a:p>
           <a:p>
             <a:r>
-              <a:rPr lang="en-US" b="0" i="0" dirty="0">
+              <a:rPr lang="en-US" i="0" dirty="0">
                 <a:solidFill>
                   <a:srgbClr val="111111"/>
                 </a:solidFill>
@@ -4811,7 +7531,7 @@
               <a:t>Pharmaceutical stocks, as represented by the iShares U.S. Pharmaceuticals ETF (</a:t>
             </a:r>
             <a:r>
-              <a:rPr lang="en-US" b="0" i="0" u="sng" dirty="0">
+              <a:rPr lang="en-US" i="0" u="sng" dirty="0">
                 <a:solidFill>
                   <a:srgbClr val="2C40D0"/>
                 </a:solidFill>
@@ -4821,31 +7541,31 @@
               <a:t>IHE</a:t>
             </a:r>
             <a:r>
-              <a:rPr lang="en-US" b="0" i="0" dirty="0">
+              <a:rPr lang="en-US" i="0" dirty="0">
                 <a:solidFill>
                   <a:srgbClr val="111111"/>
                 </a:solidFill>
                 <a:effectLst/>
               </a:rPr>
-              <a:t>), have underperformed the broader market over the past year. IHE has provided a total return of 16.3% over the last 12 months, below the Russell 1000's total return of 21.9%, as of December 2, 2020. All information outlined in this presentation is current as of February 1</a:t>
+              <a:t>), have underperformed the broader market over the past year. IHE has provided a total return of 16.3% over the last 12 months, below the Russell 1000's total return of 21.9%, as of December 2, 2020.</a:t>
             </a:r>
             <a:r>
-              <a:rPr lang="en-US" b="0" i="0" baseline="30000" dirty="0">
+              <a:rPr lang="en-US" i="0" u="none" strike="noStrike" baseline="30000" dirty="0">
+                <a:solidFill>
+                  <a:srgbClr val="0000EE"/>
+                </a:solidFill>
+                <a:effectLst/>
+              </a:rPr>
+              <a:t>1</a:t>
+            </a:r>
+            <a:r>
+              <a:rPr lang="en-US" i="0" dirty="0">
                 <a:solidFill>
                   <a:srgbClr val="111111"/>
                 </a:solidFill>
                 <a:effectLst/>
               </a:rPr>
-              <a:t>st</a:t>
-            </a:r>
-            <a:r>
-              <a:rPr lang="en-US" b="0" i="0" dirty="0">
-                <a:solidFill>
-                  <a:srgbClr val="111111"/>
-                </a:solidFill>
-                <a:effectLst/>
-              </a:rPr>
-              <a:t>, 2021.</a:t>
+              <a:t>﻿ All statistics in the tables below are as of December 3.</a:t>
             </a:r>
           </a:p>
           <a:p>
@@ -4871,14 +7591,14 @@
           <p:nvPr>
             <p:extLst>
               <p:ext uri="{D42A27DB-BD31-4B8C-83A1-F6EECF244321}">
-                <p14:modId xmlns:p14="http://schemas.microsoft.com/office/powerpoint/2010/main" val="1640146767"/>
+                <p14:modId xmlns:p14="http://schemas.microsoft.com/office/powerpoint/2010/main" val="2690721524"/>
               </p:ext>
             </p:extLst>
           </p:nvPr>
         </p:nvGraphicFramePr>
         <p:xfrm>
           <a:off x="1022349" y="4160854"/>
-          <a:ext cx="10147300" cy="2171700"/>
+          <a:ext cx="10076286" cy="2171700"/>
         </p:xfrm>
         <a:graphic>
           <a:graphicData uri="http://schemas.openxmlformats.org/drawingml/2006/table">
@@ -4948,7 +7668,7 @@
                     </a:ext>
                   </a:extLst>
                 </a:gridCol>
-                <a:gridCol w="1155700">
+                <a:gridCol w="1084686">
                   <a:extLst>
                     <a:ext uri="{9D8B030D-6E8A-4147-A177-3AD203B41FA5}">
                       <a16:colId xmlns:a16="http://schemas.microsoft.com/office/drawing/2014/main" val="105476961"/>
@@ -6094,7 +8814,7 @@
                     <a:p>
                       <a:pPr algn="l" fontAlgn="b"/>
                       <a:r>
-                        <a:rPr lang="en-US" sz="1100" b="1" i="0" u="none" strike="noStrike">
+                        <a:rPr lang="en-US" sz="1100" b="1" i="0" u="none" strike="noStrike" dirty="0">
                           <a:solidFill>
                             <a:srgbClr val="000000"/>
                           </a:solidFill>
@@ -7338,7 +10058,7 @@
                     <a:p>
                       <a:pPr algn="l" fontAlgn="b"/>
                       <a:r>
-                        <a:rPr lang="en-US" sz="1100" b="1" i="0" u="none" strike="noStrike">
+                        <a:rPr lang="en-US" sz="1100" b="1" i="0" u="none" strike="noStrike" dirty="0">
                           <a:solidFill>
                             <a:srgbClr val="000000"/>
                           </a:solidFill>
@@ -10373,7 +13093,7 @@
                     <a:p>
                       <a:pPr algn="r" fontAlgn="b"/>
                       <a:r>
-                        <a:rPr lang="en-US" sz="1100" b="1" i="0" u="none" strike="noStrike">
+                        <a:rPr lang="en-US" sz="1100" b="1" i="0" u="none" strike="noStrike" dirty="0">
                           <a:solidFill>
                             <a:srgbClr val="000000"/>
                           </a:solidFill>
@@ -11907,10 +14627,10 @@
       </p:sp>
       <p:pic>
         <p:nvPicPr>
-          <p:cNvPr id="10" name="Picture 9" descr="Graphical user interface, chart&#10;&#10;Description automatically generated">
+          <p:cNvPr id="6" name="Picture 5" descr="Graphical user interface, chart&#10;&#10;Description automatically generated">
             <a:extLst>
               <a:ext uri="{FF2B5EF4-FFF2-40B4-BE49-F238E27FC236}">
-                <a16:creationId xmlns:a16="http://schemas.microsoft.com/office/drawing/2014/main" id="{F22AD86E-9A70-4A52-8530-C29954FA2622}"/>
+                <a16:creationId xmlns:a16="http://schemas.microsoft.com/office/drawing/2014/main" id="{5BEC89EF-6A84-48B9-9A12-99444A63933F}"/>
               </a:ext>
             </a:extLst>
           </p:cNvPr>
@@ -11927,8 +14647,8 @@
         </p:blipFill>
         <p:spPr>
           <a:xfrm>
-            <a:off x="224609" y="2979492"/>
-            <a:ext cx="5551351" cy="3292962"/>
+            <a:off x="205842" y="2804265"/>
+            <a:ext cx="5945466" cy="3468189"/>
           </a:xfrm>
           <a:prstGeom prst="rect">
             <a:avLst/>
@@ -13157,12 +15877,12 @@
 </file>
 
 <file path=customXml/item1.xml><?xml version="1.0" encoding="utf-8"?>
-<p:properties xmlns:p="http://schemas.microsoft.com/office/2006/metadata/properties" xmlns:xsi="http://www.w3.org/2001/XMLSchema-instance" xmlns:pc="http://schemas.microsoft.com/office/infopath/2007/PartnerControls">
-  <documentManagement>
-    <Status xmlns="71af3243-3dd4-4a8d-8c0d-dd76da1f02a5">Not started</Status>
-    <MediaServiceKeyPoints xmlns="71af3243-3dd4-4a8d-8c0d-dd76da1f02a5" xsi:nil="true"/>
-  </documentManagement>
-</p:properties>
+<?mso-contentType ?>
+<FormTemplates xmlns="http://schemas.microsoft.com/sharepoint/v3/contenttype/forms">
+  <Display>DocumentLibraryForm</Display>
+  <Edit>DocumentLibraryForm</Edit>
+  <New>DocumentLibraryForm</New>
+</FormTemplates>
 </file>
 
 <file path=customXml/item2.xml><?xml version="1.0" encoding="utf-8"?>
@@ -13387,20 +16107,18 @@
 </file>
 
 <file path=customXml/item3.xml><?xml version="1.0" encoding="utf-8"?>
-<?mso-contentType ?>
-<FormTemplates xmlns="http://schemas.microsoft.com/sharepoint/v3/contenttype/forms">
-  <Display>DocumentLibraryForm</Display>
-  <Edit>DocumentLibraryForm</Edit>
-  <New>DocumentLibraryForm</New>
-</FormTemplates>
+<p:properties xmlns:p="http://schemas.microsoft.com/office/2006/metadata/properties" xmlns:xsi="http://www.w3.org/2001/XMLSchema-instance" xmlns:pc="http://schemas.microsoft.com/office/infopath/2007/PartnerControls">
+  <documentManagement>
+    <Status xmlns="71af3243-3dd4-4a8d-8c0d-dd76da1f02a5">Not started</Status>
+    <MediaServiceKeyPoints xmlns="71af3243-3dd4-4a8d-8c0d-dd76da1f02a5" xsi:nil="true"/>
+  </documentManagement>
+</p:properties>
 </file>
 
 <file path=customXml/itemProps1.xml><?xml version="1.0" encoding="utf-8"?>
-<ds:datastoreItem xmlns:ds="http://schemas.openxmlformats.org/officeDocument/2006/customXml" ds:itemID="{FBD2D995-20F0-4C14-BF62-1248AB4B484D}">
+<ds:datastoreItem xmlns:ds="http://schemas.openxmlformats.org/officeDocument/2006/customXml" ds:itemID="{BB3242A4-1E6A-4E02-809C-4A24066EC01D}">
   <ds:schemaRefs>
-    <ds:schemaRef ds:uri="http://schemas.microsoft.com/office/2006/metadata/properties"/>
-    <ds:schemaRef ds:uri="http://schemas.microsoft.com/office/infopath/2007/PartnerControls"/>
-    <ds:schemaRef ds:uri="71af3243-3dd4-4a8d-8c0d-dd76da1f02a5"/>
+    <ds:schemaRef ds:uri="http://schemas.microsoft.com/sharepoint/v3/contenttype/forms"/>
   </ds:schemaRefs>
 </ds:datastoreItem>
 </file>
@@ -13425,9 +16143,11 @@
 </file>
 
 <file path=customXml/itemProps3.xml><?xml version="1.0" encoding="utf-8"?>
-<ds:datastoreItem xmlns:ds="http://schemas.openxmlformats.org/officeDocument/2006/customXml" ds:itemID="{BB3242A4-1E6A-4E02-809C-4A24066EC01D}">
+<ds:datastoreItem xmlns:ds="http://schemas.openxmlformats.org/officeDocument/2006/customXml" ds:itemID="{FBD2D995-20F0-4C14-BF62-1248AB4B484D}">
   <ds:schemaRefs>
-    <ds:schemaRef ds:uri="http://schemas.microsoft.com/sharepoint/v3/contenttype/forms"/>
+    <ds:schemaRef ds:uri="http://schemas.microsoft.com/office/2006/metadata/properties"/>
+    <ds:schemaRef ds:uri="http://schemas.microsoft.com/office/infopath/2007/PartnerControls"/>
+    <ds:schemaRef ds:uri="71af3243-3dd4-4a8d-8c0d-dd76da1f02a5"/>
   </ds:schemaRefs>
 </ds:datastoreItem>
 </file>
--- a/Stock Market Analysis.pptx
+++ b/Stock Market Analysis.pptx
@@ -16,7 +16,8 @@
     <p:sldId id="297" r:id="rId13"/>
     <p:sldId id="298" r:id="rId14"/>
     <p:sldId id="300" r:id="rId15"/>
-    <p:sldId id="301" r:id="rId16"/>
+    <p:sldId id="302" r:id="rId16"/>
+    <p:sldId id="301" r:id="rId17"/>
   </p:sldIdLst>
   <p:sldSz cx="12192000" cy="6858000"/>
   <p:notesSz cx="6858000" cy="9144000"/>
@@ -136,7 +137,7 @@
   <pc:docChgLst>
     <pc:chgData name="Gabriel Allen" userId="c7c74c84cd207ce6" providerId="LiveId" clId="{BD585F1B-4D9A-4C89-9F76-E500BE26A5CA}"/>
     <pc:docChg chg="undo redo custSel addSld delSld modSld sldOrd">
-      <pc:chgData name="Gabriel Allen" userId="c7c74c84cd207ce6" providerId="LiveId" clId="{BD585F1B-4D9A-4C89-9F76-E500BE26A5CA}" dt="2021-02-02T16:05:55.064" v="2392" actId="1076"/>
+      <pc:chgData name="Gabriel Allen" userId="c7c74c84cd207ce6" providerId="LiveId" clId="{BD585F1B-4D9A-4C89-9F76-E500BE26A5CA}" dt="2021-02-02T16:40:22.872" v="2485" actId="20577"/>
       <pc:docMkLst>
         <pc:docMk/>
       </pc:docMkLst>
@@ -478,7 +479,7 @@
         </pc:graphicFrameChg>
       </pc:sldChg>
       <pc:sldChg chg="addSp delSp modSp new mod">
-        <pc:chgData name="Gabriel Allen" userId="c7c74c84cd207ce6" providerId="LiveId" clId="{BD585F1B-4D9A-4C89-9F76-E500BE26A5CA}" dt="2021-02-01T22:18:53.236" v="2161" actId="20577"/>
+        <pc:chgData name="Gabriel Allen" userId="c7c74c84cd207ce6" providerId="LiveId" clId="{BD585F1B-4D9A-4C89-9F76-E500BE26A5CA}" dt="2021-02-02T16:30:22.760" v="2396" actId="20577"/>
         <pc:sldMkLst>
           <pc:docMk/>
           <pc:sldMk cId="1006049575" sldId="297"/>
@@ -524,7 +525,7 @@
           </ac:spMkLst>
         </pc:spChg>
         <pc:spChg chg="add mod">
-          <ac:chgData name="Gabriel Allen" userId="c7c74c84cd207ce6" providerId="LiveId" clId="{BD585F1B-4D9A-4C89-9F76-E500BE26A5CA}" dt="2021-02-01T22:18:53.236" v="2161" actId="20577"/>
+          <ac:chgData name="Gabriel Allen" userId="c7c74c84cd207ce6" providerId="LiveId" clId="{BD585F1B-4D9A-4C89-9F76-E500BE26A5CA}" dt="2021-02-02T16:30:22.760" v="2396" actId="20577"/>
           <ac:spMkLst>
             <pc:docMk/>
             <pc:sldMk cId="1006049575" sldId="297"/>
@@ -541,13 +542,13 @@
         </pc:picChg>
       </pc:sldChg>
       <pc:sldChg chg="addSp delSp modSp new mod">
-        <pc:chgData name="Gabriel Allen" userId="c7c74c84cd207ce6" providerId="LiveId" clId="{BD585F1B-4D9A-4C89-9F76-E500BE26A5CA}" dt="2021-02-01T22:21:38.256" v="2175" actId="1076"/>
+        <pc:chgData name="Gabriel Allen" userId="c7c74c84cd207ce6" providerId="LiveId" clId="{BD585F1B-4D9A-4C89-9F76-E500BE26A5CA}" dt="2021-02-02T16:39:54.217" v="2429" actId="20577"/>
         <pc:sldMkLst>
           <pc:docMk/>
           <pc:sldMk cId="1046385451" sldId="298"/>
         </pc:sldMkLst>
         <pc:spChg chg="mod">
-          <ac:chgData name="Gabriel Allen" userId="c7c74c84cd207ce6" providerId="LiveId" clId="{BD585F1B-4D9A-4C89-9F76-E500BE26A5CA}" dt="2021-02-01T21:05:37.461" v="99" actId="20577"/>
+          <ac:chgData name="Gabriel Allen" userId="c7c74c84cd207ce6" providerId="LiveId" clId="{BD585F1B-4D9A-4C89-9F76-E500BE26A5CA}" dt="2021-02-02T16:39:54.217" v="2429" actId="20577"/>
           <ac:spMkLst>
             <pc:docMk/>
             <pc:sldMk cId="1046385451" sldId="298"/>
@@ -651,13 +652,13 @@
         </pc:picChg>
       </pc:sldChg>
       <pc:sldChg chg="modSp new mod">
-        <pc:chgData name="Gabriel Allen" userId="c7c74c84cd207ce6" providerId="LiveId" clId="{BD585F1B-4D9A-4C89-9F76-E500BE26A5CA}" dt="2021-02-02T15:53:26.984" v="2384" actId="2711"/>
+        <pc:chgData name="Gabriel Allen" userId="c7c74c84cd207ce6" providerId="LiveId" clId="{BD585F1B-4D9A-4C89-9F76-E500BE26A5CA}" dt="2021-02-02T16:40:03.168" v="2450" actId="20577"/>
         <pc:sldMkLst>
           <pc:docMk/>
           <pc:sldMk cId="208162295" sldId="300"/>
         </pc:sldMkLst>
         <pc:spChg chg="mod">
-          <ac:chgData name="Gabriel Allen" userId="c7c74c84cd207ce6" providerId="LiveId" clId="{BD585F1B-4D9A-4C89-9F76-E500BE26A5CA}" dt="2021-02-01T22:22:03.014" v="2198" actId="20577"/>
+          <ac:chgData name="Gabriel Allen" userId="c7c74c84cd207ce6" providerId="LiveId" clId="{BD585F1B-4D9A-4C89-9F76-E500BE26A5CA}" dt="2021-02-02T16:40:03.168" v="2450" actId="20577"/>
           <ac:spMkLst>
             <pc:docMk/>
             <pc:sldMk cId="208162295" sldId="300"/>
@@ -673,7 +674,7 @@
           </ac:spMkLst>
         </pc:spChg>
         <pc:spChg chg="mod">
-          <ac:chgData name="Gabriel Allen" userId="c7c74c84cd207ce6" providerId="LiveId" clId="{BD585F1B-4D9A-4C89-9F76-E500BE26A5CA}" dt="2021-02-02T15:53:26.984" v="2384" actId="2711"/>
+          <ac:chgData name="Gabriel Allen" userId="c7c74c84cd207ce6" providerId="LiveId" clId="{BD585F1B-4D9A-4C89-9F76-E500BE26A5CA}" dt="2021-02-02T16:39:30.414" v="2399" actId="27636"/>
           <ac:spMkLst>
             <pc:docMk/>
             <pc:sldMk cId="208162295" sldId="300"/>
@@ -710,6 +711,21 @@
           <pc:docMk/>
           <pc:sldMk cId="772242873" sldId="301"/>
         </pc:sldMkLst>
+      </pc:sldChg>
+      <pc:sldChg chg="modSp new mod">
+        <pc:chgData name="Gabriel Allen" userId="c7c74c84cd207ce6" providerId="LiveId" clId="{BD585F1B-4D9A-4C89-9F76-E500BE26A5CA}" dt="2021-02-02T16:40:22.872" v="2485" actId="20577"/>
+        <pc:sldMkLst>
+          <pc:docMk/>
+          <pc:sldMk cId="3101492508" sldId="302"/>
+        </pc:sldMkLst>
+        <pc:spChg chg="mod">
+          <ac:chgData name="Gabriel Allen" userId="c7c74c84cd207ce6" providerId="LiveId" clId="{BD585F1B-4D9A-4C89-9F76-E500BE26A5CA}" dt="2021-02-02T16:40:22.872" v="2485" actId="20577"/>
+          <ac:spMkLst>
+            <pc:docMk/>
+            <pc:sldMk cId="3101492508" sldId="302"/>
+            <ac:spMk id="2" creationId="{AD5258BE-956E-4D78-BAAF-C01B343A7EC1}"/>
+          </ac:spMkLst>
+        </pc:spChg>
       </pc:sldChg>
     </pc:docChg>
   </pc:docChgLst>
@@ -4264,7 +4280,7 @@
           <a:p>
             <a:r>
               <a:rPr lang="en-US" dirty="0"/>
-              <a:t>Return estimation</a:t>
+              <a:t>Return estimation – Daily distribution</a:t>
             </a:r>
           </a:p>
         </p:txBody>
@@ -4351,7 +4367,7 @@
           <a:p>
             <a:r>
               <a:rPr lang="en-US" dirty="0"/>
-              <a:t>ROI </a:t>
+              <a:t>Return estimation - ROI </a:t>
             </a:r>
           </a:p>
         </p:txBody>
@@ -4372,8 +4388,8 @@
         </p:nvSpPr>
         <p:spPr>
           <a:xfrm>
-            <a:off x="581192" y="1890875"/>
-            <a:ext cx="11029615" cy="1382412"/>
+            <a:off x="581192" y="2263805"/>
+            <a:ext cx="11029615" cy="1009481"/>
           </a:xfrm>
           <a:prstGeom prst="rect">
             <a:avLst/>
@@ -4381,7 +4397,7 @@
         </p:spPr>
         <p:txBody>
           <a:bodyPr vert="horz" lIns="91440" tIns="45720" rIns="91440" bIns="45720" rtlCol="0" anchor="ctr">
-            <a:normAutofit fontScale="85000" lnSpcReduction="10000"/>
+            <a:normAutofit fontScale="77500" lnSpcReduction="20000"/>
           </a:bodyPr>
           <a:lstStyle>
             <a:lvl1pPr marL="306000" indent="-306000" algn="l" defTabSz="457200" rtl="0" eaLnBrk="1" latinLnBrk="0" hangingPunct="1">
@@ -7116,6 +7132,89 @@
 </file>
 
 <file path=ppt/slides/slide12.xml><?xml version="1.0" encoding="utf-8"?>
+<p:sld xmlns:a="http://schemas.openxmlformats.org/drawingml/2006/main" xmlns:r="http://schemas.openxmlformats.org/officeDocument/2006/relationships" xmlns:p="http://schemas.openxmlformats.org/presentationml/2006/main">
+  <p:cSld>
+    <p:spTree>
+      <p:nvGrpSpPr>
+        <p:cNvPr id="1" name=""/>
+        <p:cNvGrpSpPr/>
+        <p:nvPr/>
+      </p:nvGrpSpPr>
+      <p:grpSpPr>
+        <a:xfrm>
+          <a:off x="0" y="0"/>
+          <a:ext cx="0" cy="0"/>
+          <a:chOff x="0" y="0"/>
+          <a:chExt cx="0" cy="0"/>
+        </a:xfrm>
+      </p:grpSpPr>
+      <p:sp>
+        <p:nvSpPr>
+          <p:cNvPr id="2" name="Title 1">
+            <a:extLst>
+              <a:ext uri="{FF2B5EF4-FFF2-40B4-BE49-F238E27FC236}">
+                <a16:creationId xmlns:a16="http://schemas.microsoft.com/office/drawing/2014/main" id="{AD5258BE-956E-4D78-BAAF-C01B343A7EC1}"/>
+              </a:ext>
+            </a:extLst>
+          </p:cNvPr>
+          <p:cNvSpPr>
+            <a:spLocks noGrp="1"/>
+          </p:cNvSpPr>
+          <p:nvPr>
+            <p:ph type="title"/>
+          </p:nvPr>
+        </p:nvSpPr>
+        <p:spPr/>
+        <p:txBody>
+          <a:bodyPr/>
+          <a:lstStyle/>
+          <a:p>
+            <a:r>
+              <a:rPr lang="en-US" dirty="0"/>
+              <a:t>Conclusions &amp; recommendations</a:t>
+            </a:r>
+          </a:p>
+        </p:txBody>
+      </p:sp>
+      <p:sp>
+        <p:nvSpPr>
+          <p:cNvPr id="3" name="Content Placeholder 2">
+            <a:extLst>
+              <a:ext uri="{FF2B5EF4-FFF2-40B4-BE49-F238E27FC236}">
+                <a16:creationId xmlns:a16="http://schemas.microsoft.com/office/drawing/2014/main" id="{478289DB-7423-4EE5-8700-20723F703B9A}"/>
+              </a:ext>
+            </a:extLst>
+          </p:cNvPr>
+          <p:cNvSpPr>
+            <a:spLocks noGrp="1"/>
+          </p:cNvSpPr>
+          <p:nvPr>
+            <p:ph idx="1"/>
+          </p:nvPr>
+        </p:nvSpPr>
+        <p:spPr/>
+        <p:txBody>
+          <a:bodyPr/>
+          <a:lstStyle/>
+          <a:p>
+            <a:endParaRPr lang="en-US"/>
+          </a:p>
+        </p:txBody>
+      </p:sp>
+    </p:spTree>
+    <p:extLst>
+      <p:ext uri="{BB962C8B-B14F-4D97-AF65-F5344CB8AC3E}">
+        <p14:creationId xmlns:p14="http://schemas.microsoft.com/office/powerpoint/2010/main" val="3101492508"/>
+      </p:ext>
+    </p:extLst>
+  </p:cSld>
+  <p:clrMapOvr>
+    <a:masterClrMapping/>
+  </p:clrMapOvr>
+</p:sld>
+</file>
+
+<file path=ppt/slides/slide13.xml><?xml version="1.0" encoding="utf-8"?>
 <p:sld xmlns:a="http://schemas.openxmlformats.org/drawingml/2006/main" xmlns:r="http://schemas.openxmlformats.org/officeDocument/2006/relationships" xmlns:p="http://schemas.openxmlformats.org/presentationml/2006/main">
   <p:cSld>
     <p:spTree>
@@ -8693,7 +8792,7 @@
                     <a:p>
                       <a:pPr algn="r" fontAlgn="b"/>
                       <a:r>
-                        <a:rPr lang="en-US" sz="1100" b="1" i="0" u="none" strike="noStrike">
+                        <a:rPr lang="en-US" sz="1100" b="1" i="0" u="none" strike="noStrike" dirty="0">
                           <a:solidFill>
                             <a:srgbClr val="000000"/>
                           </a:solidFill>
@@ -9288,7 +9387,7 @@
                     <a:p>
                       <a:pPr algn="r" fontAlgn="b"/>
                       <a:r>
-                        <a:rPr lang="en-US" sz="1100" b="1" i="0" u="none" strike="noStrike">
+                        <a:rPr lang="en-US" sz="1100" b="1" i="0" u="none" strike="noStrike" dirty="0">
                           <a:solidFill>
                             <a:srgbClr val="000000"/>
                           </a:solidFill>
@@ -15588,7 +15687,7 @@
                   <a:srgbClr val="111111"/>
                 </a:solidFill>
               </a:rPr>
-              <a:t>Of the top three by Market Cap this analysis suggests that may be significantly overvalued compared to its’ peers in the pharmaceutical sector.</a:t>
+              <a:t>Of the top three by Market Cap this analysis suggests that LLY may be significantly overvalued compared to its’ peers in the pharmaceutical sector.</a:t>
             </a:r>
             <a:endParaRPr lang="en-US" sz="1600" dirty="0"/>
           </a:p>
@@ -15886,6 +15985,15 @@
 </file>
 
 <file path=customXml/item2.xml><?xml version="1.0" encoding="utf-8"?>
+<p:properties xmlns:p="http://schemas.microsoft.com/office/2006/metadata/properties" xmlns:xsi="http://www.w3.org/2001/XMLSchema-instance" xmlns:pc="http://schemas.microsoft.com/office/infopath/2007/PartnerControls">
+  <documentManagement>
+    <Status xmlns="71af3243-3dd4-4a8d-8c0d-dd76da1f02a5">Not started</Status>
+    <MediaServiceKeyPoints xmlns="71af3243-3dd4-4a8d-8c0d-dd76da1f02a5" xsi:nil="true"/>
+  </documentManagement>
+</p:properties>
+</file>
+
+<file path=customXml/item3.xml><?xml version="1.0" encoding="utf-8"?>
 <ct:contentTypeSchema xmlns:ct="http://schemas.microsoft.com/office/2006/metadata/contentType" xmlns:ma="http://schemas.microsoft.com/office/2006/metadata/properties/metaAttributes" ct:_="" ma:_="" ma:contentTypeName="Document" ma:contentTypeID="0x01010079F111ED35F8CC479449609E8A0923A6" ma:contentTypeVersion="12" ma:contentTypeDescription="Create a new document." ma:contentTypeScope="" ma:versionID="a410dd7f93c95333ffa1b60ed6adedd1">
   <xsd:schema xmlns:xsd="http://www.w3.org/2001/XMLSchema" xmlns:xs="http://www.w3.org/2001/XMLSchema" xmlns:p="http://schemas.microsoft.com/office/2006/metadata/properties" xmlns:ns2="71af3243-3dd4-4a8d-8c0d-dd76da1f02a5" xmlns:ns3="16c05727-aa75-4e4a-9b5f-8a80a1165891" targetNamespace="http://schemas.microsoft.com/office/2006/metadata/properties" ma:root="true" ma:fieldsID="a936d9baba76aa3866493feff160faab" ns2:_="" ns3:_="">
     <xsd:import namespace="71af3243-3dd4-4a8d-8c0d-dd76da1f02a5"/>
@@ -16106,15 +16214,6 @@
 </ct:contentTypeSchema>
 </file>
 
-<file path=customXml/item3.xml><?xml version="1.0" encoding="utf-8"?>
-<p:properties xmlns:p="http://schemas.microsoft.com/office/2006/metadata/properties" xmlns:xsi="http://www.w3.org/2001/XMLSchema-instance" xmlns:pc="http://schemas.microsoft.com/office/infopath/2007/PartnerControls">
-  <documentManagement>
-    <Status xmlns="71af3243-3dd4-4a8d-8c0d-dd76da1f02a5">Not started</Status>
-    <MediaServiceKeyPoints xmlns="71af3243-3dd4-4a8d-8c0d-dd76da1f02a5" xsi:nil="true"/>
-  </documentManagement>
-</p:properties>
-</file>
-
 <file path=customXml/itemProps1.xml><?xml version="1.0" encoding="utf-8"?>
 <ds:datastoreItem xmlns:ds="http://schemas.openxmlformats.org/officeDocument/2006/customXml" ds:itemID="{BB3242A4-1E6A-4E02-809C-4A24066EC01D}">
   <ds:schemaRefs>
@@ -16124,6 +16223,16 @@
 </file>
 
 <file path=customXml/itemProps2.xml><?xml version="1.0" encoding="utf-8"?>
+<ds:datastoreItem xmlns:ds="http://schemas.openxmlformats.org/officeDocument/2006/customXml" ds:itemID="{FBD2D995-20F0-4C14-BF62-1248AB4B484D}">
+  <ds:schemaRefs>
+    <ds:schemaRef ds:uri="http://schemas.microsoft.com/office/2006/metadata/properties"/>
+    <ds:schemaRef ds:uri="http://schemas.microsoft.com/office/infopath/2007/PartnerControls"/>
+    <ds:schemaRef ds:uri="71af3243-3dd4-4a8d-8c0d-dd76da1f02a5"/>
+  </ds:schemaRefs>
+</ds:datastoreItem>
+</file>
+
+<file path=customXml/itemProps3.xml><?xml version="1.0" encoding="utf-8"?>
 <ds:datastoreItem xmlns:ds="http://schemas.openxmlformats.org/officeDocument/2006/customXml" ds:itemID="{965255AC-12AC-4323-AA35-9BAC798B66BD}">
   <ds:schemaRefs>
     <ds:schemaRef ds:uri="http://schemas.microsoft.com/office/2006/metadata/contentType"/>
@@ -16140,14 +16249,4 @@
     <ds:schemaRef ds:uri="http://schemas.microsoft.com/internal/obd"/>
   </ds:schemaRefs>
 </ds:datastoreItem>
-</file>
-
-<file path=customXml/itemProps3.xml><?xml version="1.0" encoding="utf-8"?>
-<ds:datastoreItem xmlns:ds="http://schemas.openxmlformats.org/officeDocument/2006/customXml" ds:itemID="{FBD2D995-20F0-4C14-BF62-1248AB4B484D}">
-  <ds:schemaRefs>
-    <ds:schemaRef ds:uri="http://schemas.microsoft.com/office/2006/metadata/properties"/>
-    <ds:schemaRef ds:uri="http://schemas.microsoft.com/office/infopath/2007/PartnerControls"/>
-    <ds:schemaRef ds:uri="71af3243-3dd4-4a8d-8c0d-dd76da1f02a5"/>
-  </ds:schemaRefs>
-</ds:datastoreItem>
 </file>
--- a/Stock Market Analysis.pptx
+++ b/Stock Market Analysis.pptx
@@ -137,7 +137,7 @@
   <pc:docChgLst>
     <pc:chgData name="Gabriel Allen" userId="c7c74c84cd207ce6" providerId="LiveId" clId="{BD585F1B-4D9A-4C89-9F76-E500BE26A5CA}"/>
     <pc:docChg chg="undo redo custSel addSld delSld modSld sldOrd">
-      <pc:chgData name="Gabriel Allen" userId="c7c74c84cd207ce6" providerId="LiveId" clId="{BD585F1B-4D9A-4C89-9F76-E500BE26A5CA}" dt="2021-02-02T16:40:22.872" v="2485" actId="20577"/>
+      <pc:chgData name="Gabriel Allen" userId="c7c74c84cd207ce6" providerId="LiveId" clId="{BD585F1B-4D9A-4C89-9F76-E500BE26A5CA}" dt="2021-02-03T02:48:15.043" v="3429" actId="20577"/>
       <pc:docMkLst>
         <pc:docMk/>
       </pc:docMkLst>
@@ -424,7 +424,7 @@
         </pc:picChg>
       </pc:sldChg>
       <pc:sldChg chg="addSp delSp modSp new mod ord">
-        <pc:chgData name="Gabriel Allen" userId="c7c74c84cd207ce6" providerId="LiveId" clId="{BD585F1B-4D9A-4C89-9F76-E500BE26A5CA}" dt="2021-02-02T15:52:56.850" v="2383" actId="2711"/>
+        <pc:chgData name="Gabriel Allen" userId="c7c74c84cd207ce6" providerId="LiveId" clId="{BD585F1B-4D9A-4C89-9F76-E500BE26A5CA}" dt="2021-02-03T02:48:15.043" v="3429" actId="20577"/>
         <pc:sldMkLst>
           <pc:docMk/>
           <pc:sldMk cId="1366965708" sldId="296"/>
@@ -438,7 +438,7 @@
           </ac:spMkLst>
         </pc:spChg>
         <pc:spChg chg="mod">
-          <ac:chgData name="Gabriel Allen" userId="c7c74c84cd207ce6" providerId="LiveId" clId="{BD585F1B-4D9A-4C89-9F76-E500BE26A5CA}" dt="2021-02-02T15:52:56.850" v="2383" actId="2711"/>
+          <ac:chgData name="Gabriel Allen" userId="c7c74c84cd207ce6" providerId="LiveId" clId="{BD585F1B-4D9A-4C89-9F76-E500BE26A5CA}" dt="2021-02-03T02:48:15.043" v="3429" actId="20577"/>
           <ac:spMkLst>
             <pc:docMk/>
             <pc:sldMk cId="1366965708" sldId="296"/>
@@ -573,7 +573,7 @@
         </pc:picChg>
       </pc:sldChg>
       <pc:sldChg chg="addSp delSp modSp new mod">
-        <pc:chgData name="Gabriel Allen" userId="c7c74c84cd207ce6" providerId="LiveId" clId="{BD585F1B-4D9A-4C89-9F76-E500BE26A5CA}" dt="2021-02-01T22:19:44.533" v="2167" actId="5793"/>
+        <pc:chgData name="Gabriel Allen" userId="c7c74c84cd207ce6" providerId="LiveId" clId="{BD585F1B-4D9A-4C89-9F76-E500BE26A5CA}" dt="2021-02-03T02:40:17.802" v="3273" actId="20577"/>
         <pc:sldMkLst>
           <pc:docMk/>
           <pc:sldMk cId="3823512350" sldId="299"/>
@@ -635,7 +635,7 @@
           </ac:spMkLst>
         </pc:spChg>
         <pc:spChg chg="add mod">
-          <ac:chgData name="Gabriel Allen" userId="c7c74c84cd207ce6" providerId="LiveId" clId="{BD585F1B-4D9A-4C89-9F76-E500BE26A5CA}" dt="2021-02-01T22:19:44.533" v="2167" actId="5793"/>
+          <ac:chgData name="Gabriel Allen" userId="c7c74c84cd207ce6" providerId="LiveId" clId="{BD585F1B-4D9A-4C89-9F76-E500BE26A5CA}" dt="2021-02-03T02:40:17.802" v="3273" actId="20577"/>
           <ac:spMkLst>
             <pc:docMk/>
             <pc:sldMk cId="3823512350" sldId="299"/>
@@ -713,7 +713,7 @@
         </pc:sldMkLst>
       </pc:sldChg>
       <pc:sldChg chg="modSp new mod">
-        <pc:chgData name="Gabriel Allen" userId="c7c74c84cd207ce6" providerId="LiveId" clId="{BD585F1B-4D9A-4C89-9F76-E500BE26A5CA}" dt="2021-02-02T16:40:22.872" v="2485" actId="20577"/>
+        <pc:chgData name="Gabriel Allen" userId="c7c74c84cd207ce6" providerId="LiveId" clId="{BD585F1B-4D9A-4C89-9F76-E500BE26A5CA}" dt="2021-02-03T02:46:22.826" v="3388" actId="20577"/>
         <pc:sldMkLst>
           <pc:docMk/>
           <pc:sldMk cId="3101492508" sldId="302"/>
@@ -724,6 +724,14 @@
             <pc:docMk/>
             <pc:sldMk cId="3101492508" sldId="302"/>
             <ac:spMk id="2" creationId="{AD5258BE-956E-4D78-BAAF-C01B343A7EC1}"/>
+          </ac:spMkLst>
+        </pc:spChg>
+        <pc:spChg chg="mod">
+          <ac:chgData name="Gabriel Allen" userId="c7c74c84cd207ce6" providerId="LiveId" clId="{BD585F1B-4D9A-4C89-9F76-E500BE26A5CA}" dt="2021-02-03T02:46:22.826" v="3388" actId="20577"/>
+          <ac:spMkLst>
+            <pc:docMk/>
+            <pc:sldMk cId="3101492508" sldId="302"/>
+            <ac:spMk id="3" creationId="{478289DB-7423-4EE5-8700-20723F703B9A}"/>
           </ac:spMkLst>
         </pc:spChg>
       </pc:sldChg>
@@ -5853,7 +5861,7 @@
                     <a:p>
                       <a:pPr algn="r" rtl="0" fontAlgn="b"/>
                       <a:r>
-                        <a:rPr lang="en-US" sz="1400" b="1" i="0" u="none" strike="noStrike">
+                        <a:rPr lang="en-US" sz="1400" b="1" i="0" u="none" strike="noStrike" dirty="0">
                           <a:solidFill>
                             <a:srgbClr val="000000"/>
                           </a:solidFill>
@@ -5913,7 +5921,7 @@
                     <a:p>
                       <a:pPr algn="r" rtl="0" fontAlgn="b"/>
                       <a:r>
-                        <a:rPr lang="en-US" sz="1400" b="1" i="0" u="none" strike="noStrike">
+                        <a:rPr lang="en-US" sz="1400" b="1" i="0" u="none" strike="noStrike" dirty="0">
                           <a:solidFill>
                             <a:srgbClr val="000000"/>
                           </a:solidFill>
@@ -5973,7 +5981,7 @@
                     <a:p>
                       <a:pPr algn="r" rtl="0" fontAlgn="b"/>
                       <a:r>
-                        <a:rPr lang="en-US" sz="1400" b="1" i="0" u="none" strike="noStrike">
+                        <a:rPr lang="en-US" sz="1400" b="1" i="0" u="none" strike="noStrike" dirty="0">
                           <a:solidFill>
                             <a:srgbClr val="000000"/>
                           </a:solidFill>
@@ -6033,7 +6041,7 @@
                     <a:p>
                       <a:pPr algn="r" rtl="0" fontAlgn="b"/>
                       <a:r>
-                        <a:rPr lang="en-US" sz="1400" b="1" i="0" u="none" strike="noStrike">
+                        <a:rPr lang="en-US" sz="1400" b="1" i="0" u="none" strike="noStrike" dirty="0">
                           <a:solidFill>
                             <a:srgbClr val="000000"/>
                           </a:solidFill>
@@ -6093,7 +6101,7 @@
                     <a:p>
                       <a:pPr algn="r" rtl="0" fontAlgn="b"/>
                       <a:r>
-                        <a:rPr lang="en-US" sz="1400" b="1" i="0" u="none" strike="noStrike">
+                        <a:rPr lang="en-US" sz="1400" b="1" i="0" u="none" strike="noStrike" dirty="0">
                           <a:solidFill>
                             <a:srgbClr val="000000"/>
                           </a:solidFill>
@@ -7197,7 +7205,42 @@
           <a:bodyPr/>
           <a:lstStyle/>
           <a:p>
-            <a:endParaRPr lang="en-US"/>
+            <a:r>
+              <a:rPr lang="en-US" dirty="0"/>
+              <a:t>Johnson &amp; Johnson (JNJ) while very healthy in terms of presented metrics, may be price prohibitive to retail investors.</a:t>
+            </a:r>
+          </a:p>
+          <a:p>
+            <a:r>
+              <a:rPr lang="en-US" dirty="0"/>
+              <a:t>Pfizer Inc. (PFE) while growth prospects appear small, low entry price and high dividend yield may be more palatable for investors seeking cash flow from dividends. Current vaccine production does not appear to be priced in.</a:t>
+            </a:r>
+          </a:p>
+          <a:p>
+            <a:pPr lvl="1"/>
+            <a:r>
+              <a:rPr lang="en-US" dirty="0"/>
+              <a:t>Recommend deeper investigation into PFE financials.</a:t>
+            </a:r>
+          </a:p>
+          <a:p>
+            <a:r>
+              <a:rPr lang="en-US" dirty="0"/>
+              <a:t>Eli Lilly &amp; Co (LLY) highest price per share and PB ratio compared to sector is quite high at ~37x vs ~7x. Market does expect higher growth from (LLY), but we feel this is overpriced into the stock.</a:t>
+            </a:r>
+          </a:p>
+          <a:p>
+            <a:pPr lvl="1"/>
+            <a:r>
+              <a:rPr lang="en-US" dirty="0"/>
+              <a:t>Recommend thorough review of M&amp;A activity with any additional financial assessment.</a:t>
+            </a:r>
+          </a:p>
+          <a:p>
+            <a:pPr marL="0" indent="0">
+              <a:buNone/>
+            </a:pPr>
+            <a:endParaRPr lang="en-US" dirty="0"/>
           </a:p>
         </p:txBody>
       </p:sp>
@@ -7586,7 +7629,7 @@
         </p:spPr>
         <p:txBody>
           <a:bodyPr>
-            <a:normAutofit fontScale="70000" lnSpcReduction="20000"/>
+            <a:normAutofit fontScale="62500" lnSpcReduction="20000"/>
           </a:bodyPr>
           <a:lstStyle/>
           <a:p>
@@ -7664,13 +7707,31 @@
                 </a:solidFill>
                 <a:effectLst/>
               </a:rPr>
-              <a:t>﻿ All statistics in the tables below are as of December 3.</a:t>
+              <a:t>﻿ All statistics in the tables below are as of February 1</a:t>
+            </a:r>
+            <a:r>
+              <a:rPr lang="en-US" i="0" baseline="30000" dirty="0">
+                <a:solidFill>
+                  <a:srgbClr val="111111"/>
+                </a:solidFill>
+                <a:effectLst/>
+              </a:rPr>
+              <a:t>st</a:t>
+            </a:r>
+            <a:r>
+              <a:rPr lang="en-US" i="0" dirty="0">
+                <a:solidFill>
+                  <a:srgbClr val="111111"/>
+                </a:solidFill>
+                <a:effectLst/>
+              </a:rPr>
+              <a:t>, 2021.</a:t>
             </a:r>
           </a:p>
           <a:p>
             <a:r>
               <a:rPr lang="en-US" dirty="0"/>
-              <a:t>This analysis evaluates the top ten pharmaceutical stocks within the S&amp;P 500, draws conclusions and makes recommendations based on available data. </a:t>
+              <a:t>This analysis evaluates the top ten S&amp;P 500 pharmaceutical stocks with focus on the top three by Market Cap, draws conclusions and makes recommendations based on available data. </a:t>
             </a:r>
           </a:p>
         </p:txBody>
@@ -14519,7 +14580,7 @@
             </a:pPr>
             <a:r>
               <a:rPr lang="en-US" b="0" dirty="0"/>
-              <a:t>Clear sector leader with close to a third of market share by capital.</a:t>
+              <a:t>Clear sector leader with close to a third of market share by Market Cap.</a:t>
             </a:r>
           </a:p>
           <a:p>
@@ -14533,7 +14594,7 @@
             </a:pPr>
             <a:r>
               <a:rPr lang="en-US" b="0" dirty="0"/>
-              <a:t>More than half of remaining market</a:t>
+              <a:t>More than half of remaining market:</a:t>
             </a:r>
           </a:p>
           <a:p>
@@ -15985,15 +16046,6 @@
 </file>
 
 <file path=customXml/item2.xml><?xml version="1.0" encoding="utf-8"?>
-<p:properties xmlns:p="http://schemas.microsoft.com/office/2006/metadata/properties" xmlns:xsi="http://www.w3.org/2001/XMLSchema-instance" xmlns:pc="http://schemas.microsoft.com/office/infopath/2007/PartnerControls">
-  <documentManagement>
-    <Status xmlns="71af3243-3dd4-4a8d-8c0d-dd76da1f02a5">Not started</Status>
-    <MediaServiceKeyPoints xmlns="71af3243-3dd4-4a8d-8c0d-dd76da1f02a5" xsi:nil="true"/>
-  </documentManagement>
-</p:properties>
-</file>
-
-<file path=customXml/item3.xml><?xml version="1.0" encoding="utf-8"?>
 <ct:contentTypeSchema xmlns:ct="http://schemas.microsoft.com/office/2006/metadata/contentType" xmlns:ma="http://schemas.microsoft.com/office/2006/metadata/properties/metaAttributes" ct:_="" ma:_="" ma:contentTypeName="Document" ma:contentTypeID="0x01010079F111ED35F8CC479449609E8A0923A6" ma:contentTypeVersion="12" ma:contentTypeDescription="Create a new document." ma:contentTypeScope="" ma:versionID="a410dd7f93c95333ffa1b60ed6adedd1">
   <xsd:schema xmlns:xsd="http://www.w3.org/2001/XMLSchema" xmlns:xs="http://www.w3.org/2001/XMLSchema" xmlns:p="http://schemas.microsoft.com/office/2006/metadata/properties" xmlns:ns2="71af3243-3dd4-4a8d-8c0d-dd76da1f02a5" xmlns:ns3="16c05727-aa75-4e4a-9b5f-8a80a1165891" targetNamespace="http://schemas.microsoft.com/office/2006/metadata/properties" ma:root="true" ma:fieldsID="a936d9baba76aa3866493feff160faab" ns2:_="" ns3:_="">
     <xsd:import namespace="71af3243-3dd4-4a8d-8c0d-dd76da1f02a5"/>
@@ -16214,6 +16266,15 @@
 </ct:contentTypeSchema>
 </file>
 
+<file path=customXml/item3.xml><?xml version="1.0" encoding="utf-8"?>
+<p:properties xmlns:p="http://schemas.microsoft.com/office/2006/metadata/properties" xmlns:xsi="http://www.w3.org/2001/XMLSchema-instance" xmlns:pc="http://schemas.microsoft.com/office/infopath/2007/PartnerControls">
+  <documentManagement>
+    <Status xmlns="71af3243-3dd4-4a8d-8c0d-dd76da1f02a5">Not started</Status>
+    <MediaServiceKeyPoints xmlns="71af3243-3dd4-4a8d-8c0d-dd76da1f02a5" xsi:nil="true"/>
+  </documentManagement>
+</p:properties>
+</file>
+
 <file path=customXml/itemProps1.xml><?xml version="1.0" encoding="utf-8"?>
 <ds:datastoreItem xmlns:ds="http://schemas.openxmlformats.org/officeDocument/2006/customXml" ds:itemID="{BB3242A4-1E6A-4E02-809C-4A24066EC01D}">
   <ds:schemaRefs>
@@ -16223,16 +16284,6 @@
 </file>
 
 <file path=customXml/itemProps2.xml><?xml version="1.0" encoding="utf-8"?>
-<ds:datastoreItem xmlns:ds="http://schemas.openxmlformats.org/officeDocument/2006/customXml" ds:itemID="{FBD2D995-20F0-4C14-BF62-1248AB4B484D}">
-  <ds:schemaRefs>
-    <ds:schemaRef ds:uri="http://schemas.microsoft.com/office/2006/metadata/properties"/>
-    <ds:schemaRef ds:uri="http://schemas.microsoft.com/office/infopath/2007/PartnerControls"/>
-    <ds:schemaRef ds:uri="71af3243-3dd4-4a8d-8c0d-dd76da1f02a5"/>
-  </ds:schemaRefs>
-</ds:datastoreItem>
-</file>
-
-<file path=customXml/itemProps3.xml><?xml version="1.0" encoding="utf-8"?>
 <ds:datastoreItem xmlns:ds="http://schemas.openxmlformats.org/officeDocument/2006/customXml" ds:itemID="{965255AC-12AC-4323-AA35-9BAC798B66BD}">
   <ds:schemaRefs>
     <ds:schemaRef ds:uri="http://schemas.microsoft.com/office/2006/metadata/contentType"/>
@@ -16249,4 +16300,14 @@
     <ds:schemaRef ds:uri="http://schemas.microsoft.com/internal/obd"/>
   </ds:schemaRefs>
 </ds:datastoreItem>
+</file>
+
+<file path=customXml/itemProps3.xml><?xml version="1.0" encoding="utf-8"?>
+<ds:datastoreItem xmlns:ds="http://schemas.openxmlformats.org/officeDocument/2006/customXml" ds:itemID="{FBD2D995-20F0-4C14-BF62-1248AB4B484D}">
+  <ds:schemaRefs>
+    <ds:schemaRef ds:uri="http://schemas.microsoft.com/office/2006/metadata/properties"/>
+    <ds:schemaRef ds:uri="http://schemas.microsoft.com/office/infopath/2007/PartnerControls"/>
+    <ds:schemaRef ds:uri="71af3243-3dd4-4a8d-8c0d-dd76da1f02a5"/>
+  </ds:schemaRefs>
+</ds:datastoreItem>
 </file>
--- a/Stock Market Analysis.pptx
+++ b/Stock Market Analysis.pptx
@@ -127,7 +127,7 @@
 <file path=ppt/revisionInfo.xml><?xml version="1.0" encoding="utf-8"?>
 <p1510:revInfo xmlns:a="http://schemas.openxmlformats.org/drawingml/2006/main" xmlns:r="http://schemas.openxmlformats.org/officeDocument/2006/relationships" xmlns:p1510="http://schemas.microsoft.com/office/powerpoint/2015/10/main">
   <p1510:revLst>
-    <p1510:client id="{BD585F1B-4D9A-4C89-9F76-E500BE26A5CA}" v="27" dt="2021-02-02T16:05:41.011"/>
+    <p1510:client id="{BD585F1B-4D9A-4C89-9F76-E500BE26A5CA}" v="34" dt="2021-02-03T08:08:03.633"/>
   </p1510:revLst>
 </p1510:revInfo>
 </file>
@@ -137,7 +137,7 @@
   <pc:docChgLst>
     <pc:chgData name="Gabriel Allen" userId="c7c74c84cd207ce6" providerId="LiveId" clId="{BD585F1B-4D9A-4C89-9F76-E500BE26A5CA}"/>
     <pc:docChg chg="undo redo custSel addSld delSld modSld sldOrd">
-      <pc:chgData name="Gabriel Allen" userId="c7c74c84cd207ce6" providerId="LiveId" clId="{BD585F1B-4D9A-4C89-9F76-E500BE26A5CA}" dt="2021-02-03T02:48:15.043" v="3429" actId="20577"/>
+      <pc:chgData name="Gabriel Allen" userId="c7c74c84cd207ce6" providerId="LiveId" clId="{BD585F1B-4D9A-4C89-9F76-E500BE26A5CA}" dt="2021-02-03T08:08:34.042" v="3482" actId="14100"/>
       <pc:docMkLst>
         <pc:docMk/>
       </pc:docMkLst>
@@ -164,7 +164,7 @@
         </pc:spChg>
       </pc:sldChg>
       <pc:sldChg chg="addSp delSp modSp mod">
-        <pc:chgData name="Gabriel Allen" userId="c7c74c84cd207ce6" providerId="LiveId" clId="{BD585F1B-4D9A-4C89-9F76-E500BE26A5CA}" dt="2021-02-01T21:47:34.791" v="1316" actId="20577"/>
+        <pc:chgData name="Gabriel Allen" userId="c7c74c84cd207ce6" providerId="LiveId" clId="{BD585F1B-4D9A-4C89-9F76-E500BE26A5CA}" dt="2021-02-03T08:05:37.790" v="3453" actId="1076"/>
         <pc:sldMkLst>
           <pc:docMk/>
           <pc:sldMk cId="3753231580" sldId="292"/>
@@ -210,7 +210,15 @@
           </ac:spMkLst>
         </pc:spChg>
         <pc:picChg chg="add mod">
-          <ac:chgData name="Gabriel Allen" userId="c7c74c84cd207ce6" providerId="LiveId" clId="{BD585F1B-4D9A-4C89-9F76-E500BE26A5CA}" dt="2021-02-01T21:39:16.643" v="868" actId="1076"/>
+          <ac:chgData name="Gabriel Allen" userId="c7c74c84cd207ce6" providerId="LiveId" clId="{BD585F1B-4D9A-4C89-9F76-E500BE26A5CA}" dt="2021-02-03T08:05:37.790" v="3453" actId="1076"/>
+          <ac:picMkLst>
+            <pc:docMk/>
+            <pc:sldMk cId="3753231580" sldId="292"/>
+            <ac:picMk id="7" creationId="{10A201CB-22B4-47D6-84A2-E733E50A0D61}"/>
+          </ac:picMkLst>
+        </pc:picChg>
+        <pc:picChg chg="add del mod">
+          <ac:chgData name="Gabriel Allen" userId="c7c74c84cd207ce6" providerId="LiveId" clId="{BD585F1B-4D9A-4C89-9F76-E500BE26A5CA}" dt="2021-02-03T08:05:22.604" v="3449" actId="478"/>
           <ac:picMkLst>
             <pc:docMk/>
             <pc:sldMk cId="3753231580" sldId="292"/>
@@ -219,7 +227,7 @@
         </pc:picChg>
       </pc:sldChg>
       <pc:sldChg chg="addSp delSp modSp mod">
-        <pc:chgData name="Gabriel Allen" userId="c7c74c84cd207ce6" providerId="LiveId" clId="{BD585F1B-4D9A-4C89-9F76-E500BE26A5CA}" dt="2021-02-02T16:05:55.064" v="2392" actId="1076"/>
+        <pc:chgData name="Gabriel Allen" userId="c7c74c84cd207ce6" providerId="LiveId" clId="{BD585F1B-4D9A-4C89-9F76-E500BE26A5CA}" dt="2021-02-03T08:03:50.810" v="3442" actId="20577"/>
         <pc:sldMkLst>
           <pc:docMk/>
           <pc:sldMk cId="2890125927" sldId="293"/>
@@ -249,7 +257,7 @@
           </ac:spMkLst>
         </pc:spChg>
         <pc:spChg chg="mod">
-          <ac:chgData name="Gabriel Allen" userId="c7c74c84cd207ce6" providerId="LiveId" clId="{BD585F1B-4D9A-4C89-9F76-E500BE26A5CA}" dt="2021-02-01T21:51:49.756" v="1374" actId="20577"/>
+          <ac:chgData name="Gabriel Allen" userId="c7c74c84cd207ce6" providerId="LiveId" clId="{BD585F1B-4D9A-4C89-9F76-E500BE26A5CA}" dt="2021-02-03T08:03:50.810" v="3442" actId="20577"/>
           <ac:spMkLst>
             <pc:docMk/>
             <pc:sldMk cId="2890125927" sldId="293"/>
@@ -264,6 +272,14 @@
             <ac:spMk id="6" creationId="{E5E44DBC-349B-4F3A-9D61-048D4B249052}"/>
           </ac:spMkLst>
         </pc:spChg>
+        <pc:spChg chg="add del mod">
+          <ac:chgData name="Gabriel Allen" userId="c7c74c84cd207ce6" providerId="LiveId" clId="{BD585F1B-4D9A-4C89-9F76-E500BE26A5CA}" dt="2021-02-03T08:03:24.022" v="3431"/>
+          <ac:spMkLst>
+            <pc:docMk/>
+            <pc:sldMk cId="2890125927" sldId="293"/>
+            <ac:spMk id="7" creationId="{B23A6B20-E3CD-4725-807C-7FC50F9E858D}"/>
+          </ac:spMkLst>
+        </pc:spChg>
         <pc:picChg chg="add mod">
           <ac:chgData name="Gabriel Allen" userId="c7c74c84cd207ce6" providerId="LiveId" clId="{BD585F1B-4D9A-4C89-9F76-E500BE26A5CA}" dt="2021-02-02T16:05:55.064" v="2392" actId="1076"/>
           <ac:picMkLst>
@@ -272,12 +288,20 @@
             <ac:picMk id="6" creationId="{5BEC89EF-6A84-48B9-9A12-99444A63933F}"/>
           </ac:picMkLst>
         </pc:picChg>
-        <pc:picChg chg="add mod">
-          <ac:chgData name="Gabriel Allen" userId="c7c74c84cd207ce6" providerId="LiveId" clId="{BD585F1B-4D9A-4C89-9F76-E500BE26A5CA}" dt="2021-02-01T21:49:27.520" v="1372" actId="1076"/>
+        <pc:picChg chg="add del mod">
+          <ac:chgData name="Gabriel Allen" userId="c7c74c84cd207ce6" providerId="LiveId" clId="{BD585F1B-4D9A-4C89-9F76-E500BE26A5CA}" dt="2021-02-03T08:03:22.176" v="3430" actId="478"/>
           <ac:picMkLst>
             <pc:docMk/>
             <pc:sldMk cId="2890125927" sldId="293"/>
             <ac:picMk id="8" creationId="{A63B1649-E9ED-427B-8258-F8A65F73F5D1}"/>
+          </ac:picMkLst>
+        </pc:picChg>
+        <pc:picChg chg="add mod">
+          <ac:chgData name="Gabriel Allen" userId="c7c74c84cd207ce6" providerId="LiveId" clId="{BD585F1B-4D9A-4C89-9F76-E500BE26A5CA}" dt="2021-02-03T08:03:31.404" v="3435" actId="14100"/>
+          <ac:picMkLst>
+            <pc:docMk/>
+            <pc:sldMk cId="2890125927" sldId="293"/>
+            <ac:picMk id="10" creationId="{B9FA0947-7578-4A24-A81E-7EB93124D656}"/>
           </ac:picMkLst>
         </pc:picChg>
         <pc:picChg chg="add del mod">
@@ -290,7 +314,7 @@
         </pc:picChg>
       </pc:sldChg>
       <pc:sldChg chg="addSp delSp modSp mod">
-        <pc:chgData name="Gabriel Allen" userId="c7c74c84cd207ce6" providerId="LiveId" clId="{BD585F1B-4D9A-4C89-9F76-E500BE26A5CA}" dt="2021-02-01T22:20:23.772" v="2169" actId="20577"/>
+        <pc:chgData name="Gabriel Allen" userId="c7c74c84cd207ce6" providerId="LiveId" clId="{BD585F1B-4D9A-4C89-9F76-E500BE26A5CA}" dt="2021-02-03T08:06:12.159" v="3459" actId="14100"/>
         <pc:sldMkLst>
           <pc:docMk/>
           <pc:sldMk cId="419171682" sldId="294"/>
@@ -327,6 +351,14 @@
             <ac:spMk id="5" creationId="{277BF579-D39A-49A4-A3C0-B44C7964D01C}"/>
           </ac:spMkLst>
         </pc:spChg>
+        <pc:spChg chg="add del mod">
+          <ac:chgData name="Gabriel Allen" userId="c7c74c84cd207ce6" providerId="LiveId" clId="{BD585F1B-4D9A-4C89-9F76-E500BE26A5CA}" dt="2021-02-03T08:06:04.201" v="3455"/>
+          <ac:spMkLst>
+            <pc:docMk/>
+            <pc:sldMk cId="419171682" sldId="294"/>
+            <ac:spMk id="6" creationId="{480C28F7-D5A4-4AB5-8353-56DDFACEF538}"/>
+          </ac:spMkLst>
+        </pc:spChg>
         <pc:spChg chg="del">
           <ac:chgData name="Gabriel Allen" userId="c7c74c84cd207ce6" providerId="LiveId" clId="{BD585F1B-4D9A-4C89-9F76-E500BE26A5CA}" dt="2021-02-01T21:54:47.806" v="1479" actId="478"/>
           <ac:spMkLst>
@@ -351,17 +383,25 @@
             <ac:spMk id="10" creationId="{86F3628C-BF4C-48E9-A183-2CB4EB92A95D}"/>
           </ac:spMkLst>
         </pc:spChg>
-        <pc:picChg chg="add mod">
-          <ac:chgData name="Gabriel Allen" userId="c7c74c84cd207ce6" providerId="LiveId" clId="{BD585F1B-4D9A-4C89-9F76-E500BE26A5CA}" dt="2021-02-01T22:13:32.395" v="1952" actId="1076"/>
+        <pc:picChg chg="add del mod">
+          <ac:chgData name="Gabriel Allen" userId="c7c74c84cd207ce6" providerId="LiveId" clId="{BD585F1B-4D9A-4C89-9F76-E500BE26A5CA}" dt="2021-02-03T08:05:50.340" v="3454" actId="478"/>
           <ac:picMkLst>
             <pc:docMk/>
             <pc:sldMk cId="419171682" sldId="294"/>
             <ac:picMk id="8" creationId="{A20A0B50-A200-4321-8C39-A1ECE85FDDF3}"/>
           </ac:picMkLst>
         </pc:picChg>
+        <pc:picChg chg="add mod">
+          <ac:chgData name="Gabriel Allen" userId="c7c74c84cd207ce6" providerId="LiveId" clId="{BD585F1B-4D9A-4C89-9F76-E500BE26A5CA}" dt="2021-02-03T08:06:12.159" v="3459" actId="14100"/>
+          <ac:picMkLst>
+            <pc:docMk/>
+            <pc:sldMk cId="419171682" sldId="294"/>
+            <ac:picMk id="9" creationId="{F1428042-1501-4C02-A667-054E06104932}"/>
+          </ac:picMkLst>
+        </pc:picChg>
       </pc:sldChg>
       <pc:sldChg chg="addSp delSp modSp mod">
-        <pc:chgData name="Gabriel Allen" userId="c7c74c84cd207ce6" providerId="LiveId" clId="{BD585F1B-4D9A-4C89-9F76-E500BE26A5CA}" dt="2021-02-01T22:11:01.588" v="1906" actId="255"/>
+        <pc:chgData name="Gabriel Allen" userId="c7c74c84cd207ce6" providerId="LiveId" clId="{BD585F1B-4D9A-4C89-9F76-E500BE26A5CA}" dt="2021-02-03T08:06:47.869" v="3465" actId="14100"/>
         <pc:sldMkLst>
           <pc:docMk/>
           <pc:sldMk cId="1180807818" sldId="295"/>
@@ -398,6 +438,14 @@
             <ac:spMk id="5" creationId="{369DC7EE-80BE-464D-A39A-570C8B6AAC6D}"/>
           </ac:spMkLst>
         </pc:spChg>
+        <pc:spChg chg="add del mod">
+          <ac:chgData name="Gabriel Allen" userId="c7c74c84cd207ce6" providerId="LiveId" clId="{BD585F1B-4D9A-4C89-9F76-E500BE26A5CA}" dt="2021-02-03T08:06:37.198" v="3461"/>
+          <ac:spMkLst>
+            <pc:docMk/>
+            <pc:sldMk cId="1180807818" sldId="295"/>
+            <ac:spMk id="6" creationId="{366E8C18-1B0A-455F-B4A1-C073CEC801CA}"/>
+          </ac:spMkLst>
+        </pc:spChg>
         <pc:spChg chg="del">
           <ac:chgData name="Gabriel Allen" userId="c7c74c84cd207ce6" providerId="LiveId" clId="{BD585F1B-4D9A-4C89-9F76-E500BE26A5CA}" dt="2021-02-01T22:06:37.591" v="1703" actId="478"/>
           <ac:spMkLst>
@@ -414,23 +462,31 @@
             <ac:spMk id="9" creationId="{6AE4F4BB-127C-42EB-A35D-C18FE253DA78}"/>
           </ac:spMkLst>
         </pc:spChg>
-        <pc:picChg chg="add mod">
-          <ac:chgData name="Gabriel Allen" userId="c7c74c84cd207ce6" providerId="LiveId" clId="{BD585F1B-4D9A-4C89-9F76-E500BE26A5CA}" dt="2021-02-01T22:07:27.291" v="1761" actId="1076"/>
+        <pc:picChg chg="add del mod">
+          <ac:chgData name="Gabriel Allen" userId="c7c74c84cd207ce6" providerId="LiveId" clId="{BD585F1B-4D9A-4C89-9F76-E500BE26A5CA}" dt="2021-02-03T08:06:26.749" v="3460" actId="478"/>
           <ac:picMkLst>
             <pc:docMk/>
             <pc:sldMk cId="1180807818" sldId="295"/>
             <ac:picMk id="8" creationId="{B8EFC7A4-B5C4-416B-9A96-92D958CFEB0A}"/>
           </ac:picMkLst>
         </pc:picChg>
+        <pc:picChg chg="add mod">
+          <ac:chgData name="Gabriel Allen" userId="c7c74c84cd207ce6" providerId="LiveId" clId="{BD585F1B-4D9A-4C89-9F76-E500BE26A5CA}" dt="2021-02-03T08:06:47.869" v="3465" actId="14100"/>
+          <ac:picMkLst>
+            <pc:docMk/>
+            <pc:sldMk cId="1180807818" sldId="295"/>
+            <ac:picMk id="10" creationId="{B3DB8E6C-BEBF-49D8-A9C0-358FB696FB49}"/>
+          </ac:picMkLst>
+        </pc:picChg>
       </pc:sldChg>
-      <pc:sldChg chg="addSp delSp modSp new mod ord">
-        <pc:chgData name="Gabriel Allen" userId="c7c74c84cd207ce6" providerId="LiveId" clId="{BD585F1B-4D9A-4C89-9F76-E500BE26A5CA}" dt="2021-02-03T02:48:15.043" v="3429" actId="20577"/>
+      <pc:sldChg chg="addSp delSp modSp new mod ord setBg">
+        <pc:chgData name="Gabriel Allen" userId="c7c74c84cd207ce6" providerId="LiveId" clId="{BD585F1B-4D9A-4C89-9F76-E500BE26A5CA}" dt="2021-02-03T08:05:04.772" v="3448" actId="26606"/>
         <pc:sldMkLst>
           <pc:docMk/>
           <pc:sldMk cId="1366965708" sldId="296"/>
         </pc:sldMkLst>
         <pc:spChg chg="mod">
-          <ac:chgData name="Gabriel Allen" userId="c7c74c84cd207ce6" providerId="LiveId" clId="{BD585F1B-4D9A-4C89-9F76-E500BE26A5CA}" dt="2021-02-01T21:04:27.960" v="21" actId="20577"/>
+          <ac:chgData name="Gabriel Allen" userId="c7c74c84cd207ce6" providerId="LiveId" clId="{BD585F1B-4D9A-4C89-9F76-E500BE26A5CA}" dt="2021-02-03T08:05:04.772" v="3448" actId="26606"/>
           <ac:spMkLst>
             <pc:docMk/>
             <pc:sldMk cId="1366965708" sldId="296"/>
@@ -438,11 +494,43 @@
           </ac:spMkLst>
         </pc:spChg>
         <pc:spChg chg="mod">
-          <ac:chgData name="Gabriel Allen" userId="c7c74c84cd207ce6" providerId="LiveId" clId="{BD585F1B-4D9A-4C89-9F76-E500BE26A5CA}" dt="2021-02-03T02:48:15.043" v="3429" actId="20577"/>
+          <ac:chgData name="Gabriel Allen" userId="c7c74c84cd207ce6" providerId="LiveId" clId="{BD585F1B-4D9A-4C89-9F76-E500BE26A5CA}" dt="2021-02-03T08:05:04.772" v="3448" actId="26606"/>
           <ac:spMkLst>
             <pc:docMk/>
             <pc:sldMk cId="1366965708" sldId="296"/>
             <ac:spMk id="3" creationId="{1475A4BD-6E36-4AB7-838E-6F0C1B40D657}"/>
+          </ac:spMkLst>
+        </pc:spChg>
+        <pc:spChg chg="add">
+          <ac:chgData name="Gabriel Allen" userId="c7c74c84cd207ce6" providerId="LiveId" clId="{BD585F1B-4D9A-4C89-9F76-E500BE26A5CA}" dt="2021-02-03T08:05:04.772" v="3448" actId="26606"/>
+          <ac:spMkLst>
+            <pc:docMk/>
+            <pc:sldMk cId="1366965708" sldId="296"/>
+            <ac:spMk id="10" creationId="{F875149D-F692-45DA-8324-D5E0193D5FC4}"/>
+          </ac:spMkLst>
+        </pc:spChg>
+        <pc:spChg chg="add">
+          <ac:chgData name="Gabriel Allen" userId="c7c74c84cd207ce6" providerId="LiveId" clId="{BD585F1B-4D9A-4C89-9F76-E500BE26A5CA}" dt="2021-02-03T08:05:04.772" v="3448" actId="26606"/>
+          <ac:spMkLst>
+            <pc:docMk/>
+            <pc:sldMk cId="1366965708" sldId="296"/>
+            <ac:spMk id="12" creationId="{C0B19935-C760-4698-9DD1-973C8A428D26}"/>
+          </ac:spMkLst>
+        </pc:spChg>
+        <pc:spChg chg="add">
+          <ac:chgData name="Gabriel Allen" userId="c7c74c84cd207ce6" providerId="LiveId" clId="{BD585F1B-4D9A-4C89-9F76-E500BE26A5CA}" dt="2021-02-03T08:05:04.772" v="3448" actId="26606"/>
+          <ac:spMkLst>
+            <pc:docMk/>
+            <pc:sldMk cId="1366965708" sldId="296"/>
+            <ac:spMk id="14" creationId="{08990612-E008-4F02-AEBB-B140BE753558}"/>
+          </ac:spMkLst>
+        </pc:spChg>
+        <pc:spChg chg="add">
+          <ac:chgData name="Gabriel Allen" userId="c7c74c84cd207ce6" providerId="LiveId" clId="{BD585F1B-4D9A-4C89-9F76-E500BE26A5CA}" dt="2021-02-03T08:05:04.772" v="3448" actId="26606"/>
+          <ac:spMkLst>
+            <pc:docMk/>
+            <pc:sldMk cId="1366965708" sldId="296"/>
+            <ac:spMk id="16" creationId="{A310A41F-3A14-4150-B6CF-0A577DDDEAD2}"/>
           </ac:spMkLst>
         </pc:spChg>
         <pc:graphicFrameChg chg="add del mod modGraphic">
@@ -469,17 +557,25 @@
             <ac:graphicFrameMk id="6" creationId="{DF26A33A-C597-4DB3-8A01-06B70966D1B4}"/>
           </ac:graphicFrameMkLst>
         </pc:graphicFrameChg>
-        <pc:graphicFrameChg chg="add mod">
-          <ac:chgData name="Gabriel Allen" userId="c7c74c84cd207ce6" providerId="LiveId" clId="{BD585F1B-4D9A-4C89-9F76-E500BE26A5CA}" dt="2021-02-01T21:32:20.416" v="644" actId="1076"/>
+        <pc:graphicFrameChg chg="add del mod">
+          <ac:chgData name="Gabriel Allen" userId="c7c74c84cd207ce6" providerId="LiveId" clId="{BD585F1B-4D9A-4C89-9F76-E500BE26A5CA}" dt="2021-02-03T08:04:17.161" v="3443" actId="478"/>
           <ac:graphicFrameMkLst>
             <pc:docMk/>
             <pc:sldMk cId="1366965708" sldId="296"/>
             <ac:graphicFrameMk id="7" creationId="{8E5BC255-621C-4EB7-B26D-EDA9EA3E65C6}"/>
           </ac:graphicFrameMkLst>
         </pc:graphicFrameChg>
+        <pc:picChg chg="add mod">
+          <ac:chgData name="Gabriel Allen" userId="c7c74c84cd207ce6" providerId="LiveId" clId="{BD585F1B-4D9A-4C89-9F76-E500BE26A5CA}" dt="2021-02-03T08:05:04.772" v="3448" actId="26606"/>
+          <ac:picMkLst>
+            <pc:docMk/>
+            <pc:sldMk cId="1366965708" sldId="296"/>
+            <ac:picMk id="5" creationId="{3EDACB30-CBAB-4F47-9CC1-D36CDB83525E}"/>
+          </ac:picMkLst>
+        </pc:picChg>
       </pc:sldChg>
       <pc:sldChg chg="addSp delSp modSp new mod">
-        <pc:chgData name="Gabriel Allen" userId="c7c74c84cd207ce6" providerId="LiveId" clId="{BD585F1B-4D9A-4C89-9F76-E500BE26A5CA}" dt="2021-02-02T16:30:22.760" v="2396" actId="20577"/>
+        <pc:chgData name="Gabriel Allen" userId="c7c74c84cd207ce6" providerId="LiveId" clId="{BD585F1B-4D9A-4C89-9F76-E500BE26A5CA}" dt="2021-02-03T08:07:33.751" v="3473" actId="14100"/>
         <pc:sldMkLst>
           <pc:docMk/>
           <pc:sldMk cId="1006049575" sldId="297"/>
@@ -524,6 +620,14 @@
             <ac:spMk id="6" creationId="{367013AF-8889-4B81-86EA-9B9E85F9B1D1}"/>
           </ac:spMkLst>
         </pc:spChg>
+        <pc:spChg chg="add del mod">
+          <ac:chgData name="Gabriel Allen" userId="c7c74c84cd207ce6" providerId="LiveId" clId="{BD585F1B-4D9A-4C89-9F76-E500BE26A5CA}" dt="2021-02-03T08:07:09.164" v="3467"/>
+          <ac:spMkLst>
+            <pc:docMk/>
+            <pc:sldMk cId="1006049575" sldId="297"/>
+            <ac:spMk id="6" creationId="{A3C3CF14-EEA3-4A94-8DF0-076D0F57130B}"/>
+          </ac:spMkLst>
+        </pc:spChg>
         <pc:spChg chg="add mod">
           <ac:chgData name="Gabriel Allen" userId="c7c74c84cd207ce6" providerId="LiveId" clId="{BD585F1B-4D9A-4C89-9F76-E500BE26A5CA}" dt="2021-02-02T16:30:22.760" v="2396" actId="20577"/>
           <ac:spMkLst>
@@ -532,17 +636,25 @@
             <ac:spMk id="9" creationId="{F2F0BA63-F8A5-49A9-A29A-487DEE436A36}"/>
           </ac:spMkLst>
         </pc:spChg>
-        <pc:picChg chg="add mod">
-          <ac:chgData name="Gabriel Allen" userId="c7c74c84cd207ce6" providerId="LiveId" clId="{BD585F1B-4D9A-4C89-9F76-E500BE26A5CA}" dt="2021-02-01T22:16:48.417" v="1979" actId="1076"/>
+        <pc:picChg chg="add del mod">
+          <ac:chgData name="Gabriel Allen" userId="c7c74c84cd207ce6" providerId="LiveId" clId="{BD585F1B-4D9A-4C89-9F76-E500BE26A5CA}" dt="2021-02-03T08:06:54.992" v="3466" actId="478"/>
           <ac:picMkLst>
             <pc:docMk/>
             <pc:sldMk cId="1006049575" sldId="297"/>
             <ac:picMk id="8" creationId="{BD5C0BA4-0270-47E1-9187-4E4D3DDD4554}"/>
           </ac:picMkLst>
         </pc:picChg>
+        <pc:picChg chg="add mod">
+          <ac:chgData name="Gabriel Allen" userId="c7c74c84cd207ce6" providerId="LiveId" clId="{BD585F1B-4D9A-4C89-9F76-E500BE26A5CA}" dt="2021-02-03T08:07:33.751" v="3473" actId="14100"/>
+          <ac:picMkLst>
+            <pc:docMk/>
+            <pc:sldMk cId="1006049575" sldId="297"/>
+            <ac:picMk id="10" creationId="{DA876282-160D-4A37-9A3F-9564FC49F789}"/>
+          </ac:picMkLst>
+        </pc:picChg>
       </pc:sldChg>
       <pc:sldChg chg="addSp delSp modSp new mod">
-        <pc:chgData name="Gabriel Allen" userId="c7c74c84cd207ce6" providerId="LiveId" clId="{BD585F1B-4D9A-4C89-9F76-E500BE26A5CA}" dt="2021-02-02T16:39:54.217" v="2429" actId="20577"/>
+        <pc:chgData name="Gabriel Allen" userId="c7c74c84cd207ce6" providerId="LiveId" clId="{BD585F1B-4D9A-4C89-9F76-E500BE26A5CA}" dt="2021-02-03T08:08:34.042" v="3482" actId="14100"/>
         <pc:sldMkLst>
           <pc:docMk/>
           <pc:sldMk cId="1046385451" sldId="298"/>
@@ -563,12 +675,28 @@
             <ac:spMk id="3" creationId="{026B9E9B-DCE3-4AB6-B060-6D45BF6E6A88}"/>
           </ac:spMkLst>
         </pc:spChg>
-        <pc:picChg chg="add mod">
-          <ac:chgData name="Gabriel Allen" userId="c7c74c84cd207ce6" providerId="LiveId" clId="{BD585F1B-4D9A-4C89-9F76-E500BE26A5CA}" dt="2021-02-01T22:21:38.256" v="2175" actId="1076"/>
+        <pc:spChg chg="add del mod">
+          <ac:chgData name="Gabriel Allen" userId="c7c74c84cd207ce6" providerId="LiveId" clId="{BD585F1B-4D9A-4C89-9F76-E500BE26A5CA}" dt="2021-02-03T08:08:03.633" v="3475"/>
+          <ac:spMkLst>
+            <pc:docMk/>
+            <pc:sldMk cId="1046385451" sldId="298"/>
+            <ac:spMk id="4" creationId="{940FB41C-7731-4BE0-BDC0-ECDDCCCD76D5}"/>
+          </ac:spMkLst>
+        </pc:spChg>
+        <pc:picChg chg="add del mod">
+          <ac:chgData name="Gabriel Allen" userId="c7c74c84cd207ce6" providerId="LiveId" clId="{BD585F1B-4D9A-4C89-9F76-E500BE26A5CA}" dt="2021-02-03T08:07:49.162" v="3474" actId="478"/>
           <ac:picMkLst>
             <pc:docMk/>
             <pc:sldMk cId="1046385451" sldId="298"/>
             <ac:picMk id="5" creationId="{ED8336C6-A111-461A-AE32-AD489EEF4895}"/>
+          </ac:picMkLst>
+        </pc:picChg>
+        <pc:picChg chg="add mod">
+          <ac:chgData name="Gabriel Allen" userId="c7c74c84cd207ce6" providerId="LiveId" clId="{BD585F1B-4D9A-4C89-9F76-E500BE26A5CA}" dt="2021-02-03T08:08:34.042" v="3482" actId="14100"/>
+          <ac:picMkLst>
+            <pc:docMk/>
+            <pc:sldMk cId="1046385451" sldId="298"/>
+            <ac:picMk id="7" creationId="{C46CAA79-FB38-4BA1-B3CE-8E9C2E33AC9C}"/>
           </ac:picMkLst>
         </pc:picChg>
       </pc:sldChg>
@@ -978,7 +1106,7 @@
           <a:p>
             <a:fld id="{ED291B17-9318-49DB-B28B-6E5994AE9581}" type="datetime1">
               <a:rPr lang="en-US" smtClean="0"/>
-              <a:t>2/2/2021</a:t>
+              <a:t>2/3/2021</a:t>
             </a:fld>
             <a:endParaRPr lang="en-US" dirty="0"/>
           </a:p>
@@ -1176,7 +1304,7 @@
           <a:p>
             <a:fld id="{78DD82B9-B8EE-4375-B6FF-88FA6ABB15D9}" type="datetime1">
               <a:rPr lang="en-US" smtClean="0"/>
-              <a:t>2/2/2021</a:t>
+              <a:t>2/3/2021</a:t>
             </a:fld>
             <a:endParaRPr lang="en-US" dirty="0"/>
           </a:p>
@@ -1488,7 +1616,7 @@
           <a:p>
             <a:fld id="{B2497495-0637-405E-AE64-5CC7506D51F5}" type="datetime1">
               <a:rPr lang="en-US" smtClean="0"/>
-              <a:t>2/2/2021</a:t>
+              <a:t>2/3/2021</a:t>
             </a:fld>
             <a:endParaRPr lang="en-US" dirty="0"/>
           </a:p>
@@ -1741,7 +1869,7 @@
           <a:p>
             <a:fld id="{7BFFD690-9426-415D-8B65-26881E07B2D4}" type="datetime1">
               <a:rPr lang="en-US" smtClean="0"/>
-              <a:t>2/2/2021</a:t>
+              <a:t>2/3/2021</a:t>
             </a:fld>
             <a:endParaRPr lang="en-US" dirty="0"/>
           </a:p>
@@ -2163,7 +2291,7 @@
           <a:p>
             <a:fld id="{04C4989A-474C-40DE-95B9-011C28B71673}" type="datetime1">
               <a:rPr lang="en-US" smtClean="0"/>
-              <a:t>2/2/2021</a:t>
+              <a:t>2/3/2021</a:t>
             </a:fld>
             <a:endParaRPr lang="en-US" dirty="0"/>
           </a:p>
@@ -2286,7 +2414,7 @@
           <a:p>
             <a:fld id="{5DB4ED54-5B5E-4A04-93D3-5772E3CE3818}" type="datetime1">
               <a:rPr lang="en-US" smtClean="0"/>
-              <a:t>2/2/2021</a:t>
+              <a:t>2/3/2021</a:t>
             </a:fld>
             <a:endParaRPr lang="en-US" dirty="0"/>
           </a:p>
@@ -2381,7 +2509,7 @@
           <a:p>
             <a:fld id="{4EDE50D6-574B-40AF-946F-D52A04ADE379}" type="datetime1">
               <a:rPr lang="en-US" smtClean="0"/>
-              <a:t>2/2/2021</a:t>
+              <a:t>2/3/2021</a:t>
             </a:fld>
             <a:endParaRPr lang="en-US" dirty="0"/>
           </a:p>
@@ -2758,7 +2886,7 @@
           <a:p>
             <a:fld id="{D82884F1-FFEA-405F-9602-3DCA865EDA4E}" type="datetime1">
               <a:rPr lang="en-US" smtClean="0"/>
-              <a:t>2/2/2021</a:t>
+              <a:t>2/3/2021</a:t>
             </a:fld>
             <a:endParaRPr lang="en-US" dirty="0"/>
           </a:p>
@@ -3051,7 +3179,7 @@
           <a:p>
             <a:fld id="{7E18DB4A-8810-4A10-AD5C-D5E2C667F5B3}" type="datetime1">
               <a:rPr lang="en-US" smtClean="0"/>
-              <a:t>2/2/2021</a:t>
+              <a:t>2/3/2021</a:t>
             </a:fld>
             <a:endParaRPr lang="en-US" dirty="0"/>
           </a:p>
@@ -3266,7 +3394,7 @@
           <a:p>
             <a:fld id="{ED291B17-9318-49DB-B28B-6E5994AE9581}" type="datetime1">
               <a:rPr lang="en-US" smtClean="0"/>
-              <a:t>2/2/2021</a:t>
+              <a:t>2/3/2021</a:t>
             </a:fld>
             <a:endParaRPr lang="en-US" dirty="0"/>
           </a:p>
@@ -4295,10 +4423,10 @@
       </p:sp>
       <p:pic>
         <p:nvPicPr>
-          <p:cNvPr id="5" name="Content Placeholder 4" descr="Chart&#10;&#10;Description automatically generated">
+          <p:cNvPr id="7" name="Content Placeholder 6" descr="Chart&#10;&#10;Description automatically generated">
             <a:extLst>
               <a:ext uri="{FF2B5EF4-FFF2-40B4-BE49-F238E27FC236}">
-                <a16:creationId xmlns:a16="http://schemas.microsoft.com/office/drawing/2014/main" id="{ED8336C6-A111-461A-AE32-AD489EEF4895}"/>
+                <a16:creationId xmlns:a16="http://schemas.microsoft.com/office/drawing/2014/main" id="{C46CAA79-FB38-4BA1-B3CE-8E9C2E33AC9C}"/>
               </a:ext>
             </a:extLst>
           </p:cNvPr>
@@ -4317,8 +4445,8 @@
         </p:blipFill>
         <p:spPr>
           <a:xfrm>
-            <a:off x="1214030" y="1890876"/>
-            <a:ext cx="9763940" cy="4881971"/>
+            <a:off x="973393" y="1890877"/>
+            <a:ext cx="9842091" cy="4921046"/>
           </a:xfrm>
         </p:spPr>
       </p:pic>
@@ -7563,6 +7691,14 @@
 <file path=ppt/slides/slide3.xml><?xml version="1.0" encoding="utf-8"?>
 <p:sld xmlns:a="http://schemas.openxmlformats.org/drawingml/2006/main" xmlns:r="http://schemas.openxmlformats.org/officeDocument/2006/relationships" xmlns:p="http://schemas.openxmlformats.org/presentationml/2006/main">
   <p:cSld>
+    <p:bg>
+      <p:bgPr>
+        <a:solidFill>
+          <a:schemeClr val="bg1"/>
+        </a:solidFill>
+        <a:effectLst/>
+      </p:bgPr>
+    </p:bg>
     <p:spTree>
       <p:nvGrpSpPr>
         <p:cNvPr id="1" name=""/>
@@ -7577,6 +7713,66 @@
           <a:chExt cx="0" cy="0"/>
         </a:xfrm>
       </p:grpSpPr>
+      <p:sp useBgFill="1">
+        <p:nvSpPr>
+          <p:cNvPr id="10" name="Rectangle 9">
+            <a:extLst>
+              <a:ext uri="{FF2B5EF4-FFF2-40B4-BE49-F238E27FC236}">
+                <a16:creationId xmlns:a16="http://schemas.microsoft.com/office/drawing/2014/main" id="{F875149D-F692-45DA-8324-D5E0193D5FC4}"/>
+              </a:ext>
+              <a:ext uri="{C183D7F6-B498-43B3-948B-1728B52AA6E4}">
+                <adec:decorative xmlns:adec="http://schemas.microsoft.com/office/drawing/2017/decorative" val="1"/>
+              </a:ext>
+            </a:extLst>
+          </p:cNvPr>
+          <p:cNvSpPr>
+            <a:spLocks noGrp="1" noRot="1" noChangeAspect="1" noMove="1" noResize="1" noEditPoints="1" noAdjustHandles="1" noChangeArrowheads="1" noChangeShapeType="1" noTextEdit="1"/>
+          </p:cNvSpPr>
+          <p:nvPr>
+            <p:extLst>
+              <p:ext uri="{386F3935-93C4-4BCD-93E2-E3B085C9AB24}">
+                <p16:designElem xmlns:p16="http://schemas.microsoft.com/office/powerpoint/2015/main" val="1"/>
+              </p:ext>
+            </p:extLst>
+          </p:nvPr>
+        </p:nvSpPr>
+        <p:spPr>
+          <a:xfrm>
+            <a:off x="0" y="0"/>
+            <a:ext cx="12191999" cy="6858001"/>
+          </a:xfrm>
+          <a:prstGeom prst="rect">
+            <a:avLst/>
+          </a:prstGeom>
+          <a:ln>
+            <a:noFill/>
+          </a:ln>
+        </p:spPr>
+        <p:style>
+          <a:lnRef idx="2">
+            <a:schemeClr val="accent1">
+              <a:shade val="50000"/>
+            </a:schemeClr>
+          </a:lnRef>
+          <a:fillRef idx="1">
+            <a:schemeClr val="accent1"/>
+          </a:fillRef>
+          <a:effectRef idx="0">
+            <a:schemeClr val="accent1"/>
+          </a:effectRef>
+          <a:fontRef idx="minor">
+            <a:schemeClr val="lt1"/>
+          </a:fontRef>
+        </p:style>
+        <p:txBody>
+          <a:bodyPr rtlCol="0" anchor="ctr"/>
+          <a:lstStyle/>
+          <a:p>
+            <a:pPr algn="ctr"/>
+            <a:endParaRPr lang="en-US"/>
+          </a:p>
+        </p:txBody>
+      </p:sp>
       <p:sp>
         <p:nvSpPr>
           <p:cNvPr id="2" name="Title 1">
@@ -7593,9 +7789,16 @@
             <p:ph type="title"/>
           </p:nvPr>
         </p:nvSpPr>
-        <p:spPr/>
+        <p:spPr>
+          <a:xfrm>
+            <a:off x="581192" y="800930"/>
+            <a:ext cx="3568661" cy="2256390"/>
+          </a:xfrm>
+        </p:spPr>
         <p:txBody>
-          <a:bodyPr/>
+          <a:bodyPr anchor="ctr">
+            <a:normAutofit/>
+          </a:bodyPr>
           <a:lstStyle/>
           <a:p>
             <a:r>
@@ -7604,6 +7807,168 @@
             </a:r>
           </a:p>
         </p:txBody>
+      </p:sp>
+      <p:sp>
+        <p:nvSpPr>
+          <p:cNvPr id="12" name="Rectangle 11">
+            <a:extLst>
+              <a:ext uri="{FF2B5EF4-FFF2-40B4-BE49-F238E27FC236}">
+                <a16:creationId xmlns:a16="http://schemas.microsoft.com/office/drawing/2014/main" id="{C0B19935-C760-4698-9DD1-973C8A428D26}"/>
+              </a:ext>
+              <a:ext uri="{C183D7F6-B498-43B3-948B-1728B52AA6E4}">
+                <adec:decorative xmlns:adec="http://schemas.microsoft.com/office/drawing/2017/decorative" val="1"/>
+              </a:ext>
+            </a:extLst>
+          </p:cNvPr>
+          <p:cNvSpPr>
+            <a:spLocks noGrp="1" noRot="1" noChangeAspect="1" noMove="1" noResize="1" noEditPoints="1" noAdjustHandles="1" noChangeArrowheads="1" noChangeShapeType="1" noTextEdit="1"/>
+          </p:cNvSpPr>
+          <p:nvPr>
+            <p:extLst>
+              <p:ext uri="{386F3935-93C4-4BCD-93E2-E3B085C9AB24}">
+                <p16:designElem xmlns:p16="http://schemas.microsoft.com/office/powerpoint/2015/main" val="1"/>
+              </p:ext>
+            </p:extLst>
+          </p:nvPr>
+        </p:nvSpPr>
+        <p:spPr>
+          <a:xfrm>
+            <a:off x="446534" y="457200"/>
+            <a:ext cx="3703320" cy="94997"/>
+          </a:xfrm>
+          <a:prstGeom prst="rect">
+            <a:avLst/>
+          </a:prstGeom>
+          <a:solidFill>
+            <a:srgbClr val="465359"/>
+          </a:solidFill>
+          <a:ln>
+            <a:noFill/>
+          </a:ln>
+          <a:effectLst/>
+        </p:spPr>
+        <p:style>
+          <a:lnRef idx="1">
+            <a:schemeClr val="accent1"/>
+          </a:lnRef>
+          <a:fillRef idx="3">
+            <a:schemeClr val="accent1"/>
+          </a:fillRef>
+          <a:effectRef idx="2">
+            <a:schemeClr val="accent1"/>
+          </a:effectRef>
+          <a:fontRef idx="minor">
+            <a:schemeClr val="lt1"/>
+          </a:fontRef>
+        </p:style>
+      </p:sp>
+      <p:sp>
+        <p:nvSpPr>
+          <p:cNvPr id="14" name="Rectangle 13">
+            <a:extLst>
+              <a:ext uri="{FF2B5EF4-FFF2-40B4-BE49-F238E27FC236}">
+                <a16:creationId xmlns:a16="http://schemas.microsoft.com/office/drawing/2014/main" id="{08990612-E008-4F02-AEBB-B140BE753558}"/>
+              </a:ext>
+              <a:ext uri="{C183D7F6-B498-43B3-948B-1728B52AA6E4}">
+                <adec:decorative xmlns:adec="http://schemas.microsoft.com/office/drawing/2017/decorative" val="1"/>
+              </a:ext>
+            </a:extLst>
+          </p:cNvPr>
+          <p:cNvSpPr>
+            <a:spLocks noGrp="1" noRot="1" noChangeAspect="1" noMove="1" noResize="1" noEditPoints="1" noAdjustHandles="1" noChangeArrowheads="1" noChangeShapeType="1" noTextEdit="1"/>
+          </p:cNvSpPr>
+          <p:nvPr>
+            <p:extLst>
+              <p:ext uri="{386F3935-93C4-4BCD-93E2-E3B085C9AB24}">
+                <p16:designElem xmlns:p16="http://schemas.microsoft.com/office/powerpoint/2015/main" val="1"/>
+              </p:ext>
+            </p:extLst>
+          </p:nvPr>
+        </p:nvSpPr>
+        <p:spPr>
+          <a:xfrm>
+            <a:off x="4241830" y="457200"/>
+            <a:ext cx="3703320" cy="91440"/>
+          </a:xfrm>
+          <a:prstGeom prst="rect">
+            <a:avLst/>
+          </a:prstGeom>
+          <a:solidFill>
+            <a:schemeClr val="accent1"/>
+          </a:solidFill>
+          <a:ln>
+            <a:noFill/>
+          </a:ln>
+          <a:effectLst/>
+        </p:spPr>
+        <p:style>
+          <a:lnRef idx="1">
+            <a:schemeClr val="accent1"/>
+          </a:lnRef>
+          <a:fillRef idx="3">
+            <a:schemeClr val="accent1"/>
+          </a:fillRef>
+          <a:effectRef idx="2">
+            <a:schemeClr val="accent1"/>
+          </a:effectRef>
+          <a:fontRef idx="minor">
+            <a:schemeClr val="lt1"/>
+          </a:fontRef>
+        </p:style>
+      </p:sp>
+      <p:sp>
+        <p:nvSpPr>
+          <p:cNvPr id="16" name="Rectangle 15">
+            <a:extLst>
+              <a:ext uri="{FF2B5EF4-FFF2-40B4-BE49-F238E27FC236}">
+                <a16:creationId xmlns:a16="http://schemas.microsoft.com/office/drawing/2014/main" id="{A310A41F-3A14-4150-B6CF-0A577DDDEAD2}"/>
+              </a:ext>
+              <a:ext uri="{C183D7F6-B498-43B3-948B-1728B52AA6E4}">
+                <adec:decorative xmlns:adec="http://schemas.microsoft.com/office/drawing/2017/decorative" val="1"/>
+              </a:ext>
+            </a:extLst>
+          </p:cNvPr>
+          <p:cNvSpPr>
+            <a:spLocks noGrp="1" noRot="1" noChangeAspect="1" noMove="1" noResize="1" noEditPoints="1" noAdjustHandles="1" noChangeArrowheads="1" noChangeShapeType="1" noTextEdit="1"/>
+          </p:cNvSpPr>
+          <p:nvPr>
+            <p:extLst>
+              <p:ext uri="{386F3935-93C4-4BCD-93E2-E3B085C9AB24}">
+                <p16:designElem xmlns:p16="http://schemas.microsoft.com/office/powerpoint/2015/main" val="1"/>
+              </p:ext>
+            </p:extLst>
+          </p:nvPr>
+        </p:nvSpPr>
+        <p:spPr>
+          <a:xfrm>
+            <a:off x="8042147" y="453643"/>
+            <a:ext cx="3703320" cy="98554"/>
+          </a:xfrm>
+          <a:prstGeom prst="rect">
+            <a:avLst/>
+          </a:prstGeom>
+          <a:solidFill>
+            <a:srgbClr val="969FA7"/>
+          </a:solidFill>
+          <a:ln>
+            <a:noFill/>
+          </a:ln>
+          <a:effectLst/>
+        </p:spPr>
+        <p:style>
+          <a:lnRef idx="1">
+            <a:schemeClr val="accent1"/>
+          </a:lnRef>
+          <a:fillRef idx="3">
+            <a:schemeClr val="accent1"/>
+          </a:fillRef>
+          <a:effectRef idx="2">
+            <a:schemeClr val="accent1"/>
+          </a:effectRef>
+          <a:fontRef idx="minor">
+            <a:schemeClr val="lt1"/>
+          </a:fontRef>
+        </p:style>
       </p:sp>
       <p:sp>
         <p:nvSpPr>
@@ -7623,6648 +7988,134 @@
         </p:nvSpPr>
         <p:spPr>
           <a:xfrm>
-            <a:off x="581192" y="2340864"/>
-            <a:ext cx="11029615" cy="1370002"/>
+            <a:off x="4561870" y="800930"/>
+            <a:ext cx="7183597" cy="2256390"/>
           </a:xfrm>
         </p:spPr>
         <p:txBody>
           <a:bodyPr>
-            <a:normAutofit fontScale="62500" lnSpcReduction="20000"/>
+            <a:normAutofit/>
           </a:bodyPr>
           <a:lstStyle/>
           <a:p>
-            <a:r>
-              <a:rPr lang="en-US" i="0" dirty="0">
-                <a:solidFill>
-                  <a:srgbClr val="111111"/>
-                </a:solidFill>
+            <a:pPr>
+              <a:lnSpc>
+                <a:spcPct val="100000"/>
+              </a:lnSpc>
+            </a:pPr>
+            <a:r>
+              <a:rPr lang="en-US" sz="1300" i="0">
                 <a:effectLst/>
               </a:rPr>
               <a:t>The pharmaceutical industry is part of the larger healthcare sector. Companies in the </a:t>
             </a:r>
             <a:r>
-              <a:rPr lang="en-US" i="0" u="sng" dirty="0">
-                <a:solidFill>
-                  <a:srgbClr val="2C40D0"/>
-                </a:solidFill>
+              <a:rPr lang="en-US" sz="1300" i="0" u="sng">
                 <a:effectLst/>
                 <a:hlinkClick r:id="rId2"/>
               </a:rPr>
               <a:t>pharmaceutical</a:t>
             </a:r>
             <a:r>
-              <a:rPr lang="en-US" i="0" dirty="0">
-                <a:solidFill>
-                  <a:srgbClr val="111111"/>
-                </a:solidFill>
+              <a:rPr lang="en-US" sz="1300" i="0">
                 <a:effectLst/>
               </a:rPr>
               <a:t> industry research, develop, manufacture, and market medicines and drugs. </a:t>
             </a:r>
           </a:p>
           <a:p>
-            <a:r>
-              <a:rPr lang="en-US" i="0" dirty="0">
-                <a:solidFill>
-                  <a:srgbClr val="111111"/>
-                </a:solidFill>
+            <a:pPr>
+              <a:lnSpc>
+                <a:spcPct val="100000"/>
+              </a:lnSpc>
+            </a:pPr>
+            <a:r>
+              <a:rPr lang="en-US" sz="1300" i="0">
                 <a:effectLst/>
               </a:rPr>
               <a:t>Pharmaceutical stocks, as represented by the iShares U.S. Pharmaceuticals ETF (</a:t>
             </a:r>
             <a:r>
-              <a:rPr lang="en-US" i="0" u="sng" dirty="0">
-                <a:solidFill>
-                  <a:srgbClr val="2C40D0"/>
-                </a:solidFill>
+              <a:rPr lang="en-US" sz="1300" i="0" u="sng">
                 <a:effectLst/>
                 <a:hlinkClick r:id="rId3"/>
               </a:rPr>
               <a:t>IHE</a:t>
             </a:r>
             <a:r>
-              <a:rPr lang="en-US" i="0" dirty="0">
-                <a:solidFill>
-                  <a:srgbClr val="111111"/>
-                </a:solidFill>
+              <a:rPr lang="en-US" sz="1300" i="0">
                 <a:effectLst/>
               </a:rPr>
               <a:t>), have underperformed the broader market over the past year. IHE has provided a total return of 16.3% over the last 12 months, below the Russell 1000's total return of 21.9%, as of December 2, 2020.</a:t>
             </a:r>
             <a:r>
-              <a:rPr lang="en-US" i="0" u="none" strike="noStrike" baseline="30000" dirty="0">
-                <a:solidFill>
-                  <a:srgbClr val="0000EE"/>
-                </a:solidFill>
+              <a:rPr lang="en-US" sz="1300" i="0" u="none" strike="noStrike" baseline="30000">
                 <a:effectLst/>
               </a:rPr>
               <a:t>1</a:t>
             </a:r>
             <a:r>
-              <a:rPr lang="en-US" i="0" dirty="0">
-                <a:solidFill>
-                  <a:srgbClr val="111111"/>
-                </a:solidFill>
+              <a:rPr lang="en-US" sz="1300" i="0">
                 <a:effectLst/>
               </a:rPr>
               <a:t>﻿ All statistics in the tables below are as of February 1</a:t>
             </a:r>
             <a:r>
-              <a:rPr lang="en-US" i="0" baseline="30000" dirty="0">
-                <a:solidFill>
-                  <a:srgbClr val="111111"/>
-                </a:solidFill>
+              <a:rPr lang="en-US" sz="1300" i="0" baseline="30000">
                 <a:effectLst/>
               </a:rPr>
               <a:t>st</a:t>
             </a:r>
             <a:r>
-              <a:rPr lang="en-US" i="0" dirty="0">
-                <a:solidFill>
-                  <a:srgbClr val="111111"/>
-                </a:solidFill>
+              <a:rPr lang="en-US" sz="1300" i="0">
                 <a:effectLst/>
               </a:rPr>
               <a:t>, 2021.</a:t>
             </a:r>
           </a:p>
           <a:p>
-            <a:r>
-              <a:rPr lang="en-US" dirty="0"/>
+            <a:pPr>
+              <a:lnSpc>
+                <a:spcPct val="100000"/>
+              </a:lnSpc>
+            </a:pPr>
+            <a:r>
+              <a:rPr lang="en-US" sz="1300"/>
               <a:t>This analysis evaluates the top ten S&amp;P 500 pharmaceutical stocks with focus on the top three by Market Cap, draws conclusions and makes recommendations based on available data. </a:t>
             </a:r>
           </a:p>
         </p:txBody>
       </p:sp>
-      <p:graphicFrame>
-        <p:nvGraphicFramePr>
-          <p:cNvPr id="7" name="Table 6">
+      <p:pic>
+        <p:nvPicPr>
+          <p:cNvPr id="5" name="Picture 4" descr="Table&#10;&#10;Description automatically generated">
             <a:extLst>
               <a:ext uri="{FF2B5EF4-FFF2-40B4-BE49-F238E27FC236}">
-                <a16:creationId xmlns:a16="http://schemas.microsoft.com/office/drawing/2014/main" id="{8E5BC255-621C-4EB7-B26D-EDA9EA3E65C6}"/>
+                <a16:creationId xmlns:a16="http://schemas.microsoft.com/office/drawing/2014/main" id="{3EDACB30-CBAB-4F47-9CC1-D36CDB83525E}"/>
               </a:ext>
             </a:extLst>
           </p:cNvPr>
-          <p:cNvGraphicFramePr>
-            <a:graphicFrameLocks noGrp="1"/>
-          </p:cNvGraphicFramePr>
-          <p:nvPr>
-            <p:extLst>
-              <p:ext uri="{D42A27DB-BD31-4B8C-83A1-F6EECF244321}">
-                <p14:modId xmlns:p14="http://schemas.microsoft.com/office/powerpoint/2010/main" val="2690721524"/>
-              </p:ext>
-            </p:extLst>
-          </p:nvPr>
-        </p:nvGraphicFramePr>
-        <p:xfrm>
-          <a:off x="1022349" y="4160854"/>
-          <a:ext cx="10076286" cy="2171700"/>
-        </p:xfrm>
-        <a:graphic>
-          <a:graphicData uri="http://schemas.openxmlformats.org/drawingml/2006/table">
-            <a:tbl>
-              <a:tblPr/>
-              <a:tblGrid>
-                <a:gridCol w="635000">
-                  <a:extLst>
-                    <a:ext uri="{9D8B030D-6E8A-4147-A177-3AD203B41FA5}">
-                      <a16:colId xmlns:a16="http://schemas.microsoft.com/office/drawing/2014/main" val="2792729165"/>
-                    </a:ext>
-                  </a:extLst>
-                </a:gridCol>
-                <a:gridCol w="1435100">
-                  <a:extLst>
-                    <a:ext uri="{9D8B030D-6E8A-4147-A177-3AD203B41FA5}">
-                      <a16:colId xmlns:a16="http://schemas.microsoft.com/office/drawing/2014/main" val="1975590522"/>
-                    </a:ext>
-                  </a:extLst>
-                </a:gridCol>
-                <a:gridCol w="1409700">
-                  <a:extLst>
-                    <a:ext uri="{9D8B030D-6E8A-4147-A177-3AD203B41FA5}">
-                      <a16:colId xmlns:a16="http://schemas.microsoft.com/office/drawing/2014/main" val="136355682"/>
-                    </a:ext>
-                  </a:extLst>
-                </a:gridCol>
-                <a:gridCol w="825500">
-                  <a:extLst>
-                    <a:ext uri="{9D8B030D-6E8A-4147-A177-3AD203B41FA5}">
-                      <a16:colId xmlns:a16="http://schemas.microsoft.com/office/drawing/2014/main" val="3056245274"/>
-                    </a:ext>
-                  </a:extLst>
-                </a:gridCol>
-                <a:gridCol w="901700">
-                  <a:extLst>
-                    <a:ext uri="{9D8B030D-6E8A-4147-A177-3AD203B41FA5}">
-                      <a16:colId xmlns:a16="http://schemas.microsoft.com/office/drawing/2014/main" val="3707524201"/>
-                    </a:ext>
-                  </a:extLst>
-                </a:gridCol>
-                <a:gridCol w="698500">
-                  <a:extLst>
-                    <a:ext uri="{9D8B030D-6E8A-4147-A177-3AD203B41FA5}">
-                      <a16:colId xmlns:a16="http://schemas.microsoft.com/office/drawing/2014/main" val="724953700"/>
-                    </a:ext>
-                  </a:extLst>
-                </a:gridCol>
-                <a:gridCol w="787400">
-                  <a:extLst>
-                    <a:ext uri="{9D8B030D-6E8A-4147-A177-3AD203B41FA5}">
-                      <a16:colId xmlns:a16="http://schemas.microsoft.com/office/drawing/2014/main" val="1752106964"/>
-                    </a:ext>
-                  </a:extLst>
-                </a:gridCol>
-                <a:gridCol w="1054100">
-                  <a:extLst>
-                    <a:ext uri="{9D8B030D-6E8A-4147-A177-3AD203B41FA5}">
-                      <a16:colId xmlns:a16="http://schemas.microsoft.com/office/drawing/2014/main" val="3177271601"/>
-                    </a:ext>
-                  </a:extLst>
-                </a:gridCol>
-                <a:gridCol w="1244600">
-                  <a:extLst>
-                    <a:ext uri="{9D8B030D-6E8A-4147-A177-3AD203B41FA5}">
-                      <a16:colId xmlns:a16="http://schemas.microsoft.com/office/drawing/2014/main" val="1100471397"/>
-                    </a:ext>
-                  </a:extLst>
-                </a:gridCol>
-                <a:gridCol w="1084686">
-                  <a:extLst>
-                    <a:ext uri="{9D8B030D-6E8A-4147-A177-3AD203B41FA5}">
-                      <a16:colId xmlns:a16="http://schemas.microsoft.com/office/drawing/2014/main" val="105476961"/>
-                    </a:ext>
-                  </a:extLst>
-                </a:gridCol>
-              </a:tblGrid>
-              <a:tr h="182880">
-                <a:tc>
-                  <a:txBody>
-                    <a:bodyPr/>
-                    <a:lstStyle/>
-                    <a:p>
-                      <a:pPr algn="l" fontAlgn="b"/>
-                      <a:r>
-                        <a:rPr lang="en-US" sz="1100" b="1" i="0" u="none" strike="noStrike">
-                          <a:solidFill>
-                            <a:srgbClr val="FFFFFF"/>
-                          </a:solidFill>
-                          <a:effectLst/>
-                          <a:latin typeface="Calibri" panose="020F0502020204030204" pitchFamily="34" charset="0"/>
-                        </a:rPr>
-                        <a:t>Symbol</a:t>
-                      </a:r>
-                    </a:p>
-                  </a:txBody>
-                  <a:tcPr marL="7620" marR="7620" marT="7620" marB="0" anchor="b">
-                    <a:lnL>
-                      <a:noFill/>
-                    </a:lnL>
-                    <a:lnR w="6350" cap="flat" cmpd="sng" algn="ctr">
-                      <a:solidFill>
-                        <a:srgbClr val="FFFFFF"/>
-                      </a:solidFill>
-                      <a:prstDash val="solid"/>
-                      <a:round/>
-                      <a:headEnd type="none" w="med" len="med"/>
-                      <a:tailEnd type="none" w="med" len="med"/>
-                    </a:lnR>
-                    <a:lnT>
-                      <a:noFill/>
-                    </a:lnT>
-                    <a:lnB w="6350" cap="flat" cmpd="sng" algn="ctr">
-                      <a:solidFill>
-                        <a:srgbClr val="FFFFFF"/>
-                      </a:solidFill>
-                      <a:prstDash val="solid"/>
-                      <a:round/>
-                      <a:headEnd type="none" w="med" len="med"/>
-                      <a:tailEnd type="none" w="med" len="med"/>
-                    </a:lnB>
-                    <a:solidFill>
-                      <a:srgbClr val="5B9BD5"/>
-                    </a:solidFill>
-                  </a:tcPr>
-                </a:tc>
-                <a:tc>
-                  <a:txBody>
-                    <a:bodyPr/>
-                    <a:lstStyle/>
-                    <a:p>
-                      <a:pPr algn="l" fontAlgn="b"/>
-                      <a:r>
-                        <a:rPr lang="en-US" sz="1100" b="1" i="0" u="none" strike="noStrike">
-                          <a:solidFill>
-                            <a:srgbClr val="FFFFFF"/>
-                          </a:solidFill>
-                          <a:effectLst/>
-                          <a:latin typeface="Calibri" panose="020F0502020204030204" pitchFamily="34" charset="0"/>
-                        </a:rPr>
-                        <a:t>Security</a:t>
-                      </a:r>
-                    </a:p>
-                  </a:txBody>
-                  <a:tcPr marL="7620" marR="7620" marT="7620" marB="0" anchor="b">
-                    <a:lnL w="6350" cap="flat" cmpd="sng" algn="ctr">
-                      <a:solidFill>
-                        <a:srgbClr val="FFFFFF"/>
-                      </a:solidFill>
-                      <a:prstDash val="solid"/>
-                      <a:round/>
-                      <a:headEnd type="none" w="med" len="med"/>
-                      <a:tailEnd type="none" w="med" len="med"/>
-                    </a:lnL>
-                    <a:lnR w="6350" cap="flat" cmpd="sng" algn="ctr">
-                      <a:solidFill>
-                        <a:srgbClr val="FFFFFF"/>
-                      </a:solidFill>
-                      <a:prstDash val="solid"/>
-                      <a:round/>
-                      <a:headEnd type="none" w="med" len="med"/>
-                      <a:tailEnd type="none" w="med" len="med"/>
-                    </a:lnR>
-                    <a:lnT>
-                      <a:noFill/>
-                    </a:lnT>
-                    <a:lnB w="6350" cap="flat" cmpd="sng" algn="ctr">
-                      <a:solidFill>
-                        <a:srgbClr val="FFFFFF"/>
-                      </a:solidFill>
-                      <a:prstDash val="solid"/>
-                      <a:round/>
-                      <a:headEnd type="none" w="med" len="med"/>
-                      <a:tailEnd type="none" w="med" len="med"/>
-                    </a:lnB>
-                    <a:solidFill>
-                      <a:srgbClr val="5B9BD5"/>
-                    </a:solidFill>
-                  </a:tcPr>
-                </a:tc>
-                <a:tc>
-                  <a:txBody>
-                    <a:bodyPr/>
-                    <a:lstStyle/>
-                    <a:p>
-                      <a:pPr algn="l" fontAlgn="b"/>
-                      <a:r>
-                        <a:rPr lang="en-US" sz="1100" b="1" i="0" u="none" strike="noStrike">
-                          <a:solidFill>
-                            <a:srgbClr val="FFFFFF"/>
-                          </a:solidFill>
-                          <a:effectLst/>
-                          <a:latin typeface="Calibri" panose="020F0502020204030204" pitchFamily="34" charset="0"/>
-                        </a:rPr>
-                        <a:t>Market Cap ($Billion)</a:t>
-                      </a:r>
-                    </a:p>
-                  </a:txBody>
-                  <a:tcPr marL="7620" marR="7620" marT="7620" marB="0" anchor="b">
-                    <a:lnL w="6350" cap="flat" cmpd="sng" algn="ctr">
-                      <a:solidFill>
-                        <a:srgbClr val="FFFFFF"/>
-                      </a:solidFill>
-                      <a:prstDash val="solid"/>
-                      <a:round/>
-                      <a:headEnd type="none" w="med" len="med"/>
-                      <a:tailEnd type="none" w="med" len="med"/>
-                    </a:lnL>
-                    <a:lnR w="6350" cap="flat" cmpd="sng" algn="ctr">
-                      <a:solidFill>
-                        <a:srgbClr val="FFFFFF"/>
-                      </a:solidFill>
-                      <a:prstDash val="solid"/>
-                      <a:round/>
-                      <a:headEnd type="none" w="med" len="med"/>
-                      <a:tailEnd type="none" w="med" len="med"/>
-                    </a:lnR>
-                    <a:lnT>
-                      <a:noFill/>
-                    </a:lnT>
-                    <a:lnB w="6350" cap="flat" cmpd="sng" algn="ctr">
-                      <a:solidFill>
-                        <a:srgbClr val="FFFFFF"/>
-                      </a:solidFill>
-                      <a:prstDash val="solid"/>
-                      <a:round/>
-                      <a:headEnd type="none" w="med" len="med"/>
-                      <a:tailEnd type="none" w="med" len="med"/>
-                    </a:lnB>
-                    <a:solidFill>
-                      <a:srgbClr val="5B9BD5"/>
-                    </a:solidFill>
-                  </a:tcPr>
-                </a:tc>
-                <a:tc>
-                  <a:txBody>
-                    <a:bodyPr/>
-                    <a:lstStyle/>
-                    <a:p>
-                      <a:pPr algn="l" fontAlgn="b"/>
-                      <a:r>
-                        <a:rPr lang="en-US" sz="1100" b="1" i="0" u="none" strike="noStrike">
-                          <a:solidFill>
-                            <a:srgbClr val="FFFFFF"/>
-                          </a:solidFill>
-                          <a:effectLst/>
-                          <a:latin typeface="Calibri" panose="020F0502020204030204" pitchFamily="34" charset="0"/>
-                        </a:rPr>
-                        <a:t>Price ($)</a:t>
-                      </a:r>
-                    </a:p>
-                  </a:txBody>
-                  <a:tcPr marL="7620" marR="7620" marT="7620" marB="0" anchor="b">
-                    <a:lnL w="6350" cap="flat" cmpd="sng" algn="ctr">
-                      <a:solidFill>
-                        <a:srgbClr val="FFFFFF"/>
-                      </a:solidFill>
-                      <a:prstDash val="solid"/>
-                      <a:round/>
-                      <a:headEnd type="none" w="med" len="med"/>
-                      <a:tailEnd type="none" w="med" len="med"/>
-                    </a:lnL>
-                    <a:lnR w="6350" cap="flat" cmpd="sng" algn="ctr">
-                      <a:solidFill>
-                        <a:srgbClr val="FFFFFF"/>
-                      </a:solidFill>
-                      <a:prstDash val="solid"/>
-                      <a:round/>
-                      <a:headEnd type="none" w="med" len="med"/>
-                      <a:tailEnd type="none" w="med" len="med"/>
-                    </a:lnR>
-                    <a:lnT>
-                      <a:noFill/>
-                    </a:lnT>
-                    <a:lnB w="6350" cap="flat" cmpd="sng" algn="ctr">
-                      <a:solidFill>
-                        <a:srgbClr val="FFFFFF"/>
-                      </a:solidFill>
-                      <a:prstDash val="solid"/>
-                      <a:round/>
-                      <a:headEnd type="none" w="med" len="med"/>
-                      <a:tailEnd type="none" w="med" len="med"/>
-                    </a:lnB>
-                    <a:solidFill>
-                      <a:srgbClr val="5B9BD5"/>
-                    </a:solidFill>
-                  </a:tcPr>
-                </a:tc>
-                <a:tc>
-                  <a:txBody>
-                    <a:bodyPr/>
-                    <a:lstStyle/>
-                    <a:p>
-                      <a:pPr algn="l" fontAlgn="b"/>
-                      <a:r>
-                        <a:rPr lang="en-US" sz="1100" b="1" i="0" u="none" strike="noStrike">
-                          <a:solidFill>
-                            <a:srgbClr val="FFFFFF"/>
-                          </a:solidFill>
-                          <a:effectLst/>
-                          <a:latin typeface="Calibri" panose="020F0502020204030204" pitchFamily="34" charset="0"/>
-                        </a:rPr>
-                        <a:t>Dividend ($)</a:t>
-                      </a:r>
-                    </a:p>
-                  </a:txBody>
-                  <a:tcPr marL="7620" marR="7620" marT="7620" marB="0" anchor="b">
-                    <a:lnL w="6350" cap="flat" cmpd="sng" algn="ctr">
-                      <a:solidFill>
-                        <a:srgbClr val="FFFFFF"/>
-                      </a:solidFill>
-                      <a:prstDash val="solid"/>
-                      <a:round/>
-                      <a:headEnd type="none" w="med" len="med"/>
-                      <a:tailEnd type="none" w="med" len="med"/>
-                    </a:lnL>
-                    <a:lnR w="6350" cap="flat" cmpd="sng" algn="ctr">
-                      <a:solidFill>
-                        <a:srgbClr val="FFFFFF"/>
-                      </a:solidFill>
-                      <a:prstDash val="solid"/>
-                      <a:round/>
-                      <a:headEnd type="none" w="med" len="med"/>
-                      <a:tailEnd type="none" w="med" len="med"/>
-                    </a:lnR>
-                    <a:lnT>
-                      <a:noFill/>
-                    </a:lnT>
-                    <a:lnB w="6350" cap="flat" cmpd="sng" algn="ctr">
-                      <a:solidFill>
-                        <a:srgbClr val="FFFFFF"/>
-                      </a:solidFill>
-                      <a:prstDash val="solid"/>
-                      <a:round/>
-                      <a:headEnd type="none" w="med" len="med"/>
-                      <a:tailEnd type="none" w="med" len="med"/>
-                    </a:lnB>
-                    <a:solidFill>
-                      <a:srgbClr val="5B9BD5"/>
-                    </a:solidFill>
-                  </a:tcPr>
-                </a:tc>
-                <a:tc>
-                  <a:txBody>
-                    <a:bodyPr/>
-                    <a:lstStyle/>
-                    <a:p>
-                      <a:pPr algn="l" fontAlgn="b"/>
-                      <a:r>
-                        <a:rPr lang="en-US" sz="1100" b="1" i="0" u="none" strike="noStrike">
-                          <a:solidFill>
-                            <a:srgbClr val="FFFFFF"/>
-                          </a:solidFill>
-                          <a:effectLst/>
-                          <a:latin typeface="Calibri" panose="020F0502020204030204" pitchFamily="34" charset="0"/>
-                        </a:rPr>
-                        <a:t>Yield (%)</a:t>
-                      </a:r>
-                    </a:p>
-                  </a:txBody>
-                  <a:tcPr marL="7620" marR="7620" marT="7620" marB="0" anchor="b">
-                    <a:lnL w="6350" cap="flat" cmpd="sng" algn="ctr">
-                      <a:solidFill>
-                        <a:srgbClr val="FFFFFF"/>
-                      </a:solidFill>
-                      <a:prstDash val="solid"/>
-                      <a:round/>
-                      <a:headEnd type="none" w="med" len="med"/>
-                      <a:tailEnd type="none" w="med" len="med"/>
-                    </a:lnL>
-                    <a:lnR w="6350" cap="flat" cmpd="sng" algn="ctr">
-                      <a:solidFill>
-                        <a:srgbClr val="FFFFFF"/>
-                      </a:solidFill>
-                      <a:prstDash val="solid"/>
-                      <a:round/>
-                      <a:headEnd type="none" w="med" len="med"/>
-                      <a:tailEnd type="none" w="med" len="med"/>
-                    </a:lnR>
-                    <a:lnT>
-                      <a:noFill/>
-                    </a:lnT>
-                    <a:lnB w="6350" cap="flat" cmpd="sng" algn="ctr">
-                      <a:solidFill>
-                        <a:srgbClr val="FFFFFF"/>
-                      </a:solidFill>
-                      <a:prstDash val="solid"/>
-                      <a:round/>
-                      <a:headEnd type="none" w="med" len="med"/>
-                      <a:tailEnd type="none" w="med" len="med"/>
-                    </a:lnB>
-                    <a:solidFill>
-                      <a:srgbClr val="5B9BD5"/>
-                    </a:solidFill>
-                  </a:tcPr>
-                </a:tc>
-                <a:tc>
-                  <a:txBody>
-                    <a:bodyPr/>
-                    <a:lstStyle/>
-                    <a:p>
-                      <a:pPr algn="l" fontAlgn="b"/>
-                      <a:r>
-                        <a:rPr lang="en-US" sz="1100" b="1" i="0" u="none" strike="noStrike">
-                          <a:solidFill>
-                            <a:srgbClr val="FFFFFF"/>
-                          </a:solidFill>
-                          <a:effectLst/>
-                          <a:latin typeface="Calibri" panose="020F0502020204030204" pitchFamily="34" charset="0"/>
-                        </a:rPr>
-                        <a:t>EPS (TTM)</a:t>
-                      </a:r>
-                    </a:p>
-                  </a:txBody>
-                  <a:tcPr marL="7620" marR="7620" marT="7620" marB="0" anchor="b">
-                    <a:lnL w="6350" cap="flat" cmpd="sng" algn="ctr">
-                      <a:solidFill>
-                        <a:srgbClr val="FFFFFF"/>
-                      </a:solidFill>
-                      <a:prstDash val="solid"/>
-                      <a:round/>
-                      <a:headEnd type="none" w="med" len="med"/>
-                      <a:tailEnd type="none" w="med" len="med"/>
-                    </a:lnL>
-                    <a:lnR w="6350" cap="flat" cmpd="sng" algn="ctr">
-                      <a:solidFill>
-                        <a:srgbClr val="FFFFFF"/>
-                      </a:solidFill>
-                      <a:prstDash val="solid"/>
-                      <a:round/>
-                      <a:headEnd type="none" w="med" len="med"/>
-                      <a:tailEnd type="none" w="med" len="med"/>
-                    </a:lnR>
-                    <a:lnT>
-                      <a:noFill/>
-                    </a:lnT>
-                    <a:lnB w="6350" cap="flat" cmpd="sng" algn="ctr">
-                      <a:solidFill>
-                        <a:srgbClr val="FFFFFF"/>
-                      </a:solidFill>
-                      <a:prstDash val="solid"/>
-                      <a:round/>
-                      <a:headEnd type="none" w="med" len="med"/>
-                      <a:tailEnd type="none" w="med" len="med"/>
-                    </a:lnB>
-                    <a:solidFill>
-                      <a:srgbClr val="5B9BD5"/>
-                    </a:solidFill>
-                  </a:tcPr>
-                </a:tc>
-                <a:tc>
-                  <a:txBody>
-                    <a:bodyPr/>
-                    <a:lstStyle/>
-                    <a:p>
-                      <a:pPr algn="l" fontAlgn="b"/>
-                      <a:r>
-                        <a:rPr lang="en-US" sz="1100" b="1" i="0" u="none" strike="noStrike">
-                          <a:solidFill>
-                            <a:srgbClr val="FFFFFF"/>
-                          </a:solidFill>
-                          <a:effectLst/>
-                          <a:latin typeface="Calibri" panose="020F0502020204030204" pitchFamily="34" charset="0"/>
-                        </a:rPr>
-                        <a:t>PE Ratio (TTM)</a:t>
-                      </a:r>
-                    </a:p>
-                  </a:txBody>
-                  <a:tcPr marL="7620" marR="7620" marT="7620" marB="0" anchor="b">
-                    <a:lnL w="6350" cap="flat" cmpd="sng" algn="ctr">
-                      <a:solidFill>
-                        <a:srgbClr val="FFFFFF"/>
-                      </a:solidFill>
-                      <a:prstDash val="solid"/>
-                      <a:round/>
-                      <a:headEnd type="none" w="med" len="med"/>
-                      <a:tailEnd type="none" w="med" len="med"/>
-                    </a:lnL>
-                    <a:lnR w="6350" cap="flat" cmpd="sng" algn="ctr">
-                      <a:solidFill>
-                        <a:srgbClr val="FFFFFF"/>
-                      </a:solidFill>
-                      <a:prstDash val="solid"/>
-                      <a:round/>
-                      <a:headEnd type="none" w="med" len="med"/>
-                      <a:tailEnd type="none" w="med" len="med"/>
-                    </a:lnR>
-                    <a:lnT>
-                      <a:noFill/>
-                    </a:lnT>
-                    <a:lnB w="6350" cap="flat" cmpd="sng" algn="ctr">
-                      <a:solidFill>
-                        <a:srgbClr val="FFFFFF"/>
-                      </a:solidFill>
-                      <a:prstDash val="solid"/>
-                      <a:round/>
-                      <a:headEnd type="none" w="med" len="med"/>
-                      <a:tailEnd type="none" w="med" len="med"/>
-                    </a:lnB>
-                    <a:solidFill>
-                      <a:srgbClr val="5B9BD5"/>
-                    </a:solidFill>
-                  </a:tcPr>
-                </a:tc>
-                <a:tc>
-                  <a:txBody>
-                    <a:bodyPr/>
-                    <a:lstStyle/>
-                    <a:p>
-                      <a:pPr algn="l" fontAlgn="b"/>
-                      <a:r>
-                        <a:rPr lang="en-US" sz="1100" b="1" i="0" u="none" strike="noStrike">
-                          <a:solidFill>
-                            <a:srgbClr val="FFFFFF"/>
-                          </a:solidFill>
-                          <a:effectLst/>
-                          <a:latin typeface="Calibri" panose="020F0502020204030204" pitchFamily="34" charset="0"/>
-                        </a:rPr>
-                        <a:t>PEG Ratio (5-Year)</a:t>
-                      </a:r>
-                    </a:p>
-                  </a:txBody>
-                  <a:tcPr marL="7620" marR="7620" marT="7620" marB="0" anchor="b">
-                    <a:lnL w="6350" cap="flat" cmpd="sng" algn="ctr">
-                      <a:solidFill>
-                        <a:srgbClr val="FFFFFF"/>
-                      </a:solidFill>
-                      <a:prstDash val="solid"/>
-                      <a:round/>
-                      <a:headEnd type="none" w="med" len="med"/>
-                      <a:tailEnd type="none" w="med" len="med"/>
-                    </a:lnL>
-                    <a:lnR w="6350" cap="flat" cmpd="sng" algn="ctr">
-                      <a:solidFill>
-                        <a:srgbClr val="FFFFFF"/>
-                      </a:solidFill>
-                      <a:prstDash val="solid"/>
-                      <a:round/>
-                      <a:headEnd type="none" w="med" len="med"/>
-                      <a:tailEnd type="none" w="med" len="med"/>
-                    </a:lnR>
-                    <a:lnT>
-                      <a:noFill/>
-                    </a:lnT>
-                    <a:lnB w="6350" cap="flat" cmpd="sng" algn="ctr">
-                      <a:solidFill>
-                        <a:srgbClr val="FFFFFF"/>
-                      </a:solidFill>
-                      <a:prstDash val="solid"/>
-                      <a:round/>
-                      <a:headEnd type="none" w="med" len="med"/>
-                      <a:tailEnd type="none" w="med" len="med"/>
-                    </a:lnB>
-                    <a:solidFill>
-                      <a:srgbClr val="5B9BD5"/>
-                    </a:solidFill>
-                  </a:tcPr>
-                </a:tc>
-                <a:tc>
-                  <a:txBody>
-                    <a:bodyPr/>
-                    <a:lstStyle/>
-                    <a:p>
-                      <a:pPr algn="l" fontAlgn="b"/>
-                      <a:r>
-                        <a:rPr lang="en-US" sz="1100" b="1" i="0" u="none" strike="noStrike">
-                          <a:solidFill>
-                            <a:srgbClr val="FFFFFF"/>
-                          </a:solidFill>
-                          <a:effectLst/>
-                          <a:latin typeface="Calibri" panose="020F0502020204030204" pitchFamily="34" charset="0"/>
-                        </a:rPr>
-                        <a:t>Price-Book Ratio</a:t>
-                      </a:r>
-                    </a:p>
-                  </a:txBody>
-                  <a:tcPr marL="7620" marR="7620" marT="7620" marB="0" anchor="b">
-                    <a:lnL w="6350" cap="flat" cmpd="sng" algn="ctr">
-                      <a:solidFill>
-                        <a:srgbClr val="FFFFFF"/>
-                      </a:solidFill>
-                      <a:prstDash val="solid"/>
-                      <a:round/>
-                      <a:headEnd type="none" w="med" len="med"/>
-                      <a:tailEnd type="none" w="med" len="med"/>
-                    </a:lnL>
-                    <a:lnR>
-                      <a:noFill/>
-                    </a:lnR>
-                    <a:lnT>
-                      <a:noFill/>
-                    </a:lnT>
-                    <a:lnB w="6350" cap="flat" cmpd="sng" algn="ctr">
-                      <a:solidFill>
-                        <a:srgbClr val="FFFFFF"/>
-                      </a:solidFill>
-                      <a:prstDash val="solid"/>
-                      <a:round/>
-                      <a:headEnd type="none" w="med" len="med"/>
-                      <a:tailEnd type="none" w="med" len="med"/>
-                    </a:lnB>
-                    <a:solidFill>
-                      <a:srgbClr val="5B9BD5"/>
-                    </a:solidFill>
-                  </a:tcPr>
-                </a:tc>
-                <a:extLst>
-                  <a:ext uri="{0D108BD9-81ED-4DB2-BD59-A6C34878D82A}">
-                    <a16:rowId xmlns:a16="http://schemas.microsoft.com/office/drawing/2014/main" val="3875485252"/>
-                  </a:ext>
-                </a:extLst>
-              </a:tr>
-              <a:tr h="182880">
-                <a:tc>
-                  <a:txBody>
-                    <a:bodyPr/>
-                    <a:lstStyle/>
-                    <a:p>
-                      <a:pPr algn="l" fontAlgn="b"/>
-                      <a:r>
-                        <a:rPr lang="en-US" sz="1100" b="1" i="0" u="none" strike="noStrike">
-                          <a:solidFill>
-                            <a:srgbClr val="000000"/>
-                          </a:solidFill>
-                          <a:effectLst/>
-                          <a:latin typeface="Calibri" panose="020F0502020204030204" pitchFamily="34" charset="0"/>
-                        </a:rPr>
-                        <a:t>JNJ</a:t>
-                      </a:r>
-                    </a:p>
-                  </a:txBody>
-                  <a:tcPr marL="7620" marR="7620" marT="7620" marB="0" anchor="b">
-                    <a:lnL>
-                      <a:noFill/>
-                    </a:lnL>
-                    <a:lnR w="6350" cap="flat" cmpd="sng" algn="ctr">
-                      <a:solidFill>
-                        <a:srgbClr val="FFFFFF"/>
-                      </a:solidFill>
-                      <a:prstDash val="solid"/>
-                      <a:round/>
-                      <a:headEnd type="none" w="med" len="med"/>
-                      <a:tailEnd type="none" w="med" len="med"/>
-                    </a:lnR>
-                    <a:lnT w="6350" cap="flat" cmpd="sng" algn="ctr">
-                      <a:solidFill>
-                        <a:srgbClr val="FFFFFF"/>
-                      </a:solidFill>
-                      <a:prstDash val="solid"/>
-                      <a:round/>
-                      <a:headEnd type="none" w="med" len="med"/>
-                      <a:tailEnd type="none" w="med" len="med"/>
-                    </a:lnT>
-                    <a:lnB w="6350" cap="flat" cmpd="sng" algn="ctr">
-                      <a:solidFill>
-                        <a:srgbClr val="FFFFFF"/>
-                      </a:solidFill>
-                      <a:prstDash val="solid"/>
-                      <a:round/>
-                      <a:headEnd type="none" w="med" len="med"/>
-                      <a:tailEnd type="none" w="med" len="med"/>
-                    </a:lnB>
-                    <a:solidFill>
-                      <a:srgbClr val="BDD7EE"/>
-                    </a:solidFill>
-                  </a:tcPr>
-                </a:tc>
-                <a:tc>
-                  <a:txBody>
-                    <a:bodyPr/>
-                    <a:lstStyle/>
-                    <a:p>
-                      <a:pPr algn="l" fontAlgn="b"/>
-                      <a:r>
-                        <a:rPr lang="en-US" sz="1100" b="1" i="0" u="none" strike="noStrike">
-                          <a:solidFill>
-                            <a:srgbClr val="000000"/>
-                          </a:solidFill>
-                          <a:effectLst/>
-                          <a:latin typeface="Calibri" panose="020F0502020204030204" pitchFamily="34" charset="0"/>
-                        </a:rPr>
-                        <a:t>Johnson &amp; Johnson</a:t>
-                      </a:r>
-                    </a:p>
-                  </a:txBody>
-                  <a:tcPr marL="7620" marR="7620" marT="7620" marB="0" anchor="b">
-                    <a:lnL w="6350" cap="flat" cmpd="sng" algn="ctr">
-                      <a:solidFill>
-                        <a:srgbClr val="FFFFFF"/>
-                      </a:solidFill>
-                      <a:prstDash val="solid"/>
-                      <a:round/>
-                      <a:headEnd type="none" w="med" len="med"/>
-                      <a:tailEnd type="none" w="med" len="med"/>
-                    </a:lnL>
-                    <a:lnR w="6350" cap="flat" cmpd="sng" algn="ctr">
-                      <a:solidFill>
-                        <a:srgbClr val="FFFFFF"/>
-                      </a:solidFill>
-                      <a:prstDash val="solid"/>
-                      <a:round/>
-                      <a:headEnd type="none" w="med" len="med"/>
-                      <a:tailEnd type="none" w="med" len="med"/>
-                    </a:lnR>
-                    <a:lnT w="6350" cap="flat" cmpd="sng" algn="ctr">
-                      <a:solidFill>
-                        <a:srgbClr val="FFFFFF"/>
-                      </a:solidFill>
-                      <a:prstDash val="solid"/>
-                      <a:round/>
-                      <a:headEnd type="none" w="med" len="med"/>
-                      <a:tailEnd type="none" w="med" len="med"/>
-                    </a:lnT>
-                    <a:lnB w="6350" cap="flat" cmpd="sng" algn="ctr">
-                      <a:solidFill>
-                        <a:srgbClr val="FFFFFF"/>
-                      </a:solidFill>
-                      <a:prstDash val="solid"/>
-                      <a:round/>
-                      <a:headEnd type="none" w="med" len="med"/>
-                      <a:tailEnd type="none" w="med" len="med"/>
-                    </a:lnB>
-                    <a:solidFill>
-                      <a:srgbClr val="BDD7EE"/>
-                    </a:solidFill>
-                  </a:tcPr>
-                </a:tc>
-                <a:tc>
-                  <a:txBody>
-                    <a:bodyPr/>
-                    <a:lstStyle/>
-                    <a:p>
-                      <a:pPr algn="r" fontAlgn="b"/>
-                      <a:r>
-                        <a:rPr lang="en-US" sz="1100" b="1" i="0" u="none" strike="noStrike">
-                          <a:solidFill>
-                            <a:srgbClr val="000000"/>
-                          </a:solidFill>
-                          <a:effectLst/>
-                          <a:latin typeface="Calibri" panose="020F0502020204030204" pitchFamily="34" charset="0"/>
-                        </a:rPr>
-                        <a:t>431.05</a:t>
-                      </a:r>
-                    </a:p>
-                  </a:txBody>
-                  <a:tcPr marL="7620" marR="7620" marT="7620" marB="0" anchor="b">
-                    <a:lnL w="6350" cap="flat" cmpd="sng" algn="ctr">
-                      <a:solidFill>
-                        <a:srgbClr val="FFFFFF"/>
-                      </a:solidFill>
-                      <a:prstDash val="solid"/>
-                      <a:round/>
-                      <a:headEnd type="none" w="med" len="med"/>
-                      <a:tailEnd type="none" w="med" len="med"/>
-                    </a:lnL>
-                    <a:lnR w="6350" cap="flat" cmpd="sng" algn="ctr">
-                      <a:solidFill>
-                        <a:srgbClr val="FFFFFF"/>
-                      </a:solidFill>
-                      <a:prstDash val="solid"/>
-                      <a:round/>
-                      <a:headEnd type="none" w="med" len="med"/>
-                      <a:tailEnd type="none" w="med" len="med"/>
-                    </a:lnR>
-                    <a:lnT w="6350" cap="flat" cmpd="sng" algn="ctr">
-                      <a:solidFill>
-                        <a:srgbClr val="FFFFFF"/>
-                      </a:solidFill>
-                      <a:prstDash val="solid"/>
-                      <a:round/>
-                      <a:headEnd type="none" w="med" len="med"/>
-                      <a:tailEnd type="none" w="med" len="med"/>
-                    </a:lnT>
-                    <a:lnB w="6350" cap="flat" cmpd="sng" algn="ctr">
-                      <a:solidFill>
-                        <a:srgbClr val="FFFFFF"/>
-                      </a:solidFill>
-                      <a:prstDash val="solid"/>
-                      <a:round/>
-                      <a:headEnd type="none" w="med" len="med"/>
-                      <a:tailEnd type="none" w="med" len="med"/>
-                    </a:lnB>
-                    <a:solidFill>
-                      <a:srgbClr val="BDD7EE"/>
-                    </a:solidFill>
-                  </a:tcPr>
-                </a:tc>
-                <a:tc>
-                  <a:txBody>
-                    <a:bodyPr/>
-                    <a:lstStyle/>
-                    <a:p>
-                      <a:pPr algn="r" fontAlgn="b"/>
-                      <a:r>
-                        <a:rPr lang="en-US" sz="1100" b="1" i="0" u="none" strike="noStrike">
-                          <a:solidFill>
-                            <a:srgbClr val="000000"/>
-                          </a:solidFill>
-                          <a:effectLst/>
-                          <a:latin typeface="Calibri" panose="020F0502020204030204" pitchFamily="34" charset="0"/>
-                        </a:rPr>
-                        <a:t>163.72</a:t>
-                      </a:r>
-                    </a:p>
-                  </a:txBody>
-                  <a:tcPr marL="7620" marR="7620" marT="7620" marB="0" anchor="b">
-                    <a:lnL w="6350" cap="flat" cmpd="sng" algn="ctr">
-                      <a:solidFill>
-                        <a:srgbClr val="FFFFFF"/>
-                      </a:solidFill>
-                      <a:prstDash val="solid"/>
-                      <a:round/>
-                      <a:headEnd type="none" w="med" len="med"/>
-                      <a:tailEnd type="none" w="med" len="med"/>
-                    </a:lnL>
-                    <a:lnR w="6350" cap="flat" cmpd="sng" algn="ctr">
-                      <a:solidFill>
-                        <a:srgbClr val="FFFFFF"/>
-                      </a:solidFill>
-                      <a:prstDash val="solid"/>
-                      <a:round/>
-                      <a:headEnd type="none" w="med" len="med"/>
-                      <a:tailEnd type="none" w="med" len="med"/>
-                    </a:lnR>
-                    <a:lnT w="6350" cap="flat" cmpd="sng" algn="ctr">
-                      <a:solidFill>
-                        <a:srgbClr val="FFFFFF"/>
-                      </a:solidFill>
-                      <a:prstDash val="solid"/>
-                      <a:round/>
-                      <a:headEnd type="none" w="med" len="med"/>
-                      <a:tailEnd type="none" w="med" len="med"/>
-                    </a:lnT>
-                    <a:lnB w="6350" cap="flat" cmpd="sng" algn="ctr">
-                      <a:solidFill>
-                        <a:srgbClr val="FFFFFF"/>
-                      </a:solidFill>
-                      <a:prstDash val="solid"/>
-                      <a:round/>
-                      <a:headEnd type="none" w="med" len="med"/>
-                      <a:tailEnd type="none" w="med" len="med"/>
-                    </a:lnB>
-                    <a:solidFill>
-                      <a:srgbClr val="BDD7EE"/>
-                    </a:solidFill>
-                  </a:tcPr>
-                </a:tc>
-                <a:tc>
-                  <a:txBody>
-                    <a:bodyPr/>
-                    <a:lstStyle/>
-                    <a:p>
-                      <a:pPr algn="r" fontAlgn="b"/>
-                      <a:r>
-                        <a:rPr lang="en-US" sz="1100" b="1" i="0" u="none" strike="noStrike">
-                          <a:solidFill>
-                            <a:srgbClr val="000000"/>
-                          </a:solidFill>
-                          <a:effectLst/>
-                          <a:latin typeface="Calibri" panose="020F0502020204030204" pitchFamily="34" charset="0"/>
-                        </a:rPr>
-                        <a:t>4.04</a:t>
-                      </a:r>
-                    </a:p>
-                  </a:txBody>
-                  <a:tcPr marL="7620" marR="7620" marT="7620" marB="0" anchor="b">
-                    <a:lnL w="6350" cap="flat" cmpd="sng" algn="ctr">
-                      <a:solidFill>
-                        <a:srgbClr val="FFFFFF"/>
-                      </a:solidFill>
-                      <a:prstDash val="solid"/>
-                      <a:round/>
-                      <a:headEnd type="none" w="med" len="med"/>
-                      <a:tailEnd type="none" w="med" len="med"/>
-                    </a:lnL>
-                    <a:lnR w="6350" cap="flat" cmpd="sng" algn="ctr">
-                      <a:solidFill>
-                        <a:srgbClr val="FFFFFF"/>
-                      </a:solidFill>
-                      <a:prstDash val="solid"/>
-                      <a:round/>
-                      <a:headEnd type="none" w="med" len="med"/>
-                      <a:tailEnd type="none" w="med" len="med"/>
-                    </a:lnR>
-                    <a:lnT w="6350" cap="flat" cmpd="sng" algn="ctr">
-                      <a:solidFill>
-                        <a:srgbClr val="FFFFFF"/>
-                      </a:solidFill>
-                      <a:prstDash val="solid"/>
-                      <a:round/>
-                      <a:headEnd type="none" w="med" len="med"/>
-                      <a:tailEnd type="none" w="med" len="med"/>
-                    </a:lnT>
-                    <a:lnB w="6350" cap="flat" cmpd="sng" algn="ctr">
-                      <a:solidFill>
-                        <a:srgbClr val="FFFFFF"/>
-                      </a:solidFill>
-                      <a:prstDash val="solid"/>
-                      <a:round/>
-                      <a:headEnd type="none" w="med" len="med"/>
-                      <a:tailEnd type="none" w="med" len="med"/>
-                    </a:lnB>
-                    <a:solidFill>
-                      <a:srgbClr val="BDD7EE"/>
-                    </a:solidFill>
-                  </a:tcPr>
-                </a:tc>
-                <a:tc>
-                  <a:txBody>
-                    <a:bodyPr/>
-                    <a:lstStyle/>
-                    <a:p>
-                      <a:pPr algn="r" fontAlgn="b"/>
-                      <a:r>
-                        <a:rPr lang="en-US" sz="1100" b="1" i="0" u="none" strike="noStrike">
-                          <a:solidFill>
-                            <a:srgbClr val="000000"/>
-                          </a:solidFill>
-                          <a:effectLst/>
-                          <a:latin typeface="Calibri" panose="020F0502020204030204" pitchFamily="34" charset="0"/>
-                        </a:rPr>
-                        <a:t>2.48</a:t>
-                      </a:r>
-                    </a:p>
-                  </a:txBody>
-                  <a:tcPr marL="7620" marR="7620" marT="7620" marB="0" anchor="b">
-                    <a:lnL w="6350" cap="flat" cmpd="sng" algn="ctr">
-                      <a:solidFill>
-                        <a:srgbClr val="FFFFFF"/>
-                      </a:solidFill>
-                      <a:prstDash val="solid"/>
-                      <a:round/>
-                      <a:headEnd type="none" w="med" len="med"/>
-                      <a:tailEnd type="none" w="med" len="med"/>
-                    </a:lnL>
-                    <a:lnR w="6350" cap="flat" cmpd="sng" algn="ctr">
-                      <a:solidFill>
-                        <a:srgbClr val="FFFFFF"/>
-                      </a:solidFill>
-                      <a:prstDash val="solid"/>
-                      <a:round/>
-                      <a:headEnd type="none" w="med" len="med"/>
-                      <a:tailEnd type="none" w="med" len="med"/>
-                    </a:lnR>
-                    <a:lnT w="6350" cap="flat" cmpd="sng" algn="ctr">
-                      <a:solidFill>
-                        <a:srgbClr val="FFFFFF"/>
-                      </a:solidFill>
-                      <a:prstDash val="solid"/>
-                      <a:round/>
-                      <a:headEnd type="none" w="med" len="med"/>
-                      <a:tailEnd type="none" w="med" len="med"/>
-                    </a:lnT>
-                    <a:lnB w="6350" cap="flat" cmpd="sng" algn="ctr">
-                      <a:solidFill>
-                        <a:srgbClr val="FFFFFF"/>
-                      </a:solidFill>
-                      <a:prstDash val="solid"/>
-                      <a:round/>
-                      <a:headEnd type="none" w="med" len="med"/>
-                      <a:tailEnd type="none" w="med" len="med"/>
-                    </a:lnB>
-                    <a:solidFill>
-                      <a:srgbClr val="BDD7EE"/>
-                    </a:solidFill>
-                  </a:tcPr>
-                </a:tc>
-                <a:tc>
-                  <a:txBody>
-                    <a:bodyPr/>
-                    <a:lstStyle/>
-                    <a:p>
-                      <a:pPr algn="r" fontAlgn="b"/>
-                      <a:r>
-                        <a:rPr lang="en-US" sz="1100" b="1" i="0" u="none" strike="noStrike">
-                          <a:solidFill>
-                            <a:srgbClr val="000000"/>
-                          </a:solidFill>
-                          <a:effectLst/>
-                          <a:latin typeface="Calibri" panose="020F0502020204030204" pitchFamily="34" charset="0"/>
-                        </a:rPr>
-                        <a:t>5.51</a:t>
-                      </a:r>
-                    </a:p>
-                  </a:txBody>
-                  <a:tcPr marL="7620" marR="7620" marT="7620" marB="0" anchor="b">
-                    <a:lnL w="6350" cap="flat" cmpd="sng" algn="ctr">
-                      <a:solidFill>
-                        <a:srgbClr val="FFFFFF"/>
-                      </a:solidFill>
-                      <a:prstDash val="solid"/>
-                      <a:round/>
-                      <a:headEnd type="none" w="med" len="med"/>
-                      <a:tailEnd type="none" w="med" len="med"/>
-                    </a:lnL>
-                    <a:lnR w="6350" cap="flat" cmpd="sng" algn="ctr">
-                      <a:solidFill>
-                        <a:srgbClr val="FFFFFF"/>
-                      </a:solidFill>
-                      <a:prstDash val="solid"/>
-                      <a:round/>
-                      <a:headEnd type="none" w="med" len="med"/>
-                      <a:tailEnd type="none" w="med" len="med"/>
-                    </a:lnR>
-                    <a:lnT w="6350" cap="flat" cmpd="sng" algn="ctr">
-                      <a:solidFill>
-                        <a:srgbClr val="FFFFFF"/>
-                      </a:solidFill>
-                      <a:prstDash val="solid"/>
-                      <a:round/>
-                      <a:headEnd type="none" w="med" len="med"/>
-                      <a:tailEnd type="none" w="med" len="med"/>
-                    </a:lnT>
-                    <a:lnB w="6350" cap="flat" cmpd="sng" algn="ctr">
-                      <a:solidFill>
-                        <a:srgbClr val="FFFFFF"/>
-                      </a:solidFill>
-                      <a:prstDash val="solid"/>
-                      <a:round/>
-                      <a:headEnd type="none" w="med" len="med"/>
-                      <a:tailEnd type="none" w="med" len="med"/>
-                    </a:lnB>
-                    <a:solidFill>
-                      <a:srgbClr val="BDD7EE"/>
-                    </a:solidFill>
-                  </a:tcPr>
-                </a:tc>
-                <a:tc>
-                  <a:txBody>
-                    <a:bodyPr/>
-                    <a:lstStyle/>
-                    <a:p>
-                      <a:pPr algn="r" fontAlgn="b"/>
-                      <a:r>
-                        <a:rPr lang="en-US" sz="1100" b="1" i="0" u="none" strike="noStrike">
-                          <a:solidFill>
-                            <a:srgbClr val="000000"/>
-                          </a:solidFill>
-                          <a:effectLst/>
-                          <a:latin typeface="Calibri" panose="020F0502020204030204" pitchFamily="34" charset="0"/>
-                        </a:rPr>
-                        <a:t>29.72</a:t>
-                      </a:r>
-                    </a:p>
-                  </a:txBody>
-                  <a:tcPr marL="7620" marR="7620" marT="7620" marB="0" anchor="b">
-                    <a:lnL w="6350" cap="flat" cmpd="sng" algn="ctr">
-                      <a:solidFill>
-                        <a:srgbClr val="FFFFFF"/>
-                      </a:solidFill>
-                      <a:prstDash val="solid"/>
-                      <a:round/>
-                      <a:headEnd type="none" w="med" len="med"/>
-                      <a:tailEnd type="none" w="med" len="med"/>
-                    </a:lnL>
-                    <a:lnR w="6350" cap="flat" cmpd="sng" algn="ctr">
-                      <a:solidFill>
-                        <a:srgbClr val="FFFFFF"/>
-                      </a:solidFill>
-                      <a:prstDash val="solid"/>
-                      <a:round/>
-                      <a:headEnd type="none" w="med" len="med"/>
-                      <a:tailEnd type="none" w="med" len="med"/>
-                    </a:lnR>
-                    <a:lnT w="6350" cap="flat" cmpd="sng" algn="ctr">
-                      <a:solidFill>
-                        <a:srgbClr val="FFFFFF"/>
-                      </a:solidFill>
-                      <a:prstDash val="solid"/>
-                      <a:round/>
-                      <a:headEnd type="none" w="med" len="med"/>
-                      <a:tailEnd type="none" w="med" len="med"/>
-                    </a:lnT>
-                    <a:lnB w="6350" cap="flat" cmpd="sng" algn="ctr">
-                      <a:solidFill>
-                        <a:srgbClr val="FFFFFF"/>
-                      </a:solidFill>
-                      <a:prstDash val="solid"/>
-                      <a:round/>
-                      <a:headEnd type="none" w="med" len="med"/>
-                      <a:tailEnd type="none" w="med" len="med"/>
-                    </a:lnB>
-                    <a:solidFill>
-                      <a:srgbClr val="BDD7EE"/>
-                    </a:solidFill>
-                  </a:tcPr>
-                </a:tc>
-                <a:tc>
-                  <a:txBody>
-                    <a:bodyPr/>
-                    <a:lstStyle/>
-                    <a:p>
-                      <a:pPr algn="r" fontAlgn="b"/>
-                      <a:r>
-                        <a:rPr lang="en-US" sz="1100" b="1" i="0" u="none" strike="noStrike" dirty="0">
-                          <a:solidFill>
-                            <a:srgbClr val="000000"/>
-                          </a:solidFill>
-                          <a:effectLst/>
-                          <a:latin typeface="Calibri" panose="020F0502020204030204" pitchFamily="34" charset="0"/>
-                        </a:rPr>
-                        <a:t>3.17</a:t>
-                      </a:r>
-                    </a:p>
-                  </a:txBody>
-                  <a:tcPr marL="7620" marR="7620" marT="7620" marB="0" anchor="b">
-                    <a:lnL w="6350" cap="flat" cmpd="sng" algn="ctr">
-                      <a:solidFill>
-                        <a:srgbClr val="FFFFFF"/>
-                      </a:solidFill>
-                      <a:prstDash val="solid"/>
-                      <a:round/>
-                      <a:headEnd type="none" w="med" len="med"/>
-                      <a:tailEnd type="none" w="med" len="med"/>
-                    </a:lnL>
-                    <a:lnR w="6350" cap="flat" cmpd="sng" algn="ctr">
-                      <a:solidFill>
-                        <a:srgbClr val="FFFFFF"/>
-                      </a:solidFill>
-                      <a:prstDash val="solid"/>
-                      <a:round/>
-                      <a:headEnd type="none" w="med" len="med"/>
-                      <a:tailEnd type="none" w="med" len="med"/>
-                    </a:lnR>
-                    <a:lnT w="6350" cap="flat" cmpd="sng" algn="ctr">
-                      <a:solidFill>
-                        <a:srgbClr val="FFFFFF"/>
-                      </a:solidFill>
-                      <a:prstDash val="solid"/>
-                      <a:round/>
-                      <a:headEnd type="none" w="med" len="med"/>
-                      <a:tailEnd type="none" w="med" len="med"/>
-                    </a:lnT>
-                    <a:lnB w="6350" cap="flat" cmpd="sng" algn="ctr">
-                      <a:solidFill>
-                        <a:srgbClr val="FFFFFF"/>
-                      </a:solidFill>
-                      <a:prstDash val="solid"/>
-                      <a:round/>
-                      <a:headEnd type="none" w="med" len="med"/>
-                      <a:tailEnd type="none" w="med" len="med"/>
-                    </a:lnB>
-                    <a:solidFill>
-                      <a:srgbClr val="BDD7EE"/>
-                    </a:solidFill>
-                  </a:tcPr>
-                </a:tc>
-                <a:tc>
-                  <a:txBody>
-                    <a:bodyPr/>
-                    <a:lstStyle/>
-                    <a:p>
-                      <a:pPr algn="r" fontAlgn="b"/>
-                      <a:r>
-                        <a:rPr lang="en-US" sz="1100" b="1" i="0" u="none" strike="noStrike">
-                          <a:solidFill>
-                            <a:srgbClr val="000000"/>
-                          </a:solidFill>
-                          <a:effectLst/>
-                          <a:latin typeface="Calibri" panose="020F0502020204030204" pitchFamily="34" charset="0"/>
-                        </a:rPr>
-                        <a:t>6.96</a:t>
-                      </a:r>
-                    </a:p>
-                  </a:txBody>
-                  <a:tcPr marL="7620" marR="7620" marT="7620" marB="0" anchor="b">
-                    <a:lnL w="6350" cap="flat" cmpd="sng" algn="ctr">
-                      <a:solidFill>
-                        <a:srgbClr val="FFFFFF"/>
-                      </a:solidFill>
-                      <a:prstDash val="solid"/>
-                      <a:round/>
-                      <a:headEnd type="none" w="med" len="med"/>
-                      <a:tailEnd type="none" w="med" len="med"/>
-                    </a:lnL>
-                    <a:lnR>
-                      <a:noFill/>
-                    </a:lnR>
-                    <a:lnT w="6350" cap="flat" cmpd="sng" algn="ctr">
-                      <a:solidFill>
-                        <a:srgbClr val="FFFFFF"/>
-                      </a:solidFill>
-                      <a:prstDash val="solid"/>
-                      <a:round/>
-                      <a:headEnd type="none" w="med" len="med"/>
-                      <a:tailEnd type="none" w="med" len="med"/>
-                    </a:lnT>
-                    <a:lnB w="6350" cap="flat" cmpd="sng" algn="ctr">
-                      <a:solidFill>
-                        <a:srgbClr val="FFFFFF"/>
-                      </a:solidFill>
-                      <a:prstDash val="solid"/>
-                      <a:round/>
-                      <a:headEnd type="none" w="med" len="med"/>
-                      <a:tailEnd type="none" w="med" len="med"/>
-                    </a:lnB>
-                    <a:solidFill>
-                      <a:srgbClr val="BDD7EE"/>
-                    </a:solidFill>
-                  </a:tcPr>
-                </a:tc>
-                <a:extLst>
-                  <a:ext uri="{0D108BD9-81ED-4DB2-BD59-A6C34878D82A}">
-                    <a16:rowId xmlns:a16="http://schemas.microsoft.com/office/drawing/2014/main" val="1174938883"/>
-                  </a:ext>
-                </a:extLst>
-              </a:tr>
-              <a:tr h="182880">
-                <a:tc>
-                  <a:txBody>
-                    <a:bodyPr/>
-                    <a:lstStyle/>
-                    <a:p>
-                      <a:pPr algn="l" fontAlgn="b"/>
-                      <a:r>
-                        <a:rPr lang="en-US" sz="1100" b="1" i="0" u="none" strike="noStrike" dirty="0">
-                          <a:solidFill>
-                            <a:srgbClr val="000000"/>
-                          </a:solidFill>
-                          <a:effectLst/>
-                          <a:latin typeface="Calibri" panose="020F0502020204030204" pitchFamily="34" charset="0"/>
-                        </a:rPr>
-                        <a:t>PFE</a:t>
-                      </a:r>
-                    </a:p>
-                  </a:txBody>
-                  <a:tcPr marL="7620" marR="7620" marT="7620" marB="0" anchor="b">
-                    <a:lnL>
-                      <a:noFill/>
-                    </a:lnL>
-                    <a:lnR w="6350" cap="flat" cmpd="sng" algn="ctr">
-                      <a:solidFill>
-                        <a:srgbClr val="FFFFFF"/>
-                      </a:solidFill>
-                      <a:prstDash val="solid"/>
-                      <a:round/>
-                      <a:headEnd type="none" w="med" len="med"/>
-                      <a:tailEnd type="none" w="med" len="med"/>
-                    </a:lnR>
-                    <a:lnT w="6350" cap="flat" cmpd="sng" algn="ctr">
-                      <a:solidFill>
-                        <a:srgbClr val="FFFFFF"/>
-                      </a:solidFill>
-                      <a:prstDash val="solid"/>
-                      <a:round/>
-                      <a:headEnd type="none" w="med" len="med"/>
-                      <a:tailEnd type="none" w="med" len="med"/>
-                    </a:lnT>
-                    <a:lnB w="6350" cap="flat" cmpd="sng" algn="ctr">
-                      <a:solidFill>
-                        <a:srgbClr val="FFFFFF"/>
-                      </a:solidFill>
-                      <a:prstDash val="solid"/>
-                      <a:round/>
-                      <a:headEnd type="none" w="med" len="med"/>
-                      <a:tailEnd type="none" w="med" len="med"/>
-                    </a:lnB>
-                    <a:solidFill>
-                      <a:srgbClr val="DDEBF7"/>
-                    </a:solidFill>
-                  </a:tcPr>
-                </a:tc>
-                <a:tc>
-                  <a:txBody>
-                    <a:bodyPr/>
-                    <a:lstStyle/>
-                    <a:p>
-                      <a:pPr algn="l" fontAlgn="b"/>
-                      <a:r>
-                        <a:rPr lang="en-US" sz="1100" b="1" i="0" u="none" strike="noStrike">
-                          <a:solidFill>
-                            <a:srgbClr val="000000"/>
-                          </a:solidFill>
-                          <a:effectLst/>
-                          <a:latin typeface="Calibri" panose="020F0502020204030204" pitchFamily="34" charset="0"/>
-                        </a:rPr>
-                        <a:t>Pfizer Inc.</a:t>
-                      </a:r>
-                    </a:p>
-                  </a:txBody>
-                  <a:tcPr marL="7620" marR="7620" marT="7620" marB="0" anchor="b">
-                    <a:lnL w="6350" cap="flat" cmpd="sng" algn="ctr">
-                      <a:solidFill>
-                        <a:srgbClr val="FFFFFF"/>
-                      </a:solidFill>
-                      <a:prstDash val="solid"/>
-                      <a:round/>
-                      <a:headEnd type="none" w="med" len="med"/>
-                      <a:tailEnd type="none" w="med" len="med"/>
-                    </a:lnL>
-                    <a:lnR w="6350" cap="flat" cmpd="sng" algn="ctr">
-                      <a:solidFill>
-                        <a:srgbClr val="FFFFFF"/>
-                      </a:solidFill>
-                      <a:prstDash val="solid"/>
-                      <a:round/>
-                      <a:headEnd type="none" w="med" len="med"/>
-                      <a:tailEnd type="none" w="med" len="med"/>
-                    </a:lnR>
-                    <a:lnT w="6350" cap="flat" cmpd="sng" algn="ctr">
-                      <a:solidFill>
-                        <a:srgbClr val="FFFFFF"/>
-                      </a:solidFill>
-                      <a:prstDash val="solid"/>
-                      <a:round/>
-                      <a:headEnd type="none" w="med" len="med"/>
-                      <a:tailEnd type="none" w="med" len="med"/>
-                    </a:lnT>
-                    <a:lnB w="6350" cap="flat" cmpd="sng" algn="ctr">
-                      <a:solidFill>
-                        <a:srgbClr val="FFFFFF"/>
-                      </a:solidFill>
-                      <a:prstDash val="solid"/>
-                      <a:round/>
-                      <a:headEnd type="none" w="med" len="med"/>
-                      <a:tailEnd type="none" w="med" len="med"/>
-                    </a:lnB>
-                    <a:solidFill>
-                      <a:srgbClr val="DDEBF7"/>
-                    </a:solidFill>
-                  </a:tcPr>
-                </a:tc>
-                <a:tc>
-                  <a:txBody>
-                    <a:bodyPr/>
-                    <a:lstStyle/>
-                    <a:p>
-                      <a:pPr algn="r" fontAlgn="b"/>
-                      <a:r>
-                        <a:rPr lang="en-US" sz="1100" b="1" i="0" u="none" strike="noStrike">
-                          <a:solidFill>
-                            <a:srgbClr val="000000"/>
-                          </a:solidFill>
-                          <a:effectLst/>
-                          <a:latin typeface="Calibri" panose="020F0502020204030204" pitchFamily="34" charset="0"/>
-                        </a:rPr>
-                        <a:t>199.49</a:t>
-                      </a:r>
-                    </a:p>
-                  </a:txBody>
-                  <a:tcPr marL="7620" marR="7620" marT="7620" marB="0" anchor="b">
-                    <a:lnL w="6350" cap="flat" cmpd="sng" algn="ctr">
-                      <a:solidFill>
-                        <a:srgbClr val="FFFFFF"/>
-                      </a:solidFill>
-                      <a:prstDash val="solid"/>
-                      <a:round/>
-                      <a:headEnd type="none" w="med" len="med"/>
-                      <a:tailEnd type="none" w="med" len="med"/>
-                    </a:lnL>
-                    <a:lnR w="6350" cap="flat" cmpd="sng" algn="ctr">
-                      <a:solidFill>
-                        <a:srgbClr val="FFFFFF"/>
-                      </a:solidFill>
-                      <a:prstDash val="solid"/>
-                      <a:round/>
-                      <a:headEnd type="none" w="med" len="med"/>
-                      <a:tailEnd type="none" w="med" len="med"/>
-                    </a:lnR>
-                    <a:lnT w="6350" cap="flat" cmpd="sng" algn="ctr">
-                      <a:solidFill>
-                        <a:srgbClr val="FFFFFF"/>
-                      </a:solidFill>
-                      <a:prstDash val="solid"/>
-                      <a:round/>
-                      <a:headEnd type="none" w="med" len="med"/>
-                      <a:tailEnd type="none" w="med" len="med"/>
-                    </a:lnT>
-                    <a:lnB w="6350" cap="flat" cmpd="sng" algn="ctr">
-                      <a:solidFill>
-                        <a:srgbClr val="FFFFFF"/>
-                      </a:solidFill>
-                      <a:prstDash val="solid"/>
-                      <a:round/>
-                      <a:headEnd type="none" w="med" len="med"/>
-                      <a:tailEnd type="none" w="med" len="med"/>
-                    </a:lnB>
-                    <a:solidFill>
-                      <a:srgbClr val="DDEBF7"/>
-                    </a:solidFill>
-                  </a:tcPr>
-                </a:tc>
-                <a:tc>
-                  <a:txBody>
-                    <a:bodyPr/>
-                    <a:lstStyle/>
-                    <a:p>
-                      <a:pPr algn="r" fontAlgn="b"/>
-                      <a:r>
-                        <a:rPr lang="en-US" sz="1100" b="1" i="0" u="none" strike="noStrike">
-                          <a:solidFill>
-                            <a:srgbClr val="000000"/>
-                          </a:solidFill>
-                          <a:effectLst/>
-                          <a:latin typeface="Calibri" panose="020F0502020204030204" pitchFamily="34" charset="0"/>
-                        </a:rPr>
-                        <a:t>35.90</a:t>
-                      </a:r>
-                    </a:p>
-                  </a:txBody>
-                  <a:tcPr marL="7620" marR="7620" marT="7620" marB="0" anchor="b">
-                    <a:lnL w="6350" cap="flat" cmpd="sng" algn="ctr">
-                      <a:solidFill>
-                        <a:srgbClr val="FFFFFF"/>
-                      </a:solidFill>
-                      <a:prstDash val="solid"/>
-                      <a:round/>
-                      <a:headEnd type="none" w="med" len="med"/>
-                      <a:tailEnd type="none" w="med" len="med"/>
-                    </a:lnL>
-                    <a:lnR w="6350" cap="flat" cmpd="sng" algn="ctr">
-                      <a:solidFill>
-                        <a:srgbClr val="FFFFFF"/>
-                      </a:solidFill>
-                      <a:prstDash val="solid"/>
-                      <a:round/>
-                      <a:headEnd type="none" w="med" len="med"/>
-                      <a:tailEnd type="none" w="med" len="med"/>
-                    </a:lnR>
-                    <a:lnT w="6350" cap="flat" cmpd="sng" algn="ctr">
-                      <a:solidFill>
-                        <a:srgbClr val="FFFFFF"/>
-                      </a:solidFill>
-                      <a:prstDash val="solid"/>
-                      <a:round/>
-                      <a:headEnd type="none" w="med" len="med"/>
-                      <a:tailEnd type="none" w="med" len="med"/>
-                    </a:lnT>
-                    <a:lnB w="6350" cap="flat" cmpd="sng" algn="ctr">
-                      <a:solidFill>
-                        <a:srgbClr val="FFFFFF"/>
-                      </a:solidFill>
-                      <a:prstDash val="solid"/>
-                      <a:round/>
-                      <a:headEnd type="none" w="med" len="med"/>
-                      <a:tailEnd type="none" w="med" len="med"/>
-                    </a:lnB>
-                    <a:solidFill>
-                      <a:srgbClr val="DDEBF7"/>
-                    </a:solidFill>
-                  </a:tcPr>
-                </a:tc>
-                <a:tc>
-                  <a:txBody>
-                    <a:bodyPr/>
-                    <a:lstStyle/>
-                    <a:p>
-                      <a:pPr algn="r" fontAlgn="b"/>
-                      <a:r>
-                        <a:rPr lang="en-US" sz="1100" b="1" i="0" u="none" strike="noStrike">
-                          <a:solidFill>
-                            <a:srgbClr val="000000"/>
-                          </a:solidFill>
-                          <a:effectLst/>
-                          <a:latin typeface="Calibri" panose="020F0502020204030204" pitchFamily="34" charset="0"/>
-                        </a:rPr>
-                        <a:t>1.56</a:t>
-                      </a:r>
-                    </a:p>
-                  </a:txBody>
-                  <a:tcPr marL="7620" marR="7620" marT="7620" marB="0" anchor="b">
-                    <a:lnL w="6350" cap="flat" cmpd="sng" algn="ctr">
-                      <a:solidFill>
-                        <a:srgbClr val="FFFFFF"/>
-                      </a:solidFill>
-                      <a:prstDash val="solid"/>
-                      <a:round/>
-                      <a:headEnd type="none" w="med" len="med"/>
-                      <a:tailEnd type="none" w="med" len="med"/>
-                    </a:lnL>
-                    <a:lnR w="6350" cap="flat" cmpd="sng" algn="ctr">
-                      <a:solidFill>
-                        <a:srgbClr val="FFFFFF"/>
-                      </a:solidFill>
-                      <a:prstDash val="solid"/>
-                      <a:round/>
-                      <a:headEnd type="none" w="med" len="med"/>
-                      <a:tailEnd type="none" w="med" len="med"/>
-                    </a:lnR>
-                    <a:lnT w="6350" cap="flat" cmpd="sng" algn="ctr">
-                      <a:solidFill>
-                        <a:srgbClr val="FFFFFF"/>
-                      </a:solidFill>
-                      <a:prstDash val="solid"/>
-                      <a:round/>
-                      <a:headEnd type="none" w="med" len="med"/>
-                      <a:tailEnd type="none" w="med" len="med"/>
-                    </a:lnT>
-                    <a:lnB w="6350" cap="flat" cmpd="sng" algn="ctr">
-                      <a:solidFill>
-                        <a:srgbClr val="FFFFFF"/>
-                      </a:solidFill>
-                      <a:prstDash val="solid"/>
-                      <a:round/>
-                      <a:headEnd type="none" w="med" len="med"/>
-                      <a:tailEnd type="none" w="med" len="med"/>
-                    </a:lnB>
-                    <a:solidFill>
-                      <a:srgbClr val="DDEBF7"/>
-                    </a:solidFill>
-                  </a:tcPr>
-                </a:tc>
-                <a:tc>
-                  <a:txBody>
-                    <a:bodyPr/>
-                    <a:lstStyle/>
-                    <a:p>
-                      <a:pPr algn="r" fontAlgn="b"/>
-                      <a:r>
-                        <a:rPr lang="en-US" sz="1100" b="1" i="0" u="none" strike="noStrike">
-                          <a:solidFill>
-                            <a:srgbClr val="000000"/>
-                          </a:solidFill>
-                          <a:effectLst/>
-                          <a:latin typeface="Calibri" panose="020F0502020204030204" pitchFamily="34" charset="0"/>
-                        </a:rPr>
-                        <a:t>4.35</a:t>
-                      </a:r>
-                    </a:p>
-                  </a:txBody>
-                  <a:tcPr marL="7620" marR="7620" marT="7620" marB="0" anchor="b">
-                    <a:lnL w="6350" cap="flat" cmpd="sng" algn="ctr">
-                      <a:solidFill>
-                        <a:srgbClr val="FFFFFF"/>
-                      </a:solidFill>
-                      <a:prstDash val="solid"/>
-                      <a:round/>
-                      <a:headEnd type="none" w="med" len="med"/>
-                      <a:tailEnd type="none" w="med" len="med"/>
-                    </a:lnL>
-                    <a:lnR w="6350" cap="flat" cmpd="sng" algn="ctr">
-                      <a:solidFill>
-                        <a:srgbClr val="FFFFFF"/>
-                      </a:solidFill>
-                      <a:prstDash val="solid"/>
-                      <a:round/>
-                      <a:headEnd type="none" w="med" len="med"/>
-                      <a:tailEnd type="none" w="med" len="med"/>
-                    </a:lnR>
-                    <a:lnT w="6350" cap="flat" cmpd="sng" algn="ctr">
-                      <a:solidFill>
-                        <a:srgbClr val="FFFFFF"/>
-                      </a:solidFill>
-                      <a:prstDash val="solid"/>
-                      <a:round/>
-                      <a:headEnd type="none" w="med" len="med"/>
-                      <a:tailEnd type="none" w="med" len="med"/>
-                    </a:lnT>
-                    <a:lnB w="6350" cap="flat" cmpd="sng" algn="ctr">
-                      <a:solidFill>
-                        <a:srgbClr val="FFFFFF"/>
-                      </a:solidFill>
-                      <a:prstDash val="solid"/>
-                      <a:round/>
-                      <a:headEnd type="none" w="med" len="med"/>
-                      <a:tailEnd type="none" w="med" len="med"/>
-                    </a:lnB>
-                    <a:solidFill>
-                      <a:srgbClr val="DDEBF7"/>
-                    </a:solidFill>
-                  </a:tcPr>
-                </a:tc>
-                <a:tc>
-                  <a:txBody>
-                    <a:bodyPr/>
-                    <a:lstStyle/>
-                    <a:p>
-                      <a:pPr algn="r" fontAlgn="b"/>
-                      <a:r>
-                        <a:rPr lang="en-US" sz="1100" b="1" i="0" u="none" strike="noStrike">
-                          <a:solidFill>
-                            <a:srgbClr val="000000"/>
-                          </a:solidFill>
-                          <a:effectLst/>
-                          <a:latin typeface="Calibri" panose="020F0502020204030204" pitchFamily="34" charset="0"/>
-                        </a:rPr>
-                        <a:t>1.54</a:t>
-                      </a:r>
-                    </a:p>
-                  </a:txBody>
-                  <a:tcPr marL="7620" marR="7620" marT="7620" marB="0" anchor="b">
-                    <a:lnL w="6350" cap="flat" cmpd="sng" algn="ctr">
-                      <a:solidFill>
-                        <a:srgbClr val="FFFFFF"/>
-                      </a:solidFill>
-                      <a:prstDash val="solid"/>
-                      <a:round/>
-                      <a:headEnd type="none" w="med" len="med"/>
-                      <a:tailEnd type="none" w="med" len="med"/>
-                    </a:lnL>
-                    <a:lnR w="6350" cap="flat" cmpd="sng" algn="ctr">
-                      <a:solidFill>
-                        <a:srgbClr val="FFFFFF"/>
-                      </a:solidFill>
-                      <a:prstDash val="solid"/>
-                      <a:round/>
-                      <a:headEnd type="none" w="med" len="med"/>
-                      <a:tailEnd type="none" w="med" len="med"/>
-                    </a:lnR>
-                    <a:lnT w="6350" cap="flat" cmpd="sng" algn="ctr">
-                      <a:solidFill>
-                        <a:srgbClr val="FFFFFF"/>
-                      </a:solidFill>
-                      <a:prstDash val="solid"/>
-                      <a:round/>
-                      <a:headEnd type="none" w="med" len="med"/>
-                      <a:tailEnd type="none" w="med" len="med"/>
-                    </a:lnT>
-                    <a:lnB w="6350" cap="flat" cmpd="sng" algn="ctr">
-                      <a:solidFill>
-                        <a:srgbClr val="FFFFFF"/>
-                      </a:solidFill>
-                      <a:prstDash val="solid"/>
-                      <a:round/>
-                      <a:headEnd type="none" w="med" len="med"/>
-                      <a:tailEnd type="none" w="med" len="med"/>
-                    </a:lnB>
-                    <a:solidFill>
-                      <a:srgbClr val="DDEBF7"/>
-                    </a:solidFill>
-                  </a:tcPr>
-                </a:tc>
-                <a:tc>
-                  <a:txBody>
-                    <a:bodyPr/>
-                    <a:lstStyle/>
-                    <a:p>
-                      <a:pPr algn="r" fontAlgn="b"/>
-                      <a:r>
-                        <a:rPr lang="en-US" sz="1100" b="1" i="0" u="none" strike="noStrike">
-                          <a:solidFill>
-                            <a:srgbClr val="000000"/>
-                          </a:solidFill>
-                          <a:effectLst/>
-                          <a:latin typeface="Calibri" panose="020F0502020204030204" pitchFamily="34" charset="0"/>
-                        </a:rPr>
-                        <a:t>23.34</a:t>
-                      </a:r>
-                    </a:p>
-                  </a:txBody>
-                  <a:tcPr marL="7620" marR="7620" marT="7620" marB="0" anchor="b">
-                    <a:lnL w="6350" cap="flat" cmpd="sng" algn="ctr">
-                      <a:solidFill>
-                        <a:srgbClr val="FFFFFF"/>
-                      </a:solidFill>
-                      <a:prstDash val="solid"/>
-                      <a:round/>
-                      <a:headEnd type="none" w="med" len="med"/>
-                      <a:tailEnd type="none" w="med" len="med"/>
-                    </a:lnL>
-                    <a:lnR w="6350" cap="flat" cmpd="sng" algn="ctr">
-                      <a:solidFill>
-                        <a:srgbClr val="FFFFFF"/>
-                      </a:solidFill>
-                      <a:prstDash val="solid"/>
-                      <a:round/>
-                      <a:headEnd type="none" w="med" len="med"/>
-                      <a:tailEnd type="none" w="med" len="med"/>
-                    </a:lnR>
-                    <a:lnT w="6350" cap="flat" cmpd="sng" algn="ctr">
-                      <a:solidFill>
-                        <a:srgbClr val="FFFFFF"/>
-                      </a:solidFill>
-                      <a:prstDash val="solid"/>
-                      <a:round/>
-                      <a:headEnd type="none" w="med" len="med"/>
-                      <a:tailEnd type="none" w="med" len="med"/>
-                    </a:lnT>
-                    <a:lnB w="6350" cap="flat" cmpd="sng" algn="ctr">
-                      <a:solidFill>
-                        <a:srgbClr val="FFFFFF"/>
-                      </a:solidFill>
-                      <a:prstDash val="solid"/>
-                      <a:round/>
-                      <a:headEnd type="none" w="med" len="med"/>
-                      <a:tailEnd type="none" w="med" len="med"/>
-                    </a:lnB>
-                    <a:solidFill>
-                      <a:srgbClr val="DDEBF7"/>
-                    </a:solidFill>
-                  </a:tcPr>
-                </a:tc>
-                <a:tc>
-                  <a:txBody>
-                    <a:bodyPr/>
-                    <a:lstStyle/>
-                    <a:p>
-                      <a:pPr algn="r" fontAlgn="b"/>
-                      <a:r>
-                        <a:rPr lang="en-US" sz="1100" b="1" i="0" u="none" strike="noStrike" dirty="0">
-                          <a:solidFill>
-                            <a:srgbClr val="000000"/>
-                          </a:solidFill>
-                          <a:effectLst/>
-                          <a:latin typeface="Calibri" panose="020F0502020204030204" pitchFamily="34" charset="0"/>
-                        </a:rPr>
-                        <a:t>4.87</a:t>
-                      </a:r>
-                    </a:p>
-                  </a:txBody>
-                  <a:tcPr marL="7620" marR="7620" marT="7620" marB="0" anchor="b">
-                    <a:lnL w="6350" cap="flat" cmpd="sng" algn="ctr">
-                      <a:solidFill>
-                        <a:srgbClr val="FFFFFF"/>
-                      </a:solidFill>
-                      <a:prstDash val="solid"/>
-                      <a:round/>
-                      <a:headEnd type="none" w="med" len="med"/>
-                      <a:tailEnd type="none" w="med" len="med"/>
-                    </a:lnL>
-                    <a:lnR w="6350" cap="flat" cmpd="sng" algn="ctr">
-                      <a:solidFill>
-                        <a:srgbClr val="FFFFFF"/>
-                      </a:solidFill>
-                      <a:prstDash val="solid"/>
-                      <a:round/>
-                      <a:headEnd type="none" w="med" len="med"/>
-                      <a:tailEnd type="none" w="med" len="med"/>
-                    </a:lnR>
-                    <a:lnT w="6350" cap="flat" cmpd="sng" algn="ctr">
-                      <a:solidFill>
-                        <a:srgbClr val="FFFFFF"/>
-                      </a:solidFill>
-                      <a:prstDash val="solid"/>
-                      <a:round/>
-                      <a:headEnd type="none" w="med" len="med"/>
-                      <a:tailEnd type="none" w="med" len="med"/>
-                    </a:lnT>
-                    <a:lnB w="6350" cap="flat" cmpd="sng" algn="ctr">
-                      <a:solidFill>
-                        <a:srgbClr val="FFFFFF"/>
-                      </a:solidFill>
-                      <a:prstDash val="solid"/>
-                      <a:round/>
-                      <a:headEnd type="none" w="med" len="med"/>
-                      <a:tailEnd type="none" w="med" len="med"/>
-                    </a:lnB>
-                    <a:solidFill>
-                      <a:srgbClr val="DDEBF7"/>
-                    </a:solidFill>
-                  </a:tcPr>
-                </a:tc>
-                <a:tc>
-                  <a:txBody>
-                    <a:bodyPr/>
-                    <a:lstStyle/>
-                    <a:p>
-                      <a:pPr algn="r" fontAlgn="b"/>
-                      <a:r>
-                        <a:rPr lang="en-US" sz="1100" b="1" i="0" u="none" strike="noStrike">
-                          <a:solidFill>
-                            <a:srgbClr val="000000"/>
-                          </a:solidFill>
-                          <a:effectLst/>
-                          <a:latin typeface="Calibri" panose="020F0502020204030204" pitchFamily="34" charset="0"/>
-                        </a:rPr>
-                        <a:t>3.06</a:t>
-                      </a:r>
-                    </a:p>
-                  </a:txBody>
-                  <a:tcPr marL="7620" marR="7620" marT="7620" marB="0" anchor="b">
-                    <a:lnL w="6350" cap="flat" cmpd="sng" algn="ctr">
-                      <a:solidFill>
-                        <a:srgbClr val="FFFFFF"/>
-                      </a:solidFill>
-                      <a:prstDash val="solid"/>
-                      <a:round/>
-                      <a:headEnd type="none" w="med" len="med"/>
-                      <a:tailEnd type="none" w="med" len="med"/>
-                    </a:lnL>
-                    <a:lnR>
-                      <a:noFill/>
-                    </a:lnR>
-                    <a:lnT w="6350" cap="flat" cmpd="sng" algn="ctr">
-                      <a:solidFill>
-                        <a:srgbClr val="FFFFFF"/>
-                      </a:solidFill>
-                      <a:prstDash val="solid"/>
-                      <a:round/>
-                      <a:headEnd type="none" w="med" len="med"/>
-                      <a:tailEnd type="none" w="med" len="med"/>
-                    </a:lnT>
-                    <a:lnB w="6350" cap="flat" cmpd="sng" algn="ctr">
-                      <a:solidFill>
-                        <a:srgbClr val="FFFFFF"/>
-                      </a:solidFill>
-                      <a:prstDash val="solid"/>
-                      <a:round/>
-                      <a:headEnd type="none" w="med" len="med"/>
-                      <a:tailEnd type="none" w="med" len="med"/>
-                    </a:lnB>
-                    <a:solidFill>
-                      <a:srgbClr val="DDEBF7"/>
-                    </a:solidFill>
-                  </a:tcPr>
-                </a:tc>
-                <a:extLst>
-                  <a:ext uri="{0D108BD9-81ED-4DB2-BD59-A6C34878D82A}">
-                    <a16:rowId xmlns:a16="http://schemas.microsoft.com/office/drawing/2014/main" val="1155422091"/>
-                  </a:ext>
-                </a:extLst>
-              </a:tr>
-              <a:tr h="182880">
-                <a:tc>
-                  <a:txBody>
-                    <a:bodyPr/>
-                    <a:lstStyle/>
-                    <a:p>
-                      <a:pPr algn="l" fontAlgn="b"/>
-                      <a:r>
-                        <a:rPr lang="en-US" sz="1100" b="1" i="0" u="none" strike="noStrike">
-                          <a:solidFill>
-                            <a:srgbClr val="000000"/>
-                          </a:solidFill>
-                          <a:effectLst/>
-                          <a:latin typeface="Calibri" panose="020F0502020204030204" pitchFamily="34" charset="0"/>
-                        </a:rPr>
-                        <a:t>LLY</a:t>
-                      </a:r>
-                    </a:p>
-                  </a:txBody>
-                  <a:tcPr marL="7620" marR="7620" marT="7620" marB="0" anchor="b">
-                    <a:lnL>
-                      <a:noFill/>
-                    </a:lnL>
-                    <a:lnR w="6350" cap="flat" cmpd="sng" algn="ctr">
-                      <a:solidFill>
-                        <a:srgbClr val="FFFFFF"/>
-                      </a:solidFill>
-                      <a:prstDash val="solid"/>
-                      <a:round/>
-                      <a:headEnd type="none" w="med" len="med"/>
-                      <a:tailEnd type="none" w="med" len="med"/>
-                    </a:lnR>
-                    <a:lnT w="6350" cap="flat" cmpd="sng" algn="ctr">
-                      <a:solidFill>
-                        <a:srgbClr val="FFFFFF"/>
-                      </a:solidFill>
-                      <a:prstDash val="solid"/>
-                      <a:round/>
-                      <a:headEnd type="none" w="med" len="med"/>
-                      <a:tailEnd type="none" w="med" len="med"/>
-                    </a:lnT>
-                    <a:lnB w="6350" cap="flat" cmpd="sng" algn="ctr">
-                      <a:solidFill>
-                        <a:srgbClr val="FFFFFF"/>
-                      </a:solidFill>
-                      <a:prstDash val="solid"/>
-                      <a:round/>
-                      <a:headEnd type="none" w="med" len="med"/>
-                      <a:tailEnd type="none" w="med" len="med"/>
-                    </a:lnB>
-                    <a:solidFill>
-                      <a:srgbClr val="BDD7EE"/>
-                    </a:solidFill>
-                  </a:tcPr>
-                </a:tc>
-                <a:tc>
-                  <a:txBody>
-                    <a:bodyPr/>
-                    <a:lstStyle/>
-                    <a:p>
-                      <a:pPr algn="l" fontAlgn="b"/>
-                      <a:r>
-                        <a:rPr lang="en-US" sz="1100" b="1" i="0" u="none" strike="noStrike">
-                          <a:solidFill>
-                            <a:srgbClr val="000000"/>
-                          </a:solidFill>
-                          <a:effectLst/>
-                          <a:latin typeface="Calibri" panose="020F0502020204030204" pitchFamily="34" charset="0"/>
-                        </a:rPr>
-                        <a:t>Lilly (Eli) &amp; Co.</a:t>
-                      </a:r>
-                    </a:p>
-                  </a:txBody>
-                  <a:tcPr marL="7620" marR="7620" marT="7620" marB="0" anchor="b">
-                    <a:lnL w="6350" cap="flat" cmpd="sng" algn="ctr">
-                      <a:solidFill>
-                        <a:srgbClr val="FFFFFF"/>
-                      </a:solidFill>
-                      <a:prstDash val="solid"/>
-                      <a:round/>
-                      <a:headEnd type="none" w="med" len="med"/>
-                      <a:tailEnd type="none" w="med" len="med"/>
-                    </a:lnL>
-                    <a:lnR w="6350" cap="flat" cmpd="sng" algn="ctr">
-                      <a:solidFill>
-                        <a:srgbClr val="FFFFFF"/>
-                      </a:solidFill>
-                      <a:prstDash val="solid"/>
-                      <a:round/>
-                      <a:headEnd type="none" w="med" len="med"/>
-                      <a:tailEnd type="none" w="med" len="med"/>
-                    </a:lnR>
-                    <a:lnT w="6350" cap="flat" cmpd="sng" algn="ctr">
-                      <a:solidFill>
-                        <a:srgbClr val="FFFFFF"/>
-                      </a:solidFill>
-                      <a:prstDash val="solid"/>
-                      <a:round/>
-                      <a:headEnd type="none" w="med" len="med"/>
-                      <a:tailEnd type="none" w="med" len="med"/>
-                    </a:lnT>
-                    <a:lnB w="6350" cap="flat" cmpd="sng" algn="ctr">
-                      <a:solidFill>
-                        <a:srgbClr val="FFFFFF"/>
-                      </a:solidFill>
-                      <a:prstDash val="solid"/>
-                      <a:round/>
-                      <a:headEnd type="none" w="med" len="med"/>
-                      <a:tailEnd type="none" w="med" len="med"/>
-                    </a:lnB>
-                    <a:solidFill>
-                      <a:srgbClr val="BDD7EE"/>
-                    </a:solidFill>
-                  </a:tcPr>
-                </a:tc>
-                <a:tc>
-                  <a:txBody>
-                    <a:bodyPr/>
-                    <a:lstStyle/>
-                    <a:p>
-                      <a:pPr algn="r" fontAlgn="b"/>
-                      <a:r>
-                        <a:rPr lang="en-US" sz="1100" b="1" i="0" u="none" strike="noStrike">
-                          <a:solidFill>
-                            <a:srgbClr val="000000"/>
-                          </a:solidFill>
-                          <a:effectLst/>
-                          <a:latin typeface="Calibri" panose="020F0502020204030204" pitchFamily="34" charset="0"/>
-                        </a:rPr>
-                        <a:t>198.67</a:t>
-                      </a:r>
-                    </a:p>
-                  </a:txBody>
-                  <a:tcPr marL="7620" marR="7620" marT="7620" marB="0" anchor="b">
-                    <a:lnL w="6350" cap="flat" cmpd="sng" algn="ctr">
-                      <a:solidFill>
-                        <a:srgbClr val="FFFFFF"/>
-                      </a:solidFill>
-                      <a:prstDash val="solid"/>
-                      <a:round/>
-                      <a:headEnd type="none" w="med" len="med"/>
-                      <a:tailEnd type="none" w="med" len="med"/>
-                    </a:lnL>
-                    <a:lnR w="6350" cap="flat" cmpd="sng" algn="ctr">
-                      <a:solidFill>
-                        <a:srgbClr val="FFFFFF"/>
-                      </a:solidFill>
-                      <a:prstDash val="solid"/>
-                      <a:round/>
-                      <a:headEnd type="none" w="med" len="med"/>
-                      <a:tailEnd type="none" w="med" len="med"/>
-                    </a:lnR>
-                    <a:lnT w="6350" cap="flat" cmpd="sng" algn="ctr">
-                      <a:solidFill>
-                        <a:srgbClr val="FFFFFF"/>
-                      </a:solidFill>
-                      <a:prstDash val="solid"/>
-                      <a:round/>
-                      <a:headEnd type="none" w="med" len="med"/>
-                      <a:tailEnd type="none" w="med" len="med"/>
-                    </a:lnT>
-                    <a:lnB w="6350" cap="flat" cmpd="sng" algn="ctr">
-                      <a:solidFill>
-                        <a:srgbClr val="FFFFFF"/>
-                      </a:solidFill>
-                      <a:prstDash val="solid"/>
-                      <a:round/>
-                      <a:headEnd type="none" w="med" len="med"/>
-                      <a:tailEnd type="none" w="med" len="med"/>
-                    </a:lnB>
-                    <a:solidFill>
-                      <a:srgbClr val="BDD7EE"/>
-                    </a:solidFill>
-                  </a:tcPr>
-                </a:tc>
-                <a:tc>
-                  <a:txBody>
-                    <a:bodyPr/>
-                    <a:lstStyle/>
-                    <a:p>
-                      <a:pPr algn="r" fontAlgn="b"/>
-                      <a:r>
-                        <a:rPr lang="en-US" sz="1100" b="1" i="0" u="none" strike="noStrike">
-                          <a:solidFill>
-                            <a:srgbClr val="000000"/>
-                          </a:solidFill>
-                          <a:effectLst/>
-                          <a:latin typeface="Calibri" panose="020F0502020204030204" pitchFamily="34" charset="0"/>
-                        </a:rPr>
-                        <a:t>207.70</a:t>
-                      </a:r>
-                    </a:p>
-                  </a:txBody>
-                  <a:tcPr marL="7620" marR="7620" marT="7620" marB="0" anchor="b">
-                    <a:lnL w="6350" cap="flat" cmpd="sng" algn="ctr">
-                      <a:solidFill>
-                        <a:srgbClr val="FFFFFF"/>
-                      </a:solidFill>
-                      <a:prstDash val="solid"/>
-                      <a:round/>
-                      <a:headEnd type="none" w="med" len="med"/>
-                      <a:tailEnd type="none" w="med" len="med"/>
-                    </a:lnL>
-                    <a:lnR w="6350" cap="flat" cmpd="sng" algn="ctr">
-                      <a:solidFill>
-                        <a:srgbClr val="FFFFFF"/>
-                      </a:solidFill>
-                      <a:prstDash val="solid"/>
-                      <a:round/>
-                      <a:headEnd type="none" w="med" len="med"/>
-                      <a:tailEnd type="none" w="med" len="med"/>
-                    </a:lnR>
-                    <a:lnT w="6350" cap="flat" cmpd="sng" algn="ctr">
-                      <a:solidFill>
-                        <a:srgbClr val="FFFFFF"/>
-                      </a:solidFill>
-                      <a:prstDash val="solid"/>
-                      <a:round/>
-                      <a:headEnd type="none" w="med" len="med"/>
-                      <a:tailEnd type="none" w="med" len="med"/>
-                    </a:lnT>
-                    <a:lnB w="6350" cap="flat" cmpd="sng" algn="ctr">
-                      <a:solidFill>
-                        <a:srgbClr val="FFFFFF"/>
-                      </a:solidFill>
-                      <a:prstDash val="solid"/>
-                      <a:round/>
-                      <a:headEnd type="none" w="med" len="med"/>
-                      <a:tailEnd type="none" w="med" len="med"/>
-                    </a:lnB>
-                    <a:solidFill>
-                      <a:srgbClr val="BDD7EE"/>
-                    </a:solidFill>
-                  </a:tcPr>
-                </a:tc>
-                <a:tc>
-                  <a:txBody>
-                    <a:bodyPr/>
-                    <a:lstStyle/>
-                    <a:p>
-                      <a:pPr algn="r" fontAlgn="b"/>
-                      <a:r>
-                        <a:rPr lang="en-US" sz="1100" b="1" i="0" u="none" strike="noStrike">
-                          <a:solidFill>
-                            <a:srgbClr val="000000"/>
-                          </a:solidFill>
-                          <a:effectLst/>
-                          <a:latin typeface="Calibri" panose="020F0502020204030204" pitchFamily="34" charset="0"/>
-                        </a:rPr>
-                        <a:t>3.4</a:t>
-                      </a:r>
-                    </a:p>
-                  </a:txBody>
-                  <a:tcPr marL="7620" marR="7620" marT="7620" marB="0" anchor="b">
-                    <a:lnL w="6350" cap="flat" cmpd="sng" algn="ctr">
-                      <a:solidFill>
-                        <a:srgbClr val="FFFFFF"/>
-                      </a:solidFill>
-                      <a:prstDash val="solid"/>
-                      <a:round/>
-                      <a:headEnd type="none" w="med" len="med"/>
-                      <a:tailEnd type="none" w="med" len="med"/>
-                    </a:lnL>
-                    <a:lnR w="6350" cap="flat" cmpd="sng" algn="ctr">
-                      <a:solidFill>
-                        <a:srgbClr val="FFFFFF"/>
-                      </a:solidFill>
-                      <a:prstDash val="solid"/>
-                      <a:round/>
-                      <a:headEnd type="none" w="med" len="med"/>
-                      <a:tailEnd type="none" w="med" len="med"/>
-                    </a:lnR>
-                    <a:lnT w="6350" cap="flat" cmpd="sng" algn="ctr">
-                      <a:solidFill>
-                        <a:srgbClr val="FFFFFF"/>
-                      </a:solidFill>
-                      <a:prstDash val="solid"/>
-                      <a:round/>
-                      <a:headEnd type="none" w="med" len="med"/>
-                      <a:tailEnd type="none" w="med" len="med"/>
-                    </a:lnT>
-                    <a:lnB w="6350" cap="flat" cmpd="sng" algn="ctr">
-                      <a:solidFill>
-                        <a:srgbClr val="FFFFFF"/>
-                      </a:solidFill>
-                      <a:prstDash val="solid"/>
-                      <a:round/>
-                      <a:headEnd type="none" w="med" len="med"/>
-                      <a:tailEnd type="none" w="med" len="med"/>
-                    </a:lnB>
-                    <a:solidFill>
-                      <a:srgbClr val="BDD7EE"/>
-                    </a:solidFill>
-                  </a:tcPr>
-                </a:tc>
-                <a:tc>
-                  <a:txBody>
-                    <a:bodyPr/>
-                    <a:lstStyle/>
-                    <a:p>
-                      <a:pPr algn="r" fontAlgn="b"/>
-                      <a:r>
-                        <a:rPr lang="en-US" sz="1100" b="1" i="0" u="none" strike="noStrike">
-                          <a:solidFill>
-                            <a:srgbClr val="000000"/>
-                          </a:solidFill>
-                          <a:effectLst/>
-                          <a:latin typeface="Calibri" panose="020F0502020204030204" pitchFamily="34" charset="0"/>
-                        </a:rPr>
-                        <a:t>1.63</a:t>
-                      </a:r>
-                    </a:p>
-                  </a:txBody>
-                  <a:tcPr marL="7620" marR="7620" marT="7620" marB="0" anchor="b">
-                    <a:lnL w="6350" cap="flat" cmpd="sng" algn="ctr">
-                      <a:solidFill>
-                        <a:srgbClr val="FFFFFF"/>
-                      </a:solidFill>
-                      <a:prstDash val="solid"/>
-                      <a:round/>
-                      <a:headEnd type="none" w="med" len="med"/>
-                      <a:tailEnd type="none" w="med" len="med"/>
-                    </a:lnL>
-                    <a:lnR w="6350" cap="flat" cmpd="sng" algn="ctr">
-                      <a:solidFill>
-                        <a:srgbClr val="FFFFFF"/>
-                      </a:solidFill>
-                      <a:prstDash val="solid"/>
-                      <a:round/>
-                      <a:headEnd type="none" w="med" len="med"/>
-                      <a:tailEnd type="none" w="med" len="med"/>
-                    </a:lnR>
-                    <a:lnT w="6350" cap="flat" cmpd="sng" algn="ctr">
-                      <a:solidFill>
-                        <a:srgbClr val="FFFFFF"/>
-                      </a:solidFill>
-                      <a:prstDash val="solid"/>
-                      <a:round/>
-                      <a:headEnd type="none" w="med" len="med"/>
-                      <a:tailEnd type="none" w="med" len="med"/>
-                    </a:lnT>
-                    <a:lnB w="6350" cap="flat" cmpd="sng" algn="ctr">
-                      <a:solidFill>
-                        <a:srgbClr val="FFFFFF"/>
-                      </a:solidFill>
-                      <a:prstDash val="solid"/>
-                      <a:round/>
-                      <a:headEnd type="none" w="med" len="med"/>
-                      <a:tailEnd type="none" w="med" len="med"/>
-                    </a:lnB>
-                    <a:solidFill>
-                      <a:srgbClr val="BDD7EE"/>
-                    </a:solidFill>
-                  </a:tcPr>
-                </a:tc>
-                <a:tc>
-                  <a:txBody>
-                    <a:bodyPr/>
-                    <a:lstStyle/>
-                    <a:p>
-                      <a:pPr algn="r" fontAlgn="b"/>
-                      <a:r>
-                        <a:rPr lang="en-US" sz="1100" b="1" i="0" u="none" strike="noStrike">
-                          <a:solidFill>
-                            <a:srgbClr val="000000"/>
-                          </a:solidFill>
-                          <a:effectLst/>
-                          <a:latin typeface="Calibri" panose="020F0502020204030204" pitchFamily="34" charset="0"/>
-                        </a:rPr>
-                        <a:t>6.79</a:t>
-                      </a:r>
-                    </a:p>
-                  </a:txBody>
-                  <a:tcPr marL="7620" marR="7620" marT="7620" marB="0" anchor="b">
-                    <a:lnL w="6350" cap="flat" cmpd="sng" algn="ctr">
-                      <a:solidFill>
-                        <a:srgbClr val="FFFFFF"/>
-                      </a:solidFill>
-                      <a:prstDash val="solid"/>
-                      <a:round/>
-                      <a:headEnd type="none" w="med" len="med"/>
-                      <a:tailEnd type="none" w="med" len="med"/>
-                    </a:lnL>
-                    <a:lnR w="6350" cap="flat" cmpd="sng" algn="ctr">
-                      <a:solidFill>
-                        <a:srgbClr val="FFFFFF"/>
-                      </a:solidFill>
-                      <a:prstDash val="solid"/>
-                      <a:round/>
-                      <a:headEnd type="none" w="med" len="med"/>
-                      <a:tailEnd type="none" w="med" len="med"/>
-                    </a:lnR>
-                    <a:lnT w="6350" cap="flat" cmpd="sng" algn="ctr">
-                      <a:solidFill>
-                        <a:srgbClr val="FFFFFF"/>
-                      </a:solidFill>
-                      <a:prstDash val="solid"/>
-                      <a:round/>
-                      <a:headEnd type="none" w="med" len="med"/>
-                      <a:tailEnd type="none" w="med" len="med"/>
-                    </a:lnT>
-                    <a:lnB w="6350" cap="flat" cmpd="sng" algn="ctr">
-                      <a:solidFill>
-                        <a:srgbClr val="FFFFFF"/>
-                      </a:solidFill>
-                      <a:prstDash val="solid"/>
-                      <a:round/>
-                      <a:headEnd type="none" w="med" len="med"/>
-                      <a:tailEnd type="none" w="med" len="med"/>
-                    </a:lnB>
-                    <a:solidFill>
-                      <a:srgbClr val="BDD7EE"/>
-                    </a:solidFill>
-                  </a:tcPr>
-                </a:tc>
-                <a:tc>
-                  <a:txBody>
-                    <a:bodyPr/>
-                    <a:lstStyle/>
-                    <a:p>
-                      <a:pPr algn="r" fontAlgn="b"/>
-                      <a:r>
-                        <a:rPr lang="en-US" sz="1100" b="1" i="0" u="none" strike="noStrike">
-                          <a:solidFill>
-                            <a:srgbClr val="000000"/>
-                          </a:solidFill>
-                          <a:effectLst/>
-                          <a:latin typeface="Calibri" panose="020F0502020204030204" pitchFamily="34" charset="0"/>
-                        </a:rPr>
-                        <a:t>30.6</a:t>
-                      </a:r>
-                    </a:p>
-                  </a:txBody>
-                  <a:tcPr marL="7620" marR="7620" marT="7620" marB="0" anchor="b">
-                    <a:lnL w="6350" cap="flat" cmpd="sng" algn="ctr">
-                      <a:solidFill>
-                        <a:srgbClr val="FFFFFF"/>
-                      </a:solidFill>
-                      <a:prstDash val="solid"/>
-                      <a:round/>
-                      <a:headEnd type="none" w="med" len="med"/>
-                      <a:tailEnd type="none" w="med" len="med"/>
-                    </a:lnL>
-                    <a:lnR w="6350" cap="flat" cmpd="sng" algn="ctr">
-                      <a:solidFill>
-                        <a:srgbClr val="FFFFFF"/>
-                      </a:solidFill>
-                      <a:prstDash val="solid"/>
-                      <a:round/>
-                      <a:headEnd type="none" w="med" len="med"/>
-                      <a:tailEnd type="none" w="med" len="med"/>
-                    </a:lnR>
-                    <a:lnT w="6350" cap="flat" cmpd="sng" algn="ctr">
-                      <a:solidFill>
-                        <a:srgbClr val="FFFFFF"/>
-                      </a:solidFill>
-                      <a:prstDash val="solid"/>
-                      <a:round/>
-                      <a:headEnd type="none" w="med" len="med"/>
-                      <a:tailEnd type="none" w="med" len="med"/>
-                    </a:lnT>
-                    <a:lnB w="6350" cap="flat" cmpd="sng" algn="ctr">
-                      <a:solidFill>
-                        <a:srgbClr val="FFFFFF"/>
-                      </a:solidFill>
-                      <a:prstDash val="solid"/>
-                      <a:round/>
-                      <a:headEnd type="none" w="med" len="med"/>
-                      <a:tailEnd type="none" w="med" len="med"/>
-                    </a:lnB>
-                    <a:solidFill>
-                      <a:srgbClr val="BDD7EE"/>
-                    </a:solidFill>
-                  </a:tcPr>
-                </a:tc>
-                <a:tc>
-                  <a:txBody>
-                    <a:bodyPr/>
-                    <a:lstStyle/>
-                    <a:p>
-                      <a:pPr algn="r" fontAlgn="b"/>
-                      <a:r>
-                        <a:rPr lang="en-US" sz="1100" b="1" i="0" u="none" strike="noStrike">
-                          <a:solidFill>
-                            <a:srgbClr val="000000"/>
-                          </a:solidFill>
-                          <a:effectLst/>
-                          <a:latin typeface="Calibri" panose="020F0502020204030204" pitchFamily="34" charset="0"/>
-                        </a:rPr>
-                        <a:t>1.36</a:t>
-                      </a:r>
-                    </a:p>
-                  </a:txBody>
-                  <a:tcPr marL="7620" marR="7620" marT="7620" marB="0" anchor="b">
-                    <a:lnL w="6350" cap="flat" cmpd="sng" algn="ctr">
-                      <a:solidFill>
-                        <a:srgbClr val="FFFFFF"/>
-                      </a:solidFill>
-                      <a:prstDash val="solid"/>
-                      <a:round/>
-                      <a:headEnd type="none" w="med" len="med"/>
-                      <a:tailEnd type="none" w="med" len="med"/>
-                    </a:lnL>
-                    <a:lnR w="6350" cap="flat" cmpd="sng" algn="ctr">
-                      <a:solidFill>
-                        <a:srgbClr val="FFFFFF"/>
-                      </a:solidFill>
-                      <a:prstDash val="solid"/>
-                      <a:round/>
-                      <a:headEnd type="none" w="med" len="med"/>
-                      <a:tailEnd type="none" w="med" len="med"/>
-                    </a:lnR>
-                    <a:lnT w="6350" cap="flat" cmpd="sng" algn="ctr">
-                      <a:solidFill>
-                        <a:srgbClr val="FFFFFF"/>
-                      </a:solidFill>
-                      <a:prstDash val="solid"/>
-                      <a:round/>
-                      <a:headEnd type="none" w="med" len="med"/>
-                      <a:tailEnd type="none" w="med" len="med"/>
-                    </a:lnT>
-                    <a:lnB w="6350" cap="flat" cmpd="sng" algn="ctr">
-                      <a:solidFill>
-                        <a:srgbClr val="FFFFFF"/>
-                      </a:solidFill>
-                      <a:prstDash val="solid"/>
-                      <a:round/>
-                      <a:headEnd type="none" w="med" len="med"/>
-                      <a:tailEnd type="none" w="med" len="med"/>
-                    </a:lnB>
-                    <a:solidFill>
-                      <a:srgbClr val="BDD7EE"/>
-                    </a:solidFill>
-                  </a:tcPr>
-                </a:tc>
-                <a:tc>
-                  <a:txBody>
-                    <a:bodyPr/>
-                    <a:lstStyle/>
-                    <a:p>
-                      <a:pPr algn="r" fontAlgn="b"/>
-                      <a:r>
-                        <a:rPr lang="en-US" sz="1100" b="1" i="0" u="none" strike="noStrike">
-                          <a:solidFill>
-                            <a:srgbClr val="000000"/>
-                          </a:solidFill>
-                          <a:effectLst/>
-                          <a:latin typeface="Calibri" panose="020F0502020204030204" pitchFamily="34" charset="0"/>
-                        </a:rPr>
-                        <a:t>37.81</a:t>
-                      </a:r>
-                    </a:p>
-                  </a:txBody>
-                  <a:tcPr marL="7620" marR="7620" marT="7620" marB="0" anchor="b">
-                    <a:lnL w="6350" cap="flat" cmpd="sng" algn="ctr">
-                      <a:solidFill>
-                        <a:srgbClr val="FFFFFF"/>
-                      </a:solidFill>
-                      <a:prstDash val="solid"/>
-                      <a:round/>
-                      <a:headEnd type="none" w="med" len="med"/>
-                      <a:tailEnd type="none" w="med" len="med"/>
-                    </a:lnL>
-                    <a:lnR>
-                      <a:noFill/>
-                    </a:lnR>
-                    <a:lnT w="6350" cap="flat" cmpd="sng" algn="ctr">
-                      <a:solidFill>
-                        <a:srgbClr val="FFFFFF"/>
-                      </a:solidFill>
-                      <a:prstDash val="solid"/>
-                      <a:round/>
-                      <a:headEnd type="none" w="med" len="med"/>
-                      <a:tailEnd type="none" w="med" len="med"/>
-                    </a:lnT>
-                    <a:lnB w="6350" cap="flat" cmpd="sng" algn="ctr">
-                      <a:solidFill>
-                        <a:srgbClr val="FFFFFF"/>
-                      </a:solidFill>
-                      <a:prstDash val="solid"/>
-                      <a:round/>
-                      <a:headEnd type="none" w="med" len="med"/>
-                      <a:tailEnd type="none" w="med" len="med"/>
-                    </a:lnB>
-                    <a:solidFill>
-                      <a:srgbClr val="BDD7EE"/>
-                    </a:solidFill>
-                  </a:tcPr>
-                </a:tc>
-                <a:extLst>
-                  <a:ext uri="{0D108BD9-81ED-4DB2-BD59-A6C34878D82A}">
-                    <a16:rowId xmlns:a16="http://schemas.microsoft.com/office/drawing/2014/main" val="548354407"/>
-                  </a:ext>
-                </a:extLst>
-              </a:tr>
-              <a:tr h="182880">
-                <a:tc>
-                  <a:txBody>
-                    <a:bodyPr/>
-                    <a:lstStyle/>
-                    <a:p>
-                      <a:pPr algn="l" fontAlgn="b"/>
-                      <a:r>
-                        <a:rPr lang="en-US" sz="1100" b="1" i="0" u="none" strike="noStrike">
-                          <a:solidFill>
-                            <a:srgbClr val="000000"/>
-                          </a:solidFill>
-                          <a:effectLst/>
-                          <a:latin typeface="Calibri" panose="020F0502020204030204" pitchFamily="34" charset="0"/>
-                        </a:rPr>
-                        <a:t>MRK</a:t>
-                      </a:r>
-                    </a:p>
-                  </a:txBody>
-                  <a:tcPr marL="7620" marR="7620" marT="7620" marB="0" anchor="b">
-                    <a:lnL>
-                      <a:noFill/>
-                    </a:lnL>
-                    <a:lnR w="6350" cap="flat" cmpd="sng" algn="ctr">
-                      <a:solidFill>
-                        <a:srgbClr val="FFFFFF"/>
-                      </a:solidFill>
-                      <a:prstDash val="solid"/>
-                      <a:round/>
-                      <a:headEnd type="none" w="med" len="med"/>
-                      <a:tailEnd type="none" w="med" len="med"/>
-                    </a:lnR>
-                    <a:lnT w="6350" cap="flat" cmpd="sng" algn="ctr">
-                      <a:solidFill>
-                        <a:srgbClr val="FFFFFF"/>
-                      </a:solidFill>
-                      <a:prstDash val="solid"/>
-                      <a:round/>
-                      <a:headEnd type="none" w="med" len="med"/>
-                      <a:tailEnd type="none" w="med" len="med"/>
-                    </a:lnT>
-                    <a:lnB w="6350" cap="flat" cmpd="sng" algn="ctr">
-                      <a:solidFill>
-                        <a:srgbClr val="FFFFFF"/>
-                      </a:solidFill>
-                      <a:prstDash val="solid"/>
-                      <a:round/>
-                      <a:headEnd type="none" w="med" len="med"/>
-                      <a:tailEnd type="none" w="med" len="med"/>
-                    </a:lnB>
-                    <a:solidFill>
-                      <a:srgbClr val="DDEBF7"/>
-                    </a:solidFill>
-                  </a:tcPr>
-                </a:tc>
-                <a:tc>
-                  <a:txBody>
-                    <a:bodyPr/>
-                    <a:lstStyle/>
-                    <a:p>
-                      <a:pPr algn="l" fontAlgn="b"/>
-                      <a:r>
-                        <a:rPr lang="en-US" sz="1100" b="1" i="0" u="none" strike="noStrike" dirty="0">
-                          <a:solidFill>
-                            <a:srgbClr val="000000"/>
-                          </a:solidFill>
-                          <a:effectLst/>
-                          <a:latin typeface="Calibri" panose="020F0502020204030204" pitchFamily="34" charset="0"/>
-                        </a:rPr>
-                        <a:t>Merck &amp; Co.</a:t>
-                      </a:r>
-                    </a:p>
-                  </a:txBody>
-                  <a:tcPr marL="7620" marR="7620" marT="7620" marB="0" anchor="b">
-                    <a:lnL w="6350" cap="flat" cmpd="sng" algn="ctr">
-                      <a:solidFill>
-                        <a:srgbClr val="FFFFFF"/>
-                      </a:solidFill>
-                      <a:prstDash val="solid"/>
-                      <a:round/>
-                      <a:headEnd type="none" w="med" len="med"/>
-                      <a:tailEnd type="none" w="med" len="med"/>
-                    </a:lnL>
-                    <a:lnR w="6350" cap="flat" cmpd="sng" algn="ctr">
-                      <a:solidFill>
-                        <a:srgbClr val="FFFFFF"/>
-                      </a:solidFill>
-                      <a:prstDash val="solid"/>
-                      <a:round/>
-                      <a:headEnd type="none" w="med" len="med"/>
-                      <a:tailEnd type="none" w="med" len="med"/>
-                    </a:lnR>
-                    <a:lnT w="6350" cap="flat" cmpd="sng" algn="ctr">
-                      <a:solidFill>
-                        <a:srgbClr val="FFFFFF"/>
-                      </a:solidFill>
-                      <a:prstDash val="solid"/>
-                      <a:round/>
-                      <a:headEnd type="none" w="med" len="med"/>
-                      <a:tailEnd type="none" w="med" len="med"/>
-                    </a:lnT>
-                    <a:lnB w="6350" cap="flat" cmpd="sng" algn="ctr">
-                      <a:solidFill>
-                        <a:srgbClr val="FFFFFF"/>
-                      </a:solidFill>
-                      <a:prstDash val="solid"/>
-                      <a:round/>
-                      <a:headEnd type="none" w="med" len="med"/>
-                      <a:tailEnd type="none" w="med" len="med"/>
-                    </a:lnB>
-                    <a:solidFill>
-                      <a:srgbClr val="DDEBF7"/>
-                    </a:solidFill>
-                  </a:tcPr>
-                </a:tc>
-                <a:tc>
-                  <a:txBody>
-                    <a:bodyPr/>
-                    <a:lstStyle/>
-                    <a:p>
-                      <a:pPr algn="r" fontAlgn="b"/>
-                      <a:r>
-                        <a:rPr lang="en-US" sz="1100" b="1" i="0" u="none" strike="noStrike">
-                          <a:solidFill>
-                            <a:srgbClr val="000000"/>
-                          </a:solidFill>
-                          <a:effectLst/>
-                          <a:latin typeface="Calibri" panose="020F0502020204030204" pitchFamily="34" charset="0"/>
-                        </a:rPr>
-                        <a:t>196.53</a:t>
-                      </a:r>
-                    </a:p>
-                  </a:txBody>
-                  <a:tcPr marL="7620" marR="7620" marT="7620" marB="0" anchor="b">
-                    <a:lnL w="6350" cap="flat" cmpd="sng" algn="ctr">
-                      <a:solidFill>
-                        <a:srgbClr val="FFFFFF"/>
-                      </a:solidFill>
-                      <a:prstDash val="solid"/>
-                      <a:round/>
-                      <a:headEnd type="none" w="med" len="med"/>
-                      <a:tailEnd type="none" w="med" len="med"/>
-                    </a:lnL>
-                    <a:lnR w="6350" cap="flat" cmpd="sng" algn="ctr">
-                      <a:solidFill>
-                        <a:srgbClr val="FFFFFF"/>
-                      </a:solidFill>
-                      <a:prstDash val="solid"/>
-                      <a:round/>
-                      <a:headEnd type="none" w="med" len="med"/>
-                      <a:tailEnd type="none" w="med" len="med"/>
-                    </a:lnR>
-                    <a:lnT w="6350" cap="flat" cmpd="sng" algn="ctr">
-                      <a:solidFill>
-                        <a:srgbClr val="FFFFFF"/>
-                      </a:solidFill>
-                      <a:prstDash val="solid"/>
-                      <a:round/>
-                      <a:headEnd type="none" w="med" len="med"/>
-                      <a:tailEnd type="none" w="med" len="med"/>
-                    </a:lnT>
-                    <a:lnB w="6350" cap="flat" cmpd="sng" algn="ctr">
-                      <a:solidFill>
-                        <a:srgbClr val="FFFFFF"/>
-                      </a:solidFill>
-                      <a:prstDash val="solid"/>
-                      <a:round/>
-                      <a:headEnd type="none" w="med" len="med"/>
-                      <a:tailEnd type="none" w="med" len="med"/>
-                    </a:lnB>
-                    <a:solidFill>
-                      <a:srgbClr val="DDEBF7"/>
-                    </a:solidFill>
-                  </a:tcPr>
-                </a:tc>
-                <a:tc>
-                  <a:txBody>
-                    <a:bodyPr/>
-                    <a:lstStyle/>
-                    <a:p>
-                      <a:pPr algn="r" fontAlgn="b"/>
-                      <a:r>
-                        <a:rPr lang="en-US" sz="1100" b="1" i="0" u="none" strike="noStrike">
-                          <a:solidFill>
-                            <a:srgbClr val="000000"/>
-                          </a:solidFill>
-                          <a:effectLst/>
-                          <a:latin typeface="Calibri" panose="020F0502020204030204" pitchFamily="34" charset="0"/>
-                        </a:rPr>
-                        <a:t>77.70</a:t>
-                      </a:r>
-                    </a:p>
-                  </a:txBody>
-                  <a:tcPr marL="7620" marR="7620" marT="7620" marB="0" anchor="b">
-                    <a:lnL w="6350" cap="flat" cmpd="sng" algn="ctr">
-                      <a:solidFill>
-                        <a:srgbClr val="FFFFFF"/>
-                      </a:solidFill>
-                      <a:prstDash val="solid"/>
-                      <a:round/>
-                      <a:headEnd type="none" w="med" len="med"/>
-                      <a:tailEnd type="none" w="med" len="med"/>
-                    </a:lnL>
-                    <a:lnR w="6350" cap="flat" cmpd="sng" algn="ctr">
-                      <a:solidFill>
-                        <a:srgbClr val="FFFFFF"/>
-                      </a:solidFill>
-                      <a:prstDash val="solid"/>
-                      <a:round/>
-                      <a:headEnd type="none" w="med" len="med"/>
-                      <a:tailEnd type="none" w="med" len="med"/>
-                    </a:lnR>
-                    <a:lnT w="6350" cap="flat" cmpd="sng" algn="ctr">
-                      <a:solidFill>
-                        <a:srgbClr val="FFFFFF"/>
-                      </a:solidFill>
-                      <a:prstDash val="solid"/>
-                      <a:round/>
-                      <a:headEnd type="none" w="med" len="med"/>
-                      <a:tailEnd type="none" w="med" len="med"/>
-                    </a:lnT>
-                    <a:lnB w="6350" cap="flat" cmpd="sng" algn="ctr">
-                      <a:solidFill>
-                        <a:srgbClr val="FFFFFF"/>
-                      </a:solidFill>
-                      <a:prstDash val="solid"/>
-                      <a:round/>
-                      <a:headEnd type="none" w="med" len="med"/>
-                      <a:tailEnd type="none" w="med" len="med"/>
-                    </a:lnB>
-                    <a:solidFill>
-                      <a:srgbClr val="DDEBF7"/>
-                    </a:solidFill>
-                  </a:tcPr>
-                </a:tc>
-                <a:tc>
-                  <a:txBody>
-                    <a:bodyPr/>
-                    <a:lstStyle/>
-                    <a:p>
-                      <a:pPr algn="r" fontAlgn="b"/>
-                      <a:r>
-                        <a:rPr lang="en-US" sz="1100" b="1" i="0" u="none" strike="noStrike">
-                          <a:solidFill>
-                            <a:srgbClr val="000000"/>
-                          </a:solidFill>
-                          <a:effectLst/>
-                          <a:latin typeface="Calibri" panose="020F0502020204030204" pitchFamily="34" charset="0"/>
-                        </a:rPr>
-                        <a:t>2.6</a:t>
-                      </a:r>
-                    </a:p>
-                  </a:txBody>
-                  <a:tcPr marL="7620" marR="7620" marT="7620" marB="0" anchor="b">
-                    <a:lnL w="6350" cap="flat" cmpd="sng" algn="ctr">
-                      <a:solidFill>
-                        <a:srgbClr val="FFFFFF"/>
-                      </a:solidFill>
-                      <a:prstDash val="solid"/>
-                      <a:round/>
-                      <a:headEnd type="none" w="med" len="med"/>
-                      <a:tailEnd type="none" w="med" len="med"/>
-                    </a:lnL>
-                    <a:lnR w="6350" cap="flat" cmpd="sng" algn="ctr">
-                      <a:solidFill>
-                        <a:srgbClr val="FFFFFF"/>
-                      </a:solidFill>
-                      <a:prstDash val="solid"/>
-                      <a:round/>
-                      <a:headEnd type="none" w="med" len="med"/>
-                      <a:tailEnd type="none" w="med" len="med"/>
-                    </a:lnR>
-                    <a:lnT w="6350" cap="flat" cmpd="sng" algn="ctr">
-                      <a:solidFill>
-                        <a:srgbClr val="FFFFFF"/>
-                      </a:solidFill>
-                      <a:prstDash val="solid"/>
-                      <a:round/>
-                      <a:headEnd type="none" w="med" len="med"/>
-                      <a:tailEnd type="none" w="med" len="med"/>
-                    </a:lnT>
-                    <a:lnB w="6350" cap="flat" cmpd="sng" algn="ctr">
-                      <a:solidFill>
-                        <a:srgbClr val="FFFFFF"/>
-                      </a:solidFill>
-                      <a:prstDash val="solid"/>
-                      <a:round/>
-                      <a:headEnd type="none" w="med" len="med"/>
-                      <a:tailEnd type="none" w="med" len="med"/>
-                    </a:lnB>
-                    <a:solidFill>
-                      <a:srgbClr val="DDEBF7"/>
-                    </a:solidFill>
-                  </a:tcPr>
-                </a:tc>
-                <a:tc>
-                  <a:txBody>
-                    <a:bodyPr/>
-                    <a:lstStyle/>
-                    <a:p>
-                      <a:pPr algn="r" fontAlgn="b"/>
-                      <a:r>
-                        <a:rPr lang="en-US" sz="1100" b="1" i="0" u="none" strike="noStrike">
-                          <a:solidFill>
-                            <a:srgbClr val="000000"/>
-                          </a:solidFill>
-                          <a:effectLst/>
-                          <a:latin typeface="Calibri" panose="020F0502020204030204" pitchFamily="34" charset="0"/>
-                        </a:rPr>
-                        <a:t>3.37</a:t>
-                      </a:r>
-                    </a:p>
-                  </a:txBody>
-                  <a:tcPr marL="7620" marR="7620" marT="7620" marB="0" anchor="b">
-                    <a:lnL w="6350" cap="flat" cmpd="sng" algn="ctr">
-                      <a:solidFill>
-                        <a:srgbClr val="FFFFFF"/>
-                      </a:solidFill>
-                      <a:prstDash val="solid"/>
-                      <a:round/>
-                      <a:headEnd type="none" w="med" len="med"/>
-                      <a:tailEnd type="none" w="med" len="med"/>
-                    </a:lnL>
-                    <a:lnR w="6350" cap="flat" cmpd="sng" algn="ctr">
-                      <a:solidFill>
-                        <a:srgbClr val="FFFFFF"/>
-                      </a:solidFill>
-                      <a:prstDash val="solid"/>
-                      <a:round/>
-                      <a:headEnd type="none" w="med" len="med"/>
-                      <a:tailEnd type="none" w="med" len="med"/>
-                    </a:lnR>
-                    <a:lnT w="6350" cap="flat" cmpd="sng" algn="ctr">
-                      <a:solidFill>
-                        <a:srgbClr val="FFFFFF"/>
-                      </a:solidFill>
-                      <a:prstDash val="solid"/>
-                      <a:round/>
-                      <a:headEnd type="none" w="med" len="med"/>
-                      <a:tailEnd type="none" w="med" len="med"/>
-                    </a:lnT>
-                    <a:lnB w="6350" cap="flat" cmpd="sng" algn="ctr">
-                      <a:solidFill>
-                        <a:srgbClr val="FFFFFF"/>
-                      </a:solidFill>
-                      <a:prstDash val="solid"/>
-                      <a:round/>
-                      <a:headEnd type="none" w="med" len="med"/>
-                      <a:tailEnd type="none" w="med" len="med"/>
-                    </a:lnB>
-                    <a:solidFill>
-                      <a:srgbClr val="DDEBF7"/>
-                    </a:solidFill>
-                  </a:tcPr>
-                </a:tc>
-                <a:tc>
-                  <a:txBody>
-                    <a:bodyPr/>
-                    <a:lstStyle/>
-                    <a:p>
-                      <a:pPr algn="r" fontAlgn="b"/>
-                      <a:r>
-                        <a:rPr lang="en-US" sz="1100" b="1" i="0" u="none" strike="noStrike">
-                          <a:solidFill>
-                            <a:srgbClr val="000000"/>
-                          </a:solidFill>
-                          <a:effectLst/>
-                          <a:latin typeface="Calibri" panose="020F0502020204030204" pitchFamily="34" charset="0"/>
-                        </a:rPr>
-                        <a:t>4.53</a:t>
-                      </a:r>
-                    </a:p>
-                  </a:txBody>
-                  <a:tcPr marL="7620" marR="7620" marT="7620" marB="0" anchor="b">
-                    <a:lnL w="6350" cap="flat" cmpd="sng" algn="ctr">
-                      <a:solidFill>
-                        <a:srgbClr val="FFFFFF"/>
-                      </a:solidFill>
-                      <a:prstDash val="solid"/>
-                      <a:round/>
-                      <a:headEnd type="none" w="med" len="med"/>
-                      <a:tailEnd type="none" w="med" len="med"/>
-                    </a:lnL>
-                    <a:lnR w="6350" cap="flat" cmpd="sng" algn="ctr">
-                      <a:solidFill>
-                        <a:srgbClr val="FFFFFF"/>
-                      </a:solidFill>
-                      <a:prstDash val="solid"/>
-                      <a:round/>
-                      <a:headEnd type="none" w="med" len="med"/>
-                      <a:tailEnd type="none" w="med" len="med"/>
-                    </a:lnR>
-                    <a:lnT w="6350" cap="flat" cmpd="sng" algn="ctr">
-                      <a:solidFill>
-                        <a:srgbClr val="FFFFFF"/>
-                      </a:solidFill>
-                      <a:prstDash val="solid"/>
-                      <a:round/>
-                      <a:headEnd type="none" w="med" len="med"/>
-                      <a:tailEnd type="none" w="med" len="med"/>
-                    </a:lnT>
-                    <a:lnB w="6350" cap="flat" cmpd="sng" algn="ctr">
-                      <a:solidFill>
-                        <a:srgbClr val="FFFFFF"/>
-                      </a:solidFill>
-                      <a:prstDash val="solid"/>
-                      <a:round/>
-                      <a:headEnd type="none" w="med" len="med"/>
-                      <a:tailEnd type="none" w="med" len="med"/>
-                    </a:lnB>
-                    <a:solidFill>
-                      <a:srgbClr val="DDEBF7"/>
-                    </a:solidFill>
-                  </a:tcPr>
-                </a:tc>
-                <a:tc>
-                  <a:txBody>
-                    <a:bodyPr/>
-                    <a:lstStyle/>
-                    <a:p>
-                      <a:pPr algn="r" fontAlgn="b"/>
-                      <a:r>
-                        <a:rPr lang="en-US" sz="1100" b="1" i="0" u="none" strike="noStrike">
-                          <a:solidFill>
-                            <a:srgbClr val="000000"/>
-                          </a:solidFill>
-                          <a:effectLst/>
-                          <a:latin typeface="Calibri" panose="020F0502020204030204" pitchFamily="34" charset="0"/>
-                        </a:rPr>
-                        <a:t>17.16</a:t>
-                      </a:r>
-                    </a:p>
-                  </a:txBody>
-                  <a:tcPr marL="7620" marR="7620" marT="7620" marB="0" anchor="b">
-                    <a:lnL w="6350" cap="flat" cmpd="sng" algn="ctr">
-                      <a:solidFill>
-                        <a:srgbClr val="FFFFFF"/>
-                      </a:solidFill>
-                      <a:prstDash val="solid"/>
-                      <a:round/>
-                      <a:headEnd type="none" w="med" len="med"/>
-                      <a:tailEnd type="none" w="med" len="med"/>
-                    </a:lnL>
-                    <a:lnR w="6350" cap="flat" cmpd="sng" algn="ctr">
-                      <a:solidFill>
-                        <a:srgbClr val="FFFFFF"/>
-                      </a:solidFill>
-                      <a:prstDash val="solid"/>
-                      <a:round/>
-                      <a:headEnd type="none" w="med" len="med"/>
-                      <a:tailEnd type="none" w="med" len="med"/>
-                    </a:lnR>
-                    <a:lnT w="6350" cap="flat" cmpd="sng" algn="ctr">
-                      <a:solidFill>
-                        <a:srgbClr val="FFFFFF"/>
-                      </a:solidFill>
-                      <a:prstDash val="solid"/>
-                      <a:round/>
-                      <a:headEnd type="none" w="med" len="med"/>
-                      <a:tailEnd type="none" w="med" len="med"/>
-                    </a:lnT>
-                    <a:lnB w="6350" cap="flat" cmpd="sng" algn="ctr">
-                      <a:solidFill>
-                        <a:srgbClr val="FFFFFF"/>
-                      </a:solidFill>
-                      <a:prstDash val="solid"/>
-                      <a:round/>
-                      <a:headEnd type="none" w="med" len="med"/>
-                      <a:tailEnd type="none" w="med" len="med"/>
-                    </a:lnB>
-                    <a:solidFill>
-                      <a:srgbClr val="DDEBF7"/>
-                    </a:solidFill>
-                  </a:tcPr>
-                </a:tc>
-                <a:tc>
-                  <a:txBody>
-                    <a:bodyPr/>
-                    <a:lstStyle/>
-                    <a:p>
-                      <a:pPr algn="r" fontAlgn="b"/>
-                      <a:r>
-                        <a:rPr lang="en-US" sz="1100" b="1" i="0" u="none" strike="noStrike">
-                          <a:solidFill>
-                            <a:srgbClr val="000000"/>
-                          </a:solidFill>
-                          <a:effectLst/>
-                          <a:latin typeface="Calibri" panose="020F0502020204030204" pitchFamily="34" charset="0"/>
-                        </a:rPr>
-                        <a:t>1.16</a:t>
-                      </a:r>
-                    </a:p>
-                  </a:txBody>
-                  <a:tcPr marL="7620" marR="7620" marT="7620" marB="0" anchor="b">
-                    <a:lnL w="6350" cap="flat" cmpd="sng" algn="ctr">
-                      <a:solidFill>
-                        <a:srgbClr val="FFFFFF"/>
-                      </a:solidFill>
-                      <a:prstDash val="solid"/>
-                      <a:round/>
-                      <a:headEnd type="none" w="med" len="med"/>
-                      <a:tailEnd type="none" w="med" len="med"/>
-                    </a:lnL>
-                    <a:lnR w="6350" cap="flat" cmpd="sng" algn="ctr">
-                      <a:solidFill>
-                        <a:srgbClr val="FFFFFF"/>
-                      </a:solidFill>
-                      <a:prstDash val="solid"/>
-                      <a:round/>
-                      <a:headEnd type="none" w="med" len="med"/>
-                      <a:tailEnd type="none" w="med" len="med"/>
-                    </a:lnR>
-                    <a:lnT w="6350" cap="flat" cmpd="sng" algn="ctr">
-                      <a:solidFill>
-                        <a:srgbClr val="FFFFFF"/>
-                      </a:solidFill>
-                      <a:prstDash val="solid"/>
-                      <a:round/>
-                      <a:headEnd type="none" w="med" len="med"/>
-                      <a:tailEnd type="none" w="med" len="med"/>
-                    </a:lnT>
-                    <a:lnB w="6350" cap="flat" cmpd="sng" algn="ctr">
-                      <a:solidFill>
-                        <a:srgbClr val="FFFFFF"/>
-                      </a:solidFill>
-                      <a:prstDash val="solid"/>
-                      <a:round/>
-                      <a:headEnd type="none" w="med" len="med"/>
-                      <a:tailEnd type="none" w="med" len="med"/>
-                    </a:lnB>
-                    <a:solidFill>
-                      <a:srgbClr val="DDEBF7"/>
-                    </a:solidFill>
-                  </a:tcPr>
-                </a:tc>
-                <a:tc>
-                  <a:txBody>
-                    <a:bodyPr/>
-                    <a:lstStyle/>
-                    <a:p>
-                      <a:pPr algn="r" fontAlgn="b"/>
-                      <a:r>
-                        <a:rPr lang="en-US" sz="1100" b="1" i="0" u="none" strike="noStrike">
-                          <a:solidFill>
-                            <a:srgbClr val="000000"/>
-                          </a:solidFill>
-                          <a:effectLst/>
-                          <a:latin typeface="Calibri" panose="020F0502020204030204" pitchFamily="34" charset="0"/>
-                        </a:rPr>
-                        <a:t>6.68</a:t>
-                      </a:r>
-                    </a:p>
-                  </a:txBody>
-                  <a:tcPr marL="7620" marR="7620" marT="7620" marB="0" anchor="b">
-                    <a:lnL w="6350" cap="flat" cmpd="sng" algn="ctr">
-                      <a:solidFill>
-                        <a:srgbClr val="FFFFFF"/>
-                      </a:solidFill>
-                      <a:prstDash val="solid"/>
-                      <a:round/>
-                      <a:headEnd type="none" w="med" len="med"/>
-                      <a:tailEnd type="none" w="med" len="med"/>
-                    </a:lnL>
-                    <a:lnR>
-                      <a:noFill/>
-                    </a:lnR>
-                    <a:lnT w="6350" cap="flat" cmpd="sng" algn="ctr">
-                      <a:solidFill>
-                        <a:srgbClr val="FFFFFF"/>
-                      </a:solidFill>
-                      <a:prstDash val="solid"/>
-                      <a:round/>
-                      <a:headEnd type="none" w="med" len="med"/>
-                      <a:tailEnd type="none" w="med" len="med"/>
-                    </a:lnT>
-                    <a:lnB w="6350" cap="flat" cmpd="sng" algn="ctr">
-                      <a:solidFill>
-                        <a:srgbClr val="FFFFFF"/>
-                      </a:solidFill>
-                      <a:prstDash val="solid"/>
-                      <a:round/>
-                      <a:headEnd type="none" w="med" len="med"/>
-                      <a:tailEnd type="none" w="med" len="med"/>
-                    </a:lnB>
-                    <a:solidFill>
-                      <a:srgbClr val="DDEBF7"/>
-                    </a:solidFill>
-                  </a:tcPr>
-                </a:tc>
-                <a:extLst>
-                  <a:ext uri="{0D108BD9-81ED-4DB2-BD59-A6C34878D82A}">
-                    <a16:rowId xmlns:a16="http://schemas.microsoft.com/office/drawing/2014/main" val="1291564085"/>
-                  </a:ext>
-                </a:extLst>
-              </a:tr>
-              <a:tr h="182880">
-                <a:tc>
-                  <a:txBody>
-                    <a:bodyPr/>
-                    <a:lstStyle/>
-                    <a:p>
-                      <a:pPr algn="l" fontAlgn="b"/>
-                      <a:r>
-                        <a:rPr lang="en-US" sz="1100" b="1" i="0" u="none" strike="noStrike">
-                          <a:solidFill>
-                            <a:srgbClr val="000000"/>
-                          </a:solidFill>
-                          <a:effectLst/>
-                          <a:latin typeface="Calibri" panose="020F0502020204030204" pitchFamily="34" charset="0"/>
-                        </a:rPr>
-                        <a:t>ABBV</a:t>
-                      </a:r>
-                    </a:p>
-                  </a:txBody>
-                  <a:tcPr marL="7620" marR="7620" marT="7620" marB="0" anchor="b">
-                    <a:lnL>
-                      <a:noFill/>
-                    </a:lnL>
-                    <a:lnR w="6350" cap="flat" cmpd="sng" algn="ctr">
-                      <a:solidFill>
-                        <a:srgbClr val="FFFFFF"/>
-                      </a:solidFill>
-                      <a:prstDash val="solid"/>
-                      <a:round/>
-                      <a:headEnd type="none" w="med" len="med"/>
-                      <a:tailEnd type="none" w="med" len="med"/>
-                    </a:lnR>
-                    <a:lnT w="6350" cap="flat" cmpd="sng" algn="ctr">
-                      <a:solidFill>
-                        <a:srgbClr val="FFFFFF"/>
-                      </a:solidFill>
-                      <a:prstDash val="solid"/>
-                      <a:round/>
-                      <a:headEnd type="none" w="med" len="med"/>
-                      <a:tailEnd type="none" w="med" len="med"/>
-                    </a:lnT>
-                    <a:lnB w="6350" cap="flat" cmpd="sng" algn="ctr">
-                      <a:solidFill>
-                        <a:srgbClr val="FFFFFF"/>
-                      </a:solidFill>
-                      <a:prstDash val="solid"/>
-                      <a:round/>
-                      <a:headEnd type="none" w="med" len="med"/>
-                      <a:tailEnd type="none" w="med" len="med"/>
-                    </a:lnB>
-                    <a:solidFill>
-                      <a:srgbClr val="BDD7EE"/>
-                    </a:solidFill>
-                  </a:tcPr>
-                </a:tc>
-                <a:tc>
-                  <a:txBody>
-                    <a:bodyPr/>
-                    <a:lstStyle/>
-                    <a:p>
-                      <a:pPr algn="l" fontAlgn="b"/>
-                      <a:r>
-                        <a:rPr lang="en-US" sz="1100" b="1" i="0" u="none" strike="noStrike">
-                          <a:solidFill>
-                            <a:srgbClr val="000000"/>
-                          </a:solidFill>
-                          <a:effectLst/>
-                          <a:latin typeface="Calibri" panose="020F0502020204030204" pitchFamily="34" charset="0"/>
-                        </a:rPr>
-                        <a:t>AbbVie Inc.</a:t>
-                      </a:r>
-                    </a:p>
-                  </a:txBody>
-                  <a:tcPr marL="7620" marR="7620" marT="7620" marB="0" anchor="b">
-                    <a:lnL w="6350" cap="flat" cmpd="sng" algn="ctr">
-                      <a:solidFill>
-                        <a:srgbClr val="FFFFFF"/>
-                      </a:solidFill>
-                      <a:prstDash val="solid"/>
-                      <a:round/>
-                      <a:headEnd type="none" w="med" len="med"/>
-                      <a:tailEnd type="none" w="med" len="med"/>
-                    </a:lnL>
-                    <a:lnR w="6350" cap="flat" cmpd="sng" algn="ctr">
-                      <a:solidFill>
-                        <a:srgbClr val="FFFFFF"/>
-                      </a:solidFill>
-                      <a:prstDash val="solid"/>
-                      <a:round/>
-                      <a:headEnd type="none" w="med" len="med"/>
-                      <a:tailEnd type="none" w="med" len="med"/>
-                    </a:lnR>
-                    <a:lnT w="6350" cap="flat" cmpd="sng" algn="ctr">
-                      <a:solidFill>
-                        <a:srgbClr val="FFFFFF"/>
-                      </a:solidFill>
-                      <a:prstDash val="solid"/>
-                      <a:round/>
-                      <a:headEnd type="none" w="med" len="med"/>
-                      <a:tailEnd type="none" w="med" len="med"/>
-                    </a:lnT>
-                    <a:lnB w="6350" cap="flat" cmpd="sng" algn="ctr">
-                      <a:solidFill>
-                        <a:srgbClr val="FFFFFF"/>
-                      </a:solidFill>
-                      <a:prstDash val="solid"/>
-                      <a:round/>
-                      <a:headEnd type="none" w="med" len="med"/>
-                      <a:tailEnd type="none" w="med" len="med"/>
-                    </a:lnB>
-                    <a:solidFill>
-                      <a:srgbClr val="BDD7EE"/>
-                    </a:solidFill>
-                  </a:tcPr>
-                </a:tc>
-                <a:tc>
-                  <a:txBody>
-                    <a:bodyPr/>
-                    <a:lstStyle/>
-                    <a:p>
-                      <a:pPr algn="r" fontAlgn="b"/>
-                      <a:r>
-                        <a:rPr lang="en-US" sz="1100" b="1" i="0" u="none" strike="noStrike">
-                          <a:solidFill>
-                            <a:srgbClr val="000000"/>
-                          </a:solidFill>
-                          <a:effectLst/>
-                          <a:latin typeface="Calibri" panose="020F0502020204030204" pitchFamily="34" charset="0"/>
-                        </a:rPr>
-                        <a:t>181.02</a:t>
-                      </a:r>
-                    </a:p>
-                  </a:txBody>
-                  <a:tcPr marL="7620" marR="7620" marT="7620" marB="0" anchor="b">
-                    <a:lnL w="6350" cap="flat" cmpd="sng" algn="ctr">
-                      <a:solidFill>
-                        <a:srgbClr val="FFFFFF"/>
-                      </a:solidFill>
-                      <a:prstDash val="solid"/>
-                      <a:round/>
-                      <a:headEnd type="none" w="med" len="med"/>
-                      <a:tailEnd type="none" w="med" len="med"/>
-                    </a:lnL>
-                    <a:lnR w="6350" cap="flat" cmpd="sng" algn="ctr">
-                      <a:solidFill>
-                        <a:srgbClr val="FFFFFF"/>
-                      </a:solidFill>
-                      <a:prstDash val="solid"/>
-                      <a:round/>
-                      <a:headEnd type="none" w="med" len="med"/>
-                      <a:tailEnd type="none" w="med" len="med"/>
-                    </a:lnR>
-                    <a:lnT w="6350" cap="flat" cmpd="sng" algn="ctr">
-                      <a:solidFill>
-                        <a:srgbClr val="FFFFFF"/>
-                      </a:solidFill>
-                      <a:prstDash val="solid"/>
-                      <a:round/>
-                      <a:headEnd type="none" w="med" len="med"/>
-                      <a:tailEnd type="none" w="med" len="med"/>
-                    </a:lnT>
-                    <a:lnB w="6350" cap="flat" cmpd="sng" algn="ctr">
-                      <a:solidFill>
-                        <a:srgbClr val="FFFFFF"/>
-                      </a:solidFill>
-                      <a:prstDash val="solid"/>
-                      <a:round/>
-                      <a:headEnd type="none" w="med" len="med"/>
-                      <a:tailEnd type="none" w="med" len="med"/>
-                    </a:lnB>
-                    <a:solidFill>
-                      <a:srgbClr val="BDD7EE"/>
-                    </a:solidFill>
-                  </a:tcPr>
-                </a:tc>
-                <a:tc>
-                  <a:txBody>
-                    <a:bodyPr/>
-                    <a:lstStyle/>
-                    <a:p>
-                      <a:pPr algn="r" fontAlgn="b"/>
-                      <a:r>
-                        <a:rPr lang="en-US" sz="1100" b="1" i="0" u="none" strike="noStrike">
-                          <a:solidFill>
-                            <a:srgbClr val="000000"/>
-                          </a:solidFill>
-                          <a:effectLst/>
-                          <a:latin typeface="Calibri" panose="020F0502020204030204" pitchFamily="34" charset="0"/>
-                        </a:rPr>
-                        <a:t>102.64</a:t>
-                      </a:r>
-                    </a:p>
-                  </a:txBody>
-                  <a:tcPr marL="7620" marR="7620" marT="7620" marB="0" anchor="b">
-                    <a:lnL w="6350" cap="flat" cmpd="sng" algn="ctr">
-                      <a:solidFill>
-                        <a:srgbClr val="FFFFFF"/>
-                      </a:solidFill>
-                      <a:prstDash val="solid"/>
-                      <a:round/>
-                      <a:headEnd type="none" w="med" len="med"/>
-                      <a:tailEnd type="none" w="med" len="med"/>
-                    </a:lnL>
-                    <a:lnR w="6350" cap="flat" cmpd="sng" algn="ctr">
-                      <a:solidFill>
-                        <a:srgbClr val="FFFFFF"/>
-                      </a:solidFill>
-                      <a:prstDash val="solid"/>
-                      <a:round/>
-                      <a:headEnd type="none" w="med" len="med"/>
-                      <a:tailEnd type="none" w="med" len="med"/>
-                    </a:lnR>
-                    <a:lnT w="6350" cap="flat" cmpd="sng" algn="ctr">
-                      <a:solidFill>
-                        <a:srgbClr val="FFFFFF"/>
-                      </a:solidFill>
-                      <a:prstDash val="solid"/>
-                      <a:round/>
-                      <a:headEnd type="none" w="med" len="med"/>
-                      <a:tailEnd type="none" w="med" len="med"/>
-                    </a:lnT>
-                    <a:lnB w="6350" cap="flat" cmpd="sng" algn="ctr">
-                      <a:solidFill>
-                        <a:srgbClr val="FFFFFF"/>
-                      </a:solidFill>
-                      <a:prstDash val="solid"/>
-                      <a:round/>
-                      <a:headEnd type="none" w="med" len="med"/>
-                      <a:tailEnd type="none" w="med" len="med"/>
-                    </a:lnB>
-                    <a:solidFill>
-                      <a:srgbClr val="BDD7EE"/>
-                    </a:solidFill>
-                  </a:tcPr>
-                </a:tc>
-                <a:tc>
-                  <a:txBody>
-                    <a:bodyPr/>
-                    <a:lstStyle/>
-                    <a:p>
-                      <a:pPr algn="r" fontAlgn="b"/>
-                      <a:r>
-                        <a:rPr lang="en-US" sz="1100" b="1" i="0" u="none" strike="noStrike">
-                          <a:solidFill>
-                            <a:srgbClr val="000000"/>
-                          </a:solidFill>
-                          <a:effectLst/>
-                          <a:latin typeface="Calibri" panose="020F0502020204030204" pitchFamily="34" charset="0"/>
-                        </a:rPr>
-                        <a:t>5.2</a:t>
-                      </a:r>
-                    </a:p>
-                  </a:txBody>
-                  <a:tcPr marL="7620" marR="7620" marT="7620" marB="0" anchor="b">
-                    <a:lnL w="6350" cap="flat" cmpd="sng" algn="ctr">
-                      <a:solidFill>
-                        <a:srgbClr val="FFFFFF"/>
-                      </a:solidFill>
-                      <a:prstDash val="solid"/>
-                      <a:round/>
-                      <a:headEnd type="none" w="med" len="med"/>
-                      <a:tailEnd type="none" w="med" len="med"/>
-                    </a:lnL>
-                    <a:lnR w="6350" cap="flat" cmpd="sng" algn="ctr">
-                      <a:solidFill>
-                        <a:srgbClr val="FFFFFF"/>
-                      </a:solidFill>
-                      <a:prstDash val="solid"/>
-                      <a:round/>
-                      <a:headEnd type="none" w="med" len="med"/>
-                      <a:tailEnd type="none" w="med" len="med"/>
-                    </a:lnR>
-                    <a:lnT w="6350" cap="flat" cmpd="sng" algn="ctr">
-                      <a:solidFill>
-                        <a:srgbClr val="FFFFFF"/>
-                      </a:solidFill>
-                      <a:prstDash val="solid"/>
-                      <a:round/>
-                      <a:headEnd type="none" w="med" len="med"/>
-                      <a:tailEnd type="none" w="med" len="med"/>
-                    </a:lnT>
-                    <a:lnB w="6350" cap="flat" cmpd="sng" algn="ctr">
-                      <a:solidFill>
-                        <a:srgbClr val="FFFFFF"/>
-                      </a:solidFill>
-                      <a:prstDash val="solid"/>
-                      <a:round/>
-                      <a:headEnd type="none" w="med" len="med"/>
-                      <a:tailEnd type="none" w="med" len="med"/>
-                    </a:lnB>
-                    <a:solidFill>
-                      <a:srgbClr val="BDD7EE"/>
-                    </a:solidFill>
-                  </a:tcPr>
-                </a:tc>
-                <a:tc>
-                  <a:txBody>
-                    <a:bodyPr/>
-                    <a:lstStyle/>
-                    <a:p>
-                      <a:pPr algn="r" fontAlgn="b"/>
-                      <a:r>
-                        <a:rPr lang="en-US" sz="1100" b="1" i="0" u="none" strike="noStrike">
-                          <a:solidFill>
-                            <a:srgbClr val="000000"/>
-                          </a:solidFill>
-                          <a:effectLst/>
-                          <a:latin typeface="Calibri" panose="020F0502020204030204" pitchFamily="34" charset="0"/>
-                        </a:rPr>
-                        <a:t>5.07</a:t>
-                      </a:r>
-                    </a:p>
-                  </a:txBody>
-                  <a:tcPr marL="7620" marR="7620" marT="7620" marB="0" anchor="b">
-                    <a:lnL w="6350" cap="flat" cmpd="sng" algn="ctr">
-                      <a:solidFill>
-                        <a:srgbClr val="FFFFFF"/>
-                      </a:solidFill>
-                      <a:prstDash val="solid"/>
-                      <a:round/>
-                      <a:headEnd type="none" w="med" len="med"/>
-                      <a:tailEnd type="none" w="med" len="med"/>
-                    </a:lnL>
-                    <a:lnR w="6350" cap="flat" cmpd="sng" algn="ctr">
-                      <a:solidFill>
-                        <a:srgbClr val="FFFFFF"/>
-                      </a:solidFill>
-                      <a:prstDash val="solid"/>
-                      <a:round/>
-                      <a:headEnd type="none" w="med" len="med"/>
-                      <a:tailEnd type="none" w="med" len="med"/>
-                    </a:lnR>
-                    <a:lnT w="6350" cap="flat" cmpd="sng" algn="ctr">
-                      <a:solidFill>
-                        <a:srgbClr val="FFFFFF"/>
-                      </a:solidFill>
-                      <a:prstDash val="solid"/>
-                      <a:round/>
-                      <a:headEnd type="none" w="med" len="med"/>
-                      <a:tailEnd type="none" w="med" len="med"/>
-                    </a:lnT>
-                    <a:lnB w="6350" cap="flat" cmpd="sng" algn="ctr">
-                      <a:solidFill>
-                        <a:srgbClr val="FFFFFF"/>
-                      </a:solidFill>
-                      <a:prstDash val="solid"/>
-                      <a:round/>
-                      <a:headEnd type="none" w="med" len="med"/>
-                      <a:tailEnd type="none" w="med" len="med"/>
-                    </a:lnB>
-                    <a:solidFill>
-                      <a:srgbClr val="BDD7EE"/>
-                    </a:solidFill>
-                  </a:tcPr>
-                </a:tc>
-                <a:tc>
-                  <a:txBody>
-                    <a:bodyPr/>
-                    <a:lstStyle/>
-                    <a:p>
-                      <a:pPr algn="r" fontAlgn="b"/>
-                      <a:r>
-                        <a:rPr lang="en-US" sz="1100" b="1" i="0" u="none" strike="noStrike">
-                          <a:solidFill>
-                            <a:srgbClr val="000000"/>
-                          </a:solidFill>
-                          <a:effectLst/>
-                          <a:latin typeface="Calibri" panose="020F0502020204030204" pitchFamily="34" charset="0"/>
-                        </a:rPr>
-                        <a:t>4.57</a:t>
-                      </a:r>
-                    </a:p>
-                  </a:txBody>
-                  <a:tcPr marL="7620" marR="7620" marT="7620" marB="0" anchor="b">
-                    <a:lnL w="6350" cap="flat" cmpd="sng" algn="ctr">
-                      <a:solidFill>
-                        <a:srgbClr val="FFFFFF"/>
-                      </a:solidFill>
-                      <a:prstDash val="solid"/>
-                      <a:round/>
-                      <a:headEnd type="none" w="med" len="med"/>
-                      <a:tailEnd type="none" w="med" len="med"/>
-                    </a:lnL>
-                    <a:lnR w="6350" cap="flat" cmpd="sng" algn="ctr">
-                      <a:solidFill>
-                        <a:srgbClr val="FFFFFF"/>
-                      </a:solidFill>
-                      <a:prstDash val="solid"/>
-                      <a:round/>
-                      <a:headEnd type="none" w="med" len="med"/>
-                      <a:tailEnd type="none" w="med" len="med"/>
-                    </a:lnR>
-                    <a:lnT w="6350" cap="flat" cmpd="sng" algn="ctr">
-                      <a:solidFill>
-                        <a:srgbClr val="FFFFFF"/>
-                      </a:solidFill>
-                      <a:prstDash val="solid"/>
-                      <a:round/>
-                      <a:headEnd type="none" w="med" len="med"/>
-                      <a:tailEnd type="none" w="med" len="med"/>
-                    </a:lnT>
-                    <a:lnB w="6350" cap="flat" cmpd="sng" algn="ctr">
-                      <a:solidFill>
-                        <a:srgbClr val="FFFFFF"/>
-                      </a:solidFill>
-                      <a:prstDash val="solid"/>
-                      <a:round/>
-                      <a:headEnd type="none" w="med" len="med"/>
-                      <a:tailEnd type="none" w="med" len="med"/>
-                    </a:lnB>
-                    <a:solidFill>
-                      <a:srgbClr val="BDD7EE"/>
-                    </a:solidFill>
-                  </a:tcPr>
-                </a:tc>
-                <a:tc>
-                  <a:txBody>
-                    <a:bodyPr/>
-                    <a:lstStyle/>
-                    <a:p>
-                      <a:pPr algn="r" fontAlgn="b"/>
-                      <a:r>
-                        <a:rPr lang="en-US" sz="1100" b="1" i="0" u="none" strike="noStrike">
-                          <a:solidFill>
-                            <a:srgbClr val="000000"/>
-                          </a:solidFill>
-                          <a:effectLst/>
-                          <a:latin typeface="Calibri" panose="020F0502020204030204" pitchFamily="34" charset="0"/>
-                        </a:rPr>
-                        <a:t>22.45</a:t>
-                      </a:r>
-                    </a:p>
-                  </a:txBody>
-                  <a:tcPr marL="7620" marR="7620" marT="7620" marB="0" anchor="b">
-                    <a:lnL w="6350" cap="flat" cmpd="sng" algn="ctr">
-                      <a:solidFill>
-                        <a:srgbClr val="FFFFFF"/>
-                      </a:solidFill>
-                      <a:prstDash val="solid"/>
-                      <a:round/>
-                      <a:headEnd type="none" w="med" len="med"/>
-                      <a:tailEnd type="none" w="med" len="med"/>
-                    </a:lnL>
-                    <a:lnR w="6350" cap="flat" cmpd="sng" algn="ctr">
-                      <a:solidFill>
-                        <a:srgbClr val="FFFFFF"/>
-                      </a:solidFill>
-                      <a:prstDash val="solid"/>
-                      <a:round/>
-                      <a:headEnd type="none" w="med" len="med"/>
-                      <a:tailEnd type="none" w="med" len="med"/>
-                    </a:lnR>
-                    <a:lnT w="6350" cap="flat" cmpd="sng" algn="ctr">
-                      <a:solidFill>
-                        <a:srgbClr val="FFFFFF"/>
-                      </a:solidFill>
-                      <a:prstDash val="solid"/>
-                      <a:round/>
-                      <a:headEnd type="none" w="med" len="med"/>
-                      <a:tailEnd type="none" w="med" len="med"/>
-                    </a:lnT>
-                    <a:lnB w="6350" cap="flat" cmpd="sng" algn="ctr">
-                      <a:solidFill>
-                        <a:srgbClr val="FFFFFF"/>
-                      </a:solidFill>
-                      <a:prstDash val="solid"/>
-                      <a:round/>
-                      <a:headEnd type="none" w="med" len="med"/>
-                      <a:tailEnd type="none" w="med" len="med"/>
-                    </a:lnB>
-                    <a:solidFill>
-                      <a:srgbClr val="BDD7EE"/>
-                    </a:solidFill>
-                  </a:tcPr>
-                </a:tc>
-                <a:tc>
-                  <a:txBody>
-                    <a:bodyPr/>
-                    <a:lstStyle/>
-                    <a:p>
-                      <a:pPr algn="ctr" fontAlgn="b"/>
-                      <a:r>
-                        <a:rPr lang="en-US" sz="1100" b="1" i="0" u="none" strike="noStrike">
-                          <a:solidFill>
-                            <a:srgbClr val="000000"/>
-                          </a:solidFill>
-                          <a:effectLst/>
-                          <a:latin typeface="Calibri" panose="020F0502020204030204" pitchFamily="34" charset="0"/>
-                        </a:rPr>
-                        <a:t>-</a:t>
-                      </a:r>
-                    </a:p>
-                  </a:txBody>
-                  <a:tcPr marL="7620" marR="7620" marT="7620" marB="0" anchor="b">
-                    <a:lnL w="6350" cap="flat" cmpd="sng" algn="ctr">
-                      <a:solidFill>
-                        <a:srgbClr val="FFFFFF"/>
-                      </a:solidFill>
-                      <a:prstDash val="solid"/>
-                      <a:round/>
-                      <a:headEnd type="none" w="med" len="med"/>
-                      <a:tailEnd type="none" w="med" len="med"/>
-                    </a:lnL>
-                    <a:lnR w="6350" cap="flat" cmpd="sng" algn="ctr">
-                      <a:solidFill>
-                        <a:srgbClr val="FFFFFF"/>
-                      </a:solidFill>
-                      <a:prstDash val="solid"/>
-                      <a:round/>
-                      <a:headEnd type="none" w="med" len="med"/>
-                      <a:tailEnd type="none" w="med" len="med"/>
-                    </a:lnR>
-                    <a:lnT w="6350" cap="flat" cmpd="sng" algn="ctr">
-                      <a:solidFill>
-                        <a:srgbClr val="FFFFFF"/>
-                      </a:solidFill>
-                      <a:prstDash val="solid"/>
-                      <a:round/>
-                      <a:headEnd type="none" w="med" len="med"/>
-                      <a:tailEnd type="none" w="med" len="med"/>
-                    </a:lnT>
-                    <a:lnB w="6350" cap="flat" cmpd="sng" algn="ctr">
-                      <a:solidFill>
-                        <a:srgbClr val="FFFFFF"/>
-                      </a:solidFill>
-                      <a:prstDash val="solid"/>
-                      <a:round/>
-                      <a:headEnd type="none" w="med" len="med"/>
-                      <a:tailEnd type="none" w="med" len="med"/>
-                    </a:lnB>
-                    <a:solidFill>
-                      <a:srgbClr val="BDD7EE"/>
-                    </a:solidFill>
-                  </a:tcPr>
-                </a:tc>
-                <a:tc>
-                  <a:txBody>
-                    <a:bodyPr/>
-                    <a:lstStyle/>
-                    <a:p>
-                      <a:pPr algn="r" fontAlgn="b"/>
-                      <a:r>
-                        <a:rPr lang="en-US" sz="1100" b="1" i="0" u="none" strike="noStrike">
-                          <a:solidFill>
-                            <a:srgbClr val="000000"/>
-                          </a:solidFill>
-                          <a:effectLst/>
-                          <a:latin typeface="Calibri" panose="020F0502020204030204" pitchFamily="34" charset="0"/>
-                        </a:rPr>
-                        <a:t>11.85</a:t>
-                      </a:r>
-                    </a:p>
-                  </a:txBody>
-                  <a:tcPr marL="7620" marR="7620" marT="7620" marB="0" anchor="b">
-                    <a:lnL w="6350" cap="flat" cmpd="sng" algn="ctr">
-                      <a:solidFill>
-                        <a:srgbClr val="FFFFFF"/>
-                      </a:solidFill>
-                      <a:prstDash val="solid"/>
-                      <a:round/>
-                      <a:headEnd type="none" w="med" len="med"/>
-                      <a:tailEnd type="none" w="med" len="med"/>
-                    </a:lnL>
-                    <a:lnR>
-                      <a:noFill/>
-                    </a:lnR>
-                    <a:lnT w="6350" cap="flat" cmpd="sng" algn="ctr">
-                      <a:solidFill>
-                        <a:srgbClr val="FFFFFF"/>
-                      </a:solidFill>
-                      <a:prstDash val="solid"/>
-                      <a:round/>
-                      <a:headEnd type="none" w="med" len="med"/>
-                      <a:tailEnd type="none" w="med" len="med"/>
-                    </a:lnT>
-                    <a:lnB w="6350" cap="flat" cmpd="sng" algn="ctr">
-                      <a:solidFill>
-                        <a:srgbClr val="FFFFFF"/>
-                      </a:solidFill>
-                      <a:prstDash val="solid"/>
-                      <a:round/>
-                      <a:headEnd type="none" w="med" len="med"/>
-                      <a:tailEnd type="none" w="med" len="med"/>
-                    </a:lnB>
-                    <a:solidFill>
-                      <a:srgbClr val="BDD7EE"/>
-                    </a:solidFill>
-                  </a:tcPr>
-                </a:tc>
-                <a:extLst>
-                  <a:ext uri="{0D108BD9-81ED-4DB2-BD59-A6C34878D82A}">
-                    <a16:rowId xmlns:a16="http://schemas.microsoft.com/office/drawing/2014/main" val="1020326476"/>
-                  </a:ext>
-                </a:extLst>
-              </a:tr>
-              <a:tr h="182880">
-                <a:tc>
-                  <a:txBody>
-                    <a:bodyPr/>
-                    <a:lstStyle/>
-                    <a:p>
-                      <a:pPr algn="l" fontAlgn="b"/>
-                      <a:r>
-                        <a:rPr lang="en-US" sz="1100" b="1" i="0" u="none" strike="noStrike">
-                          <a:solidFill>
-                            <a:srgbClr val="000000"/>
-                          </a:solidFill>
-                          <a:effectLst/>
-                          <a:latin typeface="Calibri" panose="020F0502020204030204" pitchFamily="34" charset="0"/>
-                        </a:rPr>
-                        <a:t>ZTS</a:t>
-                      </a:r>
-                    </a:p>
-                  </a:txBody>
-                  <a:tcPr marL="7620" marR="7620" marT="7620" marB="0" anchor="b">
-                    <a:lnL>
-                      <a:noFill/>
-                    </a:lnL>
-                    <a:lnR w="6350" cap="flat" cmpd="sng" algn="ctr">
-                      <a:solidFill>
-                        <a:srgbClr val="FFFFFF"/>
-                      </a:solidFill>
-                      <a:prstDash val="solid"/>
-                      <a:round/>
-                      <a:headEnd type="none" w="med" len="med"/>
-                      <a:tailEnd type="none" w="med" len="med"/>
-                    </a:lnR>
-                    <a:lnT w="6350" cap="flat" cmpd="sng" algn="ctr">
-                      <a:solidFill>
-                        <a:srgbClr val="FFFFFF"/>
-                      </a:solidFill>
-                      <a:prstDash val="solid"/>
-                      <a:round/>
-                      <a:headEnd type="none" w="med" len="med"/>
-                      <a:tailEnd type="none" w="med" len="med"/>
-                    </a:lnT>
-                    <a:lnB w="6350" cap="flat" cmpd="sng" algn="ctr">
-                      <a:solidFill>
-                        <a:srgbClr val="FFFFFF"/>
-                      </a:solidFill>
-                      <a:prstDash val="solid"/>
-                      <a:round/>
-                      <a:headEnd type="none" w="med" len="med"/>
-                      <a:tailEnd type="none" w="med" len="med"/>
-                    </a:lnB>
-                    <a:solidFill>
-                      <a:srgbClr val="DDEBF7"/>
-                    </a:solidFill>
-                  </a:tcPr>
-                </a:tc>
-                <a:tc>
-                  <a:txBody>
-                    <a:bodyPr/>
-                    <a:lstStyle/>
-                    <a:p>
-                      <a:pPr algn="l" fontAlgn="b"/>
-                      <a:r>
-                        <a:rPr lang="en-US" sz="1100" b="1" i="0" u="none" strike="noStrike">
-                          <a:solidFill>
-                            <a:srgbClr val="000000"/>
-                          </a:solidFill>
-                          <a:effectLst/>
-                          <a:latin typeface="Calibri" panose="020F0502020204030204" pitchFamily="34" charset="0"/>
-                        </a:rPr>
-                        <a:t>Zoetis</a:t>
-                      </a:r>
-                    </a:p>
-                  </a:txBody>
-                  <a:tcPr marL="7620" marR="7620" marT="7620" marB="0" anchor="b">
-                    <a:lnL w="6350" cap="flat" cmpd="sng" algn="ctr">
-                      <a:solidFill>
-                        <a:srgbClr val="FFFFFF"/>
-                      </a:solidFill>
-                      <a:prstDash val="solid"/>
-                      <a:round/>
-                      <a:headEnd type="none" w="med" len="med"/>
-                      <a:tailEnd type="none" w="med" len="med"/>
-                    </a:lnL>
-                    <a:lnR w="6350" cap="flat" cmpd="sng" algn="ctr">
-                      <a:solidFill>
-                        <a:srgbClr val="FFFFFF"/>
-                      </a:solidFill>
-                      <a:prstDash val="solid"/>
-                      <a:round/>
-                      <a:headEnd type="none" w="med" len="med"/>
-                      <a:tailEnd type="none" w="med" len="med"/>
-                    </a:lnR>
-                    <a:lnT w="6350" cap="flat" cmpd="sng" algn="ctr">
-                      <a:solidFill>
-                        <a:srgbClr val="FFFFFF"/>
-                      </a:solidFill>
-                      <a:prstDash val="solid"/>
-                      <a:round/>
-                      <a:headEnd type="none" w="med" len="med"/>
-                      <a:tailEnd type="none" w="med" len="med"/>
-                    </a:lnT>
-                    <a:lnB w="6350" cap="flat" cmpd="sng" algn="ctr">
-                      <a:solidFill>
-                        <a:srgbClr val="FFFFFF"/>
-                      </a:solidFill>
-                      <a:prstDash val="solid"/>
-                      <a:round/>
-                      <a:headEnd type="none" w="med" len="med"/>
-                      <a:tailEnd type="none" w="med" len="med"/>
-                    </a:lnB>
-                    <a:solidFill>
-                      <a:srgbClr val="DDEBF7"/>
-                    </a:solidFill>
-                  </a:tcPr>
-                </a:tc>
-                <a:tc>
-                  <a:txBody>
-                    <a:bodyPr/>
-                    <a:lstStyle/>
-                    <a:p>
-                      <a:pPr algn="r" fontAlgn="b"/>
-                      <a:r>
-                        <a:rPr lang="en-US" sz="1100" b="1" i="0" u="none" strike="noStrike">
-                          <a:solidFill>
-                            <a:srgbClr val="000000"/>
-                          </a:solidFill>
-                          <a:effectLst/>
-                          <a:latin typeface="Calibri" panose="020F0502020204030204" pitchFamily="34" charset="0"/>
-                        </a:rPr>
-                        <a:t>74.31</a:t>
-                      </a:r>
-                    </a:p>
-                  </a:txBody>
-                  <a:tcPr marL="7620" marR="7620" marT="7620" marB="0" anchor="b">
-                    <a:lnL w="6350" cap="flat" cmpd="sng" algn="ctr">
-                      <a:solidFill>
-                        <a:srgbClr val="FFFFFF"/>
-                      </a:solidFill>
-                      <a:prstDash val="solid"/>
-                      <a:round/>
-                      <a:headEnd type="none" w="med" len="med"/>
-                      <a:tailEnd type="none" w="med" len="med"/>
-                    </a:lnL>
-                    <a:lnR w="6350" cap="flat" cmpd="sng" algn="ctr">
-                      <a:solidFill>
-                        <a:srgbClr val="FFFFFF"/>
-                      </a:solidFill>
-                      <a:prstDash val="solid"/>
-                      <a:round/>
-                      <a:headEnd type="none" w="med" len="med"/>
-                      <a:tailEnd type="none" w="med" len="med"/>
-                    </a:lnR>
-                    <a:lnT w="6350" cap="flat" cmpd="sng" algn="ctr">
-                      <a:solidFill>
-                        <a:srgbClr val="FFFFFF"/>
-                      </a:solidFill>
-                      <a:prstDash val="solid"/>
-                      <a:round/>
-                      <a:headEnd type="none" w="med" len="med"/>
-                      <a:tailEnd type="none" w="med" len="med"/>
-                    </a:lnT>
-                    <a:lnB w="6350" cap="flat" cmpd="sng" algn="ctr">
-                      <a:solidFill>
-                        <a:srgbClr val="FFFFFF"/>
-                      </a:solidFill>
-                      <a:prstDash val="solid"/>
-                      <a:round/>
-                      <a:headEnd type="none" w="med" len="med"/>
-                      <a:tailEnd type="none" w="med" len="med"/>
-                    </a:lnB>
-                    <a:solidFill>
-                      <a:srgbClr val="DDEBF7"/>
-                    </a:solidFill>
-                  </a:tcPr>
-                </a:tc>
-                <a:tc>
-                  <a:txBody>
-                    <a:bodyPr/>
-                    <a:lstStyle/>
-                    <a:p>
-                      <a:pPr algn="r" fontAlgn="b"/>
-                      <a:r>
-                        <a:rPr lang="en-US" sz="1100" b="1" i="0" u="none" strike="noStrike">
-                          <a:solidFill>
-                            <a:srgbClr val="000000"/>
-                          </a:solidFill>
-                          <a:effectLst/>
-                          <a:latin typeface="Calibri" panose="020F0502020204030204" pitchFamily="34" charset="0"/>
-                        </a:rPr>
-                        <a:t>156.36</a:t>
-                      </a:r>
-                    </a:p>
-                  </a:txBody>
-                  <a:tcPr marL="7620" marR="7620" marT="7620" marB="0" anchor="b">
-                    <a:lnL w="6350" cap="flat" cmpd="sng" algn="ctr">
-                      <a:solidFill>
-                        <a:srgbClr val="FFFFFF"/>
-                      </a:solidFill>
-                      <a:prstDash val="solid"/>
-                      <a:round/>
-                      <a:headEnd type="none" w="med" len="med"/>
-                      <a:tailEnd type="none" w="med" len="med"/>
-                    </a:lnL>
-                    <a:lnR w="6350" cap="flat" cmpd="sng" algn="ctr">
-                      <a:solidFill>
-                        <a:srgbClr val="FFFFFF"/>
-                      </a:solidFill>
-                      <a:prstDash val="solid"/>
-                      <a:round/>
-                      <a:headEnd type="none" w="med" len="med"/>
-                      <a:tailEnd type="none" w="med" len="med"/>
-                    </a:lnR>
-                    <a:lnT w="6350" cap="flat" cmpd="sng" algn="ctr">
-                      <a:solidFill>
-                        <a:srgbClr val="FFFFFF"/>
-                      </a:solidFill>
-                      <a:prstDash val="solid"/>
-                      <a:round/>
-                      <a:headEnd type="none" w="med" len="med"/>
-                      <a:tailEnd type="none" w="med" len="med"/>
-                    </a:lnT>
-                    <a:lnB w="6350" cap="flat" cmpd="sng" algn="ctr">
-                      <a:solidFill>
-                        <a:srgbClr val="FFFFFF"/>
-                      </a:solidFill>
-                      <a:prstDash val="solid"/>
-                      <a:round/>
-                      <a:headEnd type="none" w="med" len="med"/>
-                      <a:tailEnd type="none" w="med" len="med"/>
-                    </a:lnB>
-                    <a:solidFill>
-                      <a:srgbClr val="DDEBF7"/>
-                    </a:solidFill>
-                  </a:tcPr>
-                </a:tc>
-                <a:tc>
-                  <a:txBody>
-                    <a:bodyPr/>
-                    <a:lstStyle/>
-                    <a:p>
-                      <a:pPr algn="r" fontAlgn="b"/>
-                      <a:r>
-                        <a:rPr lang="en-US" sz="1100" b="1" i="0" u="none" strike="noStrike">
-                          <a:solidFill>
-                            <a:srgbClr val="000000"/>
-                          </a:solidFill>
-                          <a:effectLst/>
-                          <a:latin typeface="Calibri" panose="020F0502020204030204" pitchFamily="34" charset="0"/>
-                        </a:rPr>
-                        <a:t>1</a:t>
-                      </a:r>
-                    </a:p>
-                  </a:txBody>
-                  <a:tcPr marL="7620" marR="7620" marT="7620" marB="0" anchor="b">
-                    <a:lnL w="6350" cap="flat" cmpd="sng" algn="ctr">
-                      <a:solidFill>
-                        <a:srgbClr val="FFFFFF"/>
-                      </a:solidFill>
-                      <a:prstDash val="solid"/>
-                      <a:round/>
-                      <a:headEnd type="none" w="med" len="med"/>
-                      <a:tailEnd type="none" w="med" len="med"/>
-                    </a:lnL>
-                    <a:lnR w="6350" cap="flat" cmpd="sng" algn="ctr">
-                      <a:solidFill>
-                        <a:srgbClr val="FFFFFF"/>
-                      </a:solidFill>
-                      <a:prstDash val="solid"/>
-                      <a:round/>
-                      <a:headEnd type="none" w="med" len="med"/>
-                      <a:tailEnd type="none" w="med" len="med"/>
-                    </a:lnR>
-                    <a:lnT w="6350" cap="flat" cmpd="sng" algn="ctr">
-                      <a:solidFill>
-                        <a:srgbClr val="FFFFFF"/>
-                      </a:solidFill>
-                      <a:prstDash val="solid"/>
-                      <a:round/>
-                      <a:headEnd type="none" w="med" len="med"/>
-                      <a:tailEnd type="none" w="med" len="med"/>
-                    </a:lnT>
-                    <a:lnB w="6350" cap="flat" cmpd="sng" algn="ctr">
-                      <a:solidFill>
-                        <a:srgbClr val="FFFFFF"/>
-                      </a:solidFill>
-                      <a:prstDash val="solid"/>
-                      <a:round/>
-                      <a:headEnd type="none" w="med" len="med"/>
-                      <a:tailEnd type="none" w="med" len="med"/>
-                    </a:lnB>
-                    <a:solidFill>
-                      <a:srgbClr val="DDEBF7"/>
-                    </a:solidFill>
-                  </a:tcPr>
-                </a:tc>
-                <a:tc>
-                  <a:txBody>
-                    <a:bodyPr/>
-                    <a:lstStyle/>
-                    <a:p>
-                      <a:pPr algn="r" fontAlgn="b"/>
-                      <a:r>
-                        <a:rPr lang="en-US" sz="1100" b="1" i="0" u="none" strike="noStrike">
-                          <a:solidFill>
-                            <a:srgbClr val="000000"/>
-                          </a:solidFill>
-                          <a:effectLst/>
-                          <a:latin typeface="Calibri" panose="020F0502020204030204" pitchFamily="34" charset="0"/>
-                        </a:rPr>
-                        <a:t>0.65</a:t>
-                      </a:r>
-                    </a:p>
-                  </a:txBody>
-                  <a:tcPr marL="7620" marR="7620" marT="7620" marB="0" anchor="b">
-                    <a:lnL w="6350" cap="flat" cmpd="sng" algn="ctr">
-                      <a:solidFill>
-                        <a:srgbClr val="FFFFFF"/>
-                      </a:solidFill>
-                      <a:prstDash val="solid"/>
-                      <a:round/>
-                      <a:headEnd type="none" w="med" len="med"/>
-                      <a:tailEnd type="none" w="med" len="med"/>
-                    </a:lnL>
-                    <a:lnR w="6350" cap="flat" cmpd="sng" algn="ctr">
-                      <a:solidFill>
-                        <a:srgbClr val="FFFFFF"/>
-                      </a:solidFill>
-                      <a:prstDash val="solid"/>
-                      <a:round/>
-                      <a:headEnd type="none" w="med" len="med"/>
-                      <a:tailEnd type="none" w="med" len="med"/>
-                    </a:lnR>
-                    <a:lnT w="6350" cap="flat" cmpd="sng" algn="ctr">
-                      <a:solidFill>
-                        <a:srgbClr val="FFFFFF"/>
-                      </a:solidFill>
-                      <a:prstDash val="solid"/>
-                      <a:round/>
-                      <a:headEnd type="none" w="med" len="med"/>
-                      <a:tailEnd type="none" w="med" len="med"/>
-                    </a:lnT>
-                    <a:lnB w="6350" cap="flat" cmpd="sng" algn="ctr">
-                      <a:solidFill>
-                        <a:srgbClr val="FFFFFF"/>
-                      </a:solidFill>
-                      <a:prstDash val="solid"/>
-                      <a:round/>
-                      <a:headEnd type="none" w="med" len="med"/>
-                      <a:tailEnd type="none" w="med" len="med"/>
-                    </a:lnB>
-                    <a:solidFill>
-                      <a:srgbClr val="DDEBF7"/>
-                    </a:solidFill>
-                  </a:tcPr>
-                </a:tc>
-                <a:tc>
-                  <a:txBody>
-                    <a:bodyPr/>
-                    <a:lstStyle/>
-                    <a:p>
-                      <a:pPr algn="r" fontAlgn="b"/>
-                      <a:r>
-                        <a:rPr lang="en-US" sz="1100" b="1" i="0" u="none" strike="noStrike">
-                          <a:solidFill>
-                            <a:srgbClr val="000000"/>
-                          </a:solidFill>
-                          <a:effectLst/>
-                          <a:latin typeface="Calibri" panose="020F0502020204030204" pitchFamily="34" charset="0"/>
-                        </a:rPr>
-                        <a:t>3.47</a:t>
-                      </a:r>
-                    </a:p>
-                  </a:txBody>
-                  <a:tcPr marL="7620" marR="7620" marT="7620" marB="0" anchor="b">
-                    <a:lnL w="6350" cap="flat" cmpd="sng" algn="ctr">
-                      <a:solidFill>
-                        <a:srgbClr val="FFFFFF"/>
-                      </a:solidFill>
-                      <a:prstDash val="solid"/>
-                      <a:round/>
-                      <a:headEnd type="none" w="med" len="med"/>
-                      <a:tailEnd type="none" w="med" len="med"/>
-                    </a:lnL>
-                    <a:lnR w="6350" cap="flat" cmpd="sng" algn="ctr">
-                      <a:solidFill>
-                        <a:srgbClr val="FFFFFF"/>
-                      </a:solidFill>
-                      <a:prstDash val="solid"/>
-                      <a:round/>
-                      <a:headEnd type="none" w="med" len="med"/>
-                      <a:tailEnd type="none" w="med" len="med"/>
-                    </a:lnR>
-                    <a:lnT w="6350" cap="flat" cmpd="sng" algn="ctr">
-                      <a:solidFill>
-                        <a:srgbClr val="FFFFFF"/>
-                      </a:solidFill>
-                      <a:prstDash val="solid"/>
-                      <a:round/>
-                      <a:headEnd type="none" w="med" len="med"/>
-                      <a:tailEnd type="none" w="med" len="med"/>
-                    </a:lnT>
-                    <a:lnB w="6350" cap="flat" cmpd="sng" algn="ctr">
-                      <a:solidFill>
-                        <a:srgbClr val="FFFFFF"/>
-                      </a:solidFill>
-                      <a:prstDash val="solid"/>
-                      <a:round/>
-                      <a:headEnd type="none" w="med" len="med"/>
-                      <a:tailEnd type="none" w="med" len="med"/>
-                    </a:lnB>
-                    <a:solidFill>
-                      <a:srgbClr val="DDEBF7"/>
-                    </a:solidFill>
-                  </a:tcPr>
-                </a:tc>
-                <a:tc>
-                  <a:txBody>
-                    <a:bodyPr/>
-                    <a:lstStyle/>
-                    <a:p>
-                      <a:pPr algn="r" fontAlgn="b"/>
-                      <a:r>
-                        <a:rPr lang="en-US" sz="1100" b="1" i="0" u="none" strike="noStrike">
-                          <a:solidFill>
-                            <a:srgbClr val="000000"/>
-                          </a:solidFill>
-                          <a:effectLst/>
-                          <a:latin typeface="Calibri" panose="020F0502020204030204" pitchFamily="34" charset="0"/>
-                        </a:rPr>
-                        <a:t>45.06</a:t>
-                      </a:r>
-                    </a:p>
-                  </a:txBody>
-                  <a:tcPr marL="7620" marR="7620" marT="7620" marB="0" anchor="b">
-                    <a:lnL w="6350" cap="flat" cmpd="sng" algn="ctr">
-                      <a:solidFill>
-                        <a:srgbClr val="FFFFFF"/>
-                      </a:solidFill>
-                      <a:prstDash val="solid"/>
-                      <a:round/>
-                      <a:headEnd type="none" w="med" len="med"/>
-                      <a:tailEnd type="none" w="med" len="med"/>
-                    </a:lnL>
-                    <a:lnR w="6350" cap="flat" cmpd="sng" algn="ctr">
-                      <a:solidFill>
-                        <a:srgbClr val="FFFFFF"/>
-                      </a:solidFill>
-                      <a:prstDash val="solid"/>
-                      <a:round/>
-                      <a:headEnd type="none" w="med" len="med"/>
-                      <a:tailEnd type="none" w="med" len="med"/>
-                    </a:lnR>
-                    <a:lnT w="6350" cap="flat" cmpd="sng" algn="ctr">
-                      <a:solidFill>
-                        <a:srgbClr val="FFFFFF"/>
-                      </a:solidFill>
-                      <a:prstDash val="solid"/>
-                      <a:round/>
-                      <a:headEnd type="none" w="med" len="med"/>
-                      <a:tailEnd type="none" w="med" len="med"/>
-                    </a:lnT>
-                    <a:lnB w="6350" cap="flat" cmpd="sng" algn="ctr">
-                      <a:solidFill>
-                        <a:srgbClr val="FFFFFF"/>
-                      </a:solidFill>
-                      <a:prstDash val="solid"/>
-                      <a:round/>
-                      <a:headEnd type="none" w="med" len="med"/>
-                      <a:tailEnd type="none" w="med" len="med"/>
-                    </a:lnB>
-                    <a:solidFill>
-                      <a:srgbClr val="DDEBF7"/>
-                    </a:solidFill>
-                  </a:tcPr>
-                </a:tc>
-                <a:tc>
-                  <a:txBody>
-                    <a:bodyPr/>
-                    <a:lstStyle/>
-                    <a:p>
-                      <a:pPr algn="r" fontAlgn="b"/>
-                      <a:r>
-                        <a:rPr lang="en-US" sz="1100" b="1" i="0" u="none" strike="noStrike">
-                          <a:solidFill>
-                            <a:srgbClr val="000000"/>
-                          </a:solidFill>
-                          <a:effectLst/>
-                          <a:latin typeface="Calibri" panose="020F0502020204030204" pitchFamily="34" charset="0"/>
-                        </a:rPr>
-                        <a:t>3.5</a:t>
-                      </a:r>
-                    </a:p>
-                  </a:txBody>
-                  <a:tcPr marL="7620" marR="7620" marT="7620" marB="0" anchor="b">
-                    <a:lnL w="6350" cap="flat" cmpd="sng" algn="ctr">
-                      <a:solidFill>
-                        <a:srgbClr val="FFFFFF"/>
-                      </a:solidFill>
-                      <a:prstDash val="solid"/>
-                      <a:round/>
-                      <a:headEnd type="none" w="med" len="med"/>
-                      <a:tailEnd type="none" w="med" len="med"/>
-                    </a:lnL>
-                    <a:lnR w="6350" cap="flat" cmpd="sng" algn="ctr">
-                      <a:solidFill>
-                        <a:srgbClr val="FFFFFF"/>
-                      </a:solidFill>
-                      <a:prstDash val="solid"/>
-                      <a:round/>
-                      <a:headEnd type="none" w="med" len="med"/>
-                      <a:tailEnd type="none" w="med" len="med"/>
-                    </a:lnR>
-                    <a:lnT w="6350" cap="flat" cmpd="sng" algn="ctr">
-                      <a:solidFill>
-                        <a:srgbClr val="FFFFFF"/>
-                      </a:solidFill>
-                      <a:prstDash val="solid"/>
-                      <a:round/>
-                      <a:headEnd type="none" w="med" len="med"/>
-                      <a:tailEnd type="none" w="med" len="med"/>
-                    </a:lnT>
-                    <a:lnB w="6350" cap="flat" cmpd="sng" algn="ctr">
-                      <a:solidFill>
-                        <a:srgbClr val="FFFFFF"/>
-                      </a:solidFill>
-                      <a:prstDash val="solid"/>
-                      <a:round/>
-                      <a:headEnd type="none" w="med" len="med"/>
-                      <a:tailEnd type="none" w="med" len="med"/>
-                    </a:lnB>
-                    <a:solidFill>
-                      <a:srgbClr val="DDEBF7"/>
-                    </a:solidFill>
-                  </a:tcPr>
-                </a:tc>
-                <a:tc>
-                  <a:txBody>
-                    <a:bodyPr/>
-                    <a:lstStyle/>
-                    <a:p>
-                      <a:pPr algn="r" fontAlgn="b"/>
-                      <a:r>
-                        <a:rPr lang="en-US" sz="1100" b="1" i="0" u="none" strike="noStrike">
-                          <a:solidFill>
-                            <a:srgbClr val="000000"/>
-                          </a:solidFill>
-                          <a:effectLst/>
-                          <a:latin typeface="Calibri" panose="020F0502020204030204" pitchFamily="34" charset="0"/>
-                        </a:rPr>
-                        <a:t>20.35</a:t>
-                      </a:r>
-                    </a:p>
-                  </a:txBody>
-                  <a:tcPr marL="7620" marR="7620" marT="7620" marB="0" anchor="b">
-                    <a:lnL w="6350" cap="flat" cmpd="sng" algn="ctr">
-                      <a:solidFill>
-                        <a:srgbClr val="FFFFFF"/>
-                      </a:solidFill>
-                      <a:prstDash val="solid"/>
-                      <a:round/>
-                      <a:headEnd type="none" w="med" len="med"/>
-                      <a:tailEnd type="none" w="med" len="med"/>
-                    </a:lnL>
-                    <a:lnR>
-                      <a:noFill/>
-                    </a:lnR>
-                    <a:lnT w="6350" cap="flat" cmpd="sng" algn="ctr">
-                      <a:solidFill>
-                        <a:srgbClr val="FFFFFF"/>
-                      </a:solidFill>
-                      <a:prstDash val="solid"/>
-                      <a:round/>
-                      <a:headEnd type="none" w="med" len="med"/>
-                      <a:tailEnd type="none" w="med" len="med"/>
-                    </a:lnT>
-                    <a:lnB w="6350" cap="flat" cmpd="sng" algn="ctr">
-                      <a:solidFill>
-                        <a:srgbClr val="FFFFFF"/>
-                      </a:solidFill>
-                      <a:prstDash val="solid"/>
-                      <a:round/>
-                      <a:headEnd type="none" w="med" len="med"/>
-                      <a:tailEnd type="none" w="med" len="med"/>
-                    </a:lnB>
-                    <a:solidFill>
-                      <a:srgbClr val="DDEBF7"/>
-                    </a:solidFill>
-                  </a:tcPr>
-                </a:tc>
-                <a:extLst>
-                  <a:ext uri="{0D108BD9-81ED-4DB2-BD59-A6C34878D82A}">
-                    <a16:rowId xmlns:a16="http://schemas.microsoft.com/office/drawing/2014/main" val="1700607352"/>
-                  </a:ext>
-                </a:extLst>
-              </a:tr>
-              <a:tr h="182880">
-                <a:tc>
-                  <a:txBody>
-                    <a:bodyPr/>
-                    <a:lstStyle/>
-                    <a:p>
-                      <a:pPr algn="l" fontAlgn="b"/>
-                      <a:r>
-                        <a:rPr lang="en-US" sz="1100" b="1" i="0" u="none" strike="noStrike">
-                          <a:solidFill>
-                            <a:srgbClr val="000000"/>
-                          </a:solidFill>
-                          <a:effectLst/>
-                          <a:latin typeface="Calibri" panose="020F0502020204030204" pitchFamily="34" charset="0"/>
-                        </a:rPr>
-                        <a:t>ALXN</a:t>
-                      </a:r>
-                    </a:p>
-                  </a:txBody>
-                  <a:tcPr marL="7620" marR="7620" marT="7620" marB="0" anchor="b">
-                    <a:lnL>
-                      <a:noFill/>
-                    </a:lnL>
-                    <a:lnR w="6350" cap="flat" cmpd="sng" algn="ctr">
-                      <a:solidFill>
-                        <a:srgbClr val="FFFFFF"/>
-                      </a:solidFill>
-                      <a:prstDash val="solid"/>
-                      <a:round/>
-                      <a:headEnd type="none" w="med" len="med"/>
-                      <a:tailEnd type="none" w="med" len="med"/>
-                    </a:lnR>
-                    <a:lnT w="6350" cap="flat" cmpd="sng" algn="ctr">
-                      <a:solidFill>
-                        <a:srgbClr val="FFFFFF"/>
-                      </a:solidFill>
-                      <a:prstDash val="solid"/>
-                      <a:round/>
-                      <a:headEnd type="none" w="med" len="med"/>
-                      <a:tailEnd type="none" w="med" len="med"/>
-                    </a:lnT>
-                    <a:lnB w="6350" cap="flat" cmpd="sng" algn="ctr">
-                      <a:solidFill>
-                        <a:srgbClr val="FFFFFF"/>
-                      </a:solidFill>
-                      <a:prstDash val="solid"/>
-                      <a:round/>
-                      <a:headEnd type="none" w="med" len="med"/>
-                      <a:tailEnd type="none" w="med" len="med"/>
-                    </a:lnB>
-                    <a:solidFill>
-                      <a:srgbClr val="BDD7EE"/>
-                    </a:solidFill>
-                  </a:tcPr>
-                </a:tc>
-                <a:tc>
-                  <a:txBody>
-                    <a:bodyPr/>
-                    <a:lstStyle/>
-                    <a:p>
-                      <a:pPr algn="l" fontAlgn="b"/>
-                      <a:r>
-                        <a:rPr lang="en-US" sz="1100" b="1" i="0" u="none" strike="noStrike">
-                          <a:solidFill>
-                            <a:srgbClr val="000000"/>
-                          </a:solidFill>
-                          <a:effectLst/>
-                          <a:latin typeface="Calibri" panose="020F0502020204030204" pitchFamily="34" charset="0"/>
-                        </a:rPr>
-                        <a:t>Alexion Pharmaceuticals</a:t>
-                      </a:r>
-                    </a:p>
-                  </a:txBody>
-                  <a:tcPr marL="7620" marR="7620" marT="7620" marB="0" anchor="b">
-                    <a:lnL w="6350" cap="flat" cmpd="sng" algn="ctr">
-                      <a:solidFill>
-                        <a:srgbClr val="FFFFFF"/>
-                      </a:solidFill>
-                      <a:prstDash val="solid"/>
-                      <a:round/>
-                      <a:headEnd type="none" w="med" len="med"/>
-                      <a:tailEnd type="none" w="med" len="med"/>
-                    </a:lnL>
-                    <a:lnR w="6350" cap="flat" cmpd="sng" algn="ctr">
-                      <a:solidFill>
-                        <a:srgbClr val="FFFFFF"/>
-                      </a:solidFill>
-                      <a:prstDash val="solid"/>
-                      <a:round/>
-                      <a:headEnd type="none" w="med" len="med"/>
-                      <a:tailEnd type="none" w="med" len="med"/>
-                    </a:lnR>
-                    <a:lnT w="6350" cap="flat" cmpd="sng" algn="ctr">
-                      <a:solidFill>
-                        <a:srgbClr val="FFFFFF"/>
-                      </a:solidFill>
-                      <a:prstDash val="solid"/>
-                      <a:round/>
-                      <a:headEnd type="none" w="med" len="med"/>
-                      <a:tailEnd type="none" w="med" len="med"/>
-                    </a:lnT>
-                    <a:lnB w="6350" cap="flat" cmpd="sng" algn="ctr">
-                      <a:solidFill>
-                        <a:srgbClr val="FFFFFF"/>
-                      </a:solidFill>
-                      <a:prstDash val="solid"/>
-                      <a:round/>
-                      <a:headEnd type="none" w="med" len="med"/>
-                      <a:tailEnd type="none" w="med" len="med"/>
-                    </a:lnB>
-                    <a:solidFill>
-                      <a:srgbClr val="BDD7EE"/>
-                    </a:solidFill>
-                  </a:tcPr>
-                </a:tc>
-                <a:tc>
-                  <a:txBody>
-                    <a:bodyPr/>
-                    <a:lstStyle/>
-                    <a:p>
-                      <a:pPr algn="r" fontAlgn="b"/>
-                      <a:r>
-                        <a:rPr lang="en-US" sz="1100" b="1" i="0" u="none" strike="noStrike">
-                          <a:solidFill>
-                            <a:srgbClr val="000000"/>
-                          </a:solidFill>
-                          <a:effectLst/>
-                          <a:latin typeface="Calibri" panose="020F0502020204030204" pitchFamily="34" charset="0"/>
-                        </a:rPr>
-                        <a:t>34.12</a:t>
-                      </a:r>
-                    </a:p>
-                  </a:txBody>
-                  <a:tcPr marL="7620" marR="7620" marT="7620" marB="0" anchor="b">
-                    <a:lnL w="6350" cap="flat" cmpd="sng" algn="ctr">
-                      <a:solidFill>
-                        <a:srgbClr val="FFFFFF"/>
-                      </a:solidFill>
-                      <a:prstDash val="solid"/>
-                      <a:round/>
-                      <a:headEnd type="none" w="med" len="med"/>
-                      <a:tailEnd type="none" w="med" len="med"/>
-                    </a:lnL>
-                    <a:lnR w="6350" cap="flat" cmpd="sng" algn="ctr">
-                      <a:solidFill>
-                        <a:srgbClr val="FFFFFF"/>
-                      </a:solidFill>
-                      <a:prstDash val="solid"/>
-                      <a:round/>
-                      <a:headEnd type="none" w="med" len="med"/>
-                      <a:tailEnd type="none" w="med" len="med"/>
-                    </a:lnR>
-                    <a:lnT w="6350" cap="flat" cmpd="sng" algn="ctr">
-                      <a:solidFill>
-                        <a:srgbClr val="FFFFFF"/>
-                      </a:solidFill>
-                      <a:prstDash val="solid"/>
-                      <a:round/>
-                      <a:headEnd type="none" w="med" len="med"/>
-                      <a:tailEnd type="none" w="med" len="med"/>
-                    </a:lnT>
-                    <a:lnB w="6350" cap="flat" cmpd="sng" algn="ctr">
-                      <a:solidFill>
-                        <a:srgbClr val="FFFFFF"/>
-                      </a:solidFill>
-                      <a:prstDash val="solid"/>
-                      <a:round/>
-                      <a:headEnd type="none" w="med" len="med"/>
-                      <a:tailEnd type="none" w="med" len="med"/>
-                    </a:lnB>
-                    <a:solidFill>
-                      <a:srgbClr val="BDD7EE"/>
-                    </a:solidFill>
-                  </a:tcPr>
-                </a:tc>
-                <a:tc>
-                  <a:txBody>
-                    <a:bodyPr/>
-                    <a:lstStyle/>
-                    <a:p>
-                      <a:pPr algn="r" fontAlgn="b"/>
-                      <a:r>
-                        <a:rPr lang="en-US" sz="1100" b="1" i="0" u="none" strike="noStrike">
-                          <a:solidFill>
-                            <a:srgbClr val="000000"/>
-                          </a:solidFill>
-                          <a:effectLst/>
-                          <a:latin typeface="Calibri" panose="020F0502020204030204" pitchFamily="34" charset="0"/>
-                        </a:rPr>
-                        <a:t>156.03</a:t>
-                      </a:r>
-                    </a:p>
-                  </a:txBody>
-                  <a:tcPr marL="7620" marR="7620" marT="7620" marB="0" anchor="b">
-                    <a:lnL w="6350" cap="flat" cmpd="sng" algn="ctr">
-                      <a:solidFill>
-                        <a:srgbClr val="FFFFFF"/>
-                      </a:solidFill>
-                      <a:prstDash val="solid"/>
-                      <a:round/>
-                      <a:headEnd type="none" w="med" len="med"/>
-                      <a:tailEnd type="none" w="med" len="med"/>
-                    </a:lnL>
-                    <a:lnR w="6350" cap="flat" cmpd="sng" algn="ctr">
-                      <a:solidFill>
-                        <a:srgbClr val="FFFFFF"/>
-                      </a:solidFill>
-                      <a:prstDash val="solid"/>
-                      <a:round/>
-                      <a:headEnd type="none" w="med" len="med"/>
-                      <a:tailEnd type="none" w="med" len="med"/>
-                    </a:lnR>
-                    <a:lnT w="6350" cap="flat" cmpd="sng" algn="ctr">
-                      <a:solidFill>
-                        <a:srgbClr val="FFFFFF"/>
-                      </a:solidFill>
-                      <a:prstDash val="solid"/>
-                      <a:round/>
-                      <a:headEnd type="none" w="med" len="med"/>
-                      <a:tailEnd type="none" w="med" len="med"/>
-                    </a:lnT>
-                    <a:lnB w="6350" cap="flat" cmpd="sng" algn="ctr">
-                      <a:solidFill>
-                        <a:srgbClr val="FFFFFF"/>
-                      </a:solidFill>
-                      <a:prstDash val="solid"/>
-                      <a:round/>
-                      <a:headEnd type="none" w="med" len="med"/>
-                      <a:tailEnd type="none" w="med" len="med"/>
-                    </a:lnB>
-                    <a:solidFill>
-                      <a:srgbClr val="BDD7EE"/>
-                    </a:solidFill>
-                  </a:tcPr>
-                </a:tc>
-                <a:tc>
-                  <a:txBody>
-                    <a:bodyPr/>
-                    <a:lstStyle/>
-                    <a:p>
-                      <a:pPr algn="ctr" fontAlgn="b"/>
-                      <a:r>
-                        <a:rPr lang="en-US" sz="1100" b="1" i="0" u="none" strike="noStrike">
-                          <a:solidFill>
-                            <a:srgbClr val="000000"/>
-                          </a:solidFill>
-                          <a:effectLst/>
-                          <a:latin typeface="Calibri" panose="020F0502020204030204" pitchFamily="34" charset="0"/>
-                        </a:rPr>
-                        <a:t>-</a:t>
-                      </a:r>
-                    </a:p>
-                  </a:txBody>
-                  <a:tcPr marL="7620" marR="7620" marT="7620" marB="0" anchor="b">
-                    <a:lnL w="6350" cap="flat" cmpd="sng" algn="ctr">
-                      <a:solidFill>
-                        <a:srgbClr val="FFFFFF"/>
-                      </a:solidFill>
-                      <a:prstDash val="solid"/>
-                      <a:round/>
-                      <a:headEnd type="none" w="med" len="med"/>
-                      <a:tailEnd type="none" w="med" len="med"/>
-                    </a:lnL>
-                    <a:lnR w="6350" cap="flat" cmpd="sng" algn="ctr">
-                      <a:solidFill>
-                        <a:srgbClr val="FFFFFF"/>
-                      </a:solidFill>
-                      <a:prstDash val="solid"/>
-                      <a:round/>
-                      <a:headEnd type="none" w="med" len="med"/>
-                      <a:tailEnd type="none" w="med" len="med"/>
-                    </a:lnR>
-                    <a:lnT w="6350" cap="flat" cmpd="sng" algn="ctr">
-                      <a:solidFill>
-                        <a:srgbClr val="FFFFFF"/>
-                      </a:solidFill>
-                      <a:prstDash val="solid"/>
-                      <a:round/>
-                      <a:headEnd type="none" w="med" len="med"/>
-                      <a:tailEnd type="none" w="med" len="med"/>
-                    </a:lnT>
-                    <a:lnB w="6350" cap="flat" cmpd="sng" algn="ctr">
-                      <a:solidFill>
-                        <a:srgbClr val="FFFFFF"/>
-                      </a:solidFill>
-                      <a:prstDash val="solid"/>
-                      <a:round/>
-                      <a:headEnd type="none" w="med" len="med"/>
-                      <a:tailEnd type="none" w="med" len="med"/>
-                    </a:lnB>
-                    <a:solidFill>
-                      <a:srgbClr val="BDD7EE"/>
-                    </a:solidFill>
-                  </a:tcPr>
-                </a:tc>
-                <a:tc>
-                  <a:txBody>
-                    <a:bodyPr/>
-                    <a:lstStyle/>
-                    <a:p>
-                      <a:pPr algn="ctr" fontAlgn="b"/>
-                      <a:r>
-                        <a:rPr lang="en-US" sz="1100" b="1" i="0" u="none" strike="noStrike">
-                          <a:solidFill>
-                            <a:srgbClr val="000000"/>
-                          </a:solidFill>
-                          <a:effectLst/>
-                          <a:latin typeface="Calibri" panose="020F0502020204030204" pitchFamily="34" charset="0"/>
-                        </a:rPr>
-                        <a:t>-</a:t>
-                      </a:r>
-                    </a:p>
-                  </a:txBody>
-                  <a:tcPr marL="7620" marR="7620" marT="7620" marB="0" anchor="b">
-                    <a:lnL w="6350" cap="flat" cmpd="sng" algn="ctr">
-                      <a:solidFill>
-                        <a:srgbClr val="FFFFFF"/>
-                      </a:solidFill>
-                      <a:prstDash val="solid"/>
-                      <a:round/>
-                      <a:headEnd type="none" w="med" len="med"/>
-                      <a:tailEnd type="none" w="med" len="med"/>
-                    </a:lnL>
-                    <a:lnR w="6350" cap="flat" cmpd="sng" algn="ctr">
-                      <a:solidFill>
-                        <a:srgbClr val="FFFFFF"/>
-                      </a:solidFill>
-                      <a:prstDash val="solid"/>
-                      <a:round/>
-                      <a:headEnd type="none" w="med" len="med"/>
-                      <a:tailEnd type="none" w="med" len="med"/>
-                    </a:lnR>
-                    <a:lnT w="6350" cap="flat" cmpd="sng" algn="ctr">
-                      <a:solidFill>
-                        <a:srgbClr val="FFFFFF"/>
-                      </a:solidFill>
-                      <a:prstDash val="solid"/>
-                      <a:round/>
-                      <a:headEnd type="none" w="med" len="med"/>
-                      <a:tailEnd type="none" w="med" len="med"/>
-                    </a:lnT>
-                    <a:lnB w="6350" cap="flat" cmpd="sng" algn="ctr">
-                      <a:solidFill>
-                        <a:srgbClr val="FFFFFF"/>
-                      </a:solidFill>
-                      <a:prstDash val="solid"/>
-                      <a:round/>
-                      <a:headEnd type="none" w="med" len="med"/>
-                      <a:tailEnd type="none" w="med" len="med"/>
-                    </a:lnB>
-                    <a:solidFill>
-                      <a:srgbClr val="BDD7EE"/>
-                    </a:solidFill>
-                  </a:tcPr>
-                </a:tc>
-                <a:tc>
-                  <a:txBody>
-                    <a:bodyPr/>
-                    <a:lstStyle/>
-                    <a:p>
-                      <a:pPr algn="r" fontAlgn="b"/>
-                      <a:r>
-                        <a:rPr lang="en-US" sz="1100" b="1" i="0" u="none" strike="noStrike">
-                          <a:solidFill>
-                            <a:srgbClr val="000000"/>
-                          </a:solidFill>
-                          <a:effectLst/>
-                          <a:latin typeface="Calibri" panose="020F0502020204030204" pitchFamily="34" charset="0"/>
-                        </a:rPr>
-                        <a:t>4.31</a:t>
-                      </a:r>
-                    </a:p>
-                  </a:txBody>
-                  <a:tcPr marL="7620" marR="7620" marT="7620" marB="0" anchor="b">
-                    <a:lnL w="6350" cap="flat" cmpd="sng" algn="ctr">
-                      <a:solidFill>
-                        <a:srgbClr val="FFFFFF"/>
-                      </a:solidFill>
-                      <a:prstDash val="solid"/>
-                      <a:round/>
-                      <a:headEnd type="none" w="med" len="med"/>
-                      <a:tailEnd type="none" w="med" len="med"/>
-                    </a:lnL>
-                    <a:lnR w="6350" cap="flat" cmpd="sng" algn="ctr">
-                      <a:solidFill>
-                        <a:srgbClr val="FFFFFF"/>
-                      </a:solidFill>
-                      <a:prstDash val="solid"/>
-                      <a:round/>
-                      <a:headEnd type="none" w="med" len="med"/>
-                      <a:tailEnd type="none" w="med" len="med"/>
-                    </a:lnR>
-                    <a:lnT w="6350" cap="flat" cmpd="sng" algn="ctr">
-                      <a:solidFill>
-                        <a:srgbClr val="FFFFFF"/>
-                      </a:solidFill>
-                      <a:prstDash val="solid"/>
-                      <a:round/>
-                      <a:headEnd type="none" w="med" len="med"/>
-                      <a:tailEnd type="none" w="med" len="med"/>
-                    </a:lnT>
-                    <a:lnB w="6350" cap="flat" cmpd="sng" algn="ctr">
-                      <a:solidFill>
-                        <a:srgbClr val="FFFFFF"/>
-                      </a:solidFill>
-                      <a:prstDash val="solid"/>
-                      <a:round/>
-                      <a:headEnd type="none" w="med" len="med"/>
-                      <a:tailEnd type="none" w="med" len="med"/>
-                    </a:lnB>
-                    <a:solidFill>
-                      <a:srgbClr val="BDD7EE"/>
-                    </a:solidFill>
-                  </a:tcPr>
-                </a:tc>
-                <a:tc>
-                  <a:txBody>
-                    <a:bodyPr/>
-                    <a:lstStyle/>
-                    <a:p>
-                      <a:pPr algn="r" fontAlgn="b"/>
-                      <a:r>
-                        <a:rPr lang="en-US" sz="1100" b="1" i="0" u="none" strike="noStrike">
-                          <a:solidFill>
-                            <a:srgbClr val="000000"/>
-                          </a:solidFill>
-                          <a:effectLst/>
-                          <a:latin typeface="Calibri" panose="020F0502020204030204" pitchFamily="34" charset="0"/>
-                        </a:rPr>
-                        <a:t>36.21</a:t>
-                      </a:r>
-                    </a:p>
-                  </a:txBody>
-                  <a:tcPr marL="7620" marR="7620" marT="7620" marB="0" anchor="b">
-                    <a:lnL w="6350" cap="flat" cmpd="sng" algn="ctr">
-                      <a:solidFill>
-                        <a:srgbClr val="FFFFFF"/>
-                      </a:solidFill>
-                      <a:prstDash val="solid"/>
-                      <a:round/>
-                      <a:headEnd type="none" w="med" len="med"/>
-                      <a:tailEnd type="none" w="med" len="med"/>
-                    </a:lnL>
-                    <a:lnR w="6350" cap="flat" cmpd="sng" algn="ctr">
-                      <a:solidFill>
-                        <a:srgbClr val="FFFFFF"/>
-                      </a:solidFill>
-                      <a:prstDash val="solid"/>
-                      <a:round/>
-                      <a:headEnd type="none" w="med" len="med"/>
-                      <a:tailEnd type="none" w="med" len="med"/>
-                    </a:lnR>
-                    <a:lnT w="6350" cap="flat" cmpd="sng" algn="ctr">
-                      <a:solidFill>
-                        <a:srgbClr val="FFFFFF"/>
-                      </a:solidFill>
-                      <a:prstDash val="solid"/>
-                      <a:round/>
-                      <a:headEnd type="none" w="med" len="med"/>
-                      <a:tailEnd type="none" w="med" len="med"/>
-                    </a:lnT>
-                    <a:lnB w="6350" cap="flat" cmpd="sng" algn="ctr">
-                      <a:solidFill>
-                        <a:srgbClr val="FFFFFF"/>
-                      </a:solidFill>
-                      <a:prstDash val="solid"/>
-                      <a:round/>
-                      <a:headEnd type="none" w="med" len="med"/>
-                      <a:tailEnd type="none" w="med" len="med"/>
-                    </a:lnB>
-                    <a:solidFill>
-                      <a:srgbClr val="BDD7EE"/>
-                    </a:solidFill>
-                  </a:tcPr>
-                </a:tc>
-                <a:tc>
-                  <a:txBody>
-                    <a:bodyPr/>
-                    <a:lstStyle/>
-                    <a:p>
-                      <a:pPr algn="r" fontAlgn="b"/>
-                      <a:r>
-                        <a:rPr lang="en-US" sz="1100" b="1" i="0" u="none" strike="noStrike">
-                          <a:solidFill>
-                            <a:srgbClr val="000000"/>
-                          </a:solidFill>
-                          <a:effectLst/>
-                          <a:latin typeface="Calibri" panose="020F0502020204030204" pitchFamily="34" charset="0"/>
-                        </a:rPr>
-                        <a:t>0.97</a:t>
-                      </a:r>
-                    </a:p>
-                  </a:txBody>
-                  <a:tcPr marL="7620" marR="7620" marT="7620" marB="0" anchor="b">
-                    <a:lnL w="6350" cap="flat" cmpd="sng" algn="ctr">
-                      <a:solidFill>
-                        <a:srgbClr val="FFFFFF"/>
-                      </a:solidFill>
-                      <a:prstDash val="solid"/>
-                      <a:round/>
-                      <a:headEnd type="none" w="med" len="med"/>
-                      <a:tailEnd type="none" w="med" len="med"/>
-                    </a:lnL>
-                    <a:lnR w="6350" cap="flat" cmpd="sng" algn="ctr">
-                      <a:solidFill>
-                        <a:srgbClr val="FFFFFF"/>
-                      </a:solidFill>
-                      <a:prstDash val="solid"/>
-                      <a:round/>
-                      <a:headEnd type="none" w="med" len="med"/>
-                      <a:tailEnd type="none" w="med" len="med"/>
-                    </a:lnR>
-                    <a:lnT w="6350" cap="flat" cmpd="sng" algn="ctr">
-                      <a:solidFill>
-                        <a:srgbClr val="FFFFFF"/>
-                      </a:solidFill>
-                      <a:prstDash val="solid"/>
-                      <a:round/>
-                      <a:headEnd type="none" w="med" len="med"/>
-                      <a:tailEnd type="none" w="med" len="med"/>
-                    </a:lnT>
-                    <a:lnB w="6350" cap="flat" cmpd="sng" algn="ctr">
-                      <a:solidFill>
-                        <a:srgbClr val="FFFFFF"/>
-                      </a:solidFill>
-                      <a:prstDash val="solid"/>
-                      <a:round/>
-                      <a:headEnd type="none" w="med" len="med"/>
-                      <a:tailEnd type="none" w="med" len="med"/>
-                    </a:lnB>
-                    <a:solidFill>
-                      <a:srgbClr val="BDD7EE"/>
-                    </a:solidFill>
-                  </a:tcPr>
-                </a:tc>
-                <a:tc>
-                  <a:txBody>
-                    <a:bodyPr/>
-                    <a:lstStyle/>
-                    <a:p>
-                      <a:pPr algn="r" fontAlgn="b"/>
-                      <a:r>
-                        <a:rPr lang="en-US" sz="1100" b="1" i="0" u="none" strike="noStrike">
-                          <a:solidFill>
-                            <a:srgbClr val="000000"/>
-                          </a:solidFill>
-                          <a:effectLst/>
-                          <a:latin typeface="Calibri" panose="020F0502020204030204" pitchFamily="34" charset="0"/>
-                        </a:rPr>
-                        <a:t>3.03</a:t>
-                      </a:r>
-                    </a:p>
-                  </a:txBody>
-                  <a:tcPr marL="7620" marR="7620" marT="7620" marB="0" anchor="b">
-                    <a:lnL w="6350" cap="flat" cmpd="sng" algn="ctr">
-                      <a:solidFill>
-                        <a:srgbClr val="FFFFFF"/>
-                      </a:solidFill>
-                      <a:prstDash val="solid"/>
-                      <a:round/>
-                      <a:headEnd type="none" w="med" len="med"/>
-                      <a:tailEnd type="none" w="med" len="med"/>
-                    </a:lnL>
-                    <a:lnR>
-                      <a:noFill/>
-                    </a:lnR>
-                    <a:lnT w="6350" cap="flat" cmpd="sng" algn="ctr">
-                      <a:solidFill>
-                        <a:srgbClr val="FFFFFF"/>
-                      </a:solidFill>
-                      <a:prstDash val="solid"/>
-                      <a:round/>
-                      <a:headEnd type="none" w="med" len="med"/>
-                      <a:tailEnd type="none" w="med" len="med"/>
-                    </a:lnT>
-                    <a:lnB w="6350" cap="flat" cmpd="sng" algn="ctr">
-                      <a:solidFill>
-                        <a:srgbClr val="FFFFFF"/>
-                      </a:solidFill>
-                      <a:prstDash val="solid"/>
-                      <a:round/>
-                      <a:headEnd type="none" w="med" len="med"/>
-                      <a:tailEnd type="none" w="med" len="med"/>
-                    </a:lnB>
-                    <a:solidFill>
-                      <a:srgbClr val="BDD7EE"/>
-                    </a:solidFill>
-                  </a:tcPr>
-                </a:tc>
-                <a:extLst>
-                  <a:ext uri="{0D108BD9-81ED-4DB2-BD59-A6C34878D82A}">
-                    <a16:rowId xmlns:a16="http://schemas.microsoft.com/office/drawing/2014/main" val="2956949046"/>
-                  </a:ext>
-                </a:extLst>
-              </a:tr>
-              <a:tr h="182880">
-                <a:tc>
-                  <a:txBody>
-                    <a:bodyPr/>
-                    <a:lstStyle/>
-                    <a:p>
-                      <a:pPr algn="l" fontAlgn="b"/>
-                      <a:r>
-                        <a:rPr lang="en-US" sz="1100" b="1" i="0" u="none" strike="noStrike">
-                          <a:solidFill>
-                            <a:srgbClr val="000000"/>
-                          </a:solidFill>
-                          <a:effectLst/>
-                          <a:latin typeface="Calibri" panose="020F0502020204030204" pitchFamily="34" charset="0"/>
-                        </a:rPr>
-                        <a:t>VTRS</a:t>
-                      </a:r>
-                    </a:p>
-                  </a:txBody>
-                  <a:tcPr marL="7620" marR="7620" marT="7620" marB="0" anchor="b">
-                    <a:lnL>
-                      <a:noFill/>
-                    </a:lnL>
-                    <a:lnR w="6350" cap="flat" cmpd="sng" algn="ctr">
-                      <a:solidFill>
-                        <a:srgbClr val="FFFFFF"/>
-                      </a:solidFill>
-                      <a:prstDash val="solid"/>
-                      <a:round/>
-                      <a:headEnd type="none" w="med" len="med"/>
-                      <a:tailEnd type="none" w="med" len="med"/>
-                    </a:lnR>
-                    <a:lnT w="6350" cap="flat" cmpd="sng" algn="ctr">
-                      <a:solidFill>
-                        <a:srgbClr val="FFFFFF"/>
-                      </a:solidFill>
-                      <a:prstDash val="solid"/>
-                      <a:round/>
-                      <a:headEnd type="none" w="med" len="med"/>
-                      <a:tailEnd type="none" w="med" len="med"/>
-                    </a:lnT>
-                    <a:lnB w="6350" cap="flat" cmpd="sng" algn="ctr">
-                      <a:solidFill>
-                        <a:srgbClr val="FFFFFF"/>
-                      </a:solidFill>
-                      <a:prstDash val="solid"/>
-                      <a:round/>
-                      <a:headEnd type="none" w="med" len="med"/>
-                      <a:tailEnd type="none" w="med" len="med"/>
-                    </a:lnB>
-                    <a:solidFill>
-                      <a:srgbClr val="DDEBF7"/>
-                    </a:solidFill>
-                  </a:tcPr>
-                </a:tc>
-                <a:tc>
-                  <a:txBody>
-                    <a:bodyPr/>
-                    <a:lstStyle/>
-                    <a:p>
-                      <a:pPr algn="l" fontAlgn="b"/>
-                      <a:r>
-                        <a:rPr lang="en-US" sz="1100" b="1" i="0" u="none" strike="noStrike">
-                          <a:solidFill>
-                            <a:srgbClr val="000000"/>
-                          </a:solidFill>
-                          <a:effectLst/>
-                          <a:latin typeface="Calibri" panose="020F0502020204030204" pitchFamily="34" charset="0"/>
-                        </a:rPr>
-                        <a:t>Viatris</a:t>
-                      </a:r>
-                    </a:p>
-                  </a:txBody>
-                  <a:tcPr marL="7620" marR="7620" marT="7620" marB="0" anchor="b">
-                    <a:lnL w="6350" cap="flat" cmpd="sng" algn="ctr">
-                      <a:solidFill>
-                        <a:srgbClr val="FFFFFF"/>
-                      </a:solidFill>
-                      <a:prstDash val="solid"/>
-                      <a:round/>
-                      <a:headEnd type="none" w="med" len="med"/>
-                      <a:tailEnd type="none" w="med" len="med"/>
-                    </a:lnL>
-                    <a:lnR w="6350" cap="flat" cmpd="sng" algn="ctr">
-                      <a:solidFill>
-                        <a:srgbClr val="FFFFFF"/>
-                      </a:solidFill>
-                      <a:prstDash val="solid"/>
-                      <a:round/>
-                      <a:headEnd type="none" w="med" len="med"/>
-                      <a:tailEnd type="none" w="med" len="med"/>
-                    </a:lnR>
-                    <a:lnT w="6350" cap="flat" cmpd="sng" algn="ctr">
-                      <a:solidFill>
-                        <a:srgbClr val="FFFFFF"/>
-                      </a:solidFill>
-                      <a:prstDash val="solid"/>
-                      <a:round/>
-                      <a:headEnd type="none" w="med" len="med"/>
-                      <a:tailEnd type="none" w="med" len="med"/>
-                    </a:lnT>
-                    <a:lnB w="6350" cap="flat" cmpd="sng" algn="ctr">
-                      <a:solidFill>
-                        <a:srgbClr val="FFFFFF"/>
-                      </a:solidFill>
-                      <a:prstDash val="solid"/>
-                      <a:round/>
-                      <a:headEnd type="none" w="med" len="med"/>
-                      <a:tailEnd type="none" w="med" len="med"/>
-                    </a:lnB>
-                    <a:solidFill>
-                      <a:srgbClr val="DDEBF7"/>
-                    </a:solidFill>
-                  </a:tcPr>
-                </a:tc>
-                <a:tc>
-                  <a:txBody>
-                    <a:bodyPr/>
-                    <a:lstStyle/>
-                    <a:p>
-                      <a:pPr algn="r" fontAlgn="b"/>
-                      <a:r>
-                        <a:rPr lang="en-US" sz="1100" b="1" i="0" u="none" strike="noStrike">
-                          <a:solidFill>
-                            <a:srgbClr val="000000"/>
-                          </a:solidFill>
-                          <a:effectLst/>
-                          <a:latin typeface="Calibri" panose="020F0502020204030204" pitchFamily="34" charset="0"/>
-                        </a:rPr>
-                        <a:t>20.80</a:t>
-                      </a:r>
-                    </a:p>
-                  </a:txBody>
-                  <a:tcPr marL="7620" marR="7620" marT="7620" marB="0" anchor="b">
-                    <a:lnL w="6350" cap="flat" cmpd="sng" algn="ctr">
-                      <a:solidFill>
-                        <a:srgbClr val="FFFFFF"/>
-                      </a:solidFill>
-                      <a:prstDash val="solid"/>
-                      <a:round/>
-                      <a:headEnd type="none" w="med" len="med"/>
-                      <a:tailEnd type="none" w="med" len="med"/>
-                    </a:lnL>
-                    <a:lnR w="6350" cap="flat" cmpd="sng" algn="ctr">
-                      <a:solidFill>
-                        <a:srgbClr val="FFFFFF"/>
-                      </a:solidFill>
-                      <a:prstDash val="solid"/>
-                      <a:round/>
-                      <a:headEnd type="none" w="med" len="med"/>
-                      <a:tailEnd type="none" w="med" len="med"/>
-                    </a:lnR>
-                    <a:lnT w="6350" cap="flat" cmpd="sng" algn="ctr">
-                      <a:solidFill>
-                        <a:srgbClr val="FFFFFF"/>
-                      </a:solidFill>
-                      <a:prstDash val="solid"/>
-                      <a:round/>
-                      <a:headEnd type="none" w="med" len="med"/>
-                      <a:tailEnd type="none" w="med" len="med"/>
-                    </a:lnT>
-                    <a:lnB w="6350" cap="flat" cmpd="sng" algn="ctr">
-                      <a:solidFill>
-                        <a:srgbClr val="FFFFFF"/>
-                      </a:solidFill>
-                      <a:prstDash val="solid"/>
-                      <a:round/>
-                      <a:headEnd type="none" w="med" len="med"/>
-                      <a:tailEnd type="none" w="med" len="med"/>
-                    </a:lnB>
-                    <a:solidFill>
-                      <a:srgbClr val="DDEBF7"/>
-                    </a:solidFill>
-                  </a:tcPr>
-                </a:tc>
-                <a:tc>
-                  <a:txBody>
-                    <a:bodyPr/>
-                    <a:lstStyle/>
-                    <a:p>
-                      <a:pPr algn="r" fontAlgn="b"/>
-                      <a:r>
-                        <a:rPr lang="en-US" sz="1100" b="1" i="0" u="none" strike="noStrike">
-                          <a:solidFill>
-                            <a:srgbClr val="000000"/>
-                          </a:solidFill>
-                          <a:effectLst/>
-                          <a:latin typeface="Calibri" panose="020F0502020204030204" pitchFamily="34" charset="0"/>
-                        </a:rPr>
-                        <a:t>17.32</a:t>
-                      </a:r>
-                    </a:p>
-                  </a:txBody>
-                  <a:tcPr marL="7620" marR="7620" marT="7620" marB="0" anchor="b">
-                    <a:lnL w="6350" cap="flat" cmpd="sng" algn="ctr">
-                      <a:solidFill>
-                        <a:srgbClr val="FFFFFF"/>
-                      </a:solidFill>
-                      <a:prstDash val="solid"/>
-                      <a:round/>
-                      <a:headEnd type="none" w="med" len="med"/>
-                      <a:tailEnd type="none" w="med" len="med"/>
-                    </a:lnL>
-                    <a:lnR w="6350" cap="flat" cmpd="sng" algn="ctr">
-                      <a:solidFill>
-                        <a:srgbClr val="FFFFFF"/>
-                      </a:solidFill>
-                      <a:prstDash val="solid"/>
-                      <a:round/>
-                      <a:headEnd type="none" w="med" len="med"/>
-                      <a:tailEnd type="none" w="med" len="med"/>
-                    </a:lnR>
-                    <a:lnT w="6350" cap="flat" cmpd="sng" algn="ctr">
-                      <a:solidFill>
-                        <a:srgbClr val="FFFFFF"/>
-                      </a:solidFill>
-                      <a:prstDash val="solid"/>
-                      <a:round/>
-                      <a:headEnd type="none" w="med" len="med"/>
-                      <a:tailEnd type="none" w="med" len="med"/>
-                    </a:lnT>
-                    <a:lnB w="6350" cap="flat" cmpd="sng" algn="ctr">
-                      <a:solidFill>
-                        <a:srgbClr val="FFFFFF"/>
-                      </a:solidFill>
-                      <a:prstDash val="solid"/>
-                      <a:round/>
-                      <a:headEnd type="none" w="med" len="med"/>
-                      <a:tailEnd type="none" w="med" len="med"/>
-                    </a:lnB>
-                    <a:solidFill>
-                      <a:srgbClr val="DDEBF7"/>
-                    </a:solidFill>
-                  </a:tcPr>
-                </a:tc>
-                <a:tc>
-                  <a:txBody>
-                    <a:bodyPr/>
-                    <a:lstStyle/>
-                    <a:p>
-                      <a:pPr algn="ctr" fontAlgn="b"/>
-                      <a:r>
-                        <a:rPr lang="en-US" sz="1100" b="1" i="0" u="none" strike="noStrike">
-                          <a:solidFill>
-                            <a:srgbClr val="000000"/>
-                          </a:solidFill>
-                          <a:effectLst/>
-                          <a:latin typeface="Calibri" panose="020F0502020204030204" pitchFamily="34" charset="0"/>
-                        </a:rPr>
-                        <a:t>-</a:t>
-                      </a:r>
-                    </a:p>
-                  </a:txBody>
-                  <a:tcPr marL="7620" marR="7620" marT="7620" marB="0" anchor="b">
-                    <a:lnL w="6350" cap="flat" cmpd="sng" algn="ctr">
-                      <a:solidFill>
-                        <a:srgbClr val="FFFFFF"/>
-                      </a:solidFill>
-                      <a:prstDash val="solid"/>
-                      <a:round/>
-                      <a:headEnd type="none" w="med" len="med"/>
-                      <a:tailEnd type="none" w="med" len="med"/>
-                    </a:lnL>
-                    <a:lnR w="6350" cap="flat" cmpd="sng" algn="ctr">
-                      <a:solidFill>
-                        <a:srgbClr val="FFFFFF"/>
-                      </a:solidFill>
-                      <a:prstDash val="solid"/>
-                      <a:round/>
-                      <a:headEnd type="none" w="med" len="med"/>
-                      <a:tailEnd type="none" w="med" len="med"/>
-                    </a:lnR>
-                    <a:lnT w="6350" cap="flat" cmpd="sng" algn="ctr">
-                      <a:solidFill>
-                        <a:srgbClr val="FFFFFF"/>
-                      </a:solidFill>
-                      <a:prstDash val="solid"/>
-                      <a:round/>
-                      <a:headEnd type="none" w="med" len="med"/>
-                      <a:tailEnd type="none" w="med" len="med"/>
-                    </a:lnT>
-                    <a:lnB w="6350" cap="flat" cmpd="sng" algn="ctr">
-                      <a:solidFill>
-                        <a:srgbClr val="FFFFFF"/>
-                      </a:solidFill>
-                      <a:prstDash val="solid"/>
-                      <a:round/>
-                      <a:headEnd type="none" w="med" len="med"/>
-                      <a:tailEnd type="none" w="med" len="med"/>
-                    </a:lnB>
-                    <a:solidFill>
-                      <a:srgbClr val="DDEBF7"/>
-                    </a:solidFill>
-                  </a:tcPr>
-                </a:tc>
-                <a:tc>
-                  <a:txBody>
-                    <a:bodyPr/>
-                    <a:lstStyle/>
-                    <a:p>
-                      <a:pPr algn="ctr" fontAlgn="b"/>
-                      <a:r>
-                        <a:rPr lang="en-US" sz="1100" b="1" i="0" u="none" strike="noStrike">
-                          <a:solidFill>
-                            <a:srgbClr val="000000"/>
-                          </a:solidFill>
-                          <a:effectLst/>
-                          <a:latin typeface="Calibri" panose="020F0502020204030204" pitchFamily="34" charset="0"/>
-                        </a:rPr>
-                        <a:t>-</a:t>
-                      </a:r>
-                    </a:p>
-                  </a:txBody>
-                  <a:tcPr marL="7620" marR="7620" marT="7620" marB="0" anchor="b">
-                    <a:lnL w="6350" cap="flat" cmpd="sng" algn="ctr">
-                      <a:solidFill>
-                        <a:srgbClr val="FFFFFF"/>
-                      </a:solidFill>
-                      <a:prstDash val="solid"/>
-                      <a:round/>
-                      <a:headEnd type="none" w="med" len="med"/>
-                      <a:tailEnd type="none" w="med" len="med"/>
-                    </a:lnL>
-                    <a:lnR w="6350" cap="flat" cmpd="sng" algn="ctr">
-                      <a:solidFill>
-                        <a:srgbClr val="FFFFFF"/>
-                      </a:solidFill>
-                      <a:prstDash val="solid"/>
-                      <a:round/>
-                      <a:headEnd type="none" w="med" len="med"/>
-                      <a:tailEnd type="none" w="med" len="med"/>
-                    </a:lnR>
-                    <a:lnT w="6350" cap="flat" cmpd="sng" algn="ctr">
-                      <a:solidFill>
-                        <a:srgbClr val="FFFFFF"/>
-                      </a:solidFill>
-                      <a:prstDash val="solid"/>
-                      <a:round/>
-                      <a:headEnd type="none" w="med" len="med"/>
-                      <a:tailEnd type="none" w="med" len="med"/>
-                    </a:lnT>
-                    <a:lnB w="6350" cap="flat" cmpd="sng" algn="ctr">
-                      <a:solidFill>
-                        <a:srgbClr val="FFFFFF"/>
-                      </a:solidFill>
-                      <a:prstDash val="solid"/>
-                      <a:round/>
-                      <a:headEnd type="none" w="med" len="med"/>
-                      <a:tailEnd type="none" w="med" len="med"/>
-                    </a:lnB>
-                    <a:solidFill>
-                      <a:srgbClr val="DDEBF7"/>
-                    </a:solidFill>
-                  </a:tcPr>
-                </a:tc>
-                <a:tc>
-                  <a:txBody>
-                    <a:bodyPr/>
-                    <a:lstStyle/>
-                    <a:p>
-                      <a:pPr algn="ctr" fontAlgn="b"/>
-                      <a:r>
-                        <a:rPr lang="en-US" sz="1100" b="1" i="0" u="none" strike="noStrike">
-                          <a:solidFill>
-                            <a:srgbClr val="000000"/>
-                          </a:solidFill>
-                          <a:effectLst/>
-                          <a:latin typeface="Calibri" panose="020F0502020204030204" pitchFamily="34" charset="0"/>
-                        </a:rPr>
-                        <a:t>-</a:t>
-                      </a:r>
-                    </a:p>
-                  </a:txBody>
-                  <a:tcPr marL="7620" marR="7620" marT="7620" marB="0" anchor="b">
-                    <a:lnL w="6350" cap="flat" cmpd="sng" algn="ctr">
-                      <a:solidFill>
-                        <a:srgbClr val="FFFFFF"/>
-                      </a:solidFill>
-                      <a:prstDash val="solid"/>
-                      <a:round/>
-                      <a:headEnd type="none" w="med" len="med"/>
-                      <a:tailEnd type="none" w="med" len="med"/>
-                    </a:lnL>
-                    <a:lnR w="6350" cap="flat" cmpd="sng" algn="ctr">
-                      <a:solidFill>
-                        <a:srgbClr val="FFFFFF"/>
-                      </a:solidFill>
-                      <a:prstDash val="solid"/>
-                      <a:round/>
-                      <a:headEnd type="none" w="med" len="med"/>
-                      <a:tailEnd type="none" w="med" len="med"/>
-                    </a:lnR>
-                    <a:lnT w="6350" cap="flat" cmpd="sng" algn="ctr">
-                      <a:solidFill>
-                        <a:srgbClr val="FFFFFF"/>
-                      </a:solidFill>
-                      <a:prstDash val="solid"/>
-                      <a:round/>
-                      <a:headEnd type="none" w="med" len="med"/>
-                      <a:tailEnd type="none" w="med" len="med"/>
-                    </a:lnT>
-                    <a:lnB w="6350" cap="flat" cmpd="sng" algn="ctr">
-                      <a:solidFill>
-                        <a:srgbClr val="FFFFFF"/>
-                      </a:solidFill>
-                      <a:prstDash val="solid"/>
-                      <a:round/>
-                      <a:headEnd type="none" w="med" len="med"/>
-                      <a:tailEnd type="none" w="med" len="med"/>
-                    </a:lnB>
-                    <a:solidFill>
-                      <a:srgbClr val="DDEBF7"/>
-                    </a:solidFill>
-                  </a:tcPr>
-                </a:tc>
-                <a:tc>
-                  <a:txBody>
-                    <a:bodyPr/>
-                    <a:lstStyle/>
-                    <a:p>
-                      <a:pPr algn="ctr" fontAlgn="b"/>
-                      <a:r>
-                        <a:rPr lang="en-US" sz="1100" b="1" i="0" u="none" strike="noStrike">
-                          <a:solidFill>
-                            <a:srgbClr val="000000"/>
-                          </a:solidFill>
-                          <a:effectLst/>
-                          <a:latin typeface="Calibri" panose="020F0502020204030204" pitchFamily="34" charset="0"/>
-                        </a:rPr>
-                        <a:t>-</a:t>
-                      </a:r>
-                    </a:p>
-                  </a:txBody>
-                  <a:tcPr marL="7620" marR="7620" marT="7620" marB="0" anchor="b">
-                    <a:lnL w="6350" cap="flat" cmpd="sng" algn="ctr">
-                      <a:solidFill>
-                        <a:srgbClr val="FFFFFF"/>
-                      </a:solidFill>
-                      <a:prstDash val="solid"/>
-                      <a:round/>
-                      <a:headEnd type="none" w="med" len="med"/>
-                      <a:tailEnd type="none" w="med" len="med"/>
-                    </a:lnL>
-                    <a:lnR w="6350" cap="flat" cmpd="sng" algn="ctr">
-                      <a:solidFill>
-                        <a:srgbClr val="FFFFFF"/>
-                      </a:solidFill>
-                      <a:prstDash val="solid"/>
-                      <a:round/>
-                      <a:headEnd type="none" w="med" len="med"/>
-                      <a:tailEnd type="none" w="med" len="med"/>
-                    </a:lnR>
-                    <a:lnT w="6350" cap="flat" cmpd="sng" algn="ctr">
-                      <a:solidFill>
-                        <a:srgbClr val="FFFFFF"/>
-                      </a:solidFill>
-                      <a:prstDash val="solid"/>
-                      <a:round/>
-                      <a:headEnd type="none" w="med" len="med"/>
-                      <a:tailEnd type="none" w="med" len="med"/>
-                    </a:lnT>
-                    <a:lnB w="6350" cap="flat" cmpd="sng" algn="ctr">
-                      <a:solidFill>
-                        <a:srgbClr val="FFFFFF"/>
-                      </a:solidFill>
-                      <a:prstDash val="solid"/>
-                      <a:round/>
-                      <a:headEnd type="none" w="med" len="med"/>
-                      <a:tailEnd type="none" w="med" len="med"/>
-                    </a:lnB>
-                    <a:solidFill>
-                      <a:srgbClr val="DDEBF7"/>
-                    </a:solidFill>
-                  </a:tcPr>
-                </a:tc>
-                <a:tc>
-                  <a:txBody>
-                    <a:bodyPr/>
-                    <a:lstStyle/>
-                    <a:p>
-                      <a:pPr algn="ctr" fontAlgn="b"/>
-                      <a:r>
-                        <a:rPr lang="en-US" sz="1100" b="1" i="0" u="none" strike="noStrike">
-                          <a:solidFill>
-                            <a:srgbClr val="000000"/>
-                          </a:solidFill>
-                          <a:effectLst/>
-                          <a:latin typeface="Calibri" panose="020F0502020204030204" pitchFamily="34" charset="0"/>
-                        </a:rPr>
-                        <a:t>-</a:t>
-                      </a:r>
-                    </a:p>
-                  </a:txBody>
-                  <a:tcPr marL="7620" marR="7620" marT="7620" marB="0" anchor="b">
-                    <a:lnL w="6350" cap="flat" cmpd="sng" algn="ctr">
-                      <a:solidFill>
-                        <a:srgbClr val="FFFFFF"/>
-                      </a:solidFill>
-                      <a:prstDash val="solid"/>
-                      <a:round/>
-                      <a:headEnd type="none" w="med" len="med"/>
-                      <a:tailEnd type="none" w="med" len="med"/>
-                    </a:lnL>
-                    <a:lnR w="6350" cap="flat" cmpd="sng" algn="ctr">
-                      <a:solidFill>
-                        <a:srgbClr val="FFFFFF"/>
-                      </a:solidFill>
-                      <a:prstDash val="solid"/>
-                      <a:round/>
-                      <a:headEnd type="none" w="med" len="med"/>
-                      <a:tailEnd type="none" w="med" len="med"/>
-                    </a:lnR>
-                    <a:lnT w="6350" cap="flat" cmpd="sng" algn="ctr">
-                      <a:solidFill>
-                        <a:srgbClr val="FFFFFF"/>
-                      </a:solidFill>
-                      <a:prstDash val="solid"/>
-                      <a:round/>
-                      <a:headEnd type="none" w="med" len="med"/>
-                      <a:tailEnd type="none" w="med" len="med"/>
-                    </a:lnT>
-                    <a:lnB w="6350" cap="flat" cmpd="sng" algn="ctr">
-                      <a:solidFill>
-                        <a:srgbClr val="FFFFFF"/>
-                      </a:solidFill>
-                      <a:prstDash val="solid"/>
-                      <a:round/>
-                      <a:headEnd type="none" w="med" len="med"/>
-                      <a:tailEnd type="none" w="med" len="med"/>
-                    </a:lnB>
-                    <a:solidFill>
-                      <a:srgbClr val="DDEBF7"/>
-                    </a:solidFill>
-                  </a:tcPr>
-                </a:tc>
-                <a:tc>
-                  <a:txBody>
-                    <a:bodyPr/>
-                    <a:lstStyle/>
-                    <a:p>
-                      <a:pPr algn="r" fontAlgn="b"/>
-                      <a:r>
-                        <a:rPr lang="en-US" sz="1100" b="1" i="0" u="none" strike="noStrike">
-                          <a:solidFill>
-                            <a:srgbClr val="000000"/>
-                          </a:solidFill>
-                          <a:effectLst/>
-                          <a:latin typeface="Calibri" panose="020F0502020204030204" pitchFamily="34" charset="0"/>
-                        </a:rPr>
-                        <a:t>1.63</a:t>
-                      </a:r>
-                    </a:p>
-                  </a:txBody>
-                  <a:tcPr marL="7620" marR="7620" marT="7620" marB="0" anchor="b">
-                    <a:lnL w="6350" cap="flat" cmpd="sng" algn="ctr">
-                      <a:solidFill>
-                        <a:srgbClr val="FFFFFF"/>
-                      </a:solidFill>
-                      <a:prstDash val="solid"/>
-                      <a:round/>
-                      <a:headEnd type="none" w="med" len="med"/>
-                      <a:tailEnd type="none" w="med" len="med"/>
-                    </a:lnL>
-                    <a:lnR>
-                      <a:noFill/>
-                    </a:lnR>
-                    <a:lnT w="6350" cap="flat" cmpd="sng" algn="ctr">
-                      <a:solidFill>
-                        <a:srgbClr val="FFFFFF"/>
-                      </a:solidFill>
-                      <a:prstDash val="solid"/>
-                      <a:round/>
-                      <a:headEnd type="none" w="med" len="med"/>
-                      <a:tailEnd type="none" w="med" len="med"/>
-                    </a:lnT>
-                    <a:lnB w="6350" cap="flat" cmpd="sng" algn="ctr">
-                      <a:solidFill>
-                        <a:srgbClr val="FFFFFF"/>
-                      </a:solidFill>
-                      <a:prstDash val="solid"/>
-                      <a:round/>
-                      <a:headEnd type="none" w="med" len="med"/>
-                      <a:tailEnd type="none" w="med" len="med"/>
-                    </a:lnB>
-                    <a:solidFill>
-                      <a:srgbClr val="DDEBF7"/>
-                    </a:solidFill>
-                  </a:tcPr>
-                </a:tc>
-                <a:extLst>
-                  <a:ext uri="{0D108BD9-81ED-4DB2-BD59-A6C34878D82A}">
-                    <a16:rowId xmlns:a16="http://schemas.microsoft.com/office/drawing/2014/main" val="1387595175"/>
-                  </a:ext>
-                </a:extLst>
-              </a:tr>
-              <a:tr h="182880">
-                <a:tc>
-                  <a:txBody>
-                    <a:bodyPr/>
-                    <a:lstStyle/>
-                    <a:p>
-                      <a:pPr algn="l" fontAlgn="b"/>
-                      <a:r>
-                        <a:rPr lang="en-US" sz="1100" b="1" i="0" u="none" strike="noStrike">
-                          <a:solidFill>
-                            <a:srgbClr val="000000"/>
-                          </a:solidFill>
-                          <a:effectLst/>
-                          <a:latin typeface="Calibri" panose="020F0502020204030204" pitchFamily="34" charset="0"/>
-                        </a:rPr>
-                        <a:t>CTLT</a:t>
-                      </a:r>
-                    </a:p>
-                  </a:txBody>
-                  <a:tcPr marL="7620" marR="7620" marT="7620" marB="0" anchor="b">
-                    <a:lnL>
-                      <a:noFill/>
-                    </a:lnL>
-                    <a:lnR w="6350" cap="flat" cmpd="sng" algn="ctr">
-                      <a:solidFill>
-                        <a:srgbClr val="FFFFFF"/>
-                      </a:solidFill>
-                      <a:prstDash val="solid"/>
-                      <a:round/>
-                      <a:headEnd type="none" w="med" len="med"/>
-                      <a:tailEnd type="none" w="med" len="med"/>
-                    </a:lnR>
-                    <a:lnT w="6350" cap="flat" cmpd="sng" algn="ctr">
-                      <a:solidFill>
-                        <a:srgbClr val="FFFFFF"/>
-                      </a:solidFill>
-                      <a:prstDash val="solid"/>
-                      <a:round/>
-                      <a:headEnd type="none" w="med" len="med"/>
-                      <a:tailEnd type="none" w="med" len="med"/>
-                    </a:lnT>
-                    <a:lnB w="6350" cap="flat" cmpd="sng" algn="ctr">
-                      <a:solidFill>
-                        <a:srgbClr val="FFFFFF"/>
-                      </a:solidFill>
-                      <a:prstDash val="solid"/>
-                      <a:round/>
-                      <a:headEnd type="none" w="med" len="med"/>
-                      <a:tailEnd type="none" w="med" len="med"/>
-                    </a:lnB>
-                    <a:solidFill>
-                      <a:srgbClr val="BDD7EE"/>
-                    </a:solidFill>
-                  </a:tcPr>
-                </a:tc>
-                <a:tc>
-                  <a:txBody>
-                    <a:bodyPr/>
-                    <a:lstStyle/>
-                    <a:p>
-                      <a:pPr algn="l" fontAlgn="b"/>
-                      <a:r>
-                        <a:rPr lang="en-US" sz="1100" b="1" i="0" u="none" strike="noStrike">
-                          <a:solidFill>
-                            <a:srgbClr val="000000"/>
-                          </a:solidFill>
-                          <a:effectLst/>
-                          <a:latin typeface="Calibri" panose="020F0502020204030204" pitchFamily="34" charset="0"/>
-                        </a:rPr>
-                        <a:t>Catalent</a:t>
-                      </a:r>
-                    </a:p>
-                  </a:txBody>
-                  <a:tcPr marL="7620" marR="7620" marT="7620" marB="0" anchor="b">
-                    <a:lnL w="6350" cap="flat" cmpd="sng" algn="ctr">
-                      <a:solidFill>
-                        <a:srgbClr val="FFFFFF"/>
-                      </a:solidFill>
-                      <a:prstDash val="solid"/>
-                      <a:round/>
-                      <a:headEnd type="none" w="med" len="med"/>
-                      <a:tailEnd type="none" w="med" len="med"/>
-                    </a:lnL>
-                    <a:lnR w="6350" cap="flat" cmpd="sng" algn="ctr">
-                      <a:solidFill>
-                        <a:srgbClr val="FFFFFF"/>
-                      </a:solidFill>
-                      <a:prstDash val="solid"/>
-                      <a:round/>
-                      <a:headEnd type="none" w="med" len="med"/>
-                      <a:tailEnd type="none" w="med" len="med"/>
-                    </a:lnR>
-                    <a:lnT w="6350" cap="flat" cmpd="sng" algn="ctr">
-                      <a:solidFill>
-                        <a:srgbClr val="FFFFFF"/>
-                      </a:solidFill>
-                      <a:prstDash val="solid"/>
-                      <a:round/>
-                      <a:headEnd type="none" w="med" len="med"/>
-                      <a:tailEnd type="none" w="med" len="med"/>
-                    </a:lnT>
-                    <a:lnB w="6350" cap="flat" cmpd="sng" algn="ctr">
-                      <a:solidFill>
-                        <a:srgbClr val="FFFFFF"/>
-                      </a:solidFill>
-                      <a:prstDash val="solid"/>
-                      <a:round/>
-                      <a:headEnd type="none" w="med" len="med"/>
-                      <a:tailEnd type="none" w="med" len="med"/>
-                    </a:lnB>
-                    <a:solidFill>
-                      <a:srgbClr val="BDD7EE"/>
-                    </a:solidFill>
-                  </a:tcPr>
-                </a:tc>
-                <a:tc>
-                  <a:txBody>
-                    <a:bodyPr/>
-                    <a:lstStyle/>
-                    <a:p>
-                      <a:pPr algn="r" fontAlgn="b"/>
-                      <a:r>
-                        <a:rPr lang="en-US" sz="1100" b="1" i="0" u="none" strike="noStrike" dirty="0">
-                          <a:solidFill>
-                            <a:srgbClr val="000000"/>
-                          </a:solidFill>
-                          <a:effectLst/>
-                          <a:latin typeface="Calibri" panose="020F0502020204030204" pitchFamily="34" charset="0"/>
-                        </a:rPr>
-                        <a:t>19.56</a:t>
-                      </a:r>
-                    </a:p>
-                  </a:txBody>
-                  <a:tcPr marL="7620" marR="7620" marT="7620" marB="0" anchor="b">
-                    <a:lnL w="6350" cap="flat" cmpd="sng" algn="ctr">
-                      <a:solidFill>
-                        <a:srgbClr val="FFFFFF"/>
-                      </a:solidFill>
-                      <a:prstDash val="solid"/>
-                      <a:round/>
-                      <a:headEnd type="none" w="med" len="med"/>
-                      <a:tailEnd type="none" w="med" len="med"/>
-                    </a:lnL>
-                    <a:lnR w="6350" cap="flat" cmpd="sng" algn="ctr">
-                      <a:solidFill>
-                        <a:srgbClr val="FFFFFF"/>
-                      </a:solidFill>
-                      <a:prstDash val="solid"/>
-                      <a:round/>
-                      <a:headEnd type="none" w="med" len="med"/>
-                      <a:tailEnd type="none" w="med" len="med"/>
-                    </a:lnR>
-                    <a:lnT w="6350" cap="flat" cmpd="sng" algn="ctr">
-                      <a:solidFill>
-                        <a:srgbClr val="FFFFFF"/>
-                      </a:solidFill>
-                      <a:prstDash val="solid"/>
-                      <a:round/>
-                      <a:headEnd type="none" w="med" len="med"/>
-                      <a:tailEnd type="none" w="med" len="med"/>
-                    </a:lnT>
-                    <a:lnB w="6350" cap="flat" cmpd="sng" algn="ctr">
-                      <a:solidFill>
-                        <a:srgbClr val="FFFFFF"/>
-                      </a:solidFill>
-                      <a:prstDash val="solid"/>
-                      <a:round/>
-                      <a:headEnd type="none" w="med" len="med"/>
-                      <a:tailEnd type="none" w="med" len="med"/>
-                    </a:lnB>
-                    <a:solidFill>
-                      <a:srgbClr val="BDD7EE"/>
-                    </a:solidFill>
-                  </a:tcPr>
-                </a:tc>
-                <a:tc>
-                  <a:txBody>
-                    <a:bodyPr/>
-                    <a:lstStyle/>
-                    <a:p>
-                      <a:pPr algn="r" fontAlgn="b"/>
-                      <a:r>
-                        <a:rPr lang="en-US" sz="1100" b="1" i="0" u="none" strike="noStrike">
-                          <a:solidFill>
-                            <a:srgbClr val="000000"/>
-                          </a:solidFill>
-                          <a:effectLst/>
-                          <a:latin typeface="Calibri" panose="020F0502020204030204" pitchFamily="34" charset="0"/>
-                        </a:rPr>
-                        <a:t>118.74</a:t>
-                      </a:r>
-                    </a:p>
-                  </a:txBody>
-                  <a:tcPr marL="7620" marR="7620" marT="7620" marB="0" anchor="b">
-                    <a:lnL w="6350" cap="flat" cmpd="sng" algn="ctr">
-                      <a:solidFill>
-                        <a:srgbClr val="FFFFFF"/>
-                      </a:solidFill>
-                      <a:prstDash val="solid"/>
-                      <a:round/>
-                      <a:headEnd type="none" w="med" len="med"/>
-                      <a:tailEnd type="none" w="med" len="med"/>
-                    </a:lnL>
-                    <a:lnR w="6350" cap="flat" cmpd="sng" algn="ctr">
-                      <a:solidFill>
-                        <a:srgbClr val="FFFFFF"/>
-                      </a:solidFill>
-                      <a:prstDash val="solid"/>
-                      <a:round/>
-                      <a:headEnd type="none" w="med" len="med"/>
-                      <a:tailEnd type="none" w="med" len="med"/>
-                    </a:lnR>
-                    <a:lnT w="6350" cap="flat" cmpd="sng" algn="ctr">
-                      <a:solidFill>
-                        <a:srgbClr val="FFFFFF"/>
-                      </a:solidFill>
-                      <a:prstDash val="solid"/>
-                      <a:round/>
-                      <a:headEnd type="none" w="med" len="med"/>
-                      <a:tailEnd type="none" w="med" len="med"/>
-                    </a:lnT>
-                    <a:lnB w="6350" cap="flat" cmpd="sng" algn="ctr">
-                      <a:solidFill>
-                        <a:srgbClr val="FFFFFF"/>
-                      </a:solidFill>
-                      <a:prstDash val="solid"/>
-                      <a:round/>
-                      <a:headEnd type="none" w="med" len="med"/>
-                      <a:tailEnd type="none" w="med" len="med"/>
-                    </a:lnB>
-                    <a:solidFill>
-                      <a:srgbClr val="BDD7EE"/>
-                    </a:solidFill>
-                  </a:tcPr>
-                </a:tc>
-                <a:tc>
-                  <a:txBody>
-                    <a:bodyPr/>
-                    <a:lstStyle/>
-                    <a:p>
-                      <a:pPr algn="ctr" fontAlgn="b"/>
-                      <a:r>
-                        <a:rPr lang="en-US" sz="1100" b="1" i="0" u="none" strike="noStrike">
-                          <a:solidFill>
-                            <a:srgbClr val="000000"/>
-                          </a:solidFill>
-                          <a:effectLst/>
-                          <a:latin typeface="Calibri" panose="020F0502020204030204" pitchFamily="34" charset="0"/>
-                        </a:rPr>
-                        <a:t>-</a:t>
-                      </a:r>
-                    </a:p>
-                  </a:txBody>
-                  <a:tcPr marL="7620" marR="7620" marT="7620" marB="0" anchor="b">
-                    <a:lnL w="6350" cap="flat" cmpd="sng" algn="ctr">
-                      <a:solidFill>
-                        <a:srgbClr val="FFFFFF"/>
-                      </a:solidFill>
-                      <a:prstDash val="solid"/>
-                      <a:round/>
-                      <a:headEnd type="none" w="med" len="med"/>
-                      <a:tailEnd type="none" w="med" len="med"/>
-                    </a:lnL>
-                    <a:lnR w="6350" cap="flat" cmpd="sng" algn="ctr">
-                      <a:solidFill>
-                        <a:srgbClr val="FFFFFF"/>
-                      </a:solidFill>
-                      <a:prstDash val="solid"/>
-                      <a:round/>
-                      <a:headEnd type="none" w="med" len="med"/>
-                      <a:tailEnd type="none" w="med" len="med"/>
-                    </a:lnR>
-                    <a:lnT w="6350" cap="flat" cmpd="sng" algn="ctr">
-                      <a:solidFill>
-                        <a:srgbClr val="FFFFFF"/>
-                      </a:solidFill>
-                      <a:prstDash val="solid"/>
-                      <a:round/>
-                      <a:headEnd type="none" w="med" len="med"/>
-                      <a:tailEnd type="none" w="med" len="med"/>
-                    </a:lnT>
-                    <a:lnB w="6350" cap="flat" cmpd="sng" algn="ctr">
-                      <a:solidFill>
-                        <a:srgbClr val="FFFFFF"/>
-                      </a:solidFill>
-                      <a:prstDash val="solid"/>
-                      <a:round/>
-                      <a:headEnd type="none" w="med" len="med"/>
-                      <a:tailEnd type="none" w="med" len="med"/>
-                    </a:lnB>
-                    <a:solidFill>
-                      <a:srgbClr val="BDD7EE"/>
-                    </a:solidFill>
-                  </a:tcPr>
-                </a:tc>
-                <a:tc>
-                  <a:txBody>
-                    <a:bodyPr/>
-                    <a:lstStyle/>
-                    <a:p>
-                      <a:pPr algn="ctr" fontAlgn="b"/>
-                      <a:r>
-                        <a:rPr lang="en-US" sz="1100" b="1" i="0" u="none" strike="noStrike">
-                          <a:solidFill>
-                            <a:srgbClr val="000000"/>
-                          </a:solidFill>
-                          <a:effectLst/>
-                          <a:latin typeface="Calibri" panose="020F0502020204030204" pitchFamily="34" charset="0"/>
-                        </a:rPr>
-                        <a:t>-</a:t>
-                      </a:r>
-                    </a:p>
-                  </a:txBody>
-                  <a:tcPr marL="7620" marR="7620" marT="7620" marB="0" anchor="b">
-                    <a:lnL w="6350" cap="flat" cmpd="sng" algn="ctr">
-                      <a:solidFill>
-                        <a:srgbClr val="FFFFFF"/>
-                      </a:solidFill>
-                      <a:prstDash val="solid"/>
-                      <a:round/>
-                      <a:headEnd type="none" w="med" len="med"/>
-                      <a:tailEnd type="none" w="med" len="med"/>
-                    </a:lnL>
-                    <a:lnR w="6350" cap="flat" cmpd="sng" algn="ctr">
-                      <a:solidFill>
-                        <a:srgbClr val="FFFFFF"/>
-                      </a:solidFill>
-                      <a:prstDash val="solid"/>
-                      <a:round/>
-                      <a:headEnd type="none" w="med" len="med"/>
-                      <a:tailEnd type="none" w="med" len="med"/>
-                    </a:lnR>
-                    <a:lnT w="6350" cap="flat" cmpd="sng" algn="ctr">
-                      <a:solidFill>
-                        <a:srgbClr val="FFFFFF"/>
-                      </a:solidFill>
-                      <a:prstDash val="solid"/>
-                      <a:round/>
-                      <a:headEnd type="none" w="med" len="med"/>
-                      <a:tailEnd type="none" w="med" len="med"/>
-                    </a:lnT>
-                    <a:lnB w="6350" cap="flat" cmpd="sng" algn="ctr">
-                      <a:solidFill>
-                        <a:srgbClr val="FFFFFF"/>
-                      </a:solidFill>
-                      <a:prstDash val="solid"/>
-                      <a:round/>
-                      <a:headEnd type="none" w="med" len="med"/>
-                      <a:tailEnd type="none" w="med" len="med"/>
-                    </a:lnB>
-                    <a:solidFill>
-                      <a:srgbClr val="BDD7EE"/>
-                    </a:solidFill>
-                  </a:tcPr>
-                </a:tc>
-                <a:tc>
-                  <a:txBody>
-                    <a:bodyPr/>
-                    <a:lstStyle/>
-                    <a:p>
-                      <a:pPr algn="r" fontAlgn="b"/>
-                      <a:r>
-                        <a:rPr lang="en-US" sz="1100" b="1" i="0" u="none" strike="noStrike">
-                          <a:solidFill>
-                            <a:srgbClr val="000000"/>
-                          </a:solidFill>
-                          <a:effectLst/>
-                          <a:latin typeface="Calibri" panose="020F0502020204030204" pitchFamily="34" charset="0"/>
-                        </a:rPr>
-                        <a:t>1.58</a:t>
-                      </a:r>
-                    </a:p>
-                  </a:txBody>
-                  <a:tcPr marL="7620" marR="7620" marT="7620" marB="0" anchor="b">
-                    <a:lnL w="6350" cap="flat" cmpd="sng" algn="ctr">
-                      <a:solidFill>
-                        <a:srgbClr val="FFFFFF"/>
-                      </a:solidFill>
-                      <a:prstDash val="solid"/>
-                      <a:round/>
-                      <a:headEnd type="none" w="med" len="med"/>
-                      <a:tailEnd type="none" w="med" len="med"/>
-                    </a:lnL>
-                    <a:lnR w="6350" cap="flat" cmpd="sng" algn="ctr">
-                      <a:solidFill>
-                        <a:srgbClr val="FFFFFF"/>
-                      </a:solidFill>
-                      <a:prstDash val="solid"/>
-                      <a:round/>
-                      <a:headEnd type="none" w="med" len="med"/>
-                      <a:tailEnd type="none" w="med" len="med"/>
-                    </a:lnR>
-                    <a:lnT w="6350" cap="flat" cmpd="sng" algn="ctr">
-                      <a:solidFill>
-                        <a:srgbClr val="FFFFFF"/>
-                      </a:solidFill>
-                      <a:prstDash val="solid"/>
-                      <a:round/>
-                      <a:headEnd type="none" w="med" len="med"/>
-                      <a:tailEnd type="none" w="med" len="med"/>
-                    </a:lnT>
-                    <a:lnB w="6350" cap="flat" cmpd="sng" algn="ctr">
-                      <a:solidFill>
-                        <a:srgbClr val="FFFFFF"/>
-                      </a:solidFill>
-                      <a:prstDash val="solid"/>
-                      <a:round/>
-                      <a:headEnd type="none" w="med" len="med"/>
-                      <a:tailEnd type="none" w="med" len="med"/>
-                    </a:lnB>
-                    <a:solidFill>
-                      <a:srgbClr val="BDD7EE"/>
-                    </a:solidFill>
-                  </a:tcPr>
-                </a:tc>
-                <a:tc>
-                  <a:txBody>
-                    <a:bodyPr/>
-                    <a:lstStyle/>
-                    <a:p>
-                      <a:pPr algn="r" fontAlgn="b"/>
-                      <a:r>
-                        <a:rPr lang="en-US" sz="1100" b="1" i="0" u="none" strike="noStrike">
-                          <a:solidFill>
-                            <a:srgbClr val="000000"/>
-                          </a:solidFill>
-                          <a:effectLst/>
-                          <a:latin typeface="Calibri" panose="020F0502020204030204" pitchFamily="34" charset="0"/>
-                        </a:rPr>
-                        <a:t>75.06</a:t>
-                      </a:r>
-                    </a:p>
-                  </a:txBody>
-                  <a:tcPr marL="7620" marR="7620" marT="7620" marB="0" anchor="b">
-                    <a:lnL w="6350" cap="flat" cmpd="sng" algn="ctr">
-                      <a:solidFill>
-                        <a:srgbClr val="FFFFFF"/>
-                      </a:solidFill>
-                      <a:prstDash val="solid"/>
-                      <a:round/>
-                      <a:headEnd type="none" w="med" len="med"/>
-                      <a:tailEnd type="none" w="med" len="med"/>
-                    </a:lnL>
-                    <a:lnR w="6350" cap="flat" cmpd="sng" algn="ctr">
-                      <a:solidFill>
-                        <a:srgbClr val="FFFFFF"/>
-                      </a:solidFill>
-                      <a:prstDash val="solid"/>
-                      <a:round/>
-                      <a:headEnd type="none" w="med" len="med"/>
-                      <a:tailEnd type="none" w="med" len="med"/>
-                    </a:lnR>
-                    <a:lnT w="6350" cap="flat" cmpd="sng" algn="ctr">
-                      <a:solidFill>
-                        <a:srgbClr val="FFFFFF"/>
-                      </a:solidFill>
-                      <a:prstDash val="solid"/>
-                      <a:round/>
-                      <a:headEnd type="none" w="med" len="med"/>
-                      <a:tailEnd type="none" w="med" len="med"/>
-                    </a:lnT>
-                    <a:lnB w="6350" cap="flat" cmpd="sng" algn="ctr">
-                      <a:solidFill>
-                        <a:srgbClr val="FFFFFF"/>
-                      </a:solidFill>
-                      <a:prstDash val="solid"/>
-                      <a:round/>
-                      <a:headEnd type="none" w="med" len="med"/>
-                      <a:tailEnd type="none" w="med" len="med"/>
-                    </a:lnB>
-                    <a:solidFill>
-                      <a:srgbClr val="BDD7EE"/>
-                    </a:solidFill>
-                  </a:tcPr>
-                </a:tc>
-                <a:tc>
-                  <a:txBody>
-                    <a:bodyPr/>
-                    <a:lstStyle/>
-                    <a:p>
-                      <a:pPr algn="r" fontAlgn="b"/>
-                      <a:r>
-                        <a:rPr lang="en-US" sz="1100" b="1" i="0" u="none" strike="noStrike">
-                          <a:solidFill>
-                            <a:srgbClr val="000000"/>
-                          </a:solidFill>
-                          <a:effectLst/>
-                          <a:latin typeface="Calibri" panose="020F0502020204030204" pitchFamily="34" charset="0"/>
-                        </a:rPr>
-                        <a:t>3.26</a:t>
-                      </a:r>
-                    </a:p>
-                  </a:txBody>
-                  <a:tcPr marL="7620" marR="7620" marT="7620" marB="0" anchor="b">
-                    <a:lnL w="6350" cap="flat" cmpd="sng" algn="ctr">
-                      <a:solidFill>
-                        <a:srgbClr val="FFFFFF"/>
-                      </a:solidFill>
-                      <a:prstDash val="solid"/>
-                      <a:round/>
-                      <a:headEnd type="none" w="med" len="med"/>
-                      <a:tailEnd type="none" w="med" len="med"/>
-                    </a:lnL>
-                    <a:lnR w="6350" cap="flat" cmpd="sng" algn="ctr">
-                      <a:solidFill>
-                        <a:srgbClr val="FFFFFF"/>
-                      </a:solidFill>
-                      <a:prstDash val="solid"/>
-                      <a:round/>
-                      <a:headEnd type="none" w="med" len="med"/>
-                      <a:tailEnd type="none" w="med" len="med"/>
-                    </a:lnR>
-                    <a:lnT w="6350" cap="flat" cmpd="sng" algn="ctr">
-                      <a:solidFill>
-                        <a:srgbClr val="FFFFFF"/>
-                      </a:solidFill>
-                      <a:prstDash val="solid"/>
-                      <a:round/>
-                      <a:headEnd type="none" w="med" len="med"/>
-                      <a:tailEnd type="none" w="med" len="med"/>
-                    </a:lnT>
-                    <a:lnB w="6350" cap="flat" cmpd="sng" algn="ctr">
-                      <a:solidFill>
-                        <a:srgbClr val="FFFFFF"/>
-                      </a:solidFill>
-                      <a:prstDash val="solid"/>
-                      <a:round/>
-                      <a:headEnd type="none" w="med" len="med"/>
-                      <a:tailEnd type="none" w="med" len="med"/>
-                    </a:lnB>
-                    <a:solidFill>
-                      <a:srgbClr val="BDD7EE"/>
-                    </a:solidFill>
-                  </a:tcPr>
-                </a:tc>
-                <a:tc>
-                  <a:txBody>
-                    <a:bodyPr/>
-                    <a:lstStyle/>
-                    <a:p>
-                      <a:pPr algn="r" fontAlgn="b"/>
-                      <a:r>
-                        <a:rPr lang="en-US" sz="1100" b="1" i="0" u="none" strike="noStrike">
-                          <a:solidFill>
-                            <a:srgbClr val="000000"/>
-                          </a:solidFill>
-                          <a:effectLst/>
-                          <a:latin typeface="Calibri" panose="020F0502020204030204" pitchFamily="34" charset="0"/>
-                        </a:rPr>
-                        <a:t>6.26</a:t>
-                      </a:r>
-                    </a:p>
-                  </a:txBody>
-                  <a:tcPr marL="7620" marR="7620" marT="7620" marB="0" anchor="b">
-                    <a:lnL w="6350" cap="flat" cmpd="sng" algn="ctr">
-                      <a:solidFill>
-                        <a:srgbClr val="FFFFFF"/>
-                      </a:solidFill>
-                      <a:prstDash val="solid"/>
-                      <a:round/>
-                      <a:headEnd type="none" w="med" len="med"/>
-                      <a:tailEnd type="none" w="med" len="med"/>
-                    </a:lnL>
-                    <a:lnR>
-                      <a:noFill/>
-                    </a:lnR>
-                    <a:lnT w="6350" cap="flat" cmpd="sng" algn="ctr">
-                      <a:solidFill>
-                        <a:srgbClr val="FFFFFF"/>
-                      </a:solidFill>
-                      <a:prstDash val="solid"/>
-                      <a:round/>
-                      <a:headEnd type="none" w="med" len="med"/>
-                      <a:tailEnd type="none" w="med" len="med"/>
-                    </a:lnT>
-                    <a:lnB w="6350" cap="flat" cmpd="sng" algn="ctr">
-                      <a:solidFill>
-                        <a:srgbClr val="FFFFFF"/>
-                      </a:solidFill>
-                      <a:prstDash val="solid"/>
-                      <a:round/>
-                      <a:headEnd type="none" w="med" len="med"/>
-                      <a:tailEnd type="none" w="med" len="med"/>
-                    </a:lnB>
-                    <a:solidFill>
-                      <a:srgbClr val="BDD7EE"/>
-                    </a:solidFill>
-                  </a:tcPr>
-                </a:tc>
-                <a:extLst>
-                  <a:ext uri="{0D108BD9-81ED-4DB2-BD59-A6C34878D82A}">
-                    <a16:rowId xmlns:a16="http://schemas.microsoft.com/office/drawing/2014/main" val="2672108002"/>
-                  </a:ext>
-                </a:extLst>
-              </a:tr>
-              <a:tr h="182880">
-                <a:tc>
-                  <a:txBody>
-                    <a:bodyPr/>
-                    <a:lstStyle/>
-                    <a:p>
-                      <a:pPr algn="l" fontAlgn="b"/>
-                      <a:r>
-                        <a:rPr lang="en-US" sz="1100" b="1" i="0" u="none" strike="noStrike">
-                          <a:solidFill>
-                            <a:srgbClr val="000000"/>
-                          </a:solidFill>
-                          <a:effectLst/>
-                          <a:latin typeface="Calibri" panose="020F0502020204030204" pitchFamily="34" charset="0"/>
-                        </a:rPr>
-                        <a:t>PRGO</a:t>
-                      </a:r>
-                    </a:p>
-                  </a:txBody>
-                  <a:tcPr marL="7620" marR="7620" marT="7620" marB="0" anchor="b">
-                    <a:lnL>
-                      <a:noFill/>
-                    </a:lnL>
-                    <a:lnR w="6350" cap="flat" cmpd="sng" algn="ctr">
-                      <a:solidFill>
-                        <a:srgbClr val="FFFFFF"/>
-                      </a:solidFill>
-                      <a:prstDash val="solid"/>
-                      <a:round/>
-                      <a:headEnd type="none" w="med" len="med"/>
-                      <a:tailEnd type="none" w="med" len="med"/>
-                    </a:lnR>
-                    <a:lnT w="6350" cap="flat" cmpd="sng" algn="ctr">
-                      <a:solidFill>
-                        <a:srgbClr val="FFFFFF"/>
-                      </a:solidFill>
-                      <a:prstDash val="solid"/>
-                      <a:round/>
-                      <a:headEnd type="none" w="med" len="med"/>
-                      <a:tailEnd type="none" w="med" len="med"/>
-                    </a:lnT>
-                    <a:lnB>
-                      <a:noFill/>
-                    </a:lnB>
-                    <a:solidFill>
-                      <a:srgbClr val="DDEBF7"/>
-                    </a:solidFill>
-                  </a:tcPr>
-                </a:tc>
-                <a:tc>
-                  <a:txBody>
-                    <a:bodyPr/>
-                    <a:lstStyle/>
-                    <a:p>
-                      <a:pPr algn="l" fontAlgn="b"/>
-                      <a:r>
-                        <a:rPr lang="en-US" sz="1100" b="1" i="0" u="none" strike="noStrike">
-                          <a:solidFill>
-                            <a:srgbClr val="000000"/>
-                          </a:solidFill>
-                          <a:effectLst/>
-                          <a:latin typeface="Calibri" panose="020F0502020204030204" pitchFamily="34" charset="0"/>
-                        </a:rPr>
-                        <a:t>Perrigo</a:t>
-                      </a:r>
-                    </a:p>
-                  </a:txBody>
-                  <a:tcPr marL="7620" marR="7620" marT="7620" marB="0" anchor="b">
-                    <a:lnL w="6350" cap="flat" cmpd="sng" algn="ctr">
-                      <a:solidFill>
-                        <a:srgbClr val="FFFFFF"/>
-                      </a:solidFill>
-                      <a:prstDash val="solid"/>
-                      <a:round/>
-                      <a:headEnd type="none" w="med" len="med"/>
-                      <a:tailEnd type="none" w="med" len="med"/>
-                    </a:lnL>
-                    <a:lnR w="6350" cap="flat" cmpd="sng" algn="ctr">
-                      <a:solidFill>
-                        <a:srgbClr val="FFFFFF"/>
-                      </a:solidFill>
-                      <a:prstDash val="solid"/>
-                      <a:round/>
-                      <a:headEnd type="none" w="med" len="med"/>
-                      <a:tailEnd type="none" w="med" len="med"/>
-                    </a:lnR>
-                    <a:lnT w="6350" cap="flat" cmpd="sng" algn="ctr">
-                      <a:solidFill>
-                        <a:srgbClr val="FFFFFF"/>
-                      </a:solidFill>
-                      <a:prstDash val="solid"/>
-                      <a:round/>
-                      <a:headEnd type="none" w="med" len="med"/>
-                      <a:tailEnd type="none" w="med" len="med"/>
-                    </a:lnT>
-                    <a:lnB>
-                      <a:noFill/>
-                    </a:lnB>
-                    <a:solidFill>
-                      <a:srgbClr val="DDEBF7"/>
-                    </a:solidFill>
-                  </a:tcPr>
-                </a:tc>
-                <a:tc>
-                  <a:txBody>
-                    <a:bodyPr/>
-                    <a:lstStyle/>
-                    <a:p>
-                      <a:pPr algn="r" fontAlgn="b"/>
-                      <a:r>
-                        <a:rPr lang="en-US" sz="1100" b="1" i="0" u="none" strike="noStrike">
-                          <a:solidFill>
-                            <a:srgbClr val="000000"/>
-                          </a:solidFill>
-                          <a:effectLst/>
-                          <a:latin typeface="Calibri" panose="020F0502020204030204" pitchFamily="34" charset="0"/>
-                        </a:rPr>
-                        <a:t>5.85</a:t>
-                      </a:r>
-                    </a:p>
-                  </a:txBody>
-                  <a:tcPr marL="7620" marR="7620" marT="7620" marB="0" anchor="b">
-                    <a:lnL w="6350" cap="flat" cmpd="sng" algn="ctr">
-                      <a:solidFill>
-                        <a:srgbClr val="FFFFFF"/>
-                      </a:solidFill>
-                      <a:prstDash val="solid"/>
-                      <a:round/>
-                      <a:headEnd type="none" w="med" len="med"/>
-                      <a:tailEnd type="none" w="med" len="med"/>
-                    </a:lnL>
-                    <a:lnR w="6350" cap="flat" cmpd="sng" algn="ctr">
-                      <a:solidFill>
-                        <a:srgbClr val="FFFFFF"/>
-                      </a:solidFill>
-                      <a:prstDash val="solid"/>
-                      <a:round/>
-                      <a:headEnd type="none" w="med" len="med"/>
-                      <a:tailEnd type="none" w="med" len="med"/>
-                    </a:lnR>
-                    <a:lnT w="6350" cap="flat" cmpd="sng" algn="ctr">
-                      <a:solidFill>
-                        <a:srgbClr val="FFFFFF"/>
-                      </a:solidFill>
-                      <a:prstDash val="solid"/>
-                      <a:round/>
-                      <a:headEnd type="none" w="med" len="med"/>
-                      <a:tailEnd type="none" w="med" len="med"/>
-                    </a:lnT>
-                    <a:lnB>
-                      <a:noFill/>
-                    </a:lnB>
-                    <a:solidFill>
-                      <a:srgbClr val="DDEBF7"/>
-                    </a:solidFill>
-                  </a:tcPr>
-                </a:tc>
-                <a:tc>
-                  <a:txBody>
-                    <a:bodyPr/>
-                    <a:lstStyle/>
-                    <a:p>
-                      <a:pPr algn="r" fontAlgn="b"/>
-                      <a:r>
-                        <a:rPr lang="en-US" sz="1100" b="1" i="0" u="none" strike="noStrike">
-                          <a:solidFill>
-                            <a:srgbClr val="000000"/>
-                          </a:solidFill>
-                          <a:effectLst/>
-                          <a:latin typeface="Calibri" panose="020F0502020204030204" pitchFamily="34" charset="0"/>
-                        </a:rPr>
-                        <a:t>42.83</a:t>
-                      </a:r>
-                    </a:p>
-                  </a:txBody>
-                  <a:tcPr marL="7620" marR="7620" marT="7620" marB="0" anchor="b">
-                    <a:lnL w="6350" cap="flat" cmpd="sng" algn="ctr">
-                      <a:solidFill>
-                        <a:srgbClr val="FFFFFF"/>
-                      </a:solidFill>
-                      <a:prstDash val="solid"/>
-                      <a:round/>
-                      <a:headEnd type="none" w="med" len="med"/>
-                      <a:tailEnd type="none" w="med" len="med"/>
-                    </a:lnL>
-                    <a:lnR w="6350" cap="flat" cmpd="sng" algn="ctr">
-                      <a:solidFill>
-                        <a:srgbClr val="FFFFFF"/>
-                      </a:solidFill>
-                      <a:prstDash val="solid"/>
-                      <a:round/>
-                      <a:headEnd type="none" w="med" len="med"/>
-                      <a:tailEnd type="none" w="med" len="med"/>
-                    </a:lnR>
-                    <a:lnT w="6350" cap="flat" cmpd="sng" algn="ctr">
-                      <a:solidFill>
-                        <a:srgbClr val="FFFFFF"/>
-                      </a:solidFill>
-                      <a:prstDash val="solid"/>
-                      <a:round/>
-                      <a:headEnd type="none" w="med" len="med"/>
-                      <a:tailEnd type="none" w="med" len="med"/>
-                    </a:lnT>
-                    <a:lnB>
-                      <a:noFill/>
-                    </a:lnB>
-                    <a:solidFill>
-                      <a:srgbClr val="DDEBF7"/>
-                    </a:solidFill>
-                  </a:tcPr>
-                </a:tc>
-                <a:tc>
-                  <a:txBody>
-                    <a:bodyPr/>
-                    <a:lstStyle/>
-                    <a:p>
-                      <a:pPr algn="r" fontAlgn="b"/>
-                      <a:r>
-                        <a:rPr lang="en-US" sz="1100" b="1" i="0" u="none" strike="noStrike">
-                          <a:solidFill>
-                            <a:srgbClr val="000000"/>
-                          </a:solidFill>
-                          <a:effectLst/>
-                          <a:latin typeface="Calibri" panose="020F0502020204030204" pitchFamily="34" charset="0"/>
-                        </a:rPr>
-                        <a:t>0.9</a:t>
-                      </a:r>
-                    </a:p>
-                  </a:txBody>
-                  <a:tcPr marL="7620" marR="7620" marT="7620" marB="0" anchor="b">
-                    <a:lnL w="6350" cap="flat" cmpd="sng" algn="ctr">
-                      <a:solidFill>
-                        <a:srgbClr val="FFFFFF"/>
-                      </a:solidFill>
-                      <a:prstDash val="solid"/>
-                      <a:round/>
-                      <a:headEnd type="none" w="med" len="med"/>
-                      <a:tailEnd type="none" w="med" len="med"/>
-                    </a:lnL>
-                    <a:lnR w="6350" cap="flat" cmpd="sng" algn="ctr">
-                      <a:solidFill>
-                        <a:srgbClr val="FFFFFF"/>
-                      </a:solidFill>
-                      <a:prstDash val="solid"/>
-                      <a:round/>
-                      <a:headEnd type="none" w="med" len="med"/>
-                      <a:tailEnd type="none" w="med" len="med"/>
-                    </a:lnR>
-                    <a:lnT w="6350" cap="flat" cmpd="sng" algn="ctr">
-                      <a:solidFill>
-                        <a:srgbClr val="FFFFFF"/>
-                      </a:solidFill>
-                      <a:prstDash val="solid"/>
-                      <a:round/>
-                      <a:headEnd type="none" w="med" len="med"/>
-                      <a:tailEnd type="none" w="med" len="med"/>
-                    </a:lnT>
-                    <a:lnB>
-                      <a:noFill/>
-                    </a:lnB>
-                    <a:solidFill>
-                      <a:srgbClr val="DDEBF7"/>
-                    </a:solidFill>
-                  </a:tcPr>
-                </a:tc>
-                <a:tc>
-                  <a:txBody>
-                    <a:bodyPr/>
-                    <a:lstStyle/>
-                    <a:p>
-                      <a:pPr algn="r" fontAlgn="b"/>
-                      <a:r>
-                        <a:rPr lang="en-US" sz="1100" b="1" i="0" u="none" strike="noStrike">
-                          <a:solidFill>
-                            <a:srgbClr val="000000"/>
-                          </a:solidFill>
-                          <a:effectLst/>
-                          <a:latin typeface="Calibri" panose="020F0502020204030204" pitchFamily="34" charset="0"/>
-                        </a:rPr>
-                        <a:t>2.06</a:t>
-                      </a:r>
-                    </a:p>
-                  </a:txBody>
-                  <a:tcPr marL="7620" marR="7620" marT="7620" marB="0" anchor="b">
-                    <a:lnL w="6350" cap="flat" cmpd="sng" algn="ctr">
-                      <a:solidFill>
-                        <a:srgbClr val="FFFFFF"/>
-                      </a:solidFill>
-                      <a:prstDash val="solid"/>
-                      <a:round/>
-                      <a:headEnd type="none" w="med" len="med"/>
-                      <a:tailEnd type="none" w="med" len="med"/>
-                    </a:lnL>
-                    <a:lnR w="6350" cap="flat" cmpd="sng" algn="ctr">
-                      <a:solidFill>
-                        <a:srgbClr val="FFFFFF"/>
-                      </a:solidFill>
-                      <a:prstDash val="solid"/>
-                      <a:round/>
-                      <a:headEnd type="none" w="med" len="med"/>
-                      <a:tailEnd type="none" w="med" len="med"/>
-                    </a:lnR>
-                    <a:lnT w="6350" cap="flat" cmpd="sng" algn="ctr">
-                      <a:solidFill>
-                        <a:srgbClr val="FFFFFF"/>
-                      </a:solidFill>
-                      <a:prstDash val="solid"/>
-                      <a:round/>
-                      <a:headEnd type="none" w="med" len="med"/>
-                      <a:tailEnd type="none" w="med" len="med"/>
-                    </a:lnT>
-                    <a:lnB>
-                      <a:noFill/>
-                    </a:lnB>
-                    <a:solidFill>
-                      <a:srgbClr val="DDEBF7"/>
-                    </a:solidFill>
-                  </a:tcPr>
-                </a:tc>
-                <a:tc>
-                  <a:txBody>
-                    <a:bodyPr/>
-                    <a:lstStyle/>
-                    <a:p>
-                      <a:pPr algn="r" fontAlgn="b"/>
-                      <a:r>
-                        <a:rPr lang="en-US" sz="1100" b="1" i="0" u="none" strike="noStrike">
-                          <a:solidFill>
-                            <a:srgbClr val="000000"/>
-                          </a:solidFill>
-                          <a:effectLst/>
-                          <a:latin typeface="Calibri" panose="020F0502020204030204" pitchFamily="34" charset="0"/>
-                        </a:rPr>
-                        <a:t>-0.05</a:t>
-                      </a:r>
-                    </a:p>
-                  </a:txBody>
-                  <a:tcPr marL="7620" marR="7620" marT="7620" marB="0" anchor="b">
-                    <a:lnL w="6350" cap="flat" cmpd="sng" algn="ctr">
-                      <a:solidFill>
-                        <a:srgbClr val="FFFFFF"/>
-                      </a:solidFill>
-                      <a:prstDash val="solid"/>
-                      <a:round/>
-                      <a:headEnd type="none" w="med" len="med"/>
-                      <a:tailEnd type="none" w="med" len="med"/>
-                    </a:lnL>
-                    <a:lnR w="6350" cap="flat" cmpd="sng" algn="ctr">
-                      <a:solidFill>
-                        <a:srgbClr val="FFFFFF"/>
-                      </a:solidFill>
-                      <a:prstDash val="solid"/>
-                      <a:round/>
-                      <a:headEnd type="none" w="med" len="med"/>
-                      <a:tailEnd type="none" w="med" len="med"/>
-                    </a:lnR>
-                    <a:lnT w="6350" cap="flat" cmpd="sng" algn="ctr">
-                      <a:solidFill>
-                        <a:srgbClr val="FFFFFF"/>
-                      </a:solidFill>
-                      <a:prstDash val="solid"/>
-                      <a:round/>
-                      <a:headEnd type="none" w="med" len="med"/>
-                      <a:tailEnd type="none" w="med" len="med"/>
-                    </a:lnT>
-                    <a:lnB>
-                      <a:noFill/>
-                    </a:lnB>
-                    <a:solidFill>
-                      <a:srgbClr val="DDEBF7"/>
-                    </a:solidFill>
-                  </a:tcPr>
-                </a:tc>
-                <a:tc>
-                  <a:txBody>
-                    <a:bodyPr/>
-                    <a:lstStyle/>
-                    <a:p>
-                      <a:pPr algn="ctr" fontAlgn="b"/>
-                      <a:r>
-                        <a:rPr lang="en-US" sz="1100" b="1" i="0" u="none" strike="noStrike">
-                          <a:solidFill>
-                            <a:srgbClr val="000000"/>
-                          </a:solidFill>
-                          <a:effectLst/>
-                          <a:latin typeface="Calibri" panose="020F0502020204030204" pitchFamily="34" charset="0"/>
-                        </a:rPr>
-                        <a:t>-</a:t>
-                      </a:r>
-                    </a:p>
-                  </a:txBody>
-                  <a:tcPr marL="7620" marR="7620" marT="7620" marB="0" anchor="b">
-                    <a:lnL w="6350" cap="flat" cmpd="sng" algn="ctr">
-                      <a:solidFill>
-                        <a:srgbClr val="FFFFFF"/>
-                      </a:solidFill>
-                      <a:prstDash val="solid"/>
-                      <a:round/>
-                      <a:headEnd type="none" w="med" len="med"/>
-                      <a:tailEnd type="none" w="med" len="med"/>
-                    </a:lnL>
-                    <a:lnR w="6350" cap="flat" cmpd="sng" algn="ctr">
-                      <a:solidFill>
-                        <a:srgbClr val="FFFFFF"/>
-                      </a:solidFill>
-                      <a:prstDash val="solid"/>
-                      <a:round/>
-                      <a:headEnd type="none" w="med" len="med"/>
-                      <a:tailEnd type="none" w="med" len="med"/>
-                    </a:lnR>
-                    <a:lnT w="6350" cap="flat" cmpd="sng" algn="ctr">
-                      <a:solidFill>
-                        <a:srgbClr val="FFFFFF"/>
-                      </a:solidFill>
-                      <a:prstDash val="solid"/>
-                      <a:round/>
-                      <a:headEnd type="none" w="med" len="med"/>
-                      <a:tailEnd type="none" w="med" len="med"/>
-                    </a:lnT>
-                    <a:lnB>
-                      <a:noFill/>
-                    </a:lnB>
-                    <a:solidFill>
-                      <a:srgbClr val="DDEBF7"/>
-                    </a:solidFill>
-                  </a:tcPr>
-                </a:tc>
-                <a:tc>
-                  <a:txBody>
-                    <a:bodyPr/>
-                    <a:lstStyle/>
-                    <a:p>
-                      <a:pPr algn="ctr" fontAlgn="b"/>
-                      <a:r>
-                        <a:rPr lang="en-US" sz="1100" b="1" i="0" u="none" strike="noStrike">
-                          <a:solidFill>
-                            <a:srgbClr val="000000"/>
-                          </a:solidFill>
-                          <a:effectLst/>
-                          <a:latin typeface="Calibri" panose="020F0502020204030204" pitchFamily="34" charset="0"/>
-                        </a:rPr>
-                        <a:t>-</a:t>
-                      </a:r>
-                    </a:p>
-                  </a:txBody>
-                  <a:tcPr marL="7620" marR="7620" marT="7620" marB="0" anchor="b">
-                    <a:lnL w="6350" cap="flat" cmpd="sng" algn="ctr">
-                      <a:solidFill>
-                        <a:srgbClr val="FFFFFF"/>
-                      </a:solidFill>
-                      <a:prstDash val="solid"/>
-                      <a:round/>
-                      <a:headEnd type="none" w="med" len="med"/>
-                      <a:tailEnd type="none" w="med" len="med"/>
-                    </a:lnL>
-                    <a:lnR w="6350" cap="flat" cmpd="sng" algn="ctr">
-                      <a:solidFill>
-                        <a:srgbClr val="FFFFFF"/>
-                      </a:solidFill>
-                      <a:prstDash val="solid"/>
-                      <a:round/>
-                      <a:headEnd type="none" w="med" len="med"/>
-                      <a:tailEnd type="none" w="med" len="med"/>
-                    </a:lnR>
-                    <a:lnT w="6350" cap="flat" cmpd="sng" algn="ctr">
-                      <a:solidFill>
-                        <a:srgbClr val="FFFFFF"/>
-                      </a:solidFill>
-                      <a:prstDash val="solid"/>
-                      <a:round/>
-                      <a:headEnd type="none" w="med" len="med"/>
-                      <a:tailEnd type="none" w="med" len="med"/>
-                    </a:lnT>
-                    <a:lnB>
-                      <a:noFill/>
-                    </a:lnB>
-                    <a:solidFill>
-                      <a:srgbClr val="DDEBF7"/>
-                    </a:solidFill>
-                  </a:tcPr>
-                </a:tc>
-                <a:tc>
-                  <a:txBody>
-                    <a:bodyPr/>
-                    <a:lstStyle/>
-                    <a:p>
-                      <a:pPr algn="r" fontAlgn="b"/>
-                      <a:r>
-                        <a:rPr lang="en-US" sz="1100" b="1" i="0" u="none" strike="noStrike" dirty="0">
-                          <a:solidFill>
-                            <a:srgbClr val="000000"/>
-                          </a:solidFill>
-                          <a:effectLst/>
-                          <a:latin typeface="Calibri" panose="020F0502020204030204" pitchFamily="34" charset="0"/>
-                        </a:rPr>
-                        <a:t>1.02</a:t>
-                      </a:r>
-                    </a:p>
-                  </a:txBody>
-                  <a:tcPr marL="7620" marR="7620" marT="7620" marB="0" anchor="b">
-                    <a:lnL w="6350" cap="flat" cmpd="sng" algn="ctr">
-                      <a:solidFill>
-                        <a:srgbClr val="FFFFFF"/>
-                      </a:solidFill>
-                      <a:prstDash val="solid"/>
-                      <a:round/>
-                      <a:headEnd type="none" w="med" len="med"/>
-                      <a:tailEnd type="none" w="med" len="med"/>
-                    </a:lnL>
-                    <a:lnR>
-                      <a:noFill/>
-                    </a:lnR>
-                    <a:lnT w="6350" cap="flat" cmpd="sng" algn="ctr">
-                      <a:solidFill>
-                        <a:srgbClr val="FFFFFF"/>
-                      </a:solidFill>
-                      <a:prstDash val="solid"/>
-                      <a:round/>
-                      <a:headEnd type="none" w="med" len="med"/>
-                      <a:tailEnd type="none" w="med" len="med"/>
-                    </a:lnT>
-                    <a:lnB>
-                      <a:noFill/>
-                    </a:lnB>
-                    <a:solidFill>
-                      <a:srgbClr val="DDEBF7"/>
-                    </a:solidFill>
-                  </a:tcPr>
-                </a:tc>
-                <a:extLst>
-                  <a:ext uri="{0D108BD9-81ED-4DB2-BD59-A6C34878D82A}">
-                    <a16:rowId xmlns:a16="http://schemas.microsoft.com/office/drawing/2014/main" val="121556136"/>
-                  </a:ext>
-                </a:extLst>
-              </a:tr>
-            </a:tbl>
-          </a:graphicData>
-        </a:graphic>
-      </p:graphicFrame>
+          <p:cNvPicPr>
+            <a:picLocks noChangeAspect="1"/>
+          </p:cNvPicPr>
+          <p:nvPr/>
+        </p:nvPicPr>
+        <p:blipFill>
+          <a:blip r:embed="rId4"/>
+          <a:stretch>
+            <a:fillRect/>
+          </a:stretch>
+        </p:blipFill>
+        <p:spPr>
+          <a:xfrm>
+            <a:off x="447998" y="3344833"/>
+            <a:ext cx="11297469" cy="2880855"/>
+          </a:xfrm>
+          <a:prstGeom prst="rect">
+            <a:avLst/>
+          </a:prstGeom>
+        </p:spPr>
+      </p:pic>
     </p:spTree>
     <p:extLst>
       <p:ext uri="{BB962C8B-B14F-4D97-AF65-F5344CB8AC3E}">
@@ -14421,10 +8272,10 @@
       </p:sp>
       <p:pic>
         <p:nvPicPr>
-          <p:cNvPr id="8" name="Picture 7" descr="Chart&#10;&#10;Description automatically generated with medium confidence">
+          <p:cNvPr id="7" name="Picture 6" descr="Chart&#10;&#10;Description automatically generated">
             <a:extLst>
               <a:ext uri="{FF2B5EF4-FFF2-40B4-BE49-F238E27FC236}">
-                <a16:creationId xmlns:a16="http://schemas.microsoft.com/office/drawing/2014/main" id="{B59A6C27-BBAA-49AC-8529-25AA4B8697A1}"/>
+                <a16:creationId xmlns:a16="http://schemas.microsoft.com/office/drawing/2014/main" id="{10A201CB-22B4-47D6-84A2-E733E50A0D61}"/>
               </a:ext>
             </a:extLst>
           </p:cNvPr>
@@ -14728,35 +8579,6 @@
           </a:p>
         </p:txBody>
       </p:sp>
-      <p:pic>
-        <p:nvPicPr>
-          <p:cNvPr id="8" name="Content Placeholder 7" descr="Chart, bar chart&#10;&#10;Description automatically generated">
-            <a:extLst>
-              <a:ext uri="{FF2B5EF4-FFF2-40B4-BE49-F238E27FC236}">
-                <a16:creationId xmlns:a16="http://schemas.microsoft.com/office/drawing/2014/main" id="{A63B1649-E9ED-427B-8258-F8A65F73F5D1}"/>
-              </a:ext>
-            </a:extLst>
-          </p:cNvPr>
-          <p:cNvPicPr>
-            <a:picLocks noGrp="1" noChangeAspect="1"/>
-          </p:cNvPicPr>
-          <p:nvPr>
-            <p:ph sz="half" idx="2"/>
-          </p:nvPr>
-        </p:nvPicPr>
-        <p:blipFill>
-          <a:blip r:embed="rId2"/>
-          <a:stretch>
-            <a:fillRect/>
-          </a:stretch>
-        </p:blipFill>
-        <p:spPr>
-          <a:xfrm>
-            <a:off x="6416039" y="2804265"/>
-            <a:ext cx="5202283" cy="3468189"/>
-          </a:xfrm>
-        </p:spPr>
-      </p:pic>
       <p:sp>
         <p:nvSpPr>
           <p:cNvPr id="5" name="Text Placeholder 4">
@@ -14780,7 +8602,7 @@
           <a:p>
             <a:r>
               <a:rPr lang="en-US" dirty="0"/>
-              <a:t>Figure 4: Price Snapshot by Company</a:t>
+              <a:t>Figure 4: Price Growth Snapshot by Company</a:t>
             </a:r>
           </a:p>
         </p:txBody>
@@ -14800,7 +8622,7 @@
           <p:nvPr/>
         </p:nvPicPr>
         <p:blipFill>
-          <a:blip r:embed="rId3"/>
+          <a:blip r:embed="rId2"/>
           <a:stretch>
             <a:fillRect/>
           </a:stretch>
@@ -14813,6 +8635,35 @@
           <a:prstGeom prst="rect">
             <a:avLst/>
           </a:prstGeom>
+        </p:spPr>
+      </p:pic>
+      <p:pic>
+        <p:nvPicPr>
+          <p:cNvPr id="10" name="Content Placeholder 9" descr="Chart, bar chart&#10;&#10;Description automatically generated">
+            <a:extLst>
+              <a:ext uri="{FF2B5EF4-FFF2-40B4-BE49-F238E27FC236}">
+                <a16:creationId xmlns:a16="http://schemas.microsoft.com/office/drawing/2014/main" id="{B9FA0947-7578-4A24-A81E-7EB93124D656}"/>
+              </a:ext>
+            </a:extLst>
+          </p:cNvPr>
+          <p:cNvPicPr>
+            <a:picLocks noGrp="1" noChangeAspect="1"/>
+          </p:cNvPicPr>
+          <p:nvPr>
+            <p:ph sz="half" idx="2"/>
+          </p:nvPr>
+        </p:nvPicPr>
+        <p:blipFill>
+          <a:blip r:embed="rId3"/>
+          <a:stretch>
+            <a:fillRect/>
+          </a:stretch>
+        </p:blipFill>
+        <p:spPr>
+          <a:xfrm>
+            <a:off x="6526656" y="2804265"/>
+            <a:ext cx="5202283" cy="3468189"/>
+          </a:xfrm>
         </p:spPr>
       </p:pic>
     </p:spTree>
@@ -14901,35 +8752,6 @@
           </a:p>
         </p:txBody>
       </p:sp>
-      <p:pic>
-        <p:nvPicPr>
-          <p:cNvPr id="8" name="Content Placeholder 7" descr="Chart, bar chart&#10;&#10;Description automatically generated">
-            <a:extLst>
-              <a:ext uri="{FF2B5EF4-FFF2-40B4-BE49-F238E27FC236}">
-                <a16:creationId xmlns:a16="http://schemas.microsoft.com/office/drawing/2014/main" id="{A20A0B50-A200-4321-8C39-A1ECE85FDDF3}"/>
-              </a:ext>
-            </a:extLst>
-          </p:cNvPr>
-          <p:cNvPicPr>
-            <a:picLocks noGrp="1" noChangeAspect="1"/>
-          </p:cNvPicPr>
-          <p:nvPr>
-            <p:ph sz="half" idx="2"/>
-          </p:nvPr>
-        </p:nvPicPr>
-        <p:blipFill>
-          <a:blip r:embed="rId2"/>
-          <a:stretch>
-            <a:fillRect/>
-          </a:stretch>
-        </p:blipFill>
-        <p:spPr>
-          <a:xfrm>
-            <a:off x="6315015" y="2804265"/>
-            <a:ext cx="5202283" cy="3468189"/>
-          </a:xfrm>
-        </p:spPr>
-      </p:pic>
       <p:sp>
         <p:nvSpPr>
           <p:cNvPr id="5" name="Text Placeholder 4">
@@ -15005,7 +8827,7 @@
                   <a:srgbClr val="2C40D0"/>
                 </a:solidFill>
                 <a:effectLst/>
-                <a:hlinkClick r:id="rId3"/>
+                <a:hlinkClick r:id="rId2"/>
               </a:rPr>
               <a:t>EPS</a:t>
             </a:r>
@@ -15122,6 +8944,35 @@
           </a:p>
         </p:txBody>
       </p:sp>
+      <p:pic>
+        <p:nvPicPr>
+          <p:cNvPr id="9" name="Content Placeholder 8" descr="Chart, bar chart&#10;&#10;Description automatically generated">
+            <a:extLst>
+              <a:ext uri="{FF2B5EF4-FFF2-40B4-BE49-F238E27FC236}">
+                <a16:creationId xmlns:a16="http://schemas.microsoft.com/office/drawing/2014/main" id="{F1428042-1501-4C02-A667-054E06104932}"/>
+              </a:ext>
+            </a:extLst>
+          </p:cNvPr>
+          <p:cNvPicPr>
+            <a:picLocks noGrp="1" noChangeAspect="1"/>
+          </p:cNvPicPr>
+          <p:nvPr>
+            <p:ph sz="half" idx="2"/>
+          </p:nvPr>
+        </p:nvPicPr>
+        <p:blipFill>
+          <a:blip r:embed="rId3"/>
+          <a:stretch>
+            <a:fillRect/>
+          </a:stretch>
+        </p:blipFill>
+        <p:spPr>
+          <a:xfrm>
+            <a:off x="6416038" y="2886434"/>
+            <a:ext cx="4908893" cy="3272596"/>
+          </a:xfrm>
+        </p:spPr>
+      </p:pic>
     </p:spTree>
     <p:extLst>
       <p:ext uri="{BB962C8B-B14F-4D97-AF65-F5344CB8AC3E}">
@@ -15208,35 +9059,6 @@
           </a:p>
         </p:txBody>
       </p:sp>
-      <p:pic>
-        <p:nvPicPr>
-          <p:cNvPr id="8" name="Content Placeholder 7" descr="Chart, bar chart&#10;&#10;Description automatically generated">
-            <a:extLst>
-              <a:ext uri="{FF2B5EF4-FFF2-40B4-BE49-F238E27FC236}">
-                <a16:creationId xmlns:a16="http://schemas.microsoft.com/office/drawing/2014/main" id="{B8EFC7A4-B5C4-416B-9A96-92D958CFEB0A}"/>
-              </a:ext>
-            </a:extLst>
-          </p:cNvPr>
-          <p:cNvPicPr>
-            <a:picLocks noGrp="1" noChangeAspect="1"/>
-          </p:cNvPicPr>
-          <p:nvPr>
-            <p:ph sz="half" idx="2"/>
-          </p:nvPr>
-        </p:nvPicPr>
-        <p:blipFill>
-          <a:blip r:embed="rId2"/>
-          <a:stretch>
-            <a:fillRect/>
-          </a:stretch>
-        </p:blipFill>
-        <p:spPr>
-          <a:xfrm>
-            <a:off x="6246328" y="2804265"/>
-            <a:ext cx="5534191" cy="3689461"/>
-          </a:xfrm>
-        </p:spPr>
-      </p:pic>
       <p:sp>
         <p:nvSpPr>
           <p:cNvPr id="5" name="Text Placeholder 4">
@@ -15312,7 +9134,7 @@
                   <a:srgbClr val="2C40D0"/>
                 </a:solidFill>
                 <a:effectLst/>
-                <a:hlinkClick r:id="rId3"/>
+                <a:hlinkClick r:id="rId2"/>
               </a:rPr>
               <a:t>price-to-earnings</a:t>
             </a:r>
@@ -15438,6 +9260,35 @@
           </a:p>
         </p:txBody>
       </p:sp>
+      <p:pic>
+        <p:nvPicPr>
+          <p:cNvPr id="10" name="Content Placeholder 9" descr="Chart, bar chart&#10;&#10;Description automatically generated">
+            <a:extLst>
+              <a:ext uri="{FF2B5EF4-FFF2-40B4-BE49-F238E27FC236}">
+                <a16:creationId xmlns:a16="http://schemas.microsoft.com/office/drawing/2014/main" id="{B3DB8E6C-BEBF-49D8-A9C0-358FB696FB49}"/>
+              </a:ext>
+            </a:extLst>
+          </p:cNvPr>
+          <p:cNvPicPr>
+            <a:picLocks noGrp="1" noChangeAspect="1"/>
+          </p:cNvPicPr>
+          <p:nvPr>
+            <p:ph sz="half" idx="2"/>
+          </p:nvPr>
+        </p:nvPicPr>
+        <p:blipFill>
+          <a:blip r:embed="rId3"/>
+          <a:stretch>
+            <a:fillRect/>
+          </a:stretch>
+        </p:blipFill>
+        <p:spPr>
+          <a:xfrm>
+            <a:off x="6416039" y="2804265"/>
+            <a:ext cx="5340926" cy="3560618"/>
+          </a:xfrm>
+        </p:spPr>
+      </p:pic>
     </p:spTree>
     <p:extLst>
       <p:ext uri="{BB962C8B-B14F-4D97-AF65-F5344CB8AC3E}">
@@ -15524,35 +9375,6 @@
           </a:p>
         </p:txBody>
       </p:sp>
-      <p:pic>
-        <p:nvPicPr>
-          <p:cNvPr id="8" name="Content Placeholder 7" descr="Chart, bar chart&#10;&#10;Description automatically generated">
-            <a:extLst>
-              <a:ext uri="{FF2B5EF4-FFF2-40B4-BE49-F238E27FC236}">
-                <a16:creationId xmlns:a16="http://schemas.microsoft.com/office/drawing/2014/main" id="{BD5C0BA4-0270-47E1-9187-4E4D3DDD4554}"/>
-              </a:ext>
-            </a:extLst>
-          </p:cNvPr>
-          <p:cNvPicPr>
-            <a:picLocks noGrp="1" noChangeAspect="1"/>
-          </p:cNvPicPr>
-          <p:nvPr>
-            <p:ph sz="half" idx="2"/>
-          </p:nvPr>
-        </p:nvPicPr>
-        <p:blipFill>
-          <a:blip r:embed="rId2"/>
-          <a:stretch>
-            <a:fillRect/>
-          </a:stretch>
-        </p:blipFill>
-        <p:spPr>
-          <a:xfrm>
-            <a:off x="6196174" y="2634258"/>
-            <a:ext cx="5634499" cy="3756333"/>
-          </a:xfrm>
-        </p:spPr>
-      </p:pic>
       <p:sp>
         <p:nvSpPr>
           <p:cNvPr id="5" name="Text Placeholder 4">
@@ -15628,7 +9450,7 @@
                   <a:srgbClr val="2C40D0"/>
                 </a:solidFill>
                 <a:effectLst/>
-                <a:hlinkClick r:id="rId3"/>
+                <a:hlinkClick r:id="rId2"/>
               </a:rPr>
               <a:t>shares</a:t>
             </a:r>
@@ -15647,7 +9469,7 @@
                   <a:srgbClr val="2C40D0"/>
                 </a:solidFill>
                 <a:effectLst/>
-                <a:hlinkClick r:id="rId4"/>
+                <a:hlinkClick r:id="rId3"/>
               </a:rPr>
               <a:t>price-to-book ratio</a:t>
             </a:r>
@@ -15666,7 +9488,7 @@
                   <a:srgbClr val="2C40D0"/>
                 </a:solidFill>
                 <a:effectLst/>
-                <a:hlinkClick r:id="rId5"/>
+                <a:hlinkClick r:id="rId4"/>
               </a:rPr>
               <a:t>undervalued</a:t>
             </a:r>
@@ -15712,7 +9534,7 @@
                   <a:srgbClr val="2C40D0"/>
                 </a:solidFill>
                 <a:effectLst/>
-                <a:hlinkClick r:id="rId6"/>
+                <a:hlinkClick r:id="rId5"/>
               </a:rPr>
               <a:t>overvalued</a:t>
             </a:r>
@@ -15754,6 +9576,35 @@
           </a:p>
         </p:txBody>
       </p:sp>
+      <p:pic>
+        <p:nvPicPr>
+          <p:cNvPr id="10" name="Content Placeholder 9" descr="Chart, bar chart&#10;&#10;Description automatically generated">
+            <a:extLst>
+              <a:ext uri="{FF2B5EF4-FFF2-40B4-BE49-F238E27FC236}">
+                <a16:creationId xmlns:a16="http://schemas.microsoft.com/office/drawing/2014/main" id="{DA876282-160D-4A37-9A3F-9564FC49F789}"/>
+              </a:ext>
+            </a:extLst>
+          </p:cNvPr>
+          <p:cNvPicPr>
+            <a:picLocks noGrp="1" noChangeAspect="1"/>
+          </p:cNvPicPr>
+          <p:nvPr>
+            <p:ph sz="half" idx="2"/>
+          </p:nvPr>
+        </p:nvPicPr>
+        <p:blipFill>
+          <a:blip r:embed="rId6"/>
+          <a:stretch>
+            <a:fillRect/>
+          </a:stretch>
+        </p:blipFill>
+        <p:spPr>
+          <a:xfrm>
+            <a:off x="6387968" y="2804265"/>
+            <a:ext cx="5678477" cy="3785652"/>
+          </a:xfrm>
+        </p:spPr>
+      </p:pic>
     </p:spTree>
     <p:extLst>
       <p:ext uri="{BB962C8B-B14F-4D97-AF65-F5344CB8AC3E}">
@@ -16046,6 +9897,15 @@
 </file>
 
 <file path=customXml/item2.xml><?xml version="1.0" encoding="utf-8"?>
+<p:properties xmlns:p="http://schemas.microsoft.com/office/2006/metadata/properties" xmlns:xsi="http://www.w3.org/2001/XMLSchema-instance" xmlns:pc="http://schemas.microsoft.com/office/infopath/2007/PartnerControls">
+  <documentManagement>
+    <Status xmlns="71af3243-3dd4-4a8d-8c0d-dd76da1f02a5">Not started</Status>
+    <MediaServiceKeyPoints xmlns="71af3243-3dd4-4a8d-8c0d-dd76da1f02a5" xsi:nil="true"/>
+  </documentManagement>
+</p:properties>
+</file>
+
+<file path=customXml/item3.xml><?xml version="1.0" encoding="utf-8"?>
 <ct:contentTypeSchema xmlns:ct="http://schemas.microsoft.com/office/2006/metadata/contentType" xmlns:ma="http://schemas.microsoft.com/office/2006/metadata/properties/metaAttributes" ct:_="" ma:_="" ma:contentTypeName="Document" ma:contentTypeID="0x01010079F111ED35F8CC479449609E8A0923A6" ma:contentTypeVersion="12" ma:contentTypeDescription="Create a new document." ma:contentTypeScope="" ma:versionID="a410dd7f93c95333ffa1b60ed6adedd1">
   <xsd:schema xmlns:xsd="http://www.w3.org/2001/XMLSchema" xmlns:xs="http://www.w3.org/2001/XMLSchema" xmlns:p="http://schemas.microsoft.com/office/2006/metadata/properties" xmlns:ns2="71af3243-3dd4-4a8d-8c0d-dd76da1f02a5" xmlns:ns3="16c05727-aa75-4e4a-9b5f-8a80a1165891" targetNamespace="http://schemas.microsoft.com/office/2006/metadata/properties" ma:root="true" ma:fieldsID="a936d9baba76aa3866493feff160faab" ns2:_="" ns3:_="">
     <xsd:import namespace="71af3243-3dd4-4a8d-8c0d-dd76da1f02a5"/>
@@ -16266,15 +10126,6 @@
 </ct:contentTypeSchema>
 </file>
 
-<file path=customXml/item3.xml><?xml version="1.0" encoding="utf-8"?>
-<p:properties xmlns:p="http://schemas.microsoft.com/office/2006/metadata/properties" xmlns:xsi="http://www.w3.org/2001/XMLSchema-instance" xmlns:pc="http://schemas.microsoft.com/office/infopath/2007/PartnerControls">
-  <documentManagement>
-    <Status xmlns="71af3243-3dd4-4a8d-8c0d-dd76da1f02a5">Not started</Status>
-    <MediaServiceKeyPoints xmlns="71af3243-3dd4-4a8d-8c0d-dd76da1f02a5" xsi:nil="true"/>
-  </documentManagement>
-</p:properties>
-</file>
-
 <file path=customXml/itemProps1.xml><?xml version="1.0" encoding="utf-8"?>
 <ds:datastoreItem xmlns:ds="http://schemas.openxmlformats.org/officeDocument/2006/customXml" ds:itemID="{BB3242A4-1E6A-4E02-809C-4A24066EC01D}">
   <ds:schemaRefs>
@@ -16284,6 +10135,16 @@
 </file>
 
 <file path=customXml/itemProps2.xml><?xml version="1.0" encoding="utf-8"?>
+<ds:datastoreItem xmlns:ds="http://schemas.openxmlformats.org/officeDocument/2006/customXml" ds:itemID="{FBD2D995-20F0-4C14-BF62-1248AB4B484D}">
+  <ds:schemaRefs>
+    <ds:schemaRef ds:uri="http://schemas.microsoft.com/office/2006/metadata/properties"/>
+    <ds:schemaRef ds:uri="http://schemas.microsoft.com/office/infopath/2007/PartnerControls"/>
+    <ds:schemaRef ds:uri="71af3243-3dd4-4a8d-8c0d-dd76da1f02a5"/>
+  </ds:schemaRefs>
+</ds:datastoreItem>
+</file>
+
+<file path=customXml/itemProps3.xml><?xml version="1.0" encoding="utf-8"?>
 <ds:datastoreItem xmlns:ds="http://schemas.openxmlformats.org/officeDocument/2006/customXml" ds:itemID="{965255AC-12AC-4323-AA35-9BAC798B66BD}">
   <ds:schemaRefs>
     <ds:schemaRef ds:uri="http://schemas.microsoft.com/office/2006/metadata/contentType"/>
@@ -16300,14 +10161,4 @@
     <ds:schemaRef ds:uri="http://schemas.microsoft.com/internal/obd"/>
   </ds:schemaRefs>
 </ds:datastoreItem>
-</file>
-
-<file path=customXml/itemProps3.xml><?xml version="1.0" encoding="utf-8"?>
-<ds:datastoreItem xmlns:ds="http://schemas.openxmlformats.org/officeDocument/2006/customXml" ds:itemID="{FBD2D995-20F0-4C14-BF62-1248AB4B484D}">
-  <ds:schemaRefs>
-    <ds:schemaRef ds:uri="http://schemas.microsoft.com/office/2006/metadata/properties"/>
-    <ds:schemaRef ds:uri="http://schemas.microsoft.com/office/infopath/2007/PartnerControls"/>
-    <ds:schemaRef ds:uri="71af3243-3dd4-4a8d-8c0d-dd76da1f02a5"/>
-  </ds:schemaRefs>
-</ds:datastoreItem>
 </file>
--- a/Stock Market Analysis.pptx
+++ b/Stock Market Analysis.pptx
@@ -127,7 +127,7 @@
 <file path=ppt/revisionInfo.xml><?xml version="1.0" encoding="utf-8"?>
 <p1510:revInfo xmlns:a="http://schemas.openxmlformats.org/drawingml/2006/main" xmlns:r="http://schemas.openxmlformats.org/officeDocument/2006/relationships" xmlns:p1510="http://schemas.microsoft.com/office/powerpoint/2015/10/main">
   <p1510:revLst>
-    <p1510:client id="{BD585F1B-4D9A-4C89-9F76-E500BE26A5CA}" v="34" dt="2021-02-03T08:08:03.633"/>
+    <p1510:client id="{BD585F1B-4D9A-4C89-9F76-E500BE26A5CA}" v="35" dt="2021-02-05T01:37:21.349"/>
   </p1510:revLst>
 </p1510:revInfo>
 </file>
@@ -137,7 +137,7 @@
   <pc:docChgLst>
     <pc:chgData name="Gabriel Allen" userId="c7c74c84cd207ce6" providerId="LiveId" clId="{BD585F1B-4D9A-4C89-9F76-E500BE26A5CA}"/>
     <pc:docChg chg="undo redo custSel addSld delSld modSld sldOrd">
-      <pc:chgData name="Gabriel Allen" userId="c7c74c84cd207ce6" providerId="LiveId" clId="{BD585F1B-4D9A-4C89-9F76-E500BE26A5CA}" dt="2021-02-03T08:08:34.042" v="3482" actId="14100"/>
+      <pc:chgData name="Gabriel Allen" userId="c7c74c84cd207ce6" providerId="LiveId" clId="{BD585F1B-4D9A-4C89-9F76-E500BE26A5CA}" dt="2021-02-05T03:49:01.855" v="3495" actId="14100"/>
       <pc:docMkLst>
         <pc:docMk/>
       </pc:docMkLst>
@@ -779,8 +779,8 @@
           </ac:picMkLst>
         </pc:picChg>
       </pc:sldChg>
-      <pc:sldChg chg="modSp new mod">
-        <pc:chgData name="Gabriel Allen" userId="c7c74c84cd207ce6" providerId="LiveId" clId="{BD585F1B-4D9A-4C89-9F76-E500BE26A5CA}" dt="2021-02-02T16:40:03.168" v="2450" actId="20577"/>
+      <pc:sldChg chg="addSp delSp modSp new mod">
+        <pc:chgData name="Gabriel Allen" userId="c7c74c84cd207ce6" providerId="LiveId" clId="{BD585F1B-4D9A-4C89-9F76-E500BE26A5CA}" dt="2021-02-05T03:49:01.855" v="3495" actId="14100"/>
         <pc:sldMkLst>
           <pc:docMk/>
           <pc:sldMk cId="208162295" sldId="300"/>
@@ -801,6 +801,14 @@
             <ac:spMk id="3" creationId="{3AAB4ADA-75CB-4087-9BCE-CFDC26BD48D1}"/>
           </ac:spMkLst>
         </pc:spChg>
+        <pc:spChg chg="add del mod">
+          <ac:chgData name="Gabriel Allen" userId="c7c74c84cd207ce6" providerId="LiveId" clId="{BD585F1B-4D9A-4C89-9F76-E500BE26A5CA}" dt="2021-02-05T01:37:09.973" v="3485" actId="478"/>
+          <ac:spMkLst>
+            <pc:docMk/>
+            <pc:sldMk cId="208162295" sldId="300"/>
+            <ac:spMk id="4" creationId="{EBEB66B8-4D7A-4845-AD86-7743C1E10F7E}"/>
+          </ac:spMkLst>
+        </pc:spChg>
         <pc:spChg chg="mod">
           <ac:chgData name="Gabriel Allen" userId="c7c74c84cd207ce6" providerId="LiveId" clId="{BD585F1B-4D9A-4C89-9F76-E500BE26A5CA}" dt="2021-02-02T16:39:30.414" v="2399" actId="27636"/>
           <ac:spMkLst>
@@ -809,6 +817,30 @@
             <ac:spMk id="5" creationId="{9F678966-F9CB-4160-8E51-7EE251149C3A}"/>
           </ac:spMkLst>
         </pc:spChg>
+        <pc:spChg chg="add del mod">
+          <ac:chgData name="Gabriel Allen" userId="c7c74c84cd207ce6" providerId="LiveId" clId="{BD585F1B-4D9A-4C89-9F76-E500BE26A5CA}" dt="2021-02-05T01:37:21.349" v="3488"/>
+          <ac:spMkLst>
+            <pc:docMk/>
+            <pc:sldMk cId="208162295" sldId="300"/>
+            <ac:spMk id="7" creationId="{96A302C2-17D6-41DC-B6E5-2BF7A3064BCA}"/>
+          </ac:spMkLst>
+        </pc:spChg>
+        <pc:graphicFrameChg chg="add del modGraphic">
+          <ac:chgData name="Gabriel Allen" userId="c7c74c84cd207ce6" providerId="LiveId" clId="{BD585F1B-4D9A-4C89-9F76-E500BE26A5CA}" dt="2021-02-05T01:37:18.524" v="3487" actId="478"/>
+          <ac:graphicFrameMkLst>
+            <pc:docMk/>
+            <pc:sldMk cId="208162295" sldId="300"/>
+            <ac:graphicFrameMk id="10" creationId="{547377B5-69E3-4E27-AFAF-57067C4458FE}"/>
+          </ac:graphicFrameMkLst>
+        </pc:graphicFrameChg>
+        <pc:picChg chg="add mod">
+          <ac:chgData name="Gabriel Allen" userId="c7c74c84cd207ce6" providerId="LiveId" clId="{BD585F1B-4D9A-4C89-9F76-E500BE26A5CA}" dt="2021-02-05T03:49:01.855" v="3495" actId="14100"/>
+          <ac:picMkLst>
+            <pc:docMk/>
+            <pc:sldMk cId="208162295" sldId="300"/>
+            <ac:picMk id="9" creationId="{36D1A780-CC68-4332-B001-F980FE80598D}"/>
+          </ac:picMkLst>
+        </pc:picChg>
       </pc:sldChg>
       <pc:sldChg chg="modSp new mod">
         <pc:chgData name="Gabriel Allen" userId="c7c74c84cd207ce6" providerId="LiveId" clId="{BD585F1B-4D9A-4C89-9F76-E500BE26A5CA}" dt="2021-02-01T22:26:38.372" v="2378" actId="2711"/>
@@ -1106,7 +1138,7 @@
           <a:p>
             <a:fld id="{ED291B17-9318-49DB-B28B-6E5994AE9581}" type="datetime1">
               <a:rPr lang="en-US" smtClean="0"/>
-              <a:t>2/3/2021</a:t>
+              <a:t>2/4/2021</a:t>
             </a:fld>
             <a:endParaRPr lang="en-US" dirty="0"/>
           </a:p>
@@ -1304,7 +1336,7 @@
           <a:p>
             <a:fld id="{78DD82B9-B8EE-4375-B6FF-88FA6ABB15D9}" type="datetime1">
               <a:rPr lang="en-US" smtClean="0"/>
-              <a:t>2/3/2021</a:t>
+              <a:t>2/4/2021</a:t>
             </a:fld>
             <a:endParaRPr lang="en-US" dirty="0"/>
           </a:p>
@@ -1616,7 +1648,7 @@
           <a:p>
             <a:fld id="{B2497495-0637-405E-AE64-5CC7506D51F5}" type="datetime1">
               <a:rPr lang="en-US" smtClean="0"/>
-              <a:t>2/3/2021</a:t>
+              <a:t>2/4/2021</a:t>
             </a:fld>
             <a:endParaRPr lang="en-US" dirty="0"/>
           </a:p>
@@ -1869,7 +1901,7 @@
           <a:p>
             <a:fld id="{7BFFD690-9426-415D-8B65-26881E07B2D4}" type="datetime1">
               <a:rPr lang="en-US" smtClean="0"/>
-              <a:t>2/3/2021</a:t>
+              <a:t>2/4/2021</a:t>
             </a:fld>
             <a:endParaRPr lang="en-US" dirty="0"/>
           </a:p>
@@ -2291,7 +2323,7 @@
           <a:p>
             <a:fld id="{04C4989A-474C-40DE-95B9-011C28B71673}" type="datetime1">
               <a:rPr lang="en-US" smtClean="0"/>
-              <a:t>2/3/2021</a:t>
+              <a:t>2/4/2021</a:t>
             </a:fld>
             <a:endParaRPr lang="en-US" dirty="0"/>
           </a:p>
@@ -2414,7 +2446,7 @@
           <a:p>
             <a:fld id="{5DB4ED54-5B5E-4A04-93D3-5772E3CE3818}" type="datetime1">
               <a:rPr lang="en-US" smtClean="0"/>
-              <a:t>2/3/2021</a:t>
+              <a:t>2/4/2021</a:t>
             </a:fld>
             <a:endParaRPr lang="en-US" dirty="0"/>
           </a:p>
@@ -2509,7 +2541,7 @@
           <a:p>
             <a:fld id="{4EDE50D6-574B-40AF-946F-D52A04ADE379}" type="datetime1">
               <a:rPr lang="en-US" smtClean="0"/>
-              <a:t>2/3/2021</a:t>
+              <a:t>2/4/2021</a:t>
             </a:fld>
             <a:endParaRPr lang="en-US" dirty="0"/>
           </a:p>
@@ -2886,7 +2918,7 @@
           <a:p>
             <a:fld id="{D82884F1-FFEA-405F-9602-3DCA865EDA4E}" type="datetime1">
               <a:rPr lang="en-US" smtClean="0"/>
-              <a:t>2/3/2021</a:t>
+              <a:t>2/4/2021</a:t>
             </a:fld>
             <a:endParaRPr lang="en-US" dirty="0"/>
           </a:p>
@@ -3179,7 +3211,7 @@
           <a:p>
             <a:fld id="{7E18DB4A-8810-4A10-AD5C-D5E2C667F5B3}" type="datetime1">
               <a:rPr lang="en-US" smtClean="0"/>
-              <a:t>2/3/2021</a:t>
+              <a:t>2/4/2021</a:t>
             </a:fld>
             <a:endParaRPr lang="en-US" dirty="0"/>
           </a:p>
@@ -3394,7 +3426,7 @@
           <a:p>
             <a:fld id="{ED291B17-9318-49DB-B28B-6E5994AE9581}" type="datetime1">
               <a:rPr lang="en-US" smtClean="0"/>
-              <a:t>2/3/2021</a:t>
+              <a:t>2/4/2021</a:t>
             </a:fld>
             <a:endParaRPr lang="en-US" dirty="0"/>
           </a:p>
@@ -4806,2454 +4838,35 @@
           </a:p>
         </p:txBody>
       </p:sp>
-      <p:graphicFrame>
-        <p:nvGraphicFramePr>
-          <p:cNvPr id="10" name="Content Placeholder 9">
+      <p:pic>
+        <p:nvPicPr>
+          <p:cNvPr id="9" name="Content Placeholder 8" descr="Graphical user interface, text&#10;&#10;Description automatically generated">
             <a:extLst>
               <a:ext uri="{FF2B5EF4-FFF2-40B4-BE49-F238E27FC236}">
-                <a16:creationId xmlns:a16="http://schemas.microsoft.com/office/drawing/2014/main" id="{547377B5-69E3-4E27-AFAF-57067C4458FE}"/>
+                <a16:creationId xmlns:a16="http://schemas.microsoft.com/office/drawing/2014/main" id="{36D1A780-CC68-4332-B001-F980FE80598D}"/>
               </a:ext>
             </a:extLst>
           </p:cNvPr>
-          <p:cNvGraphicFramePr>
-            <a:graphicFrameLocks noGrp="1"/>
-          </p:cNvGraphicFramePr>
+          <p:cNvPicPr>
+            <a:picLocks noGrp="1" noChangeAspect="1"/>
+          </p:cNvPicPr>
           <p:nvPr>
             <p:ph idx="1"/>
-            <p:extLst>
-              <p:ext uri="{D42A27DB-BD31-4B8C-83A1-F6EECF244321}">
-                <p14:modId xmlns:p14="http://schemas.microsoft.com/office/powerpoint/2010/main" val="820991"/>
-              </p:ext>
-            </p:extLst>
-          </p:nvPr>
-        </p:nvGraphicFramePr>
-        <p:xfrm>
-          <a:off x="844826" y="3273287"/>
-          <a:ext cx="10502346" cy="2034167"/>
-        </p:xfrm>
-        <a:graphic>
-          <a:graphicData uri="http://schemas.openxmlformats.org/drawingml/2006/table">
-            <a:tbl>
-              <a:tblPr/>
-              <a:tblGrid>
-                <a:gridCol w="819341">
-                  <a:extLst>
-                    <a:ext uri="{9D8B030D-6E8A-4147-A177-3AD203B41FA5}">
-                      <a16:colId xmlns:a16="http://schemas.microsoft.com/office/drawing/2014/main" val="360954540"/>
-                    </a:ext>
-                  </a:extLst>
-                </a:gridCol>
-                <a:gridCol w="1582151">
-                  <a:extLst>
-                    <a:ext uri="{9D8B030D-6E8A-4147-A177-3AD203B41FA5}">
-                      <a16:colId xmlns:a16="http://schemas.microsoft.com/office/drawing/2014/main" val="3897559737"/>
-                    </a:ext>
-                  </a:extLst>
-                </a:gridCol>
-                <a:gridCol w="1400989">
-                  <a:extLst>
-                    <a:ext uri="{9D8B030D-6E8A-4147-A177-3AD203B41FA5}">
-                      <a16:colId xmlns:a16="http://schemas.microsoft.com/office/drawing/2014/main" val="2444204420"/>
-                    </a:ext>
-                  </a:extLst>
-                </a:gridCol>
-                <a:gridCol w="1582151">
-                  <a:extLst>
-                    <a:ext uri="{9D8B030D-6E8A-4147-A177-3AD203B41FA5}">
-                      <a16:colId xmlns:a16="http://schemas.microsoft.com/office/drawing/2014/main" val="2017179937"/>
-                    </a:ext>
-                  </a:extLst>
-                </a:gridCol>
-                <a:gridCol w="1755263">
-                  <a:extLst>
-                    <a:ext uri="{9D8B030D-6E8A-4147-A177-3AD203B41FA5}">
-                      <a16:colId xmlns:a16="http://schemas.microsoft.com/office/drawing/2014/main" val="405345554"/>
-                    </a:ext>
-                  </a:extLst>
-                </a:gridCol>
-                <a:gridCol w="1195671">
-                  <a:extLst>
-                    <a:ext uri="{9D8B030D-6E8A-4147-A177-3AD203B41FA5}">
-                      <a16:colId xmlns:a16="http://schemas.microsoft.com/office/drawing/2014/main" val="2166326941"/>
-                    </a:ext>
-                  </a:extLst>
-                </a:gridCol>
-                <a:gridCol w="1002433">
-                  <a:extLst>
-                    <a:ext uri="{9D8B030D-6E8A-4147-A177-3AD203B41FA5}">
-                      <a16:colId xmlns:a16="http://schemas.microsoft.com/office/drawing/2014/main" val="2867268976"/>
-                    </a:ext>
-                  </a:extLst>
-                </a:gridCol>
-                <a:gridCol w="1164347">
-                  <a:extLst>
-                    <a:ext uri="{9D8B030D-6E8A-4147-A177-3AD203B41FA5}">
-                      <a16:colId xmlns:a16="http://schemas.microsoft.com/office/drawing/2014/main" val="1927446685"/>
-                    </a:ext>
-                  </a:extLst>
-                </a:gridCol>
-              </a:tblGrid>
-              <a:tr h="245305">
-                <a:tc>
-                  <a:txBody>
-                    <a:bodyPr/>
-                    <a:lstStyle/>
-                    <a:p>
-                      <a:pPr algn="l" rtl="0" fontAlgn="b"/>
-                      <a:r>
-                        <a:rPr lang="en-US" sz="1400" b="1" i="0" u="none" strike="noStrike" dirty="0">
-                          <a:solidFill>
-                            <a:srgbClr val="FFFFFF"/>
-                          </a:solidFill>
-                          <a:effectLst/>
-                          <a:latin typeface="Calibri" panose="020F0502020204030204" pitchFamily="34" charset="0"/>
-                        </a:rPr>
-                        <a:t>Symbol</a:t>
-                      </a:r>
-                    </a:p>
-                  </a:txBody>
-                  <a:tcPr marL="9525" marR="9525" marT="9525" marB="0" anchor="b">
-                    <a:lnL>
-                      <a:noFill/>
-                    </a:lnL>
-                    <a:lnR w="6350" cap="flat" cmpd="sng" algn="ctr">
-                      <a:solidFill>
-                        <a:srgbClr val="FFFFFF"/>
-                      </a:solidFill>
-                      <a:prstDash val="solid"/>
-                      <a:round/>
-                      <a:headEnd type="none" w="med" len="med"/>
-                      <a:tailEnd type="none" w="med" len="med"/>
-                    </a:lnR>
-                    <a:lnT>
-                      <a:noFill/>
-                    </a:lnT>
-                    <a:lnB w="6350" cap="flat" cmpd="sng" algn="ctr">
-                      <a:solidFill>
-                        <a:srgbClr val="FFFFFF"/>
-                      </a:solidFill>
-                      <a:prstDash val="solid"/>
-                      <a:round/>
-                      <a:headEnd type="none" w="med" len="med"/>
-                      <a:tailEnd type="none" w="med" len="med"/>
-                    </a:lnB>
-                    <a:solidFill>
-                      <a:srgbClr val="5B9BD5"/>
-                    </a:solidFill>
-                  </a:tcPr>
-                </a:tc>
-                <a:tc>
-                  <a:txBody>
-                    <a:bodyPr/>
-                    <a:lstStyle/>
-                    <a:p>
-                      <a:pPr algn="l" rtl="0" fontAlgn="b"/>
-                      <a:r>
-                        <a:rPr lang="en-US" sz="1400" b="1" i="0" u="none" strike="noStrike">
-                          <a:solidFill>
-                            <a:srgbClr val="FFFFFF"/>
-                          </a:solidFill>
-                          <a:effectLst/>
-                          <a:latin typeface="Calibri" panose="020F0502020204030204" pitchFamily="34" charset="0"/>
-                        </a:rPr>
-                        <a:t>Security</a:t>
-                      </a:r>
-                    </a:p>
-                  </a:txBody>
-                  <a:tcPr marL="9525" marR="9525" marT="9525" marB="0" anchor="b">
-                    <a:lnL w="6350" cap="flat" cmpd="sng" algn="ctr">
-                      <a:solidFill>
-                        <a:srgbClr val="FFFFFF"/>
-                      </a:solidFill>
-                      <a:prstDash val="solid"/>
-                      <a:round/>
-                      <a:headEnd type="none" w="med" len="med"/>
-                      <a:tailEnd type="none" w="med" len="med"/>
-                    </a:lnL>
-                    <a:lnR w="6350" cap="flat" cmpd="sng" algn="ctr">
-                      <a:solidFill>
-                        <a:srgbClr val="FFFFFF"/>
-                      </a:solidFill>
-                      <a:prstDash val="solid"/>
-                      <a:round/>
-                      <a:headEnd type="none" w="med" len="med"/>
-                      <a:tailEnd type="none" w="med" len="med"/>
-                    </a:lnR>
-                    <a:lnT>
-                      <a:noFill/>
-                    </a:lnT>
-                    <a:lnB w="6350" cap="flat" cmpd="sng" algn="ctr">
-                      <a:solidFill>
-                        <a:srgbClr val="FFFFFF"/>
-                      </a:solidFill>
-                      <a:prstDash val="solid"/>
-                      <a:round/>
-                      <a:headEnd type="none" w="med" len="med"/>
-                      <a:tailEnd type="none" w="med" len="med"/>
-                    </a:lnB>
-                    <a:solidFill>
-                      <a:srgbClr val="5B9BD5"/>
-                    </a:solidFill>
-                  </a:tcPr>
-                </a:tc>
-                <a:tc>
-                  <a:txBody>
-                    <a:bodyPr/>
-                    <a:lstStyle/>
-                    <a:p>
-                      <a:pPr algn="l" rtl="0" fontAlgn="b"/>
-                      <a:r>
-                        <a:rPr lang="en-US" sz="1400" b="1" i="0" u="none" strike="noStrike">
-                          <a:solidFill>
-                            <a:srgbClr val="FFFFFF"/>
-                          </a:solidFill>
-                          <a:effectLst/>
-                          <a:latin typeface="Calibri" panose="020F0502020204030204" pitchFamily="34" charset="0"/>
-                        </a:rPr>
-                        <a:t>1/4/2016 Price ($)</a:t>
-                      </a:r>
-                    </a:p>
-                  </a:txBody>
-                  <a:tcPr marL="9525" marR="9525" marT="9525" marB="0" anchor="b">
-                    <a:lnL w="6350" cap="flat" cmpd="sng" algn="ctr">
-                      <a:solidFill>
-                        <a:srgbClr val="FFFFFF"/>
-                      </a:solidFill>
-                      <a:prstDash val="solid"/>
-                      <a:round/>
-                      <a:headEnd type="none" w="med" len="med"/>
-                      <a:tailEnd type="none" w="med" len="med"/>
-                    </a:lnL>
-                    <a:lnR w="6350" cap="flat" cmpd="sng" algn="ctr">
-                      <a:solidFill>
-                        <a:srgbClr val="FFFFFF"/>
-                      </a:solidFill>
-                      <a:prstDash val="solid"/>
-                      <a:round/>
-                      <a:headEnd type="none" w="med" len="med"/>
-                      <a:tailEnd type="none" w="med" len="med"/>
-                    </a:lnR>
-                    <a:lnT>
-                      <a:noFill/>
-                    </a:lnT>
-                    <a:lnB w="6350" cap="flat" cmpd="sng" algn="ctr">
-                      <a:solidFill>
-                        <a:srgbClr val="FFFFFF"/>
-                      </a:solidFill>
-                      <a:prstDash val="solid"/>
-                      <a:round/>
-                      <a:headEnd type="none" w="med" len="med"/>
-                      <a:tailEnd type="none" w="med" len="med"/>
-                    </a:lnB>
-                    <a:solidFill>
-                      <a:srgbClr val="5B9BD5"/>
-                    </a:solidFill>
-                  </a:tcPr>
-                </a:tc>
-                <a:tc>
-                  <a:txBody>
-                    <a:bodyPr/>
-                    <a:lstStyle/>
-                    <a:p>
-                      <a:pPr algn="l" rtl="0" fontAlgn="b"/>
-                      <a:r>
-                        <a:rPr lang="en-US" sz="1400" b="1" i="0" u="none" strike="noStrike">
-                          <a:solidFill>
-                            <a:srgbClr val="FFFFFF"/>
-                          </a:solidFill>
-                          <a:effectLst/>
-                          <a:latin typeface="Calibri" panose="020F0502020204030204" pitchFamily="34" charset="0"/>
-                        </a:rPr>
-                        <a:t>12/30/2020 Price ($)</a:t>
-                      </a:r>
-                    </a:p>
-                  </a:txBody>
-                  <a:tcPr marL="9525" marR="9525" marT="9525" marB="0" anchor="b">
-                    <a:lnL w="6350" cap="flat" cmpd="sng" algn="ctr">
-                      <a:solidFill>
-                        <a:srgbClr val="FFFFFF"/>
-                      </a:solidFill>
-                      <a:prstDash val="solid"/>
-                      <a:round/>
-                      <a:headEnd type="none" w="med" len="med"/>
-                      <a:tailEnd type="none" w="med" len="med"/>
-                    </a:lnL>
-                    <a:lnR w="6350" cap="flat" cmpd="sng" algn="ctr">
-                      <a:solidFill>
-                        <a:srgbClr val="FFFFFF"/>
-                      </a:solidFill>
-                      <a:prstDash val="solid"/>
-                      <a:round/>
-                      <a:headEnd type="none" w="med" len="med"/>
-                      <a:tailEnd type="none" w="med" len="med"/>
-                    </a:lnR>
-                    <a:lnT>
-                      <a:noFill/>
-                    </a:lnT>
-                    <a:lnB w="6350" cap="flat" cmpd="sng" algn="ctr">
-                      <a:solidFill>
-                        <a:srgbClr val="FFFFFF"/>
-                      </a:solidFill>
-                      <a:prstDash val="solid"/>
-                      <a:round/>
-                      <a:headEnd type="none" w="med" len="med"/>
-                      <a:tailEnd type="none" w="med" len="med"/>
-                    </a:lnB>
-                    <a:solidFill>
-                      <a:srgbClr val="5B9BD5"/>
-                    </a:solidFill>
-                  </a:tcPr>
-                </a:tc>
-                <a:tc>
-                  <a:txBody>
-                    <a:bodyPr/>
-                    <a:lstStyle/>
-                    <a:p>
-                      <a:pPr algn="l" rtl="0" fontAlgn="b"/>
-                      <a:r>
-                        <a:rPr lang="en-US" sz="1400" b="1" i="0" u="none" strike="noStrike">
-                          <a:solidFill>
-                            <a:srgbClr val="FFFFFF"/>
-                          </a:solidFill>
-                          <a:effectLst/>
-                          <a:latin typeface="Calibri" panose="020F0502020204030204" pitchFamily="34" charset="0"/>
-                        </a:rPr>
-                        <a:t>5yr Avg Div Yield </a:t>
-                      </a:r>
-                    </a:p>
-                  </a:txBody>
-                  <a:tcPr marL="9525" marR="9525" marT="9525" marB="0" anchor="b">
-                    <a:lnL w="6350" cap="flat" cmpd="sng" algn="ctr">
-                      <a:solidFill>
-                        <a:srgbClr val="FFFFFF"/>
-                      </a:solidFill>
-                      <a:prstDash val="solid"/>
-                      <a:round/>
-                      <a:headEnd type="none" w="med" len="med"/>
-                      <a:tailEnd type="none" w="med" len="med"/>
-                    </a:lnL>
-                    <a:lnR w="6350" cap="flat" cmpd="sng" algn="ctr">
-                      <a:solidFill>
-                        <a:srgbClr val="FFFFFF"/>
-                      </a:solidFill>
-                      <a:prstDash val="solid"/>
-                      <a:round/>
-                      <a:headEnd type="none" w="med" len="med"/>
-                      <a:tailEnd type="none" w="med" len="med"/>
-                    </a:lnR>
-                    <a:lnT>
-                      <a:noFill/>
-                    </a:lnT>
-                    <a:lnB w="6350" cap="flat" cmpd="sng" algn="ctr">
-                      <a:solidFill>
-                        <a:srgbClr val="FFFFFF"/>
-                      </a:solidFill>
-                      <a:prstDash val="solid"/>
-                      <a:round/>
-                      <a:headEnd type="none" w="med" len="med"/>
-                      <a:tailEnd type="none" w="med" len="med"/>
-                    </a:lnB>
-                    <a:solidFill>
-                      <a:srgbClr val="5B9BD5"/>
-                    </a:solidFill>
-                  </a:tcPr>
-                </a:tc>
-                <a:tc>
-                  <a:txBody>
-                    <a:bodyPr/>
-                    <a:lstStyle/>
-                    <a:p>
-                      <a:pPr algn="l" rtl="0" fontAlgn="b"/>
-                      <a:r>
-                        <a:rPr lang="en-US" sz="1400" b="1" i="0" u="none" strike="noStrike">
-                          <a:solidFill>
-                            <a:srgbClr val="FFFFFF"/>
-                          </a:solidFill>
-                          <a:effectLst/>
-                          <a:latin typeface="Calibri" panose="020F0502020204030204" pitchFamily="34" charset="0"/>
-                        </a:rPr>
-                        <a:t>1 Year ROI</a:t>
-                      </a:r>
-                    </a:p>
-                  </a:txBody>
-                  <a:tcPr marL="9525" marR="9525" marT="9525" marB="0" anchor="b">
-                    <a:lnL w="6350" cap="flat" cmpd="sng" algn="ctr">
-                      <a:solidFill>
-                        <a:srgbClr val="FFFFFF"/>
-                      </a:solidFill>
-                      <a:prstDash val="solid"/>
-                      <a:round/>
-                      <a:headEnd type="none" w="med" len="med"/>
-                      <a:tailEnd type="none" w="med" len="med"/>
-                    </a:lnL>
-                    <a:lnR w="6350" cap="flat" cmpd="sng" algn="ctr">
-                      <a:solidFill>
-                        <a:srgbClr val="FFFFFF"/>
-                      </a:solidFill>
-                      <a:prstDash val="solid"/>
-                      <a:round/>
-                      <a:headEnd type="none" w="med" len="med"/>
-                      <a:tailEnd type="none" w="med" len="med"/>
-                    </a:lnR>
-                    <a:lnT>
-                      <a:noFill/>
-                    </a:lnT>
-                    <a:lnB w="6350" cap="flat" cmpd="sng" algn="ctr">
-                      <a:solidFill>
-                        <a:srgbClr val="FFFFFF"/>
-                      </a:solidFill>
-                      <a:prstDash val="solid"/>
-                      <a:round/>
-                      <a:headEnd type="none" w="med" len="med"/>
-                      <a:tailEnd type="none" w="med" len="med"/>
-                    </a:lnB>
-                    <a:solidFill>
-                      <a:srgbClr val="5B9BD5"/>
-                    </a:solidFill>
-                  </a:tcPr>
-                </a:tc>
-                <a:tc>
-                  <a:txBody>
-                    <a:bodyPr/>
-                    <a:lstStyle/>
-                    <a:p>
-                      <a:pPr algn="l" rtl="0" fontAlgn="b"/>
-                      <a:r>
-                        <a:rPr lang="en-US" sz="1400" b="1" i="0" u="none" strike="noStrike">
-                          <a:solidFill>
-                            <a:srgbClr val="FFFFFF"/>
-                          </a:solidFill>
-                          <a:effectLst/>
-                          <a:latin typeface="Calibri" panose="020F0502020204030204" pitchFamily="34" charset="0"/>
-                        </a:rPr>
-                        <a:t>3 Year ROI</a:t>
-                      </a:r>
-                    </a:p>
-                  </a:txBody>
-                  <a:tcPr marL="9525" marR="9525" marT="9525" marB="0" anchor="b">
-                    <a:lnL w="6350" cap="flat" cmpd="sng" algn="ctr">
-                      <a:solidFill>
-                        <a:srgbClr val="FFFFFF"/>
-                      </a:solidFill>
-                      <a:prstDash val="solid"/>
-                      <a:round/>
-                      <a:headEnd type="none" w="med" len="med"/>
-                      <a:tailEnd type="none" w="med" len="med"/>
-                    </a:lnL>
-                    <a:lnR w="6350" cap="flat" cmpd="sng" algn="ctr">
-                      <a:solidFill>
-                        <a:srgbClr val="FFFFFF"/>
-                      </a:solidFill>
-                      <a:prstDash val="solid"/>
-                      <a:round/>
-                      <a:headEnd type="none" w="med" len="med"/>
-                      <a:tailEnd type="none" w="med" len="med"/>
-                    </a:lnR>
-                    <a:lnT>
-                      <a:noFill/>
-                    </a:lnT>
-                    <a:lnB w="6350" cap="flat" cmpd="sng" algn="ctr">
-                      <a:solidFill>
-                        <a:srgbClr val="FFFFFF"/>
-                      </a:solidFill>
-                      <a:prstDash val="solid"/>
-                      <a:round/>
-                      <a:headEnd type="none" w="med" len="med"/>
-                      <a:tailEnd type="none" w="med" len="med"/>
-                    </a:lnB>
-                    <a:solidFill>
-                      <a:srgbClr val="5B9BD5"/>
-                    </a:solidFill>
-                  </a:tcPr>
-                </a:tc>
-                <a:tc>
-                  <a:txBody>
-                    <a:bodyPr/>
-                    <a:lstStyle/>
-                    <a:p>
-                      <a:pPr algn="l" rtl="0" fontAlgn="b"/>
-                      <a:r>
-                        <a:rPr lang="en-US" sz="1400" b="1" i="0" u="none" strike="noStrike">
-                          <a:solidFill>
-                            <a:srgbClr val="FFFFFF"/>
-                          </a:solidFill>
-                          <a:effectLst/>
-                          <a:latin typeface="Calibri" panose="020F0502020204030204" pitchFamily="34" charset="0"/>
-                        </a:rPr>
-                        <a:t>5 Year ROI</a:t>
-                      </a:r>
-                    </a:p>
-                  </a:txBody>
-                  <a:tcPr marL="9525" marR="9525" marT="9525" marB="0" anchor="b">
-                    <a:lnL w="6350" cap="flat" cmpd="sng" algn="ctr">
-                      <a:solidFill>
-                        <a:srgbClr val="FFFFFF"/>
-                      </a:solidFill>
-                      <a:prstDash val="solid"/>
-                      <a:round/>
-                      <a:headEnd type="none" w="med" len="med"/>
-                      <a:tailEnd type="none" w="med" len="med"/>
-                    </a:lnL>
-                    <a:lnR w="6350" cap="flat" cmpd="sng" algn="ctr">
-                      <a:solidFill>
-                        <a:srgbClr val="FFFFFF"/>
-                      </a:solidFill>
-                      <a:prstDash val="solid"/>
-                      <a:round/>
-                      <a:headEnd type="none" w="med" len="med"/>
-                      <a:tailEnd type="none" w="med" len="med"/>
-                    </a:lnR>
-                    <a:lnT>
-                      <a:noFill/>
-                    </a:lnT>
-                    <a:lnB w="6350" cap="flat" cmpd="sng" algn="ctr">
-                      <a:solidFill>
-                        <a:srgbClr val="FFFFFF"/>
-                      </a:solidFill>
-                      <a:prstDash val="solid"/>
-                      <a:round/>
-                      <a:headEnd type="none" w="med" len="med"/>
-                      <a:tailEnd type="none" w="med" len="med"/>
-                    </a:lnB>
-                    <a:solidFill>
-                      <a:srgbClr val="5B9BD5"/>
-                    </a:solidFill>
-                  </a:tcPr>
-                </a:tc>
-                <a:extLst>
-                  <a:ext uri="{0D108BD9-81ED-4DB2-BD59-A6C34878D82A}">
-                    <a16:rowId xmlns:a16="http://schemas.microsoft.com/office/drawing/2014/main" val="2405472925"/>
-                  </a:ext>
-                </a:extLst>
-              </a:tr>
-              <a:tr h="0">
-                <a:tc>
-                  <a:txBody>
-                    <a:bodyPr/>
-                    <a:lstStyle/>
-                    <a:p>
-                      <a:pPr algn="l" rtl="0" fontAlgn="b"/>
-                      <a:r>
-                        <a:rPr lang="en-US" sz="1400" b="1" i="0" u="none" strike="noStrike" dirty="0">
-                          <a:solidFill>
-                            <a:srgbClr val="000000"/>
-                          </a:solidFill>
-                          <a:effectLst/>
-                          <a:latin typeface="Calibri" panose="020F0502020204030204" pitchFamily="34" charset="0"/>
-                        </a:rPr>
-                        <a:t>JNJ</a:t>
-                      </a:r>
-                    </a:p>
-                  </a:txBody>
-                  <a:tcPr marL="9525" marR="9525" marT="9525" marB="0" anchor="b">
-                    <a:lnL>
-                      <a:noFill/>
-                    </a:lnL>
-                    <a:lnR w="6350" cap="flat" cmpd="sng" algn="ctr">
-                      <a:solidFill>
-                        <a:srgbClr val="FFFFFF"/>
-                      </a:solidFill>
-                      <a:prstDash val="solid"/>
-                      <a:round/>
-                      <a:headEnd type="none" w="med" len="med"/>
-                      <a:tailEnd type="none" w="med" len="med"/>
-                    </a:lnR>
-                    <a:lnT w="6350" cap="flat" cmpd="sng" algn="ctr">
-                      <a:solidFill>
-                        <a:srgbClr val="FFFFFF"/>
-                      </a:solidFill>
-                      <a:prstDash val="solid"/>
-                      <a:round/>
-                      <a:headEnd type="none" w="med" len="med"/>
-                      <a:tailEnd type="none" w="med" len="med"/>
-                    </a:lnT>
-                    <a:lnB w="6350" cap="flat" cmpd="sng" algn="ctr">
-                      <a:solidFill>
-                        <a:srgbClr val="FFFFFF"/>
-                      </a:solidFill>
-                      <a:prstDash val="solid"/>
-                      <a:round/>
-                      <a:headEnd type="none" w="med" len="med"/>
-                      <a:tailEnd type="none" w="med" len="med"/>
-                    </a:lnB>
-                    <a:solidFill>
-                      <a:srgbClr val="BDD7EE"/>
-                    </a:solidFill>
-                  </a:tcPr>
-                </a:tc>
-                <a:tc>
-                  <a:txBody>
-                    <a:bodyPr/>
-                    <a:lstStyle/>
-                    <a:p>
-                      <a:pPr algn="l" rtl="0" fontAlgn="b"/>
-                      <a:r>
-                        <a:rPr lang="en-US" sz="1400" b="1" i="0" u="none" strike="noStrike" dirty="0">
-                          <a:solidFill>
-                            <a:srgbClr val="000000"/>
-                          </a:solidFill>
-                          <a:effectLst/>
-                          <a:latin typeface="Calibri" panose="020F0502020204030204" pitchFamily="34" charset="0"/>
-                        </a:rPr>
-                        <a:t>Johnson &amp; Johnson</a:t>
-                      </a:r>
-                    </a:p>
-                  </a:txBody>
-                  <a:tcPr marL="9525" marR="9525" marT="9525" marB="0" anchor="b">
-                    <a:lnL w="6350" cap="flat" cmpd="sng" algn="ctr">
-                      <a:solidFill>
-                        <a:srgbClr val="FFFFFF"/>
-                      </a:solidFill>
-                      <a:prstDash val="solid"/>
-                      <a:round/>
-                      <a:headEnd type="none" w="med" len="med"/>
-                      <a:tailEnd type="none" w="med" len="med"/>
-                    </a:lnL>
-                    <a:lnR w="6350" cap="flat" cmpd="sng" algn="ctr">
-                      <a:solidFill>
-                        <a:srgbClr val="FFFFFF"/>
-                      </a:solidFill>
-                      <a:prstDash val="solid"/>
-                      <a:round/>
-                      <a:headEnd type="none" w="med" len="med"/>
-                      <a:tailEnd type="none" w="med" len="med"/>
-                    </a:lnR>
-                    <a:lnT w="6350" cap="flat" cmpd="sng" algn="ctr">
-                      <a:solidFill>
-                        <a:srgbClr val="FFFFFF"/>
-                      </a:solidFill>
-                      <a:prstDash val="solid"/>
-                      <a:round/>
-                      <a:headEnd type="none" w="med" len="med"/>
-                      <a:tailEnd type="none" w="med" len="med"/>
-                    </a:lnT>
-                    <a:lnB w="6350" cap="flat" cmpd="sng" algn="ctr">
-                      <a:solidFill>
-                        <a:srgbClr val="FFFFFF"/>
-                      </a:solidFill>
-                      <a:prstDash val="solid"/>
-                      <a:round/>
-                      <a:headEnd type="none" w="med" len="med"/>
-                      <a:tailEnd type="none" w="med" len="med"/>
-                    </a:lnB>
-                    <a:solidFill>
-                      <a:srgbClr val="BDD7EE"/>
-                    </a:solidFill>
-                  </a:tcPr>
-                </a:tc>
-                <a:tc>
-                  <a:txBody>
-                    <a:bodyPr/>
-                    <a:lstStyle/>
-                    <a:p>
-                      <a:pPr algn="r" rtl="0" fontAlgn="b"/>
-                      <a:r>
-                        <a:rPr lang="en-US" sz="1400" b="1" i="0" u="none" strike="noStrike">
-                          <a:solidFill>
-                            <a:srgbClr val="000000"/>
-                          </a:solidFill>
-                          <a:effectLst/>
-                          <a:latin typeface="Calibri" panose="020F0502020204030204" pitchFamily="34" charset="0"/>
-                        </a:rPr>
-                        <a:t>                       100.48 </a:t>
-                      </a:r>
-                    </a:p>
-                  </a:txBody>
-                  <a:tcPr marL="9525" marR="9525" marT="9525" marB="0" anchor="b">
-                    <a:lnL w="6350" cap="flat" cmpd="sng" algn="ctr">
-                      <a:solidFill>
-                        <a:srgbClr val="FFFFFF"/>
-                      </a:solidFill>
-                      <a:prstDash val="solid"/>
-                      <a:round/>
-                      <a:headEnd type="none" w="med" len="med"/>
-                      <a:tailEnd type="none" w="med" len="med"/>
-                    </a:lnL>
-                    <a:lnR w="6350" cap="flat" cmpd="sng" algn="ctr">
-                      <a:solidFill>
-                        <a:srgbClr val="FFFFFF"/>
-                      </a:solidFill>
-                      <a:prstDash val="solid"/>
-                      <a:round/>
-                      <a:headEnd type="none" w="med" len="med"/>
-                      <a:tailEnd type="none" w="med" len="med"/>
-                    </a:lnR>
-                    <a:lnT w="6350" cap="flat" cmpd="sng" algn="ctr">
-                      <a:solidFill>
-                        <a:srgbClr val="FFFFFF"/>
-                      </a:solidFill>
-                      <a:prstDash val="solid"/>
-                      <a:round/>
-                      <a:headEnd type="none" w="med" len="med"/>
-                      <a:tailEnd type="none" w="med" len="med"/>
-                    </a:lnT>
-                    <a:lnB w="6350" cap="flat" cmpd="sng" algn="ctr">
-                      <a:solidFill>
-                        <a:srgbClr val="FFFFFF"/>
-                      </a:solidFill>
-                      <a:prstDash val="solid"/>
-                      <a:round/>
-                      <a:headEnd type="none" w="med" len="med"/>
-                      <a:tailEnd type="none" w="med" len="med"/>
-                    </a:lnB>
-                    <a:solidFill>
-                      <a:srgbClr val="BDD7EE"/>
-                    </a:solidFill>
-                  </a:tcPr>
-                </a:tc>
-                <a:tc>
-                  <a:txBody>
-                    <a:bodyPr/>
-                    <a:lstStyle/>
-                    <a:p>
-                      <a:pPr algn="r" rtl="0" fontAlgn="b"/>
-                      <a:r>
-                        <a:rPr lang="en-US" sz="1400" b="1" i="0" u="none" strike="noStrike">
-                          <a:solidFill>
-                            <a:srgbClr val="000000"/>
-                          </a:solidFill>
-                          <a:effectLst/>
-                          <a:latin typeface="Calibri" panose="020F0502020204030204" pitchFamily="34" charset="0"/>
-                        </a:rPr>
-                        <a:t>                            156.05 </a:t>
-                      </a:r>
-                    </a:p>
-                  </a:txBody>
-                  <a:tcPr marL="9525" marR="9525" marT="9525" marB="0" anchor="b">
-                    <a:lnL w="6350" cap="flat" cmpd="sng" algn="ctr">
-                      <a:solidFill>
-                        <a:srgbClr val="FFFFFF"/>
-                      </a:solidFill>
-                      <a:prstDash val="solid"/>
-                      <a:round/>
-                      <a:headEnd type="none" w="med" len="med"/>
-                      <a:tailEnd type="none" w="med" len="med"/>
-                    </a:lnL>
-                    <a:lnR w="6350" cap="flat" cmpd="sng" algn="ctr">
-                      <a:solidFill>
-                        <a:srgbClr val="FFFFFF"/>
-                      </a:solidFill>
-                      <a:prstDash val="solid"/>
-                      <a:round/>
-                      <a:headEnd type="none" w="med" len="med"/>
-                      <a:tailEnd type="none" w="med" len="med"/>
-                    </a:lnR>
-                    <a:lnT w="6350" cap="flat" cmpd="sng" algn="ctr">
-                      <a:solidFill>
-                        <a:srgbClr val="FFFFFF"/>
-                      </a:solidFill>
-                      <a:prstDash val="solid"/>
-                      <a:round/>
-                      <a:headEnd type="none" w="med" len="med"/>
-                      <a:tailEnd type="none" w="med" len="med"/>
-                    </a:lnT>
-                    <a:lnB w="6350" cap="flat" cmpd="sng" algn="ctr">
-                      <a:solidFill>
-                        <a:srgbClr val="FFFFFF"/>
-                      </a:solidFill>
-                      <a:prstDash val="solid"/>
-                      <a:round/>
-                      <a:headEnd type="none" w="med" len="med"/>
-                      <a:tailEnd type="none" w="med" len="med"/>
-                    </a:lnB>
-                    <a:solidFill>
-                      <a:srgbClr val="BDD7EE"/>
-                    </a:solidFill>
-                  </a:tcPr>
-                </a:tc>
-                <a:tc>
-                  <a:txBody>
-                    <a:bodyPr/>
-                    <a:lstStyle/>
-                    <a:p>
-                      <a:pPr algn="r" rtl="0" fontAlgn="b"/>
-                      <a:r>
-                        <a:rPr lang="en-US" sz="1400" b="1" i="0" u="none" strike="noStrike">
-                          <a:solidFill>
-                            <a:srgbClr val="000000"/>
-                          </a:solidFill>
-                          <a:effectLst/>
-                          <a:latin typeface="Calibri" panose="020F0502020204030204" pitchFamily="34" charset="0"/>
-                        </a:rPr>
-                        <a:t>2.6%</a:t>
-                      </a:r>
-                    </a:p>
-                  </a:txBody>
-                  <a:tcPr marL="9525" marR="9525" marT="9525" marB="0" anchor="b">
-                    <a:lnL w="6350" cap="flat" cmpd="sng" algn="ctr">
-                      <a:solidFill>
-                        <a:srgbClr val="FFFFFF"/>
-                      </a:solidFill>
-                      <a:prstDash val="solid"/>
-                      <a:round/>
-                      <a:headEnd type="none" w="med" len="med"/>
-                      <a:tailEnd type="none" w="med" len="med"/>
-                    </a:lnL>
-                    <a:lnR w="6350" cap="flat" cmpd="sng" algn="ctr">
-                      <a:solidFill>
-                        <a:srgbClr val="FFFFFF"/>
-                      </a:solidFill>
-                      <a:prstDash val="solid"/>
-                      <a:round/>
-                      <a:headEnd type="none" w="med" len="med"/>
-                      <a:tailEnd type="none" w="med" len="med"/>
-                    </a:lnR>
-                    <a:lnT w="6350" cap="flat" cmpd="sng" algn="ctr">
-                      <a:solidFill>
-                        <a:srgbClr val="FFFFFF"/>
-                      </a:solidFill>
-                      <a:prstDash val="solid"/>
-                      <a:round/>
-                      <a:headEnd type="none" w="med" len="med"/>
-                      <a:tailEnd type="none" w="med" len="med"/>
-                    </a:lnT>
-                    <a:lnB w="6350" cap="flat" cmpd="sng" algn="ctr">
-                      <a:solidFill>
-                        <a:srgbClr val="FFFFFF"/>
-                      </a:solidFill>
-                      <a:prstDash val="solid"/>
-                      <a:round/>
-                      <a:headEnd type="none" w="med" len="med"/>
-                      <a:tailEnd type="none" w="med" len="med"/>
-                    </a:lnB>
-                    <a:solidFill>
-                      <a:srgbClr val="BDD7EE"/>
-                    </a:solidFill>
-                  </a:tcPr>
-                </a:tc>
-                <a:tc>
-                  <a:txBody>
-                    <a:bodyPr/>
-                    <a:lstStyle/>
-                    <a:p>
-                      <a:pPr algn="r" rtl="0" fontAlgn="b"/>
-                      <a:r>
-                        <a:rPr lang="en-US" sz="1400" b="1" i="0" u="none" strike="noStrike">
-                          <a:solidFill>
-                            <a:srgbClr val="000000"/>
-                          </a:solidFill>
-                          <a:effectLst/>
-                          <a:latin typeface="Calibri" panose="020F0502020204030204" pitchFamily="34" charset="0"/>
-                        </a:rPr>
-                        <a:t>18.3%</a:t>
-                      </a:r>
-                    </a:p>
-                  </a:txBody>
-                  <a:tcPr marL="9525" marR="9525" marT="9525" marB="0" anchor="b">
-                    <a:lnL w="6350" cap="flat" cmpd="sng" algn="ctr">
-                      <a:solidFill>
-                        <a:srgbClr val="FFFFFF"/>
-                      </a:solidFill>
-                      <a:prstDash val="solid"/>
-                      <a:round/>
-                      <a:headEnd type="none" w="med" len="med"/>
-                      <a:tailEnd type="none" w="med" len="med"/>
-                    </a:lnL>
-                    <a:lnR w="6350" cap="flat" cmpd="sng" algn="ctr">
-                      <a:solidFill>
-                        <a:srgbClr val="FFFFFF"/>
-                      </a:solidFill>
-                      <a:prstDash val="solid"/>
-                      <a:round/>
-                      <a:headEnd type="none" w="med" len="med"/>
-                      <a:tailEnd type="none" w="med" len="med"/>
-                    </a:lnR>
-                    <a:lnT w="6350" cap="flat" cmpd="sng" algn="ctr">
-                      <a:solidFill>
-                        <a:srgbClr val="FFFFFF"/>
-                      </a:solidFill>
-                      <a:prstDash val="solid"/>
-                      <a:round/>
-                      <a:headEnd type="none" w="med" len="med"/>
-                      <a:tailEnd type="none" w="med" len="med"/>
-                    </a:lnT>
-                    <a:lnB w="6350" cap="flat" cmpd="sng" algn="ctr">
-                      <a:solidFill>
-                        <a:srgbClr val="FFFFFF"/>
-                      </a:solidFill>
-                      <a:prstDash val="solid"/>
-                      <a:round/>
-                      <a:headEnd type="none" w="med" len="med"/>
-                      <a:tailEnd type="none" w="med" len="med"/>
-                    </a:lnB>
-                    <a:solidFill>
-                      <a:srgbClr val="BDD7EE"/>
-                    </a:solidFill>
-                  </a:tcPr>
-                </a:tc>
-                <a:tc>
-                  <a:txBody>
-                    <a:bodyPr/>
-                    <a:lstStyle/>
-                    <a:p>
-                      <a:pPr algn="r" rtl="0" fontAlgn="b"/>
-                      <a:r>
-                        <a:rPr lang="en-US" sz="1400" b="1" i="0" u="none" strike="noStrike">
-                          <a:solidFill>
-                            <a:srgbClr val="000000"/>
-                          </a:solidFill>
-                          <a:effectLst/>
-                          <a:latin typeface="Calibri" panose="020F0502020204030204" pitchFamily="34" charset="0"/>
-                        </a:rPr>
-                        <a:t>37.2%</a:t>
-                      </a:r>
-                    </a:p>
-                  </a:txBody>
-                  <a:tcPr marL="9525" marR="9525" marT="9525" marB="0" anchor="b">
-                    <a:lnL w="6350" cap="flat" cmpd="sng" algn="ctr">
-                      <a:solidFill>
-                        <a:srgbClr val="FFFFFF"/>
-                      </a:solidFill>
-                      <a:prstDash val="solid"/>
-                      <a:round/>
-                      <a:headEnd type="none" w="med" len="med"/>
-                      <a:tailEnd type="none" w="med" len="med"/>
-                    </a:lnL>
-                    <a:lnR w="6350" cap="flat" cmpd="sng" algn="ctr">
-                      <a:solidFill>
-                        <a:srgbClr val="FFFFFF"/>
-                      </a:solidFill>
-                      <a:prstDash val="solid"/>
-                      <a:round/>
-                      <a:headEnd type="none" w="med" len="med"/>
-                      <a:tailEnd type="none" w="med" len="med"/>
-                    </a:lnR>
-                    <a:lnT w="6350" cap="flat" cmpd="sng" algn="ctr">
-                      <a:solidFill>
-                        <a:srgbClr val="FFFFFF"/>
-                      </a:solidFill>
-                      <a:prstDash val="solid"/>
-                      <a:round/>
-                      <a:headEnd type="none" w="med" len="med"/>
-                      <a:tailEnd type="none" w="med" len="med"/>
-                    </a:lnT>
-                    <a:lnB w="6350" cap="flat" cmpd="sng" algn="ctr">
-                      <a:solidFill>
-                        <a:srgbClr val="FFFFFF"/>
-                      </a:solidFill>
-                      <a:prstDash val="solid"/>
-                      <a:round/>
-                      <a:headEnd type="none" w="med" len="med"/>
-                      <a:tailEnd type="none" w="med" len="med"/>
-                    </a:lnB>
-                    <a:solidFill>
-                      <a:srgbClr val="BDD7EE"/>
-                    </a:solidFill>
-                  </a:tcPr>
-                </a:tc>
-                <a:tc>
-                  <a:txBody>
-                    <a:bodyPr/>
-                    <a:lstStyle/>
-                    <a:p>
-                      <a:pPr algn="r" rtl="0" fontAlgn="b"/>
-                      <a:r>
-                        <a:rPr lang="en-US" sz="1400" b="1" i="0" u="none" strike="noStrike">
-                          <a:solidFill>
-                            <a:srgbClr val="000000"/>
-                          </a:solidFill>
-                          <a:effectLst/>
-                          <a:latin typeface="Calibri" panose="020F0502020204030204" pitchFamily="34" charset="0"/>
-                        </a:rPr>
-                        <a:t>73.2%</a:t>
-                      </a:r>
-                    </a:p>
-                  </a:txBody>
-                  <a:tcPr marL="9525" marR="9525" marT="9525" marB="0" anchor="b">
-                    <a:lnL w="6350" cap="flat" cmpd="sng" algn="ctr">
-                      <a:solidFill>
-                        <a:srgbClr val="FFFFFF"/>
-                      </a:solidFill>
-                      <a:prstDash val="solid"/>
-                      <a:round/>
-                      <a:headEnd type="none" w="med" len="med"/>
-                      <a:tailEnd type="none" w="med" len="med"/>
-                    </a:lnL>
-                    <a:lnR w="6350" cap="flat" cmpd="sng" algn="ctr">
-                      <a:solidFill>
-                        <a:srgbClr val="FFFFFF"/>
-                      </a:solidFill>
-                      <a:prstDash val="solid"/>
-                      <a:round/>
-                      <a:headEnd type="none" w="med" len="med"/>
-                      <a:tailEnd type="none" w="med" len="med"/>
-                    </a:lnR>
-                    <a:lnT w="6350" cap="flat" cmpd="sng" algn="ctr">
-                      <a:solidFill>
-                        <a:srgbClr val="FFFFFF"/>
-                      </a:solidFill>
-                      <a:prstDash val="solid"/>
-                      <a:round/>
-                      <a:headEnd type="none" w="med" len="med"/>
-                      <a:tailEnd type="none" w="med" len="med"/>
-                    </a:lnT>
-                    <a:lnB w="6350" cap="flat" cmpd="sng" algn="ctr">
-                      <a:solidFill>
-                        <a:srgbClr val="FFFFFF"/>
-                      </a:solidFill>
-                      <a:prstDash val="solid"/>
-                      <a:round/>
-                      <a:headEnd type="none" w="med" len="med"/>
-                      <a:tailEnd type="none" w="med" len="med"/>
-                    </a:lnB>
-                    <a:solidFill>
-                      <a:srgbClr val="BDD7EE"/>
-                    </a:solidFill>
-                  </a:tcPr>
-                </a:tc>
-                <a:extLst>
-                  <a:ext uri="{0D108BD9-81ED-4DB2-BD59-A6C34878D82A}">
-                    <a16:rowId xmlns:a16="http://schemas.microsoft.com/office/drawing/2014/main" val="3416174512"/>
-                  </a:ext>
-                </a:extLst>
-              </a:tr>
-              <a:tr h="148724">
-                <a:tc>
-                  <a:txBody>
-                    <a:bodyPr/>
-                    <a:lstStyle/>
-                    <a:p>
-                      <a:pPr algn="l" rtl="0" fontAlgn="b"/>
-                      <a:r>
-                        <a:rPr lang="en-US" sz="1400" b="1" i="0" u="none" strike="noStrike">
-                          <a:solidFill>
-                            <a:srgbClr val="000000"/>
-                          </a:solidFill>
-                          <a:effectLst/>
-                          <a:latin typeface="Calibri" panose="020F0502020204030204" pitchFamily="34" charset="0"/>
-                        </a:rPr>
-                        <a:t>PFE</a:t>
-                      </a:r>
-                    </a:p>
-                  </a:txBody>
-                  <a:tcPr marL="9525" marR="9525" marT="9525" marB="0" anchor="b">
-                    <a:lnL>
-                      <a:noFill/>
-                    </a:lnL>
-                    <a:lnR w="6350" cap="flat" cmpd="sng" algn="ctr">
-                      <a:solidFill>
-                        <a:srgbClr val="FFFFFF"/>
-                      </a:solidFill>
-                      <a:prstDash val="solid"/>
-                      <a:round/>
-                      <a:headEnd type="none" w="med" len="med"/>
-                      <a:tailEnd type="none" w="med" len="med"/>
-                    </a:lnR>
-                    <a:lnT w="6350" cap="flat" cmpd="sng" algn="ctr">
-                      <a:solidFill>
-                        <a:srgbClr val="FFFFFF"/>
-                      </a:solidFill>
-                      <a:prstDash val="solid"/>
-                      <a:round/>
-                      <a:headEnd type="none" w="med" len="med"/>
-                      <a:tailEnd type="none" w="med" len="med"/>
-                    </a:lnT>
-                    <a:lnB w="6350" cap="flat" cmpd="sng" algn="ctr">
-                      <a:solidFill>
-                        <a:srgbClr val="FFFFFF"/>
-                      </a:solidFill>
-                      <a:prstDash val="solid"/>
-                      <a:round/>
-                      <a:headEnd type="none" w="med" len="med"/>
-                      <a:tailEnd type="none" w="med" len="med"/>
-                    </a:lnB>
-                    <a:solidFill>
-                      <a:srgbClr val="DDEBF7"/>
-                    </a:solidFill>
-                  </a:tcPr>
-                </a:tc>
-                <a:tc>
-                  <a:txBody>
-                    <a:bodyPr/>
-                    <a:lstStyle/>
-                    <a:p>
-                      <a:pPr algn="l" rtl="0" fontAlgn="b"/>
-                      <a:r>
-                        <a:rPr lang="en-US" sz="1400" b="1" i="0" u="none" strike="noStrike" dirty="0">
-                          <a:solidFill>
-                            <a:srgbClr val="000000"/>
-                          </a:solidFill>
-                          <a:effectLst/>
-                          <a:latin typeface="Calibri" panose="020F0502020204030204" pitchFamily="34" charset="0"/>
-                        </a:rPr>
-                        <a:t>Pfizer Inc.</a:t>
-                      </a:r>
-                    </a:p>
-                  </a:txBody>
-                  <a:tcPr marL="9525" marR="9525" marT="9525" marB="0" anchor="b">
-                    <a:lnL w="6350" cap="flat" cmpd="sng" algn="ctr">
-                      <a:solidFill>
-                        <a:srgbClr val="FFFFFF"/>
-                      </a:solidFill>
-                      <a:prstDash val="solid"/>
-                      <a:round/>
-                      <a:headEnd type="none" w="med" len="med"/>
-                      <a:tailEnd type="none" w="med" len="med"/>
-                    </a:lnL>
-                    <a:lnR w="6350" cap="flat" cmpd="sng" algn="ctr">
-                      <a:solidFill>
-                        <a:srgbClr val="FFFFFF"/>
-                      </a:solidFill>
-                      <a:prstDash val="solid"/>
-                      <a:round/>
-                      <a:headEnd type="none" w="med" len="med"/>
-                      <a:tailEnd type="none" w="med" len="med"/>
-                    </a:lnR>
-                    <a:lnT w="6350" cap="flat" cmpd="sng" algn="ctr">
-                      <a:solidFill>
-                        <a:srgbClr val="FFFFFF"/>
-                      </a:solidFill>
-                      <a:prstDash val="solid"/>
-                      <a:round/>
-                      <a:headEnd type="none" w="med" len="med"/>
-                      <a:tailEnd type="none" w="med" len="med"/>
-                    </a:lnT>
-                    <a:lnB w="6350" cap="flat" cmpd="sng" algn="ctr">
-                      <a:solidFill>
-                        <a:srgbClr val="FFFFFF"/>
-                      </a:solidFill>
-                      <a:prstDash val="solid"/>
-                      <a:round/>
-                      <a:headEnd type="none" w="med" len="med"/>
-                      <a:tailEnd type="none" w="med" len="med"/>
-                    </a:lnB>
-                    <a:solidFill>
-                      <a:srgbClr val="DDEBF7"/>
-                    </a:solidFill>
-                  </a:tcPr>
-                </a:tc>
-                <a:tc>
-                  <a:txBody>
-                    <a:bodyPr/>
-                    <a:lstStyle/>
-                    <a:p>
-                      <a:pPr algn="r" rtl="0" fontAlgn="b"/>
-                      <a:r>
-                        <a:rPr lang="en-US" sz="1400" b="1" i="0" u="none" strike="noStrike" dirty="0">
-                          <a:solidFill>
-                            <a:srgbClr val="000000"/>
-                          </a:solidFill>
-                          <a:effectLst/>
-                          <a:latin typeface="Calibri" panose="020F0502020204030204" pitchFamily="34" charset="0"/>
-                        </a:rPr>
-                        <a:t>                         30.31 </a:t>
-                      </a:r>
-                    </a:p>
-                  </a:txBody>
-                  <a:tcPr marL="9525" marR="9525" marT="9525" marB="0" anchor="b">
-                    <a:lnL w="6350" cap="flat" cmpd="sng" algn="ctr">
-                      <a:solidFill>
-                        <a:srgbClr val="FFFFFF"/>
-                      </a:solidFill>
-                      <a:prstDash val="solid"/>
-                      <a:round/>
-                      <a:headEnd type="none" w="med" len="med"/>
-                      <a:tailEnd type="none" w="med" len="med"/>
-                    </a:lnL>
-                    <a:lnR w="6350" cap="flat" cmpd="sng" algn="ctr">
-                      <a:solidFill>
-                        <a:srgbClr val="FFFFFF"/>
-                      </a:solidFill>
-                      <a:prstDash val="solid"/>
-                      <a:round/>
-                      <a:headEnd type="none" w="med" len="med"/>
-                      <a:tailEnd type="none" w="med" len="med"/>
-                    </a:lnR>
-                    <a:lnT w="6350" cap="flat" cmpd="sng" algn="ctr">
-                      <a:solidFill>
-                        <a:srgbClr val="FFFFFF"/>
-                      </a:solidFill>
-                      <a:prstDash val="solid"/>
-                      <a:round/>
-                      <a:headEnd type="none" w="med" len="med"/>
-                      <a:tailEnd type="none" w="med" len="med"/>
-                    </a:lnT>
-                    <a:lnB w="6350" cap="flat" cmpd="sng" algn="ctr">
-                      <a:solidFill>
-                        <a:srgbClr val="FFFFFF"/>
-                      </a:solidFill>
-                      <a:prstDash val="solid"/>
-                      <a:round/>
-                      <a:headEnd type="none" w="med" len="med"/>
-                      <a:tailEnd type="none" w="med" len="med"/>
-                    </a:lnB>
-                    <a:solidFill>
-                      <a:srgbClr val="DDEBF7"/>
-                    </a:solidFill>
-                  </a:tcPr>
-                </a:tc>
-                <a:tc>
-                  <a:txBody>
-                    <a:bodyPr/>
-                    <a:lstStyle/>
-                    <a:p>
-                      <a:pPr algn="r" rtl="0" fontAlgn="b"/>
-                      <a:r>
-                        <a:rPr lang="en-US" sz="1400" b="1" i="0" u="none" strike="noStrike" dirty="0">
-                          <a:solidFill>
-                            <a:srgbClr val="000000"/>
-                          </a:solidFill>
-                          <a:effectLst/>
-                          <a:latin typeface="Calibri" panose="020F0502020204030204" pitchFamily="34" charset="0"/>
-                        </a:rPr>
-                        <a:t>                              36.74 </a:t>
-                      </a:r>
-                    </a:p>
-                  </a:txBody>
-                  <a:tcPr marL="9525" marR="9525" marT="9525" marB="0" anchor="b">
-                    <a:lnL w="6350" cap="flat" cmpd="sng" algn="ctr">
-                      <a:solidFill>
-                        <a:srgbClr val="FFFFFF"/>
-                      </a:solidFill>
-                      <a:prstDash val="solid"/>
-                      <a:round/>
-                      <a:headEnd type="none" w="med" len="med"/>
-                      <a:tailEnd type="none" w="med" len="med"/>
-                    </a:lnL>
-                    <a:lnR w="6350" cap="flat" cmpd="sng" algn="ctr">
-                      <a:solidFill>
-                        <a:srgbClr val="FFFFFF"/>
-                      </a:solidFill>
-                      <a:prstDash val="solid"/>
-                      <a:round/>
-                      <a:headEnd type="none" w="med" len="med"/>
-                      <a:tailEnd type="none" w="med" len="med"/>
-                    </a:lnR>
-                    <a:lnT w="6350" cap="flat" cmpd="sng" algn="ctr">
-                      <a:solidFill>
-                        <a:srgbClr val="FFFFFF"/>
-                      </a:solidFill>
-                      <a:prstDash val="solid"/>
-                      <a:round/>
-                      <a:headEnd type="none" w="med" len="med"/>
-                      <a:tailEnd type="none" w="med" len="med"/>
-                    </a:lnT>
-                    <a:lnB w="6350" cap="flat" cmpd="sng" algn="ctr">
-                      <a:solidFill>
-                        <a:srgbClr val="FFFFFF"/>
-                      </a:solidFill>
-                      <a:prstDash val="solid"/>
-                      <a:round/>
-                      <a:headEnd type="none" w="med" len="med"/>
-                      <a:tailEnd type="none" w="med" len="med"/>
-                    </a:lnB>
-                    <a:solidFill>
-                      <a:srgbClr val="DDEBF7"/>
-                    </a:solidFill>
-                  </a:tcPr>
-                </a:tc>
-                <a:tc>
-                  <a:txBody>
-                    <a:bodyPr/>
-                    <a:lstStyle/>
-                    <a:p>
-                      <a:pPr algn="r" rtl="0" fontAlgn="b"/>
-                      <a:r>
-                        <a:rPr lang="en-US" sz="1400" b="1" i="0" u="none" strike="noStrike" dirty="0">
-                          <a:solidFill>
-                            <a:srgbClr val="000000"/>
-                          </a:solidFill>
-                          <a:effectLst/>
-                          <a:latin typeface="Calibri" panose="020F0502020204030204" pitchFamily="34" charset="0"/>
-                        </a:rPr>
-                        <a:t>3.7%</a:t>
-                      </a:r>
-                    </a:p>
-                  </a:txBody>
-                  <a:tcPr marL="9525" marR="9525" marT="9525" marB="0" anchor="b">
-                    <a:lnL w="6350" cap="flat" cmpd="sng" algn="ctr">
-                      <a:solidFill>
-                        <a:srgbClr val="FFFFFF"/>
-                      </a:solidFill>
-                      <a:prstDash val="solid"/>
-                      <a:round/>
-                      <a:headEnd type="none" w="med" len="med"/>
-                      <a:tailEnd type="none" w="med" len="med"/>
-                    </a:lnL>
-                    <a:lnR w="6350" cap="flat" cmpd="sng" algn="ctr">
-                      <a:solidFill>
-                        <a:srgbClr val="FFFFFF"/>
-                      </a:solidFill>
-                      <a:prstDash val="solid"/>
-                      <a:round/>
-                      <a:headEnd type="none" w="med" len="med"/>
-                      <a:tailEnd type="none" w="med" len="med"/>
-                    </a:lnR>
-                    <a:lnT w="6350" cap="flat" cmpd="sng" algn="ctr">
-                      <a:solidFill>
-                        <a:srgbClr val="FFFFFF"/>
-                      </a:solidFill>
-                      <a:prstDash val="solid"/>
-                      <a:round/>
-                      <a:headEnd type="none" w="med" len="med"/>
-                      <a:tailEnd type="none" w="med" len="med"/>
-                    </a:lnT>
-                    <a:lnB w="6350" cap="flat" cmpd="sng" algn="ctr">
-                      <a:solidFill>
-                        <a:srgbClr val="FFFFFF"/>
-                      </a:solidFill>
-                      <a:prstDash val="solid"/>
-                      <a:round/>
-                      <a:headEnd type="none" w="med" len="med"/>
-                      <a:tailEnd type="none" w="med" len="med"/>
-                    </a:lnB>
-                    <a:solidFill>
-                      <a:srgbClr val="DDEBF7"/>
-                    </a:solidFill>
-                  </a:tcPr>
-                </a:tc>
-                <a:tc>
-                  <a:txBody>
-                    <a:bodyPr/>
-                    <a:lstStyle/>
-                    <a:p>
-                      <a:pPr algn="r" rtl="0" fontAlgn="b"/>
-                      <a:r>
-                        <a:rPr lang="en-US" sz="1400" b="1" i="0" u="none" strike="noStrike" dirty="0">
-                          <a:solidFill>
-                            <a:srgbClr val="000000"/>
-                          </a:solidFill>
-                          <a:effectLst/>
-                          <a:latin typeface="Calibri" panose="020F0502020204030204" pitchFamily="34" charset="0"/>
-                        </a:rPr>
-                        <a:t>7.1%</a:t>
-                      </a:r>
-                    </a:p>
-                  </a:txBody>
-                  <a:tcPr marL="9525" marR="9525" marT="9525" marB="0" anchor="b">
-                    <a:lnL w="6350" cap="flat" cmpd="sng" algn="ctr">
-                      <a:solidFill>
-                        <a:srgbClr val="FFFFFF"/>
-                      </a:solidFill>
-                      <a:prstDash val="solid"/>
-                      <a:round/>
-                      <a:headEnd type="none" w="med" len="med"/>
-                      <a:tailEnd type="none" w="med" len="med"/>
-                    </a:lnL>
-                    <a:lnR w="6350" cap="flat" cmpd="sng" algn="ctr">
-                      <a:solidFill>
-                        <a:srgbClr val="FFFFFF"/>
-                      </a:solidFill>
-                      <a:prstDash val="solid"/>
-                      <a:round/>
-                      <a:headEnd type="none" w="med" len="med"/>
-                      <a:tailEnd type="none" w="med" len="med"/>
-                    </a:lnR>
-                    <a:lnT w="6350" cap="flat" cmpd="sng" algn="ctr">
-                      <a:solidFill>
-                        <a:srgbClr val="FFFFFF"/>
-                      </a:solidFill>
-                      <a:prstDash val="solid"/>
-                      <a:round/>
-                      <a:headEnd type="none" w="med" len="med"/>
-                      <a:tailEnd type="none" w="med" len="med"/>
-                    </a:lnT>
-                    <a:lnB w="6350" cap="flat" cmpd="sng" algn="ctr">
-                      <a:solidFill>
-                        <a:srgbClr val="FFFFFF"/>
-                      </a:solidFill>
-                      <a:prstDash val="solid"/>
-                      <a:round/>
-                      <a:headEnd type="none" w="med" len="med"/>
-                      <a:tailEnd type="none" w="med" len="med"/>
-                    </a:lnB>
-                    <a:solidFill>
-                      <a:srgbClr val="DDEBF7"/>
-                    </a:solidFill>
-                  </a:tcPr>
-                </a:tc>
-                <a:tc>
-                  <a:txBody>
-                    <a:bodyPr/>
-                    <a:lstStyle/>
-                    <a:p>
-                      <a:pPr algn="r" rtl="0" fontAlgn="b"/>
-                      <a:r>
-                        <a:rPr lang="en-US" sz="1400" b="1" i="0" u="none" strike="noStrike" dirty="0">
-                          <a:solidFill>
-                            <a:srgbClr val="000000"/>
-                          </a:solidFill>
-                          <a:effectLst/>
-                          <a:latin typeface="Calibri" panose="020F0502020204030204" pitchFamily="34" charset="0"/>
-                        </a:rPr>
-                        <a:t>48.2%</a:t>
-                      </a:r>
-                    </a:p>
-                  </a:txBody>
-                  <a:tcPr marL="9525" marR="9525" marT="9525" marB="0" anchor="b">
-                    <a:lnL w="6350" cap="flat" cmpd="sng" algn="ctr">
-                      <a:solidFill>
-                        <a:srgbClr val="FFFFFF"/>
-                      </a:solidFill>
-                      <a:prstDash val="solid"/>
-                      <a:round/>
-                      <a:headEnd type="none" w="med" len="med"/>
-                      <a:tailEnd type="none" w="med" len="med"/>
-                    </a:lnL>
-                    <a:lnR w="6350" cap="flat" cmpd="sng" algn="ctr">
-                      <a:solidFill>
-                        <a:srgbClr val="FFFFFF"/>
-                      </a:solidFill>
-                      <a:prstDash val="solid"/>
-                      <a:round/>
-                      <a:headEnd type="none" w="med" len="med"/>
-                      <a:tailEnd type="none" w="med" len="med"/>
-                    </a:lnR>
-                    <a:lnT w="6350" cap="flat" cmpd="sng" algn="ctr">
-                      <a:solidFill>
-                        <a:srgbClr val="FFFFFF"/>
-                      </a:solidFill>
-                      <a:prstDash val="solid"/>
-                      <a:round/>
-                      <a:headEnd type="none" w="med" len="med"/>
-                      <a:tailEnd type="none" w="med" len="med"/>
-                    </a:lnT>
-                    <a:lnB w="6350" cap="flat" cmpd="sng" algn="ctr">
-                      <a:solidFill>
-                        <a:srgbClr val="FFFFFF"/>
-                      </a:solidFill>
-                      <a:prstDash val="solid"/>
-                      <a:round/>
-                      <a:headEnd type="none" w="med" len="med"/>
-                      <a:tailEnd type="none" w="med" len="med"/>
-                    </a:lnB>
-                    <a:solidFill>
-                      <a:srgbClr val="DDEBF7"/>
-                    </a:solidFill>
-                  </a:tcPr>
-                </a:tc>
-                <a:tc>
-                  <a:txBody>
-                    <a:bodyPr/>
-                    <a:lstStyle/>
-                    <a:p>
-                      <a:pPr algn="r" rtl="0" fontAlgn="b"/>
-                      <a:r>
-                        <a:rPr lang="en-US" sz="1400" b="1" i="0" u="none" strike="noStrike" dirty="0">
-                          <a:solidFill>
-                            <a:srgbClr val="000000"/>
-                          </a:solidFill>
-                          <a:effectLst/>
-                          <a:latin typeface="Calibri" panose="020F0502020204030204" pitchFamily="34" charset="0"/>
-                        </a:rPr>
-                        <a:t>43.0%</a:t>
-                      </a:r>
-                    </a:p>
-                  </a:txBody>
-                  <a:tcPr marL="9525" marR="9525" marT="9525" marB="0" anchor="b">
-                    <a:lnL w="6350" cap="flat" cmpd="sng" algn="ctr">
-                      <a:solidFill>
-                        <a:srgbClr val="FFFFFF"/>
-                      </a:solidFill>
-                      <a:prstDash val="solid"/>
-                      <a:round/>
-                      <a:headEnd type="none" w="med" len="med"/>
-                      <a:tailEnd type="none" w="med" len="med"/>
-                    </a:lnL>
-                    <a:lnR w="6350" cap="flat" cmpd="sng" algn="ctr">
-                      <a:solidFill>
-                        <a:srgbClr val="FFFFFF"/>
-                      </a:solidFill>
-                      <a:prstDash val="solid"/>
-                      <a:round/>
-                      <a:headEnd type="none" w="med" len="med"/>
-                      <a:tailEnd type="none" w="med" len="med"/>
-                    </a:lnR>
-                    <a:lnT w="6350" cap="flat" cmpd="sng" algn="ctr">
-                      <a:solidFill>
-                        <a:srgbClr val="FFFFFF"/>
-                      </a:solidFill>
-                      <a:prstDash val="solid"/>
-                      <a:round/>
-                      <a:headEnd type="none" w="med" len="med"/>
-                      <a:tailEnd type="none" w="med" len="med"/>
-                    </a:lnT>
-                    <a:lnB w="6350" cap="flat" cmpd="sng" algn="ctr">
-                      <a:solidFill>
-                        <a:srgbClr val="FFFFFF"/>
-                      </a:solidFill>
-                      <a:prstDash val="solid"/>
-                      <a:round/>
-                      <a:headEnd type="none" w="med" len="med"/>
-                      <a:tailEnd type="none" w="med" len="med"/>
-                    </a:lnB>
-                    <a:solidFill>
-                      <a:srgbClr val="DDEBF7"/>
-                    </a:solidFill>
-                  </a:tcPr>
-                </a:tc>
-                <a:extLst>
-                  <a:ext uri="{0D108BD9-81ED-4DB2-BD59-A6C34878D82A}">
-                    <a16:rowId xmlns:a16="http://schemas.microsoft.com/office/drawing/2014/main" val="1757661006"/>
-                  </a:ext>
-                </a:extLst>
-              </a:tr>
-              <a:tr h="266612">
-                <a:tc>
-                  <a:txBody>
-                    <a:bodyPr/>
-                    <a:lstStyle/>
-                    <a:p>
-                      <a:pPr algn="l" rtl="0" fontAlgn="b"/>
-                      <a:r>
-                        <a:rPr lang="en-US" sz="1400" b="1" i="0" u="none" strike="noStrike">
-                          <a:solidFill>
-                            <a:srgbClr val="000000"/>
-                          </a:solidFill>
-                          <a:effectLst/>
-                          <a:latin typeface="Calibri" panose="020F0502020204030204" pitchFamily="34" charset="0"/>
-                        </a:rPr>
-                        <a:t>LLY</a:t>
-                      </a:r>
-                    </a:p>
-                  </a:txBody>
-                  <a:tcPr marL="9525" marR="9525" marT="9525" marB="0" anchor="b">
-                    <a:lnL>
-                      <a:noFill/>
-                    </a:lnL>
-                    <a:lnR w="6350" cap="flat" cmpd="sng" algn="ctr">
-                      <a:solidFill>
-                        <a:srgbClr val="FFFFFF"/>
-                      </a:solidFill>
-                      <a:prstDash val="solid"/>
-                      <a:round/>
-                      <a:headEnd type="none" w="med" len="med"/>
-                      <a:tailEnd type="none" w="med" len="med"/>
-                    </a:lnR>
-                    <a:lnT w="6350" cap="flat" cmpd="sng" algn="ctr">
-                      <a:solidFill>
-                        <a:srgbClr val="FFFFFF"/>
-                      </a:solidFill>
-                      <a:prstDash val="solid"/>
-                      <a:round/>
-                      <a:headEnd type="none" w="med" len="med"/>
-                      <a:tailEnd type="none" w="med" len="med"/>
-                    </a:lnT>
-                    <a:lnB w="6350" cap="flat" cmpd="sng" algn="ctr">
-                      <a:solidFill>
-                        <a:srgbClr val="FFFFFF"/>
-                      </a:solidFill>
-                      <a:prstDash val="solid"/>
-                      <a:round/>
-                      <a:headEnd type="none" w="med" len="med"/>
-                      <a:tailEnd type="none" w="med" len="med"/>
-                    </a:lnB>
-                    <a:solidFill>
-                      <a:srgbClr val="BDD7EE"/>
-                    </a:solidFill>
-                  </a:tcPr>
-                </a:tc>
-                <a:tc>
-                  <a:txBody>
-                    <a:bodyPr/>
-                    <a:lstStyle/>
-                    <a:p>
-                      <a:pPr algn="l" rtl="0" fontAlgn="b"/>
-                      <a:r>
-                        <a:rPr lang="en-US" sz="1400" b="1" i="0" u="none" strike="noStrike">
-                          <a:solidFill>
-                            <a:srgbClr val="000000"/>
-                          </a:solidFill>
-                          <a:effectLst/>
-                          <a:latin typeface="Calibri" panose="020F0502020204030204" pitchFamily="34" charset="0"/>
-                        </a:rPr>
-                        <a:t>Lilly (Eli) &amp; Co.</a:t>
-                      </a:r>
-                    </a:p>
-                  </a:txBody>
-                  <a:tcPr marL="9525" marR="9525" marT="9525" marB="0" anchor="b">
-                    <a:lnL w="6350" cap="flat" cmpd="sng" algn="ctr">
-                      <a:solidFill>
-                        <a:srgbClr val="FFFFFF"/>
-                      </a:solidFill>
-                      <a:prstDash val="solid"/>
-                      <a:round/>
-                      <a:headEnd type="none" w="med" len="med"/>
-                      <a:tailEnd type="none" w="med" len="med"/>
-                    </a:lnL>
-                    <a:lnR w="6350" cap="flat" cmpd="sng" algn="ctr">
-                      <a:solidFill>
-                        <a:srgbClr val="FFFFFF"/>
-                      </a:solidFill>
-                      <a:prstDash val="solid"/>
-                      <a:round/>
-                      <a:headEnd type="none" w="med" len="med"/>
-                      <a:tailEnd type="none" w="med" len="med"/>
-                    </a:lnR>
-                    <a:lnT w="6350" cap="flat" cmpd="sng" algn="ctr">
-                      <a:solidFill>
-                        <a:srgbClr val="FFFFFF"/>
-                      </a:solidFill>
-                      <a:prstDash val="solid"/>
-                      <a:round/>
-                      <a:headEnd type="none" w="med" len="med"/>
-                      <a:tailEnd type="none" w="med" len="med"/>
-                    </a:lnT>
-                    <a:lnB w="6350" cap="flat" cmpd="sng" algn="ctr">
-                      <a:solidFill>
-                        <a:srgbClr val="FFFFFF"/>
-                      </a:solidFill>
-                      <a:prstDash val="solid"/>
-                      <a:round/>
-                      <a:headEnd type="none" w="med" len="med"/>
-                      <a:tailEnd type="none" w="med" len="med"/>
-                    </a:lnB>
-                    <a:solidFill>
-                      <a:srgbClr val="BDD7EE"/>
-                    </a:solidFill>
-                  </a:tcPr>
-                </a:tc>
-                <a:tc>
-                  <a:txBody>
-                    <a:bodyPr/>
-                    <a:lstStyle/>
-                    <a:p>
-                      <a:pPr algn="r" rtl="0" fontAlgn="b"/>
-                      <a:r>
-                        <a:rPr lang="en-US" sz="1400" b="1" i="0" u="none" strike="noStrike" dirty="0">
-                          <a:solidFill>
-                            <a:srgbClr val="000000"/>
-                          </a:solidFill>
-                          <a:effectLst/>
-                          <a:latin typeface="Calibri" panose="020F0502020204030204" pitchFamily="34" charset="0"/>
-                        </a:rPr>
-                        <a:t>                         82.87 </a:t>
-                      </a:r>
-                    </a:p>
-                  </a:txBody>
-                  <a:tcPr marL="9525" marR="9525" marT="9525" marB="0" anchor="b">
-                    <a:lnL w="6350" cap="flat" cmpd="sng" algn="ctr">
-                      <a:solidFill>
-                        <a:srgbClr val="FFFFFF"/>
-                      </a:solidFill>
-                      <a:prstDash val="solid"/>
-                      <a:round/>
-                      <a:headEnd type="none" w="med" len="med"/>
-                      <a:tailEnd type="none" w="med" len="med"/>
-                    </a:lnL>
-                    <a:lnR w="6350" cap="flat" cmpd="sng" algn="ctr">
-                      <a:solidFill>
-                        <a:srgbClr val="FFFFFF"/>
-                      </a:solidFill>
-                      <a:prstDash val="solid"/>
-                      <a:round/>
-                      <a:headEnd type="none" w="med" len="med"/>
-                      <a:tailEnd type="none" w="med" len="med"/>
-                    </a:lnR>
-                    <a:lnT w="6350" cap="flat" cmpd="sng" algn="ctr">
-                      <a:solidFill>
-                        <a:srgbClr val="FFFFFF"/>
-                      </a:solidFill>
-                      <a:prstDash val="solid"/>
-                      <a:round/>
-                      <a:headEnd type="none" w="med" len="med"/>
-                      <a:tailEnd type="none" w="med" len="med"/>
-                    </a:lnT>
-                    <a:lnB w="6350" cap="flat" cmpd="sng" algn="ctr">
-                      <a:solidFill>
-                        <a:srgbClr val="FFFFFF"/>
-                      </a:solidFill>
-                      <a:prstDash val="solid"/>
-                      <a:round/>
-                      <a:headEnd type="none" w="med" len="med"/>
-                      <a:tailEnd type="none" w="med" len="med"/>
-                    </a:lnB>
-                    <a:solidFill>
-                      <a:srgbClr val="BDD7EE"/>
-                    </a:solidFill>
-                  </a:tcPr>
-                </a:tc>
-                <a:tc>
-                  <a:txBody>
-                    <a:bodyPr/>
-                    <a:lstStyle/>
-                    <a:p>
-                      <a:pPr algn="r" rtl="0" fontAlgn="b"/>
-                      <a:r>
-                        <a:rPr lang="en-US" sz="1400" b="1" i="0" u="none" strike="noStrike" dirty="0">
-                          <a:solidFill>
-                            <a:srgbClr val="000000"/>
-                          </a:solidFill>
-                          <a:effectLst/>
-                          <a:latin typeface="Calibri" panose="020F0502020204030204" pitchFamily="34" charset="0"/>
-                        </a:rPr>
-                        <a:t>                            167.01 </a:t>
-                      </a:r>
-                    </a:p>
-                  </a:txBody>
-                  <a:tcPr marL="9525" marR="9525" marT="9525" marB="0" anchor="b">
-                    <a:lnL w="6350" cap="flat" cmpd="sng" algn="ctr">
-                      <a:solidFill>
-                        <a:srgbClr val="FFFFFF"/>
-                      </a:solidFill>
-                      <a:prstDash val="solid"/>
-                      <a:round/>
-                      <a:headEnd type="none" w="med" len="med"/>
-                      <a:tailEnd type="none" w="med" len="med"/>
-                    </a:lnL>
-                    <a:lnR w="6350" cap="flat" cmpd="sng" algn="ctr">
-                      <a:solidFill>
-                        <a:srgbClr val="FFFFFF"/>
-                      </a:solidFill>
-                      <a:prstDash val="solid"/>
-                      <a:round/>
-                      <a:headEnd type="none" w="med" len="med"/>
-                      <a:tailEnd type="none" w="med" len="med"/>
-                    </a:lnR>
-                    <a:lnT w="6350" cap="flat" cmpd="sng" algn="ctr">
-                      <a:solidFill>
-                        <a:srgbClr val="FFFFFF"/>
-                      </a:solidFill>
-                      <a:prstDash val="solid"/>
-                      <a:round/>
-                      <a:headEnd type="none" w="med" len="med"/>
-                      <a:tailEnd type="none" w="med" len="med"/>
-                    </a:lnT>
-                    <a:lnB w="6350" cap="flat" cmpd="sng" algn="ctr">
-                      <a:solidFill>
-                        <a:srgbClr val="FFFFFF"/>
-                      </a:solidFill>
-                      <a:prstDash val="solid"/>
-                      <a:round/>
-                      <a:headEnd type="none" w="med" len="med"/>
-                      <a:tailEnd type="none" w="med" len="med"/>
-                    </a:lnB>
-                    <a:solidFill>
-                      <a:srgbClr val="BDD7EE"/>
-                    </a:solidFill>
-                  </a:tcPr>
-                </a:tc>
-                <a:tc>
-                  <a:txBody>
-                    <a:bodyPr/>
-                    <a:lstStyle/>
-                    <a:p>
-                      <a:pPr algn="r" rtl="0" fontAlgn="b"/>
-                      <a:r>
-                        <a:rPr lang="en-US" sz="1400" b="1" i="0" u="none" strike="noStrike">
-                          <a:solidFill>
-                            <a:srgbClr val="000000"/>
-                          </a:solidFill>
-                          <a:effectLst/>
-                          <a:latin typeface="Calibri" panose="020F0502020204030204" pitchFamily="34" charset="0"/>
-                        </a:rPr>
-                        <a:t>2.3%</a:t>
-                      </a:r>
-                    </a:p>
-                  </a:txBody>
-                  <a:tcPr marL="9525" marR="9525" marT="9525" marB="0" anchor="b">
-                    <a:lnL w="6350" cap="flat" cmpd="sng" algn="ctr">
-                      <a:solidFill>
-                        <a:srgbClr val="FFFFFF"/>
-                      </a:solidFill>
-                      <a:prstDash val="solid"/>
-                      <a:round/>
-                      <a:headEnd type="none" w="med" len="med"/>
-                      <a:tailEnd type="none" w="med" len="med"/>
-                    </a:lnL>
-                    <a:lnR w="6350" cap="flat" cmpd="sng" algn="ctr">
-                      <a:solidFill>
-                        <a:srgbClr val="FFFFFF"/>
-                      </a:solidFill>
-                      <a:prstDash val="solid"/>
-                      <a:round/>
-                      <a:headEnd type="none" w="med" len="med"/>
-                      <a:tailEnd type="none" w="med" len="med"/>
-                    </a:lnR>
-                    <a:lnT w="6350" cap="flat" cmpd="sng" algn="ctr">
-                      <a:solidFill>
-                        <a:srgbClr val="FFFFFF"/>
-                      </a:solidFill>
-                      <a:prstDash val="solid"/>
-                      <a:round/>
-                      <a:headEnd type="none" w="med" len="med"/>
-                      <a:tailEnd type="none" w="med" len="med"/>
-                    </a:lnT>
-                    <a:lnB w="6350" cap="flat" cmpd="sng" algn="ctr">
-                      <a:solidFill>
-                        <a:srgbClr val="FFFFFF"/>
-                      </a:solidFill>
-                      <a:prstDash val="solid"/>
-                      <a:round/>
-                      <a:headEnd type="none" w="med" len="med"/>
-                      <a:tailEnd type="none" w="med" len="med"/>
-                    </a:lnB>
-                    <a:solidFill>
-                      <a:srgbClr val="BDD7EE"/>
-                    </a:solidFill>
-                  </a:tcPr>
-                </a:tc>
-                <a:tc>
-                  <a:txBody>
-                    <a:bodyPr/>
-                    <a:lstStyle/>
-                    <a:p>
-                      <a:pPr algn="r" rtl="0" fontAlgn="b"/>
-                      <a:r>
-                        <a:rPr lang="en-US" sz="1400" b="1" i="0" u="none" strike="noStrike">
-                          <a:solidFill>
-                            <a:srgbClr val="000000"/>
-                          </a:solidFill>
-                          <a:effectLst/>
-                          <a:latin typeface="Calibri" panose="020F0502020204030204" pitchFamily="34" charset="0"/>
-                        </a:rPr>
-                        <a:t>-7.9%</a:t>
-                      </a:r>
-                    </a:p>
-                  </a:txBody>
-                  <a:tcPr marL="9525" marR="9525" marT="9525" marB="0" anchor="b">
-                    <a:lnL w="6350" cap="flat" cmpd="sng" algn="ctr">
-                      <a:solidFill>
-                        <a:srgbClr val="FFFFFF"/>
-                      </a:solidFill>
-                      <a:prstDash val="solid"/>
-                      <a:round/>
-                      <a:headEnd type="none" w="med" len="med"/>
-                      <a:tailEnd type="none" w="med" len="med"/>
-                    </a:lnL>
-                    <a:lnR w="6350" cap="flat" cmpd="sng" algn="ctr">
-                      <a:solidFill>
-                        <a:srgbClr val="FFFFFF"/>
-                      </a:solidFill>
-                      <a:prstDash val="solid"/>
-                      <a:round/>
-                      <a:headEnd type="none" w="med" len="med"/>
-                      <a:tailEnd type="none" w="med" len="med"/>
-                    </a:lnR>
-                    <a:lnT w="6350" cap="flat" cmpd="sng" algn="ctr">
-                      <a:solidFill>
-                        <a:srgbClr val="FFFFFF"/>
-                      </a:solidFill>
-                      <a:prstDash val="solid"/>
-                      <a:round/>
-                      <a:headEnd type="none" w="med" len="med"/>
-                      <a:tailEnd type="none" w="med" len="med"/>
-                    </a:lnT>
-                    <a:lnB w="6350" cap="flat" cmpd="sng" algn="ctr">
-                      <a:solidFill>
-                        <a:srgbClr val="FFFFFF"/>
-                      </a:solidFill>
-                      <a:prstDash val="solid"/>
-                      <a:round/>
-                      <a:headEnd type="none" w="med" len="med"/>
-                      <a:tailEnd type="none" w="med" len="med"/>
-                    </a:lnB>
-                    <a:solidFill>
-                      <a:srgbClr val="BDD7EE"/>
-                    </a:solidFill>
-                  </a:tcPr>
-                </a:tc>
-                <a:tc>
-                  <a:txBody>
-                    <a:bodyPr/>
-                    <a:lstStyle/>
-                    <a:p>
-                      <a:pPr algn="r" rtl="0" fontAlgn="b"/>
-                      <a:r>
-                        <a:rPr lang="en-US" sz="1400" b="1" i="0" u="none" strike="noStrike">
-                          <a:solidFill>
-                            <a:srgbClr val="000000"/>
-                          </a:solidFill>
-                          <a:effectLst/>
-                          <a:latin typeface="Calibri" panose="020F0502020204030204" pitchFamily="34" charset="0"/>
-                        </a:rPr>
-                        <a:t>46.2%</a:t>
-                      </a:r>
-                    </a:p>
-                  </a:txBody>
-                  <a:tcPr marL="9525" marR="9525" marT="9525" marB="0" anchor="b">
-                    <a:lnL w="6350" cap="flat" cmpd="sng" algn="ctr">
-                      <a:solidFill>
-                        <a:srgbClr val="FFFFFF"/>
-                      </a:solidFill>
-                      <a:prstDash val="solid"/>
-                      <a:round/>
-                      <a:headEnd type="none" w="med" len="med"/>
-                      <a:tailEnd type="none" w="med" len="med"/>
-                    </a:lnL>
-                    <a:lnR w="6350" cap="flat" cmpd="sng" algn="ctr">
-                      <a:solidFill>
-                        <a:srgbClr val="FFFFFF"/>
-                      </a:solidFill>
-                      <a:prstDash val="solid"/>
-                      <a:round/>
-                      <a:headEnd type="none" w="med" len="med"/>
-                      <a:tailEnd type="none" w="med" len="med"/>
-                    </a:lnR>
-                    <a:lnT w="6350" cap="flat" cmpd="sng" algn="ctr">
-                      <a:solidFill>
-                        <a:srgbClr val="FFFFFF"/>
-                      </a:solidFill>
-                      <a:prstDash val="solid"/>
-                      <a:round/>
-                      <a:headEnd type="none" w="med" len="med"/>
-                      <a:tailEnd type="none" w="med" len="med"/>
-                    </a:lnT>
-                    <a:lnB w="6350" cap="flat" cmpd="sng" algn="ctr">
-                      <a:solidFill>
-                        <a:srgbClr val="FFFFFF"/>
-                      </a:solidFill>
-                      <a:prstDash val="solid"/>
-                      <a:round/>
-                      <a:headEnd type="none" w="med" len="med"/>
-                      <a:tailEnd type="none" w="med" len="med"/>
-                    </a:lnB>
-                    <a:solidFill>
-                      <a:srgbClr val="BDD7EE"/>
-                    </a:solidFill>
-                  </a:tcPr>
-                </a:tc>
-                <a:tc>
-                  <a:txBody>
-                    <a:bodyPr/>
-                    <a:lstStyle/>
-                    <a:p>
-                      <a:pPr algn="r" rtl="0" fontAlgn="b"/>
-                      <a:r>
-                        <a:rPr lang="en-US" sz="1400" b="1" i="0" u="none" strike="noStrike">
-                          <a:solidFill>
-                            <a:srgbClr val="000000"/>
-                          </a:solidFill>
-                          <a:effectLst/>
-                          <a:latin typeface="Calibri" panose="020F0502020204030204" pitchFamily="34" charset="0"/>
-                        </a:rPr>
-                        <a:t>117.3%</a:t>
-                      </a:r>
-                    </a:p>
-                  </a:txBody>
-                  <a:tcPr marL="9525" marR="9525" marT="9525" marB="0" anchor="b">
-                    <a:lnL w="6350" cap="flat" cmpd="sng" algn="ctr">
-                      <a:solidFill>
-                        <a:srgbClr val="FFFFFF"/>
-                      </a:solidFill>
-                      <a:prstDash val="solid"/>
-                      <a:round/>
-                      <a:headEnd type="none" w="med" len="med"/>
-                      <a:tailEnd type="none" w="med" len="med"/>
-                    </a:lnL>
-                    <a:lnR w="6350" cap="flat" cmpd="sng" algn="ctr">
-                      <a:solidFill>
-                        <a:srgbClr val="FFFFFF"/>
-                      </a:solidFill>
-                      <a:prstDash val="solid"/>
-                      <a:round/>
-                      <a:headEnd type="none" w="med" len="med"/>
-                      <a:tailEnd type="none" w="med" len="med"/>
-                    </a:lnR>
-                    <a:lnT w="6350" cap="flat" cmpd="sng" algn="ctr">
-                      <a:solidFill>
-                        <a:srgbClr val="FFFFFF"/>
-                      </a:solidFill>
-                      <a:prstDash val="solid"/>
-                      <a:round/>
-                      <a:headEnd type="none" w="med" len="med"/>
-                      <a:tailEnd type="none" w="med" len="med"/>
-                    </a:lnT>
-                    <a:lnB w="6350" cap="flat" cmpd="sng" algn="ctr">
-                      <a:solidFill>
-                        <a:srgbClr val="FFFFFF"/>
-                      </a:solidFill>
-                      <a:prstDash val="solid"/>
-                      <a:round/>
-                      <a:headEnd type="none" w="med" len="med"/>
-                      <a:tailEnd type="none" w="med" len="med"/>
-                    </a:lnB>
-                    <a:solidFill>
-                      <a:srgbClr val="BDD7EE"/>
-                    </a:solidFill>
-                  </a:tcPr>
-                </a:tc>
-                <a:extLst>
-                  <a:ext uri="{0D108BD9-81ED-4DB2-BD59-A6C34878D82A}">
-                    <a16:rowId xmlns:a16="http://schemas.microsoft.com/office/drawing/2014/main" val="187217038"/>
-                  </a:ext>
-                </a:extLst>
-              </a:tr>
-              <a:tr h="480127">
-                <a:tc>
-                  <a:txBody>
-                    <a:bodyPr/>
-                    <a:lstStyle/>
-                    <a:p>
-                      <a:pPr algn="l" rtl="0" fontAlgn="b"/>
-                      <a:r>
-                        <a:rPr lang="en-US" sz="1400" b="1" i="0" u="none" strike="noStrike">
-                          <a:solidFill>
-                            <a:srgbClr val="000000"/>
-                          </a:solidFill>
-                          <a:effectLst/>
-                          <a:latin typeface="Calibri" panose="020F0502020204030204" pitchFamily="34" charset="0"/>
-                        </a:rPr>
-                        <a:t>SPY</a:t>
-                      </a:r>
-                    </a:p>
-                  </a:txBody>
-                  <a:tcPr marL="9525" marR="9525" marT="9525" marB="0" anchor="b">
-                    <a:lnL>
-                      <a:noFill/>
-                    </a:lnL>
-                    <a:lnR w="6350" cap="flat" cmpd="sng" algn="ctr">
-                      <a:solidFill>
-                        <a:srgbClr val="FFFFFF"/>
-                      </a:solidFill>
-                      <a:prstDash val="solid"/>
-                      <a:round/>
-                      <a:headEnd type="none" w="med" len="med"/>
-                      <a:tailEnd type="none" w="med" len="med"/>
-                    </a:lnR>
-                    <a:lnT w="6350" cap="flat" cmpd="sng" algn="ctr">
-                      <a:solidFill>
-                        <a:srgbClr val="FFFFFF"/>
-                      </a:solidFill>
-                      <a:prstDash val="solid"/>
-                      <a:round/>
-                      <a:headEnd type="none" w="med" len="med"/>
-                      <a:tailEnd type="none" w="med" len="med"/>
-                    </a:lnT>
-                    <a:lnB w="6350" cap="flat" cmpd="sng" algn="ctr">
-                      <a:solidFill>
-                        <a:srgbClr val="FFFFFF"/>
-                      </a:solidFill>
-                      <a:prstDash val="solid"/>
-                      <a:round/>
-                      <a:headEnd type="none" w="med" len="med"/>
-                      <a:tailEnd type="none" w="med" len="med"/>
-                    </a:lnB>
-                    <a:solidFill>
-                      <a:srgbClr val="DDEBF7"/>
-                    </a:solidFill>
-                  </a:tcPr>
-                </a:tc>
-                <a:tc>
-                  <a:txBody>
-                    <a:bodyPr/>
-                    <a:lstStyle/>
-                    <a:p>
-                      <a:pPr algn="l" rtl="0" fontAlgn="b"/>
-                      <a:r>
-                        <a:rPr lang="nl-NL" sz="1400" b="1" i="0" u="none" strike="noStrike">
-                          <a:solidFill>
-                            <a:srgbClr val="000000"/>
-                          </a:solidFill>
-                          <a:effectLst/>
-                          <a:latin typeface="Calibri" panose="020F0502020204030204" pitchFamily="34" charset="0"/>
-                        </a:rPr>
-                        <a:t>SPDR S&amp;P 500 ETF</a:t>
-                      </a:r>
-                    </a:p>
-                  </a:txBody>
-                  <a:tcPr marL="9525" marR="9525" marT="9525" marB="0" anchor="b">
-                    <a:lnL w="6350" cap="flat" cmpd="sng" algn="ctr">
-                      <a:solidFill>
-                        <a:srgbClr val="FFFFFF"/>
-                      </a:solidFill>
-                      <a:prstDash val="solid"/>
-                      <a:round/>
-                      <a:headEnd type="none" w="med" len="med"/>
-                      <a:tailEnd type="none" w="med" len="med"/>
-                    </a:lnL>
-                    <a:lnR w="6350" cap="flat" cmpd="sng" algn="ctr">
-                      <a:solidFill>
-                        <a:srgbClr val="FFFFFF"/>
-                      </a:solidFill>
-                      <a:prstDash val="solid"/>
-                      <a:round/>
-                      <a:headEnd type="none" w="med" len="med"/>
-                      <a:tailEnd type="none" w="med" len="med"/>
-                    </a:lnR>
-                    <a:lnT w="6350" cap="flat" cmpd="sng" algn="ctr">
-                      <a:solidFill>
-                        <a:srgbClr val="FFFFFF"/>
-                      </a:solidFill>
-                      <a:prstDash val="solid"/>
-                      <a:round/>
-                      <a:headEnd type="none" w="med" len="med"/>
-                      <a:tailEnd type="none" w="med" len="med"/>
-                    </a:lnT>
-                    <a:lnB w="6350" cap="flat" cmpd="sng" algn="ctr">
-                      <a:solidFill>
-                        <a:srgbClr val="FFFFFF"/>
-                      </a:solidFill>
-                      <a:prstDash val="solid"/>
-                      <a:round/>
-                      <a:headEnd type="none" w="med" len="med"/>
-                      <a:tailEnd type="none" w="med" len="med"/>
-                    </a:lnB>
-                    <a:solidFill>
-                      <a:srgbClr val="DDEBF7"/>
-                    </a:solidFill>
-                  </a:tcPr>
-                </a:tc>
-                <a:tc>
-                  <a:txBody>
-                    <a:bodyPr/>
-                    <a:lstStyle/>
-                    <a:p>
-                      <a:pPr algn="r" rtl="0" fontAlgn="b"/>
-                      <a:r>
-                        <a:rPr lang="en-US" sz="1400" b="1" i="0" u="none" strike="noStrike">
-                          <a:solidFill>
-                            <a:srgbClr val="000000"/>
-                          </a:solidFill>
-                          <a:effectLst/>
-                          <a:latin typeface="Calibri" panose="020F0502020204030204" pitchFamily="34" charset="0"/>
-                        </a:rPr>
-                        <a:t>                       200.49 </a:t>
-                      </a:r>
-                    </a:p>
-                  </a:txBody>
-                  <a:tcPr marL="9525" marR="9525" marT="9525" marB="0" anchor="b">
-                    <a:lnL w="6350" cap="flat" cmpd="sng" algn="ctr">
-                      <a:solidFill>
-                        <a:srgbClr val="FFFFFF"/>
-                      </a:solidFill>
-                      <a:prstDash val="solid"/>
-                      <a:round/>
-                      <a:headEnd type="none" w="med" len="med"/>
-                      <a:tailEnd type="none" w="med" len="med"/>
-                    </a:lnL>
-                    <a:lnR w="6350" cap="flat" cmpd="sng" algn="ctr">
-                      <a:solidFill>
-                        <a:srgbClr val="FFFFFF"/>
-                      </a:solidFill>
-                      <a:prstDash val="solid"/>
-                      <a:round/>
-                      <a:headEnd type="none" w="med" len="med"/>
-                      <a:tailEnd type="none" w="med" len="med"/>
-                    </a:lnR>
-                    <a:lnT w="6350" cap="flat" cmpd="sng" algn="ctr">
-                      <a:solidFill>
-                        <a:srgbClr val="FFFFFF"/>
-                      </a:solidFill>
-                      <a:prstDash val="solid"/>
-                      <a:round/>
-                      <a:headEnd type="none" w="med" len="med"/>
-                      <a:tailEnd type="none" w="med" len="med"/>
-                    </a:lnT>
-                    <a:lnB w="6350" cap="flat" cmpd="sng" algn="ctr">
-                      <a:solidFill>
-                        <a:srgbClr val="FFFFFF"/>
-                      </a:solidFill>
-                      <a:prstDash val="solid"/>
-                      <a:round/>
-                      <a:headEnd type="none" w="med" len="med"/>
-                      <a:tailEnd type="none" w="med" len="med"/>
-                    </a:lnB>
-                    <a:solidFill>
-                      <a:srgbClr val="DDEBF7"/>
-                    </a:solidFill>
-                  </a:tcPr>
-                </a:tc>
-                <a:tc>
-                  <a:txBody>
-                    <a:bodyPr/>
-                    <a:lstStyle/>
-                    <a:p>
-                      <a:pPr algn="r" rtl="0" fontAlgn="b"/>
-                      <a:r>
-                        <a:rPr lang="en-US" sz="1400" b="1" i="0" u="none" strike="noStrike" dirty="0">
-                          <a:solidFill>
-                            <a:srgbClr val="000000"/>
-                          </a:solidFill>
-                          <a:effectLst/>
-                          <a:latin typeface="Calibri" panose="020F0502020204030204" pitchFamily="34" charset="0"/>
-                        </a:rPr>
-                        <a:t>                            365.57 </a:t>
-                      </a:r>
-                    </a:p>
-                  </a:txBody>
-                  <a:tcPr marL="9525" marR="9525" marT="9525" marB="0" anchor="b">
-                    <a:lnL w="6350" cap="flat" cmpd="sng" algn="ctr">
-                      <a:solidFill>
-                        <a:srgbClr val="FFFFFF"/>
-                      </a:solidFill>
-                      <a:prstDash val="solid"/>
-                      <a:round/>
-                      <a:headEnd type="none" w="med" len="med"/>
-                      <a:tailEnd type="none" w="med" len="med"/>
-                    </a:lnL>
-                    <a:lnR w="6350" cap="flat" cmpd="sng" algn="ctr">
-                      <a:solidFill>
-                        <a:srgbClr val="FFFFFF"/>
-                      </a:solidFill>
-                      <a:prstDash val="solid"/>
-                      <a:round/>
-                      <a:headEnd type="none" w="med" len="med"/>
-                      <a:tailEnd type="none" w="med" len="med"/>
-                    </a:lnR>
-                    <a:lnT w="6350" cap="flat" cmpd="sng" algn="ctr">
-                      <a:solidFill>
-                        <a:srgbClr val="FFFFFF"/>
-                      </a:solidFill>
-                      <a:prstDash val="solid"/>
-                      <a:round/>
-                      <a:headEnd type="none" w="med" len="med"/>
-                      <a:tailEnd type="none" w="med" len="med"/>
-                    </a:lnT>
-                    <a:lnB w="6350" cap="flat" cmpd="sng" algn="ctr">
-                      <a:solidFill>
-                        <a:srgbClr val="FFFFFF"/>
-                      </a:solidFill>
-                      <a:prstDash val="solid"/>
-                      <a:round/>
-                      <a:headEnd type="none" w="med" len="med"/>
-                      <a:tailEnd type="none" w="med" len="med"/>
-                    </a:lnB>
-                    <a:solidFill>
-                      <a:srgbClr val="DDEBF7"/>
-                    </a:solidFill>
-                  </a:tcPr>
-                </a:tc>
-                <a:tc>
-                  <a:txBody>
-                    <a:bodyPr/>
-                    <a:lstStyle/>
-                    <a:p>
-                      <a:pPr algn="r" rtl="0" fontAlgn="b"/>
-                      <a:r>
-                        <a:rPr lang="en-US" sz="1400" b="1" i="0" u="none" strike="noStrike" dirty="0">
-                          <a:solidFill>
-                            <a:srgbClr val="000000"/>
-                          </a:solidFill>
-                          <a:effectLst/>
-                          <a:latin typeface="Calibri" panose="020F0502020204030204" pitchFamily="34" charset="0"/>
-                        </a:rPr>
-                        <a:t>N/A</a:t>
-                      </a:r>
-                    </a:p>
-                  </a:txBody>
-                  <a:tcPr marL="9525" marR="9525" marT="9525" marB="0" anchor="b">
-                    <a:lnL w="6350" cap="flat" cmpd="sng" algn="ctr">
-                      <a:solidFill>
-                        <a:srgbClr val="FFFFFF"/>
-                      </a:solidFill>
-                      <a:prstDash val="solid"/>
-                      <a:round/>
-                      <a:headEnd type="none" w="med" len="med"/>
-                      <a:tailEnd type="none" w="med" len="med"/>
-                    </a:lnL>
-                    <a:lnR w="6350" cap="flat" cmpd="sng" algn="ctr">
-                      <a:solidFill>
-                        <a:srgbClr val="FFFFFF"/>
-                      </a:solidFill>
-                      <a:prstDash val="solid"/>
-                      <a:round/>
-                      <a:headEnd type="none" w="med" len="med"/>
-                      <a:tailEnd type="none" w="med" len="med"/>
-                    </a:lnR>
-                    <a:lnT w="6350" cap="flat" cmpd="sng" algn="ctr">
-                      <a:solidFill>
-                        <a:srgbClr val="FFFFFF"/>
-                      </a:solidFill>
-                      <a:prstDash val="solid"/>
-                      <a:round/>
-                      <a:headEnd type="none" w="med" len="med"/>
-                      <a:tailEnd type="none" w="med" len="med"/>
-                    </a:lnT>
-                    <a:lnB w="6350" cap="flat" cmpd="sng" algn="ctr">
-                      <a:solidFill>
-                        <a:srgbClr val="FFFFFF"/>
-                      </a:solidFill>
-                      <a:prstDash val="solid"/>
-                      <a:round/>
-                      <a:headEnd type="none" w="med" len="med"/>
-                      <a:tailEnd type="none" w="med" len="med"/>
-                    </a:lnB>
-                    <a:solidFill>
-                      <a:srgbClr val="DDEBF7"/>
-                    </a:solidFill>
-                  </a:tcPr>
-                </a:tc>
-                <a:tc>
-                  <a:txBody>
-                    <a:bodyPr/>
-                    <a:lstStyle/>
-                    <a:p>
-                      <a:pPr algn="r" rtl="0" fontAlgn="b"/>
-                      <a:r>
-                        <a:rPr lang="en-US" sz="1400" b="1" i="0" u="none" strike="noStrike" dirty="0">
-                          <a:solidFill>
-                            <a:srgbClr val="000000"/>
-                          </a:solidFill>
-                          <a:effectLst/>
-                          <a:latin typeface="Calibri" panose="020F0502020204030204" pitchFamily="34" charset="0"/>
-                        </a:rPr>
-                        <a:t>12.2%</a:t>
-                      </a:r>
-                    </a:p>
-                  </a:txBody>
-                  <a:tcPr marL="9525" marR="9525" marT="9525" marB="0" anchor="b">
-                    <a:lnL w="6350" cap="flat" cmpd="sng" algn="ctr">
-                      <a:solidFill>
-                        <a:srgbClr val="FFFFFF"/>
-                      </a:solidFill>
-                      <a:prstDash val="solid"/>
-                      <a:round/>
-                      <a:headEnd type="none" w="med" len="med"/>
-                      <a:tailEnd type="none" w="med" len="med"/>
-                    </a:lnL>
-                    <a:lnR w="6350" cap="flat" cmpd="sng" algn="ctr">
-                      <a:solidFill>
-                        <a:srgbClr val="FFFFFF"/>
-                      </a:solidFill>
-                      <a:prstDash val="solid"/>
-                      <a:round/>
-                      <a:headEnd type="none" w="med" len="med"/>
-                      <a:tailEnd type="none" w="med" len="med"/>
-                    </a:lnR>
-                    <a:lnT w="6350" cap="flat" cmpd="sng" algn="ctr">
-                      <a:solidFill>
-                        <a:srgbClr val="FFFFFF"/>
-                      </a:solidFill>
-                      <a:prstDash val="solid"/>
-                      <a:round/>
-                      <a:headEnd type="none" w="med" len="med"/>
-                      <a:tailEnd type="none" w="med" len="med"/>
-                    </a:lnT>
-                    <a:lnB w="6350" cap="flat" cmpd="sng" algn="ctr">
-                      <a:solidFill>
-                        <a:srgbClr val="FFFFFF"/>
-                      </a:solidFill>
-                      <a:prstDash val="solid"/>
-                      <a:round/>
-                      <a:headEnd type="none" w="med" len="med"/>
-                      <a:tailEnd type="none" w="med" len="med"/>
-                    </a:lnB>
-                    <a:solidFill>
-                      <a:srgbClr val="DDEBF7"/>
-                    </a:solidFill>
-                  </a:tcPr>
-                </a:tc>
-                <a:tc>
-                  <a:txBody>
-                    <a:bodyPr/>
-                    <a:lstStyle/>
-                    <a:p>
-                      <a:pPr algn="r" rtl="0" fontAlgn="b"/>
-                      <a:r>
-                        <a:rPr lang="en-US" sz="1400" b="1" i="0" u="none" strike="noStrike" dirty="0">
-                          <a:solidFill>
-                            <a:srgbClr val="000000"/>
-                          </a:solidFill>
-                          <a:effectLst/>
-                          <a:latin typeface="Calibri" panose="020F0502020204030204" pitchFamily="34" charset="0"/>
-                        </a:rPr>
-                        <a:t>22.7%</a:t>
-                      </a:r>
-                    </a:p>
-                  </a:txBody>
-                  <a:tcPr marL="9525" marR="9525" marT="9525" marB="0" anchor="b">
-                    <a:lnL w="6350" cap="flat" cmpd="sng" algn="ctr">
-                      <a:solidFill>
-                        <a:srgbClr val="FFFFFF"/>
-                      </a:solidFill>
-                      <a:prstDash val="solid"/>
-                      <a:round/>
-                      <a:headEnd type="none" w="med" len="med"/>
-                      <a:tailEnd type="none" w="med" len="med"/>
-                    </a:lnL>
-                    <a:lnR w="6350" cap="flat" cmpd="sng" algn="ctr">
-                      <a:solidFill>
-                        <a:srgbClr val="FFFFFF"/>
-                      </a:solidFill>
-                      <a:prstDash val="solid"/>
-                      <a:round/>
-                      <a:headEnd type="none" w="med" len="med"/>
-                      <a:tailEnd type="none" w="med" len="med"/>
-                    </a:lnR>
-                    <a:lnT w="6350" cap="flat" cmpd="sng" algn="ctr">
-                      <a:solidFill>
-                        <a:srgbClr val="FFFFFF"/>
-                      </a:solidFill>
-                      <a:prstDash val="solid"/>
-                      <a:round/>
-                      <a:headEnd type="none" w="med" len="med"/>
-                      <a:tailEnd type="none" w="med" len="med"/>
-                    </a:lnT>
-                    <a:lnB w="6350" cap="flat" cmpd="sng" algn="ctr">
-                      <a:solidFill>
-                        <a:srgbClr val="FFFFFF"/>
-                      </a:solidFill>
-                      <a:prstDash val="solid"/>
-                      <a:round/>
-                      <a:headEnd type="none" w="med" len="med"/>
-                      <a:tailEnd type="none" w="med" len="med"/>
-                    </a:lnB>
-                    <a:solidFill>
-                      <a:srgbClr val="DDEBF7"/>
-                    </a:solidFill>
-                  </a:tcPr>
-                </a:tc>
-                <a:tc>
-                  <a:txBody>
-                    <a:bodyPr/>
-                    <a:lstStyle/>
-                    <a:p>
-                      <a:pPr algn="r" rtl="0" fontAlgn="b"/>
-                      <a:r>
-                        <a:rPr lang="en-US" sz="1400" b="1" i="0" u="none" strike="noStrike" dirty="0">
-                          <a:solidFill>
-                            <a:srgbClr val="000000"/>
-                          </a:solidFill>
-                          <a:effectLst/>
-                          <a:latin typeface="Calibri" panose="020F0502020204030204" pitchFamily="34" charset="0"/>
-                        </a:rPr>
-                        <a:t>82.3%</a:t>
-                      </a:r>
-                    </a:p>
-                  </a:txBody>
-                  <a:tcPr marL="9525" marR="9525" marT="9525" marB="0" anchor="b">
-                    <a:lnL w="6350" cap="flat" cmpd="sng" algn="ctr">
-                      <a:solidFill>
-                        <a:srgbClr val="FFFFFF"/>
-                      </a:solidFill>
-                      <a:prstDash val="solid"/>
-                      <a:round/>
-                      <a:headEnd type="none" w="med" len="med"/>
-                      <a:tailEnd type="none" w="med" len="med"/>
-                    </a:lnL>
-                    <a:lnR w="6350" cap="flat" cmpd="sng" algn="ctr">
-                      <a:solidFill>
-                        <a:srgbClr val="FFFFFF"/>
-                      </a:solidFill>
-                      <a:prstDash val="solid"/>
-                      <a:round/>
-                      <a:headEnd type="none" w="med" len="med"/>
-                      <a:tailEnd type="none" w="med" len="med"/>
-                    </a:lnR>
-                    <a:lnT w="6350" cap="flat" cmpd="sng" algn="ctr">
-                      <a:solidFill>
-                        <a:srgbClr val="FFFFFF"/>
-                      </a:solidFill>
-                      <a:prstDash val="solid"/>
-                      <a:round/>
-                      <a:headEnd type="none" w="med" len="med"/>
-                      <a:tailEnd type="none" w="med" len="med"/>
-                    </a:lnT>
-                    <a:lnB w="6350" cap="flat" cmpd="sng" algn="ctr">
-                      <a:solidFill>
-                        <a:srgbClr val="FFFFFF"/>
-                      </a:solidFill>
-                      <a:prstDash val="solid"/>
-                      <a:round/>
-                      <a:headEnd type="none" w="med" len="med"/>
-                      <a:tailEnd type="none" w="med" len="med"/>
-                    </a:lnB>
-                    <a:solidFill>
-                      <a:srgbClr val="DDEBF7"/>
-                    </a:solidFill>
-                  </a:tcPr>
-                </a:tc>
-                <a:extLst>
-                  <a:ext uri="{0D108BD9-81ED-4DB2-BD59-A6C34878D82A}">
-                    <a16:rowId xmlns:a16="http://schemas.microsoft.com/office/drawing/2014/main" val="1639943731"/>
-                  </a:ext>
-                </a:extLst>
-              </a:tr>
-            </a:tbl>
-          </a:graphicData>
-        </a:graphic>
-      </p:graphicFrame>
+          </p:nvPr>
+        </p:nvPicPr>
+        <p:blipFill>
+          <a:blip r:embed="rId3"/>
+          <a:stretch>
+            <a:fillRect/>
+          </a:stretch>
+        </p:blipFill>
+        <p:spPr>
+          <a:xfrm>
+            <a:off x="804287" y="3493979"/>
+            <a:ext cx="10528998" cy="1802260"/>
+          </a:xfrm>
+        </p:spPr>
+      </p:pic>
     </p:spTree>
     <p:extLst>
       <p:ext uri="{BB962C8B-B14F-4D97-AF65-F5344CB8AC3E}">
@@ -8004,20 +5617,20 @@
               </a:lnSpc>
             </a:pPr>
             <a:r>
-              <a:rPr lang="en-US" sz="1300" i="0">
+              <a:rPr lang="en-US" sz="1300" i="0" dirty="0">
                 <a:effectLst/>
               </a:rPr>
               <a:t>The pharmaceutical industry is part of the larger healthcare sector. Companies in the </a:t>
             </a:r>
             <a:r>
-              <a:rPr lang="en-US" sz="1300" i="0" u="sng">
+              <a:rPr lang="en-US" sz="1300" i="0" u="sng" dirty="0">
                 <a:effectLst/>
                 <a:hlinkClick r:id="rId2"/>
               </a:rPr>
               <a:t>pharmaceutical</a:t>
             </a:r>
             <a:r>
-              <a:rPr lang="en-US" sz="1300" i="0">
+              <a:rPr lang="en-US" sz="1300" i="0" dirty="0">
                 <a:effectLst/>
               </a:rPr>
               <a:t> industry research, develop, manufacture, and market medicines and drugs. </a:t>
@@ -8030,44 +5643,44 @@
               </a:lnSpc>
             </a:pPr>
             <a:r>
-              <a:rPr lang="en-US" sz="1300" i="0">
+              <a:rPr lang="en-US" sz="1300" i="0" dirty="0">
                 <a:effectLst/>
               </a:rPr>
               <a:t>Pharmaceutical stocks, as represented by the iShares U.S. Pharmaceuticals ETF (</a:t>
             </a:r>
             <a:r>
-              <a:rPr lang="en-US" sz="1300" i="0" u="sng">
+              <a:rPr lang="en-US" sz="1300" i="0" u="sng" dirty="0">
                 <a:effectLst/>
                 <a:hlinkClick r:id="rId3"/>
               </a:rPr>
               <a:t>IHE</a:t>
             </a:r>
             <a:r>
-              <a:rPr lang="en-US" sz="1300" i="0">
+              <a:rPr lang="en-US" sz="1300" i="0" dirty="0">
                 <a:effectLst/>
               </a:rPr>
               <a:t>), have underperformed the broader market over the past year. IHE has provided a total return of 16.3% over the last 12 months, below the Russell 1000's total return of 21.9%, as of December 2, 2020.</a:t>
             </a:r>
             <a:r>
-              <a:rPr lang="en-US" sz="1300" i="0" u="none" strike="noStrike" baseline="30000">
+              <a:rPr lang="en-US" sz="1300" i="0" u="none" strike="noStrike" baseline="30000" dirty="0">
                 <a:effectLst/>
               </a:rPr>
               <a:t>1</a:t>
             </a:r>
             <a:r>
-              <a:rPr lang="en-US" sz="1300" i="0">
+              <a:rPr lang="en-US" sz="1300" i="0" dirty="0">
                 <a:effectLst/>
               </a:rPr>
               <a:t>﻿ All statistics in the tables below are as of February 1</a:t>
             </a:r>
             <a:r>
-              <a:rPr lang="en-US" sz="1300" i="0" baseline="30000">
+              <a:rPr lang="en-US" sz="1300" i="0" baseline="30000" dirty="0">
                 <a:effectLst/>
               </a:rPr>
               <a:t>st</a:t>
             </a:r>
             <a:r>
-              <a:rPr lang="en-US" sz="1300" i="0">
+              <a:rPr lang="en-US" sz="1300" i="0" dirty="0">
                 <a:effectLst/>
               </a:rPr>
               <a:t>, 2021.</a:t>
@@ -8080,7 +5693,7 @@
               </a:lnSpc>
             </a:pPr>
             <a:r>
-              <a:rPr lang="en-US" sz="1300"/>
+              <a:rPr lang="en-US" sz="1300" dirty="0"/>
               <a:t>This analysis evaluates the top ten S&amp;P 500 pharmaceutical stocks with focus on the top three by Market Cap, draws conclusions and makes recommendations based on available data. </a:t>
             </a:r>
           </a:p>
@@ -9897,15 +7510,6 @@
 </file>
 
 <file path=customXml/item2.xml><?xml version="1.0" encoding="utf-8"?>
-<p:properties xmlns:p="http://schemas.microsoft.com/office/2006/metadata/properties" xmlns:xsi="http://www.w3.org/2001/XMLSchema-instance" xmlns:pc="http://schemas.microsoft.com/office/infopath/2007/PartnerControls">
-  <documentManagement>
-    <Status xmlns="71af3243-3dd4-4a8d-8c0d-dd76da1f02a5">Not started</Status>
-    <MediaServiceKeyPoints xmlns="71af3243-3dd4-4a8d-8c0d-dd76da1f02a5" xsi:nil="true"/>
-  </documentManagement>
-</p:properties>
-</file>
-
-<file path=customXml/item3.xml><?xml version="1.0" encoding="utf-8"?>
 <ct:contentTypeSchema xmlns:ct="http://schemas.microsoft.com/office/2006/metadata/contentType" xmlns:ma="http://schemas.microsoft.com/office/2006/metadata/properties/metaAttributes" ct:_="" ma:_="" ma:contentTypeName="Document" ma:contentTypeID="0x01010079F111ED35F8CC479449609E8A0923A6" ma:contentTypeVersion="12" ma:contentTypeDescription="Create a new document." ma:contentTypeScope="" ma:versionID="a410dd7f93c95333ffa1b60ed6adedd1">
   <xsd:schema xmlns:xsd="http://www.w3.org/2001/XMLSchema" xmlns:xs="http://www.w3.org/2001/XMLSchema" xmlns:p="http://schemas.microsoft.com/office/2006/metadata/properties" xmlns:ns2="71af3243-3dd4-4a8d-8c0d-dd76da1f02a5" xmlns:ns3="16c05727-aa75-4e4a-9b5f-8a80a1165891" targetNamespace="http://schemas.microsoft.com/office/2006/metadata/properties" ma:root="true" ma:fieldsID="a936d9baba76aa3866493feff160faab" ns2:_="" ns3:_="">
     <xsd:import namespace="71af3243-3dd4-4a8d-8c0d-dd76da1f02a5"/>
@@ -10126,6 +7730,15 @@
 </ct:contentTypeSchema>
 </file>
 
+<file path=customXml/item3.xml><?xml version="1.0" encoding="utf-8"?>
+<p:properties xmlns:p="http://schemas.microsoft.com/office/2006/metadata/properties" xmlns:xsi="http://www.w3.org/2001/XMLSchema-instance" xmlns:pc="http://schemas.microsoft.com/office/infopath/2007/PartnerControls">
+  <documentManagement>
+    <Status xmlns="71af3243-3dd4-4a8d-8c0d-dd76da1f02a5">Not started</Status>
+    <MediaServiceKeyPoints xmlns="71af3243-3dd4-4a8d-8c0d-dd76da1f02a5" xsi:nil="true"/>
+  </documentManagement>
+</p:properties>
+</file>
+
 <file path=customXml/itemProps1.xml><?xml version="1.0" encoding="utf-8"?>
 <ds:datastoreItem xmlns:ds="http://schemas.openxmlformats.org/officeDocument/2006/customXml" ds:itemID="{BB3242A4-1E6A-4E02-809C-4A24066EC01D}">
   <ds:schemaRefs>
@@ -10135,16 +7748,6 @@
 </file>
 
 <file path=customXml/itemProps2.xml><?xml version="1.0" encoding="utf-8"?>
-<ds:datastoreItem xmlns:ds="http://schemas.openxmlformats.org/officeDocument/2006/customXml" ds:itemID="{FBD2D995-20F0-4C14-BF62-1248AB4B484D}">
-  <ds:schemaRefs>
-    <ds:schemaRef ds:uri="http://schemas.microsoft.com/office/2006/metadata/properties"/>
-    <ds:schemaRef ds:uri="http://schemas.microsoft.com/office/infopath/2007/PartnerControls"/>
-    <ds:schemaRef ds:uri="71af3243-3dd4-4a8d-8c0d-dd76da1f02a5"/>
-  </ds:schemaRefs>
-</ds:datastoreItem>
-</file>
-
-<file path=customXml/itemProps3.xml><?xml version="1.0" encoding="utf-8"?>
 <ds:datastoreItem xmlns:ds="http://schemas.openxmlformats.org/officeDocument/2006/customXml" ds:itemID="{965255AC-12AC-4323-AA35-9BAC798B66BD}">
   <ds:schemaRefs>
     <ds:schemaRef ds:uri="http://schemas.microsoft.com/office/2006/metadata/contentType"/>
@@ -10161,4 +7764,14 @@
     <ds:schemaRef ds:uri="http://schemas.microsoft.com/internal/obd"/>
   </ds:schemaRefs>
 </ds:datastoreItem>
+</file>
+
+<file path=customXml/itemProps3.xml><?xml version="1.0" encoding="utf-8"?>
+<ds:datastoreItem xmlns:ds="http://schemas.openxmlformats.org/officeDocument/2006/customXml" ds:itemID="{FBD2D995-20F0-4C14-BF62-1248AB4B484D}">
+  <ds:schemaRefs>
+    <ds:schemaRef ds:uri="http://schemas.microsoft.com/office/2006/metadata/properties"/>
+    <ds:schemaRef ds:uri="http://schemas.microsoft.com/office/infopath/2007/PartnerControls"/>
+    <ds:schemaRef ds:uri="71af3243-3dd4-4a8d-8c0d-dd76da1f02a5"/>
+  </ds:schemaRefs>
+</ds:datastoreItem>
 </file>